--- a/resource/WebGIS课程大纲.pptx
+++ b/resource/WebGIS课程大纲.pptx
@@ -5,7 +5,7 @@
     <p:sldMasterId id="2147483648" r:id="rId1"/>
   </p:sldMasterIdLst>
   <p:notesMasterIdLst>
-    <p:notesMasterId r:id="rId14"/>
+    <p:notesMasterId r:id="rId15"/>
   </p:notesMasterIdLst>
   <p:sldIdLst>
     <p:sldId id="256" r:id="rId2"/>
@@ -14,12 +14,13 @@
     <p:sldId id="257" r:id="rId5"/>
     <p:sldId id="260" r:id="rId6"/>
     <p:sldId id="261" r:id="rId7"/>
-    <p:sldId id="262" r:id="rId8"/>
-    <p:sldId id="263" r:id="rId9"/>
-    <p:sldId id="264" r:id="rId10"/>
-    <p:sldId id="265" r:id="rId11"/>
-    <p:sldId id="266" r:id="rId12"/>
-    <p:sldId id="267" r:id="rId13"/>
+    <p:sldId id="268" r:id="rId8"/>
+    <p:sldId id="262" r:id="rId9"/>
+    <p:sldId id="263" r:id="rId10"/>
+    <p:sldId id="264" r:id="rId11"/>
+    <p:sldId id="265" r:id="rId12"/>
+    <p:sldId id="266" r:id="rId13"/>
+    <p:sldId id="267" r:id="rId14"/>
   </p:sldIdLst>
   <p:sldSz cx="12192000" cy="6858000"/>
   <p:notesSz cx="6858000" cy="9144000"/>
@@ -118,6 +119,11 @@
       </a:defRPr>
     </a:lvl9pPr>
   </p:defaultTextStyle>
+  <p:extLst>
+    <p:ext uri="{EFAFB233-063F-42B5-8137-9DF3F51BA10A}">
+      <p15:sldGuideLst xmlns:p15="http://schemas.microsoft.com/office/powerpoint/2012/main"/>
+    </p:ext>
+  </p:extLst>
 </p:presentation>
 </file>
 
@@ -203,7 +209,7 @@
           <a:p>
             <a:fld id="{C64D4C18-48F1-A246-955C-224CC65F3CC8}" type="datetimeFigureOut">
               <a:rPr kumimoji="1" lang="zh-CN" altLang="en-US" smtClean="0"/>
-              <a:t>2019/7/4</a:t>
+              <a:t>2019/7/5</a:t>
             </a:fld>
             <a:endParaRPr kumimoji="1" lang="zh-CN" altLang="en-US"/>
           </a:p>
@@ -619,6 +625,174 @@
           <a:bodyPr/>
           <a:lstStyle/>
           <a:p>
+            <a:endParaRPr lang="zh-CN" altLang="en-US"/>
+          </a:p>
+        </p:txBody>
+      </p:sp>
+      <p:sp>
+        <p:nvSpPr>
+          <p:cNvPr id="4" name="灯片编号占位符 3"/>
+          <p:cNvSpPr>
+            <a:spLocks noGrp="1"/>
+          </p:cNvSpPr>
+          <p:nvPr>
+            <p:ph type="sldNum" sz="quarter" idx="10"/>
+          </p:nvPr>
+        </p:nvSpPr>
+        <p:spPr/>
+        <p:txBody>
+          <a:bodyPr/>
+          <a:lstStyle/>
+          <a:p>
+            <a:fld id="{36E39361-D459-A247-8F6D-058C8D4D23B9}" type="slidenum">
+              <a:rPr kumimoji="1" lang="zh-CN" altLang="en-US" smtClean="0"/>
+              <a:t>7</a:t>
+            </a:fld>
+            <a:endParaRPr kumimoji="1" lang="zh-CN" altLang="en-US"/>
+          </a:p>
+        </p:txBody>
+      </p:sp>
+    </p:spTree>
+    <p:extLst>
+      <p:ext uri="{BB962C8B-B14F-4D97-AF65-F5344CB8AC3E}">
+        <p14:creationId xmlns:p14="http://schemas.microsoft.com/office/powerpoint/2010/main" val="476934450"/>
+      </p:ext>
+    </p:extLst>
+  </p:cSld>
+  <p:clrMapOvr>
+    <a:masterClrMapping/>
+  </p:clrMapOvr>
+</p:notes>
+</file>
+
+<file path=ppt/notesSlides/notesSlide3.xml><?xml version="1.0" encoding="utf-8"?>
+<p:notes xmlns:a="http://schemas.openxmlformats.org/drawingml/2006/main" xmlns:r="http://schemas.openxmlformats.org/officeDocument/2006/relationships" xmlns:p="http://schemas.openxmlformats.org/presentationml/2006/main">
+  <p:cSld>
+    <p:spTree>
+      <p:nvGrpSpPr>
+        <p:cNvPr id="1" name=""/>
+        <p:cNvGrpSpPr/>
+        <p:nvPr/>
+      </p:nvGrpSpPr>
+      <p:grpSpPr>
+        <a:xfrm>
+          <a:off x="0" y="0"/>
+          <a:ext cx="0" cy="0"/>
+          <a:chOff x="0" y="0"/>
+          <a:chExt cx="0" cy="0"/>
+        </a:xfrm>
+      </p:grpSpPr>
+      <p:sp>
+        <p:nvSpPr>
+          <p:cNvPr id="2" name="幻灯片图像占位符 1"/>
+          <p:cNvSpPr>
+            <a:spLocks noGrp="1" noRot="1" noChangeAspect="1"/>
+          </p:cNvSpPr>
+          <p:nvPr>
+            <p:ph type="sldImg"/>
+          </p:nvPr>
+        </p:nvSpPr>
+        <p:spPr/>
+      </p:sp>
+      <p:sp>
+        <p:nvSpPr>
+          <p:cNvPr id="3" name="备注占位符 2"/>
+          <p:cNvSpPr>
+            <a:spLocks noGrp="1"/>
+          </p:cNvSpPr>
+          <p:nvPr>
+            <p:ph type="body" idx="1"/>
+          </p:nvPr>
+        </p:nvSpPr>
+        <p:spPr/>
+        <p:txBody>
+          <a:bodyPr/>
+          <a:lstStyle/>
+          <a:p>
+            <a:endParaRPr lang="zh-CN" altLang="en-US"/>
+          </a:p>
+        </p:txBody>
+      </p:sp>
+      <p:sp>
+        <p:nvSpPr>
+          <p:cNvPr id="4" name="灯片编号占位符 3"/>
+          <p:cNvSpPr>
+            <a:spLocks noGrp="1"/>
+          </p:cNvSpPr>
+          <p:nvPr>
+            <p:ph type="sldNum" sz="quarter" idx="10"/>
+          </p:nvPr>
+        </p:nvSpPr>
+        <p:spPr/>
+        <p:txBody>
+          <a:bodyPr/>
+          <a:lstStyle/>
+          <a:p>
+            <a:fld id="{36E39361-D459-A247-8F6D-058C8D4D23B9}" type="slidenum">
+              <a:rPr kumimoji="1" lang="zh-CN" altLang="en-US" smtClean="0"/>
+              <a:t>9</a:t>
+            </a:fld>
+            <a:endParaRPr kumimoji="1" lang="zh-CN" altLang="en-US"/>
+          </a:p>
+        </p:txBody>
+      </p:sp>
+    </p:spTree>
+    <p:extLst>
+      <p:ext uri="{BB962C8B-B14F-4D97-AF65-F5344CB8AC3E}">
+        <p14:creationId xmlns:p14="http://schemas.microsoft.com/office/powerpoint/2010/main" val="1165709245"/>
+      </p:ext>
+    </p:extLst>
+  </p:cSld>
+  <p:clrMapOvr>
+    <a:masterClrMapping/>
+  </p:clrMapOvr>
+</p:notes>
+</file>
+
+<file path=ppt/notesSlides/notesSlide4.xml><?xml version="1.0" encoding="utf-8"?>
+<p:notes xmlns:a="http://schemas.openxmlformats.org/drawingml/2006/main" xmlns:r="http://schemas.openxmlformats.org/officeDocument/2006/relationships" xmlns:p="http://schemas.openxmlformats.org/presentationml/2006/main">
+  <p:cSld>
+    <p:spTree>
+      <p:nvGrpSpPr>
+        <p:cNvPr id="1" name=""/>
+        <p:cNvGrpSpPr/>
+        <p:nvPr/>
+      </p:nvGrpSpPr>
+      <p:grpSpPr>
+        <a:xfrm>
+          <a:off x="0" y="0"/>
+          <a:ext cx="0" cy="0"/>
+          <a:chOff x="0" y="0"/>
+          <a:chExt cx="0" cy="0"/>
+        </a:xfrm>
+      </p:grpSpPr>
+      <p:sp>
+        <p:nvSpPr>
+          <p:cNvPr id="2" name="幻灯片图像占位符 1"/>
+          <p:cNvSpPr>
+            <a:spLocks noGrp="1" noRot="1" noChangeAspect="1"/>
+          </p:cNvSpPr>
+          <p:nvPr>
+            <p:ph type="sldImg"/>
+          </p:nvPr>
+        </p:nvSpPr>
+        <p:spPr/>
+      </p:sp>
+      <p:sp>
+        <p:nvSpPr>
+          <p:cNvPr id="3" name="备注占位符 2"/>
+          <p:cNvSpPr>
+            <a:spLocks noGrp="1"/>
+          </p:cNvSpPr>
+          <p:nvPr>
+            <p:ph type="body" idx="1"/>
+          </p:nvPr>
+        </p:nvSpPr>
+        <p:spPr/>
+        <p:txBody>
+          <a:bodyPr/>
+          <a:lstStyle/>
+          <a:p>
             <a:endParaRPr kumimoji="1" lang="zh-CN" altLang="en-US" dirty="0"/>
           </a:p>
         </p:txBody>
@@ -640,7 +814,7 @@
           <a:p>
             <a:fld id="{36E39361-D459-A247-8F6D-058C8D4D23B9}" type="slidenum">
               <a:rPr kumimoji="1" lang="zh-CN" altLang="en-US" smtClean="0"/>
-              <a:t>9</a:t>
+              <a:t>10</a:t>
             </a:fld>
             <a:endParaRPr kumimoji="1" lang="zh-CN" altLang="en-US"/>
           </a:p>
@@ -709,7 +883,7 @@
           <a:noFill/>
           <a:extLst>
             <a:ext uri="{909E8E84-426E-40dd-AFC4-6F175D3DCCD1}">
-              <a14:hiddenFill xmlns:a14="http://schemas.microsoft.com/office/drawing/2010/main" xmlns="">
+              <a14:hiddenFill xmlns="" xmlns:a14="http://schemas.microsoft.com/office/drawing/2010/main">
                 <a:solidFill>
                   <a:srgbClr val="FFFFFF"/>
                 </a:solidFill>
@@ -769,7 +943,7 @@
             </a:ln>
             <a:extLst>
               <a:ext uri="{91240B29-F687-4f45-9708-019B960494DF}">
-                <a14:hiddenLine xmlns:a14="http://schemas.microsoft.com/office/drawing/2010/main" xmlns="" w="9525">
+                <a14:hiddenLine xmlns="" xmlns:a14="http://schemas.microsoft.com/office/drawing/2010/main" w="9525">
                   <a:solidFill>
                     <a:srgbClr val="000000"/>
                   </a:solidFill>
@@ -859,7 +1033,7 @@
             </a:ln>
             <a:extLst>
               <a:ext uri="{91240B29-F687-4f45-9708-019B960494DF}">
-                <a14:hiddenLine xmlns:a14="http://schemas.microsoft.com/office/drawing/2010/main" xmlns="" w="9525">
+                <a14:hiddenLine xmlns="" xmlns:a14="http://schemas.microsoft.com/office/drawing/2010/main" w="9525">
                   <a:solidFill>
                     <a:srgbClr val="000000"/>
                   </a:solidFill>
@@ -949,7 +1123,7 @@
             </a:ln>
             <a:extLst>
               <a:ext uri="{91240B29-F687-4f45-9708-019B960494DF}">
-                <a14:hiddenLine xmlns:a14="http://schemas.microsoft.com/office/drawing/2010/main" xmlns="" w="9525">
+                <a14:hiddenLine xmlns="" xmlns:a14="http://schemas.microsoft.com/office/drawing/2010/main" w="9525">
                   <a:solidFill>
                     <a:srgbClr val="000000"/>
                   </a:solidFill>
@@ -983,7 +1157,7 @@
             </a:ln>
             <a:extLst>
               <a:ext uri="{91240B29-F687-4f45-9708-019B960494DF}">
-                <a14:hiddenLine xmlns:a14="http://schemas.microsoft.com/office/drawing/2010/main" xmlns="" w="9525">
+                <a14:hiddenLine xmlns="" xmlns:a14="http://schemas.microsoft.com/office/drawing/2010/main" w="9525">
                   <a:solidFill>
                     <a:srgbClr val="000000"/>
                   </a:solidFill>
@@ -1073,7 +1247,7 @@
             </a:ln>
             <a:extLst>
               <a:ext uri="{91240B29-F687-4f45-9708-019B960494DF}">
-                <a14:hiddenLine xmlns:a14="http://schemas.microsoft.com/office/drawing/2010/main" xmlns="" w="9525">
+                <a14:hiddenLine xmlns="" xmlns:a14="http://schemas.microsoft.com/office/drawing/2010/main" w="9525">
                   <a:solidFill>
                     <a:srgbClr val="000000"/>
                   </a:solidFill>
@@ -1135,7 +1309,7 @@
             </a:ln>
             <a:extLst>
               <a:ext uri="{91240B29-F687-4f45-9708-019B960494DF}">
-                <a14:hiddenLine xmlns:a14="http://schemas.microsoft.com/office/drawing/2010/main" xmlns="" w="9525">
+                <a14:hiddenLine xmlns="" xmlns:a14="http://schemas.microsoft.com/office/drawing/2010/main" w="9525">
                   <a:solidFill>
                     <a:srgbClr val="000000"/>
                   </a:solidFill>
@@ -1197,7 +1371,7 @@
             </a:ln>
             <a:extLst>
               <a:ext uri="{91240B29-F687-4f45-9708-019B960494DF}">
-                <a14:hiddenLine xmlns:a14="http://schemas.microsoft.com/office/drawing/2010/main" xmlns="" w="9525">
+                <a14:hiddenLine xmlns="" xmlns:a14="http://schemas.microsoft.com/office/drawing/2010/main" w="9525">
                   <a:solidFill>
                     <a:srgbClr val="000000"/>
                   </a:solidFill>
@@ -1287,7 +1461,7 @@
             </a:ln>
             <a:extLst>
               <a:ext uri="{91240B29-F687-4f45-9708-019B960494DF}">
-                <a14:hiddenLine xmlns:a14="http://schemas.microsoft.com/office/drawing/2010/main" xmlns="" w="9525">
+                <a14:hiddenLine xmlns="" xmlns:a14="http://schemas.microsoft.com/office/drawing/2010/main" w="9525">
                   <a:solidFill>
                     <a:srgbClr val="000000"/>
                   </a:solidFill>
@@ -1349,7 +1523,7 @@
             </a:ln>
             <a:extLst>
               <a:ext uri="{91240B29-F687-4f45-9708-019B960494DF}">
-                <a14:hiddenLine xmlns:a14="http://schemas.microsoft.com/office/drawing/2010/main" xmlns="" w="9525">
+                <a14:hiddenLine xmlns="" xmlns:a14="http://schemas.microsoft.com/office/drawing/2010/main" w="9525">
                   <a:solidFill>
                     <a:srgbClr val="000000"/>
                   </a:solidFill>
@@ -1411,7 +1585,7 @@
             </a:ln>
             <a:extLst>
               <a:ext uri="{91240B29-F687-4f45-9708-019B960494DF}">
-                <a14:hiddenLine xmlns:a14="http://schemas.microsoft.com/office/drawing/2010/main" xmlns="" w="9525">
+                <a14:hiddenLine xmlns="" xmlns:a14="http://schemas.microsoft.com/office/drawing/2010/main" w="9525">
                   <a:solidFill>
                     <a:srgbClr val="000000"/>
                   </a:solidFill>
@@ -1501,7 +1675,7 @@
             </a:ln>
             <a:extLst>
               <a:ext uri="{91240B29-F687-4f45-9708-019B960494DF}">
-                <a14:hiddenLine xmlns:a14="http://schemas.microsoft.com/office/drawing/2010/main" xmlns="" w="9525">
+                <a14:hiddenLine xmlns="" xmlns:a14="http://schemas.microsoft.com/office/drawing/2010/main" w="9525">
                   <a:solidFill>
                     <a:srgbClr val="000000"/>
                   </a:solidFill>
@@ -1591,7 +1765,7 @@
             </a:ln>
             <a:extLst>
               <a:ext uri="{91240B29-F687-4f45-9708-019B960494DF}">
-                <a14:hiddenLine xmlns:a14="http://schemas.microsoft.com/office/drawing/2010/main" xmlns="" w="9525">
+                <a14:hiddenLine xmlns="" xmlns:a14="http://schemas.microsoft.com/office/drawing/2010/main" w="9525">
                   <a:solidFill>
                     <a:srgbClr val="000000"/>
                   </a:solidFill>
@@ -1653,7 +1827,7 @@
             </a:ln>
             <a:extLst>
               <a:ext uri="{91240B29-F687-4f45-9708-019B960494DF}">
-                <a14:hiddenLine xmlns:a14="http://schemas.microsoft.com/office/drawing/2010/main" xmlns="" w="9525">
+                <a14:hiddenLine xmlns="" xmlns:a14="http://schemas.microsoft.com/office/drawing/2010/main" w="9525">
                   <a:solidFill>
                     <a:srgbClr val="000000"/>
                   </a:solidFill>
@@ -1763,7 +1937,7 @@
             </a:ln>
             <a:extLst>
               <a:ext uri="{91240B29-F687-4f45-9708-019B960494DF}">
-                <a14:hiddenLine xmlns:a14="http://schemas.microsoft.com/office/drawing/2010/main" xmlns="" w="9525">
+                <a14:hiddenLine xmlns="" xmlns:a14="http://schemas.microsoft.com/office/drawing/2010/main" w="9525">
                   <a:solidFill>
                     <a:srgbClr val="000000"/>
                   </a:solidFill>
@@ -1825,7 +1999,7 @@
             </a:ln>
             <a:extLst>
               <a:ext uri="{91240B29-F687-4f45-9708-019B960494DF}">
-                <a14:hiddenLine xmlns:a14="http://schemas.microsoft.com/office/drawing/2010/main" xmlns="" w="9525">
+                <a14:hiddenLine xmlns="" xmlns:a14="http://schemas.microsoft.com/office/drawing/2010/main" w="9525">
                   <a:solidFill>
                     <a:srgbClr val="000000"/>
                   </a:solidFill>
@@ -1915,7 +2089,7 @@
             </a:ln>
             <a:extLst>
               <a:ext uri="{91240B29-F687-4f45-9708-019B960494DF}">
-                <a14:hiddenLine xmlns:a14="http://schemas.microsoft.com/office/drawing/2010/main" xmlns="" w="9525">
+                <a14:hiddenLine xmlns="" xmlns:a14="http://schemas.microsoft.com/office/drawing/2010/main" w="9525">
                   <a:solidFill>
                     <a:srgbClr val="000000"/>
                   </a:solidFill>
@@ -2005,7 +2179,7 @@
             </a:ln>
             <a:extLst>
               <a:ext uri="{91240B29-F687-4f45-9708-019B960494DF}">
-                <a14:hiddenLine xmlns:a14="http://schemas.microsoft.com/office/drawing/2010/main" xmlns="" w="9525">
+                <a14:hiddenLine xmlns="" xmlns:a14="http://schemas.microsoft.com/office/drawing/2010/main" w="9525">
                   <a:solidFill>
                     <a:srgbClr val="000000"/>
                   </a:solidFill>
@@ -2067,7 +2241,7 @@
             </a:ln>
             <a:extLst>
               <a:ext uri="{91240B29-F687-4f45-9708-019B960494DF}">
-                <a14:hiddenLine xmlns:a14="http://schemas.microsoft.com/office/drawing/2010/main" xmlns="" w="9525">
+                <a14:hiddenLine xmlns="" xmlns:a14="http://schemas.microsoft.com/office/drawing/2010/main" w="9525">
                   <a:solidFill>
                     <a:srgbClr val="000000"/>
                   </a:solidFill>
@@ -2157,7 +2331,7 @@
             </a:ln>
             <a:extLst>
               <a:ext uri="{91240B29-F687-4f45-9708-019B960494DF}">
-                <a14:hiddenLine xmlns:a14="http://schemas.microsoft.com/office/drawing/2010/main" xmlns="" w="9525">
+                <a14:hiddenLine xmlns="" xmlns:a14="http://schemas.microsoft.com/office/drawing/2010/main" w="9525">
                   <a:solidFill>
                     <a:srgbClr val="000000"/>
                   </a:solidFill>
@@ -2247,7 +2421,7 @@
             </a:ln>
             <a:extLst>
               <a:ext uri="{91240B29-F687-4f45-9708-019B960494DF}">
-                <a14:hiddenLine xmlns:a14="http://schemas.microsoft.com/office/drawing/2010/main" xmlns="" w="9525">
+                <a14:hiddenLine xmlns="" xmlns:a14="http://schemas.microsoft.com/office/drawing/2010/main" w="9525">
                   <a:solidFill>
                     <a:srgbClr val="000000"/>
                   </a:solidFill>
@@ -2303,7 +2477,7 @@
             </a:ln>
             <a:extLst>
               <a:ext uri="{91240B29-F687-4f45-9708-019B960494DF}">
-                <a14:hiddenLine xmlns:a14="http://schemas.microsoft.com/office/drawing/2010/main" xmlns="" w="9525">
+                <a14:hiddenLine xmlns="" xmlns:a14="http://schemas.microsoft.com/office/drawing/2010/main" w="9525">
                   <a:solidFill>
                     <a:srgbClr val="000000"/>
                   </a:solidFill>
@@ -2393,7 +2567,7 @@
             </a:ln>
             <a:extLst>
               <a:ext uri="{91240B29-F687-4f45-9708-019B960494DF}">
-                <a14:hiddenLine xmlns:a14="http://schemas.microsoft.com/office/drawing/2010/main" xmlns="" w="9525">
+                <a14:hiddenLine xmlns="" xmlns:a14="http://schemas.microsoft.com/office/drawing/2010/main" w="9525">
                   <a:solidFill>
                     <a:srgbClr val="000000"/>
                   </a:solidFill>
@@ -2449,7 +2623,7 @@
             </a:ln>
             <a:extLst>
               <a:ext uri="{91240B29-F687-4f45-9708-019B960494DF}">
-                <a14:hiddenLine xmlns:a14="http://schemas.microsoft.com/office/drawing/2010/main" xmlns="" w="9525">
+                <a14:hiddenLine xmlns="" xmlns:a14="http://schemas.microsoft.com/office/drawing/2010/main" w="9525">
                   <a:solidFill>
                     <a:srgbClr val="000000"/>
                   </a:solidFill>
@@ -2539,7 +2713,7 @@
             </a:ln>
             <a:extLst>
               <a:ext uri="{91240B29-F687-4f45-9708-019B960494DF}">
-                <a14:hiddenLine xmlns:a14="http://schemas.microsoft.com/office/drawing/2010/main" xmlns="" w="9525">
+                <a14:hiddenLine xmlns="" xmlns:a14="http://schemas.microsoft.com/office/drawing/2010/main" w="9525">
                   <a:solidFill>
                     <a:srgbClr val="000000"/>
                   </a:solidFill>
@@ -2607,7 +2781,7 @@
             </a:ln>
             <a:extLst>
               <a:ext uri="{91240B29-F687-4f45-9708-019B960494DF}">
-                <a14:hiddenLine xmlns:a14="http://schemas.microsoft.com/office/drawing/2010/main" xmlns="" w="9525">
+                <a14:hiddenLine xmlns="" xmlns:a14="http://schemas.microsoft.com/office/drawing/2010/main" w="9525">
                   <a:solidFill>
                     <a:srgbClr val="000000"/>
                   </a:solidFill>
@@ -2697,7 +2871,7 @@
             </a:ln>
             <a:extLst>
               <a:ext uri="{91240B29-F687-4f45-9708-019B960494DF}">
-                <a14:hiddenLine xmlns:a14="http://schemas.microsoft.com/office/drawing/2010/main" xmlns="" w="9525">
+                <a14:hiddenLine xmlns="" xmlns:a14="http://schemas.microsoft.com/office/drawing/2010/main" w="9525">
                   <a:solidFill>
                     <a:srgbClr val="000000"/>
                   </a:solidFill>
@@ -2765,7 +2939,7 @@
             </a:ln>
             <a:extLst>
               <a:ext uri="{91240B29-F687-4f45-9708-019B960494DF}">
-                <a14:hiddenLine xmlns:a14="http://schemas.microsoft.com/office/drawing/2010/main" xmlns="" w="9525">
+                <a14:hiddenLine xmlns="" xmlns:a14="http://schemas.microsoft.com/office/drawing/2010/main" w="9525">
                   <a:solidFill>
                     <a:srgbClr val="000000"/>
                   </a:solidFill>
@@ -2855,7 +3029,7 @@
             </a:ln>
             <a:extLst>
               <a:ext uri="{91240B29-F687-4f45-9708-019B960494DF}">
-                <a14:hiddenLine xmlns:a14="http://schemas.microsoft.com/office/drawing/2010/main" xmlns="" w="9525">
+                <a14:hiddenLine xmlns="" xmlns:a14="http://schemas.microsoft.com/office/drawing/2010/main" w="9525">
                   <a:solidFill>
                     <a:srgbClr val="000000"/>
                   </a:solidFill>
@@ -2889,7 +3063,7 @@
             </a:ln>
             <a:extLst>
               <a:ext uri="{91240B29-F687-4f45-9708-019B960494DF}">
-                <a14:hiddenLine xmlns:a14="http://schemas.microsoft.com/office/drawing/2010/main" xmlns="" w="9525">
+                <a14:hiddenLine xmlns="" xmlns:a14="http://schemas.microsoft.com/office/drawing/2010/main" w="9525">
                   <a:solidFill>
                     <a:srgbClr val="000000"/>
                   </a:solidFill>
@@ -2979,7 +3153,7 @@
             </a:ln>
             <a:extLst>
               <a:ext uri="{91240B29-F687-4f45-9708-019B960494DF}">
-                <a14:hiddenLine xmlns:a14="http://schemas.microsoft.com/office/drawing/2010/main" xmlns="" w="9525">
+                <a14:hiddenLine xmlns="" xmlns:a14="http://schemas.microsoft.com/office/drawing/2010/main" w="9525">
                   <a:solidFill>
                     <a:srgbClr val="000000"/>
                   </a:solidFill>
@@ -3041,7 +3215,7 @@
             </a:ln>
             <a:extLst>
               <a:ext uri="{91240B29-F687-4f45-9708-019B960494DF}">
-                <a14:hiddenLine xmlns:a14="http://schemas.microsoft.com/office/drawing/2010/main" xmlns="" w="9525">
+                <a14:hiddenLine xmlns="" xmlns:a14="http://schemas.microsoft.com/office/drawing/2010/main" w="9525">
                   <a:solidFill>
                     <a:srgbClr val="000000"/>
                   </a:solidFill>
@@ -3103,7 +3277,7 @@
             </a:ln>
             <a:extLst>
               <a:ext uri="{91240B29-F687-4f45-9708-019B960494DF}">
-                <a14:hiddenLine xmlns:a14="http://schemas.microsoft.com/office/drawing/2010/main" xmlns="" w="9525">
+                <a14:hiddenLine xmlns="" xmlns:a14="http://schemas.microsoft.com/office/drawing/2010/main" w="9525">
                   <a:solidFill>
                     <a:srgbClr val="000000"/>
                   </a:solidFill>
@@ -3193,7 +3367,7 @@
             </a:ln>
             <a:extLst>
               <a:ext uri="{91240B29-F687-4f45-9708-019B960494DF}">
-                <a14:hiddenLine xmlns:a14="http://schemas.microsoft.com/office/drawing/2010/main" xmlns="" w="9525">
+                <a14:hiddenLine xmlns="" xmlns:a14="http://schemas.microsoft.com/office/drawing/2010/main" w="9525">
                   <a:solidFill>
                     <a:srgbClr val="000000"/>
                   </a:solidFill>
@@ -3261,7 +3435,7 @@
             </a:ln>
             <a:extLst>
               <a:ext uri="{91240B29-F687-4f45-9708-019B960494DF}">
-                <a14:hiddenLine xmlns:a14="http://schemas.microsoft.com/office/drawing/2010/main" xmlns="" w="9525">
+                <a14:hiddenLine xmlns="" xmlns:a14="http://schemas.microsoft.com/office/drawing/2010/main" w="9525">
                   <a:solidFill>
                     <a:srgbClr val="000000"/>
                   </a:solidFill>
@@ -3323,7 +3497,7 @@
             </a:ln>
             <a:extLst>
               <a:ext uri="{91240B29-F687-4f45-9708-019B960494DF}">
-                <a14:hiddenLine xmlns:a14="http://schemas.microsoft.com/office/drawing/2010/main" xmlns="" w="9525">
+                <a14:hiddenLine xmlns="" xmlns:a14="http://schemas.microsoft.com/office/drawing/2010/main" w="9525">
                   <a:solidFill>
                     <a:srgbClr val="000000"/>
                   </a:solidFill>
@@ -3413,7 +3587,7 @@
             </a:ln>
             <a:extLst>
               <a:ext uri="{91240B29-F687-4f45-9708-019B960494DF}">
-                <a14:hiddenLine xmlns:a14="http://schemas.microsoft.com/office/drawing/2010/main" xmlns="" w="9525">
+                <a14:hiddenLine xmlns="" xmlns:a14="http://schemas.microsoft.com/office/drawing/2010/main" w="9525">
                   <a:solidFill>
                     <a:srgbClr val="000000"/>
                   </a:solidFill>
@@ -3475,7 +3649,7 @@
             </a:ln>
             <a:extLst>
               <a:ext uri="{91240B29-F687-4f45-9708-019B960494DF}">
-                <a14:hiddenLine xmlns:a14="http://schemas.microsoft.com/office/drawing/2010/main" xmlns="" w="9525">
+                <a14:hiddenLine xmlns="" xmlns:a14="http://schemas.microsoft.com/office/drawing/2010/main" w="9525">
                   <a:solidFill>
                     <a:srgbClr val="000000"/>
                   </a:solidFill>
@@ -3565,7 +3739,7 @@
             </a:ln>
             <a:extLst>
               <a:ext uri="{91240B29-F687-4f45-9708-019B960494DF}">
-                <a14:hiddenLine xmlns:a14="http://schemas.microsoft.com/office/drawing/2010/main" xmlns="" w="9525">
+                <a14:hiddenLine xmlns="" xmlns:a14="http://schemas.microsoft.com/office/drawing/2010/main" w="9525">
                   <a:solidFill>
                     <a:srgbClr val="000000"/>
                   </a:solidFill>
@@ -3627,7 +3801,7 @@
             </a:ln>
             <a:extLst>
               <a:ext uri="{91240B29-F687-4f45-9708-019B960494DF}">
-                <a14:hiddenLine xmlns:a14="http://schemas.microsoft.com/office/drawing/2010/main" xmlns="" w="9525">
+                <a14:hiddenLine xmlns="" xmlns:a14="http://schemas.microsoft.com/office/drawing/2010/main" w="9525">
                   <a:solidFill>
                     <a:srgbClr val="000000"/>
                   </a:solidFill>
@@ -3717,7 +3891,7 @@
             </a:ln>
             <a:extLst>
               <a:ext uri="{91240B29-F687-4f45-9708-019B960494DF}">
-                <a14:hiddenLine xmlns:a14="http://schemas.microsoft.com/office/drawing/2010/main" xmlns="" w="9525">
+                <a14:hiddenLine xmlns="" xmlns:a14="http://schemas.microsoft.com/office/drawing/2010/main" w="9525">
                   <a:solidFill>
                     <a:srgbClr val="000000"/>
                   </a:solidFill>
@@ -3751,7 +3925,7 @@
             </a:ln>
             <a:extLst>
               <a:ext uri="{91240B29-F687-4f45-9708-019B960494DF}">
-                <a14:hiddenLine xmlns:a14="http://schemas.microsoft.com/office/drawing/2010/main" xmlns="" w="9525">
+                <a14:hiddenLine xmlns="" xmlns:a14="http://schemas.microsoft.com/office/drawing/2010/main" w="9525">
                   <a:solidFill>
                     <a:srgbClr val="000000"/>
                   </a:solidFill>
@@ -3816,7 +3990,7 @@
             </a:ln>
             <a:extLst>
               <a:ext uri="{91240B29-F687-4f45-9708-019B960494DF}">
-                <a14:hiddenLine xmlns:a14="http://schemas.microsoft.com/office/drawing/2010/main" xmlns="" w="9525">
+                <a14:hiddenLine xmlns="" xmlns:a14="http://schemas.microsoft.com/office/drawing/2010/main" w="9525">
                   <a:solidFill>
                     <a:srgbClr val="000000"/>
                   </a:solidFill>
@@ -3906,7 +4080,7 @@
             </a:ln>
             <a:extLst>
               <a:ext uri="{91240B29-F687-4f45-9708-019B960494DF}">
-                <a14:hiddenLine xmlns:a14="http://schemas.microsoft.com/office/drawing/2010/main" xmlns="" w="9525">
+                <a14:hiddenLine xmlns="" xmlns:a14="http://schemas.microsoft.com/office/drawing/2010/main" w="9525">
                   <a:solidFill>
                     <a:srgbClr val="000000"/>
                   </a:solidFill>
@@ -3968,7 +4142,7 @@
             </a:ln>
             <a:extLst>
               <a:ext uri="{91240B29-F687-4f45-9708-019B960494DF}">
-                <a14:hiddenLine xmlns:a14="http://schemas.microsoft.com/office/drawing/2010/main" xmlns="" w="9525">
+                <a14:hiddenLine xmlns="" xmlns:a14="http://schemas.microsoft.com/office/drawing/2010/main" w="9525">
                   <a:solidFill>
                     <a:srgbClr val="000000"/>
                   </a:solidFill>
@@ -4058,7 +4232,7 @@
             </a:ln>
             <a:extLst>
               <a:ext uri="{91240B29-F687-4f45-9708-019B960494DF}">
-                <a14:hiddenLine xmlns:a14="http://schemas.microsoft.com/office/drawing/2010/main" xmlns="" w="9525">
+                <a14:hiddenLine xmlns="" xmlns:a14="http://schemas.microsoft.com/office/drawing/2010/main" w="9525">
                   <a:solidFill>
                     <a:srgbClr val="000000"/>
                   </a:solidFill>
@@ -4148,7 +4322,7 @@
             </a:ln>
             <a:extLst>
               <a:ext uri="{91240B29-F687-4f45-9708-019B960494DF}">
-                <a14:hiddenLine xmlns:a14="http://schemas.microsoft.com/office/drawing/2010/main" xmlns="" w="9525">
+                <a14:hiddenLine xmlns="" xmlns:a14="http://schemas.microsoft.com/office/drawing/2010/main" w="9525">
                   <a:solidFill>
                     <a:srgbClr val="000000"/>
                   </a:solidFill>
@@ -4213,7 +4387,7 @@
             </a:ln>
             <a:extLst>
               <a:ext uri="{91240B29-F687-4f45-9708-019B960494DF}">
-                <a14:hiddenLine xmlns:a14="http://schemas.microsoft.com/office/drawing/2010/main" xmlns="" w="9525">
+                <a14:hiddenLine xmlns="" xmlns:a14="http://schemas.microsoft.com/office/drawing/2010/main" w="9525">
                   <a:solidFill>
                     <a:srgbClr val="000000"/>
                   </a:solidFill>
@@ -4275,7 +4449,7 @@
             </a:ln>
             <a:extLst>
               <a:ext uri="{91240B29-F687-4f45-9708-019B960494DF}">
-                <a14:hiddenLine xmlns:a14="http://schemas.microsoft.com/office/drawing/2010/main" xmlns="" w="9525">
+                <a14:hiddenLine xmlns="" xmlns:a14="http://schemas.microsoft.com/office/drawing/2010/main" w="9525">
                   <a:solidFill>
                     <a:srgbClr val="000000"/>
                   </a:solidFill>
@@ -4365,7 +4539,7 @@
             </a:ln>
             <a:extLst>
               <a:ext uri="{91240B29-F687-4f45-9708-019B960494DF}">
-                <a14:hiddenLine xmlns:a14="http://schemas.microsoft.com/office/drawing/2010/main" xmlns="" w="9525">
+                <a14:hiddenLine xmlns="" xmlns:a14="http://schemas.microsoft.com/office/drawing/2010/main" w="9525">
                   <a:solidFill>
                     <a:srgbClr val="000000"/>
                   </a:solidFill>
@@ -4455,7 +4629,7 @@
             </a:ln>
             <a:extLst>
               <a:ext uri="{91240B29-F687-4f45-9708-019B960494DF}">
-                <a14:hiddenLine xmlns:a14="http://schemas.microsoft.com/office/drawing/2010/main" xmlns="" w="9525">
+                <a14:hiddenLine xmlns="" xmlns:a14="http://schemas.microsoft.com/office/drawing/2010/main" w="9525">
                   <a:solidFill>
                     <a:srgbClr val="000000"/>
                   </a:solidFill>
@@ -4517,7 +4691,7 @@
             </a:ln>
             <a:extLst>
               <a:ext uri="{91240B29-F687-4f45-9708-019B960494DF}">
-                <a14:hiddenLine xmlns:a14="http://schemas.microsoft.com/office/drawing/2010/main" xmlns="" w="9525">
+                <a14:hiddenLine xmlns="" xmlns:a14="http://schemas.microsoft.com/office/drawing/2010/main" w="9525">
                   <a:solidFill>
                     <a:srgbClr val="000000"/>
                   </a:solidFill>
@@ -4637,7 +4811,7 @@
             </a:ln>
             <a:extLst>
               <a:ext uri="{91240B29-F687-4f45-9708-019B960494DF}">
-                <a14:hiddenLine xmlns:a14="http://schemas.microsoft.com/office/drawing/2010/main" xmlns="" w="9525">
+                <a14:hiddenLine xmlns="" xmlns:a14="http://schemas.microsoft.com/office/drawing/2010/main" w="9525">
                   <a:solidFill>
                     <a:srgbClr val="000000"/>
                   </a:solidFill>
@@ -4705,7 +4879,7 @@
             </a:ln>
             <a:extLst>
               <a:ext uri="{91240B29-F687-4f45-9708-019B960494DF}">
-                <a14:hiddenLine xmlns:a14="http://schemas.microsoft.com/office/drawing/2010/main" xmlns="" w="9525">
+                <a14:hiddenLine xmlns="" xmlns:a14="http://schemas.microsoft.com/office/drawing/2010/main" w="9525">
                   <a:solidFill>
                     <a:srgbClr val="000000"/>
                   </a:solidFill>
@@ -4795,7 +4969,7 @@
             </a:ln>
             <a:extLst>
               <a:ext uri="{91240B29-F687-4f45-9708-019B960494DF}">
-                <a14:hiddenLine xmlns:a14="http://schemas.microsoft.com/office/drawing/2010/main" xmlns="" w="9525">
+                <a14:hiddenLine xmlns="" xmlns:a14="http://schemas.microsoft.com/office/drawing/2010/main" w="9525">
                   <a:solidFill>
                     <a:srgbClr val="000000"/>
                   </a:solidFill>
@@ -4935,7 +5109,7 @@
           <a:p>
             <a:fld id="{48A87A34-81AB-432B-8DAE-1953F412C126}" type="datetimeFigureOut">
               <a:rPr lang="en-US" dirty="0"/>
-              <a:t>7/4/19</a:t>
+              <a:t>7/5/2019</a:t>
             </a:fld>
             <a:endParaRPr lang="en-US" dirty="0"/>
           </a:p>
@@ -5197,7 +5371,7 @@
           <a:p>
             <a:fld id="{48A87A34-81AB-432B-8DAE-1953F412C126}" type="datetimeFigureOut">
               <a:rPr lang="en-US" dirty="0"/>
-              <a:t>7/4/19</a:t>
+              <a:t>7/5/2019</a:t>
             </a:fld>
             <a:endParaRPr lang="en-US" dirty="0"/>
           </a:p>
@@ -5388,7 +5562,7 @@
           <a:p>
             <a:fld id="{48A87A34-81AB-432B-8DAE-1953F412C126}" type="datetimeFigureOut">
               <a:rPr lang="en-US" dirty="0"/>
-              <a:t>7/4/19</a:t>
+              <a:t>7/5/2019</a:t>
             </a:fld>
             <a:endParaRPr lang="en-US" dirty="0"/>
           </a:p>
@@ -5646,7 +5820,7 @@
           <a:p>
             <a:fld id="{48A87A34-81AB-432B-8DAE-1953F412C126}" type="datetimeFigureOut">
               <a:rPr lang="en-US" dirty="0"/>
-              <a:t>7/4/19</a:t>
+              <a:t>7/5/2019</a:t>
             </a:fld>
             <a:endParaRPr lang="en-US" dirty="0"/>
           </a:p>
@@ -6075,7 +6249,7 @@
           <a:p>
             <a:fld id="{48A87A34-81AB-432B-8DAE-1953F412C126}" type="datetimeFigureOut">
               <a:rPr lang="en-US" dirty="0"/>
-              <a:t>7/4/19</a:t>
+              <a:t>7/5/2019</a:t>
             </a:fld>
             <a:endParaRPr lang="en-US" dirty="0"/>
           </a:p>
@@ -6616,7 +6790,7 @@
           <a:p>
             <a:fld id="{48A87A34-81AB-432B-8DAE-1953F412C126}" type="datetimeFigureOut">
               <a:rPr lang="en-US" dirty="0"/>
-              <a:t>7/4/19</a:t>
+              <a:t>7/5/2019</a:t>
             </a:fld>
             <a:endParaRPr lang="en-US" dirty="0"/>
           </a:p>
@@ -7331,7 +7505,7 @@
           <a:p>
             <a:fld id="{48A87A34-81AB-432B-8DAE-1953F412C126}" type="datetimeFigureOut">
               <a:rPr lang="en-US" dirty="0"/>
-              <a:t>7/4/19</a:t>
+              <a:t>7/5/2019</a:t>
             </a:fld>
             <a:endParaRPr lang="en-US" dirty="0"/>
           </a:p>
@@ -7496,7 +7670,7 @@
           <a:p>
             <a:fld id="{48A87A34-81AB-432B-8DAE-1953F412C126}" type="datetimeFigureOut">
               <a:rPr lang="en-US" dirty="0"/>
-              <a:t>7/4/19</a:t>
+              <a:t>7/5/2019</a:t>
             </a:fld>
             <a:endParaRPr lang="en-US" dirty="0"/>
           </a:p>
@@ -7671,7 +7845,7 @@
           <a:p>
             <a:fld id="{48A87A34-81AB-432B-8DAE-1953F412C126}" type="datetimeFigureOut">
               <a:rPr lang="en-US" dirty="0"/>
-              <a:t>7/4/19</a:t>
+              <a:t>7/5/2019</a:t>
             </a:fld>
             <a:endParaRPr lang="en-US" dirty="0"/>
           </a:p>
@@ -7836,7 +8010,7 @@
           <a:p>
             <a:fld id="{48A87A34-81AB-432B-8DAE-1953F412C126}" type="datetimeFigureOut">
               <a:rPr lang="en-US" dirty="0"/>
-              <a:t>7/4/19</a:t>
+              <a:t>7/5/2019</a:t>
             </a:fld>
             <a:endParaRPr lang="en-US" dirty="0"/>
           </a:p>
@@ -8081,7 +8255,7 @@
           <a:p>
             <a:fld id="{48A87A34-81AB-432B-8DAE-1953F412C126}" type="datetimeFigureOut">
               <a:rPr lang="en-US" dirty="0"/>
-              <a:t>7/4/19</a:t>
+              <a:t>7/5/2019</a:t>
             </a:fld>
             <a:endParaRPr lang="en-US" dirty="0"/>
           </a:p>
@@ -8308,7 +8482,7 @@
           <a:p>
             <a:fld id="{48A87A34-81AB-432B-8DAE-1953F412C126}" type="datetimeFigureOut">
               <a:rPr lang="en-US" dirty="0"/>
-              <a:t>7/4/19</a:t>
+              <a:t>7/5/2019</a:t>
             </a:fld>
             <a:endParaRPr lang="en-US" dirty="0"/>
           </a:p>
@@ -8684,7 +8858,7 @@
           <a:p>
             <a:fld id="{48A87A34-81AB-432B-8DAE-1953F412C126}" type="datetimeFigureOut">
               <a:rPr lang="en-US" dirty="0"/>
-              <a:t>7/4/19</a:t>
+              <a:t>7/5/2019</a:t>
             </a:fld>
             <a:endParaRPr lang="en-US" dirty="0"/>
           </a:p>
@@ -8797,7 +8971,7 @@
           <a:p>
             <a:fld id="{48A87A34-81AB-432B-8DAE-1953F412C126}" type="datetimeFigureOut">
               <a:rPr lang="en-US" dirty="0"/>
-              <a:t>7/4/19</a:t>
+              <a:t>7/5/2019</a:t>
             </a:fld>
             <a:endParaRPr lang="en-US" dirty="0"/>
           </a:p>
@@ -8887,7 +9061,7 @@
           <a:p>
             <a:fld id="{48A87A34-81AB-432B-8DAE-1953F412C126}" type="datetimeFigureOut">
               <a:rPr lang="en-US" dirty="0"/>
-              <a:t>7/4/19</a:t>
+              <a:t>7/5/2019</a:t>
             </a:fld>
             <a:endParaRPr lang="en-US" dirty="0"/>
           </a:p>
@@ -9131,7 +9305,7 @@
           <a:p>
             <a:fld id="{48A87A34-81AB-432B-8DAE-1953F412C126}" type="datetimeFigureOut">
               <a:rPr lang="en-US" dirty="0"/>
-              <a:t>7/4/19</a:t>
+              <a:t>7/5/2019</a:t>
             </a:fld>
             <a:endParaRPr lang="en-US" dirty="0"/>
           </a:p>
@@ -9406,7 +9580,7 @@
           <a:p>
             <a:fld id="{48A87A34-81AB-432B-8DAE-1953F412C126}" type="datetimeFigureOut">
               <a:rPr lang="en-US" dirty="0"/>
-              <a:t>7/4/19</a:t>
+              <a:t>7/5/2019</a:t>
             </a:fld>
             <a:endParaRPr lang="en-US" dirty="0"/>
           </a:p>
@@ -9517,7 +9691,7 @@
           <a:noFill/>
           <a:extLst>
             <a:ext uri="{909E8E84-426E-40dd-AFC4-6F175D3DCCD1}">
-              <a14:hiddenFill xmlns:a14="http://schemas.microsoft.com/office/drawing/2010/main" xmlns="">
+              <a14:hiddenFill xmlns="" xmlns:a14="http://schemas.microsoft.com/office/drawing/2010/main">
                 <a:solidFill>
                   <a:srgbClr val="FFFFFF"/>
                 </a:solidFill>
@@ -9591,7 +9765,7 @@
               </a:ln>
               <a:extLst>
                 <a:ext uri="{91240B29-F687-4f45-9708-019B960494DF}">
-                  <a14:hiddenLine xmlns:a14="http://schemas.microsoft.com/office/drawing/2010/main" xmlns="" w="9525">
+                  <a14:hiddenLine xmlns="" xmlns:a14="http://schemas.microsoft.com/office/drawing/2010/main" w="9525">
                     <a:solidFill>
                       <a:srgbClr val="000000"/>
                     </a:solidFill>
@@ -9681,7 +9855,7 @@
               </a:ln>
               <a:extLst>
                 <a:ext uri="{91240B29-F687-4f45-9708-019B960494DF}">
-                  <a14:hiddenLine xmlns:a14="http://schemas.microsoft.com/office/drawing/2010/main" xmlns="" w="9525">
+                  <a14:hiddenLine xmlns="" xmlns:a14="http://schemas.microsoft.com/office/drawing/2010/main" w="9525">
                     <a:solidFill>
                       <a:srgbClr val="000000"/>
                     </a:solidFill>
@@ -9771,7 +9945,7 @@
               </a:ln>
               <a:extLst>
                 <a:ext uri="{91240B29-F687-4f45-9708-019B960494DF}">
-                  <a14:hiddenLine xmlns:a14="http://schemas.microsoft.com/office/drawing/2010/main" xmlns="" w="9525">
+                  <a14:hiddenLine xmlns="" xmlns:a14="http://schemas.microsoft.com/office/drawing/2010/main" w="9525">
                     <a:solidFill>
                       <a:srgbClr val="000000"/>
                     </a:solidFill>
@@ -9833,7 +10007,7 @@
               </a:ln>
               <a:extLst>
                 <a:ext uri="{91240B29-F687-4f45-9708-019B960494DF}">
-                  <a14:hiddenLine xmlns:a14="http://schemas.microsoft.com/office/drawing/2010/main" xmlns="" w="9525">
+                  <a14:hiddenLine xmlns="" xmlns:a14="http://schemas.microsoft.com/office/drawing/2010/main" w="9525">
                     <a:solidFill>
                       <a:srgbClr val="000000"/>
                     </a:solidFill>
@@ -9923,7 +10097,7 @@
               </a:ln>
               <a:extLst>
                 <a:ext uri="{91240B29-F687-4f45-9708-019B960494DF}">
-                  <a14:hiddenLine xmlns:a14="http://schemas.microsoft.com/office/drawing/2010/main" xmlns="" w="9525">
+                  <a14:hiddenLine xmlns="" xmlns:a14="http://schemas.microsoft.com/office/drawing/2010/main" w="9525">
                     <a:solidFill>
                       <a:srgbClr val="000000"/>
                     </a:solidFill>
@@ -9985,7 +10159,7 @@
               </a:ln>
               <a:extLst>
                 <a:ext uri="{91240B29-F687-4f45-9708-019B960494DF}">
-                  <a14:hiddenLine xmlns:a14="http://schemas.microsoft.com/office/drawing/2010/main" xmlns="" w="9525">
+                  <a14:hiddenLine xmlns="" xmlns:a14="http://schemas.microsoft.com/office/drawing/2010/main" w="9525">
                     <a:solidFill>
                       <a:srgbClr val="000000"/>
                     </a:solidFill>
@@ -10047,7 +10221,7 @@
               </a:ln>
               <a:extLst>
                 <a:ext uri="{91240B29-F687-4f45-9708-019B960494DF}">
-                  <a14:hiddenLine xmlns:a14="http://schemas.microsoft.com/office/drawing/2010/main" xmlns="" w="9525">
+                  <a14:hiddenLine xmlns="" xmlns:a14="http://schemas.microsoft.com/office/drawing/2010/main" w="9525">
                     <a:solidFill>
                       <a:srgbClr val="000000"/>
                     </a:solidFill>
@@ -10137,7 +10311,7 @@
               </a:ln>
               <a:extLst>
                 <a:ext uri="{91240B29-F687-4f45-9708-019B960494DF}">
-                  <a14:hiddenLine xmlns:a14="http://schemas.microsoft.com/office/drawing/2010/main" xmlns="" w="9525">
+                  <a14:hiddenLine xmlns="" xmlns:a14="http://schemas.microsoft.com/office/drawing/2010/main" w="9525">
                     <a:solidFill>
                       <a:srgbClr val="000000"/>
                     </a:solidFill>
@@ -10227,7 +10401,7 @@
               </a:ln>
               <a:extLst>
                 <a:ext uri="{91240B29-F687-4f45-9708-019B960494DF}">
-                  <a14:hiddenLine xmlns:a14="http://schemas.microsoft.com/office/drawing/2010/main" xmlns="" w="9525">
+                  <a14:hiddenLine xmlns="" xmlns:a14="http://schemas.microsoft.com/office/drawing/2010/main" w="9525">
                     <a:solidFill>
                       <a:srgbClr val="000000"/>
                     </a:solidFill>
@@ -10289,7 +10463,7 @@
               </a:ln>
               <a:extLst>
                 <a:ext uri="{91240B29-F687-4f45-9708-019B960494DF}">
-                  <a14:hiddenLine xmlns:a14="http://schemas.microsoft.com/office/drawing/2010/main" xmlns="" w="9525">
+                  <a14:hiddenLine xmlns="" xmlns:a14="http://schemas.microsoft.com/office/drawing/2010/main" w="9525">
                     <a:solidFill>
                       <a:srgbClr val="000000"/>
                     </a:solidFill>
@@ -10399,7 +10573,7 @@
               </a:ln>
               <a:extLst>
                 <a:ext uri="{91240B29-F687-4f45-9708-019B960494DF}">
-                  <a14:hiddenLine xmlns:a14="http://schemas.microsoft.com/office/drawing/2010/main" xmlns="" w="9525">
+                  <a14:hiddenLine xmlns="" xmlns:a14="http://schemas.microsoft.com/office/drawing/2010/main" w="9525">
                     <a:solidFill>
                       <a:srgbClr val="000000"/>
                     </a:solidFill>
@@ -10483,7 +10657,7 @@
               </a:ln>
               <a:extLst>
                 <a:ext uri="{91240B29-F687-4f45-9708-019B960494DF}">
-                  <a14:hiddenLine xmlns:a14="http://schemas.microsoft.com/office/drawing/2010/main" xmlns="" w="9525">
+                  <a14:hiddenLine xmlns="" xmlns:a14="http://schemas.microsoft.com/office/drawing/2010/main" w="9525">
                     <a:solidFill>
                       <a:srgbClr val="000000"/>
                     </a:solidFill>
@@ -10545,7 +10719,7 @@
               </a:ln>
               <a:extLst>
                 <a:ext uri="{91240B29-F687-4f45-9708-019B960494DF}">
-                  <a14:hiddenLine xmlns:a14="http://schemas.microsoft.com/office/drawing/2010/main" xmlns="" w="9525">
+                  <a14:hiddenLine xmlns="" xmlns:a14="http://schemas.microsoft.com/office/drawing/2010/main" w="9525">
                     <a:solidFill>
                       <a:srgbClr val="000000"/>
                     </a:solidFill>
@@ -10607,7 +10781,7 @@
               </a:ln>
               <a:extLst>
                 <a:ext uri="{91240B29-F687-4f45-9708-019B960494DF}">
-                  <a14:hiddenLine xmlns:a14="http://schemas.microsoft.com/office/drawing/2010/main" xmlns="" w="9525">
+                  <a14:hiddenLine xmlns="" xmlns:a14="http://schemas.microsoft.com/office/drawing/2010/main" w="9525">
                     <a:solidFill>
                       <a:srgbClr val="000000"/>
                     </a:solidFill>
@@ -10697,7 +10871,7 @@
               </a:ln>
               <a:extLst>
                 <a:ext uri="{91240B29-F687-4f45-9708-019B960494DF}">
-                  <a14:hiddenLine xmlns:a14="http://schemas.microsoft.com/office/drawing/2010/main" xmlns="" w="9525">
+                  <a14:hiddenLine xmlns="" xmlns:a14="http://schemas.microsoft.com/office/drawing/2010/main" w="9525">
                     <a:solidFill>
                       <a:srgbClr val="000000"/>
                     </a:solidFill>
@@ -10731,7 +10905,7 @@
               </a:ln>
               <a:extLst>
                 <a:ext uri="{91240B29-F687-4f45-9708-019B960494DF}">
-                  <a14:hiddenLine xmlns:a14="http://schemas.microsoft.com/office/drawing/2010/main" xmlns="" w="9525">
+                  <a14:hiddenLine xmlns="" xmlns:a14="http://schemas.microsoft.com/office/drawing/2010/main" w="9525">
                     <a:solidFill>
                       <a:srgbClr val="000000"/>
                     </a:solidFill>
@@ -10796,7 +10970,7 @@
               </a:ln>
               <a:extLst>
                 <a:ext uri="{91240B29-F687-4f45-9708-019B960494DF}">
-                  <a14:hiddenLine xmlns:a14="http://schemas.microsoft.com/office/drawing/2010/main" xmlns="" w="9525">
+                  <a14:hiddenLine xmlns="" xmlns:a14="http://schemas.microsoft.com/office/drawing/2010/main" w="9525">
                     <a:solidFill>
                       <a:srgbClr val="000000"/>
                     </a:solidFill>
@@ -10886,7 +11060,7 @@
               </a:ln>
               <a:extLst>
                 <a:ext uri="{91240B29-F687-4f45-9708-019B960494DF}">
-                  <a14:hiddenLine xmlns:a14="http://schemas.microsoft.com/office/drawing/2010/main" xmlns="" w="9525">
+                  <a14:hiddenLine xmlns="" xmlns:a14="http://schemas.microsoft.com/office/drawing/2010/main" w="9525">
                     <a:solidFill>
                       <a:srgbClr val="000000"/>
                     </a:solidFill>
@@ -10948,7 +11122,7 @@
               </a:ln>
               <a:extLst>
                 <a:ext uri="{91240B29-F687-4f45-9708-019B960494DF}">
-                  <a14:hiddenLine xmlns:a14="http://schemas.microsoft.com/office/drawing/2010/main" xmlns="" w="9525">
+                  <a14:hiddenLine xmlns="" xmlns:a14="http://schemas.microsoft.com/office/drawing/2010/main" w="9525">
                     <a:solidFill>
                       <a:srgbClr val="000000"/>
                     </a:solidFill>
@@ -11038,7 +11212,7 @@
               </a:ln>
               <a:extLst>
                 <a:ext uri="{91240B29-F687-4f45-9708-019B960494DF}">
-                  <a14:hiddenLine xmlns:a14="http://schemas.microsoft.com/office/drawing/2010/main" xmlns="" w="9525">
+                  <a14:hiddenLine xmlns="" xmlns:a14="http://schemas.microsoft.com/office/drawing/2010/main" w="9525">
                     <a:solidFill>
                       <a:srgbClr val="000000"/>
                     </a:solidFill>
@@ -11103,7 +11277,7 @@
               </a:ln>
               <a:extLst>
                 <a:ext uri="{91240B29-F687-4f45-9708-019B960494DF}">
-                  <a14:hiddenLine xmlns:a14="http://schemas.microsoft.com/office/drawing/2010/main" xmlns="" w="9525">
+                  <a14:hiddenLine xmlns="" xmlns:a14="http://schemas.microsoft.com/office/drawing/2010/main" w="9525">
                     <a:solidFill>
                       <a:srgbClr val="000000"/>
                     </a:solidFill>
@@ -11165,7 +11339,7 @@
               </a:ln>
               <a:extLst>
                 <a:ext uri="{91240B29-F687-4f45-9708-019B960494DF}">
-                  <a14:hiddenLine xmlns:a14="http://schemas.microsoft.com/office/drawing/2010/main" xmlns="" w="9525">
+                  <a14:hiddenLine xmlns="" xmlns:a14="http://schemas.microsoft.com/office/drawing/2010/main" w="9525">
                     <a:solidFill>
                       <a:srgbClr val="000000"/>
                     </a:solidFill>
@@ -11255,7 +11429,7 @@
               </a:ln>
               <a:extLst>
                 <a:ext uri="{91240B29-F687-4f45-9708-019B960494DF}">
-                  <a14:hiddenLine xmlns:a14="http://schemas.microsoft.com/office/drawing/2010/main" xmlns="" w="9525">
+                  <a14:hiddenLine xmlns="" xmlns:a14="http://schemas.microsoft.com/office/drawing/2010/main" w="9525">
                     <a:solidFill>
                       <a:srgbClr val="000000"/>
                     </a:solidFill>
@@ -11345,7 +11519,7 @@
               </a:ln>
               <a:extLst>
                 <a:ext uri="{91240B29-F687-4f45-9708-019B960494DF}">
-                  <a14:hiddenLine xmlns:a14="http://schemas.microsoft.com/office/drawing/2010/main" xmlns="" w="9525">
+                  <a14:hiddenLine xmlns="" xmlns:a14="http://schemas.microsoft.com/office/drawing/2010/main" w="9525">
                     <a:solidFill>
                       <a:srgbClr val="000000"/>
                     </a:solidFill>
@@ -11410,7 +11584,7 @@
               </a:ln>
               <a:extLst>
                 <a:ext uri="{91240B29-F687-4f45-9708-019B960494DF}">
-                  <a14:hiddenLine xmlns:a14="http://schemas.microsoft.com/office/drawing/2010/main" xmlns="" w="9525">
+                  <a14:hiddenLine xmlns="" xmlns:a14="http://schemas.microsoft.com/office/drawing/2010/main" w="9525">
                     <a:solidFill>
                       <a:srgbClr val="000000"/>
                     </a:solidFill>
@@ -11530,7 +11704,7 @@
               </a:ln>
               <a:extLst>
                 <a:ext uri="{91240B29-F687-4f45-9708-019B960494DF}">
-                  <a14:hiddenLine xmlns:a14="http://schemas.microsoft.com/office/drawing/2010/main" xmlns="" w="9525">
+                  <a14:hiddenLine xmlns="" xmlns:a14="http://schemas.microsoft.com/office/drawing/2010/main" w="9525">
                     <a:solidFill>
                       <a:srgbClr val="000000"/>
                     </a:solidFill>
@@ -11628,7 +11802,7 @@
               </a:ln>
               <a:extLst>
                 <a:ext uri="{91240B29-F687-4f45-9708-019B960494DF}">
-                  <a14:hiddenLine xmlns:a14="http://schemas.microsoft.com/office/drawing/2010/main" xmlns="" w="9525">
+                  <a14:hiddenLine xmlns="" xmlns:a14="http://schemas.microsoft.com/office/drawing/2010/main" w="9525">
                     <a:solidFill>
                       <a:srgbClr val="000000"/>
                     </a:solidFill>
@@ -11743,7 +11917,7 @@
               </a:ln>
               <a:extLst>
                 <a:ext uri="{91240B29-F687-4f45-9708-019B960494DF}">
-                  <a14:hiddenLine xmlns:a14="http://schemas.microsoft.com/office/drawing/2010/main" xmlns="" w="9525">
+                  <a14:hiddenLine xmlns="" xmlns:a14="http://schemas.microsoft.com/office/drawing/2010/main" w="9525">
                     <a:solidFill>
                       <a:srgbClr val="000000"/>
                     </a:solidFill>
@@ -11833,7 +12007,7 @@
               </a:ln>
               <a:extLst>
                 <a:ext uri="{91240B29-F687-4f45-9708-019B960494DF}">
-                  <a14:hiddenLine xmlns:a14="http://schemas.microsoft.com/office/drawing/2010/main" xmlns="" w="9525">
+                  <a14:hiddenLine xmlns="" xmlns:a14="http://schemas.microsoft.com/office/drawing/2010/main" w="9525">
                     <a:solidFill>
                       <a:srgbClr val="000000"/>
                     </a:solidFill>
@@ -11898,7 +12072,7 @@
               </a:ln>
               <a:extLst>
                 <a:ext uri="{91240B29-F687-4f45-9708-019B960494DF}">
-                  <a14:hiddenLine xmlns:a14="http://schemas.microsoft.com/office/drawing/2010/main" xmlns="" w="9525">
+                  <a14:hiddenLine xmlns="" xmlns:a14="http://schemas.microsoft.com/office/drawing/2010/main" w="9525">
                     <a:solidFill>
                       <a:srgbClr val="000000"/>
                     </a:solidFill>
@@ -11988,7 +12162,7 @@
               </a:ln>
               <a:extLst>
                 <a:ext uri="{91240B29-F687-4f45-9708-019B960494DF}">
-                  <a14:hiddenLine xmlns:a14="http://schemas.microsoft.com/office/drawing/2010/main" xmlns="" w="9525">
+                  <a14:hiddenLine xmlns="" xmlns:a14="http://schemas.microsoft.com/office/drawing/2010/main" w="9525">
                     <a:solidFill>
                       <a:srgbClr val="000000"/>
                     </a:solidFill>
@@ -12056,7 +12230,7 @@
               </a:ln>
               <a:extLst>
                 <a:ext uri="{91240B29-F687-4f45-9708-019B960494DF}">
-                  <a14:hiddenLine xmlns:a14="http://schemas.microsoft.com/office/drawing/2010/main" xmlns="" w="9525">
+                  <a14:hiddenLine xmlns="" xmlns:a14="http://schemas.microsoft.com/office/drawing/2010/main" w="9525">
                     <a:solidFill>
                       <a:srgbClr val="000000"/>
                     </a:solidFill>
@@ -12146,7 +12320,7 @@
               </a:ln>
               <a:extLst>
                 <a:ext uri="{91240B29-F687-4f45-9708-019B960494DF}">
-                  <a14:hiddenLine xmlns:a14="http://schemas.microsoft.com/office/drawing/2010/main" xmlns="" w="9525">
+                  <a14:hiddenLine xmlns="" xmlns:a14="http://schemas.microsoft.com/office/drawing/2010/main" w="9525">
                     <a:solidFill>
                       <a:srgbClr val="000000"/>
                     </a:solidFill>
@@ -12214,7 +12388,7 @@
               </a:ln>
               <a:extLst>
                 <a:ext uri="{91240B29-F687-4f45-9708-019B960494DF}">
-                  <a14:hiddenLine xmlns:a14="http://schemas.microsoft.com/office/drawing/2010/main" xmlns="" w="9525">
+                  <a14:hiddenLine xmlns="" xmlns:a14="http://schemas.microsoft.com/office/drawing/2010/main" w="9525">
                     <a:solidFill>
                       <a:srgbClr val="000000"/>
                     </a:solidFill>
@@ -12304,7 +12478,7 @@
               </a:ln>
               <a:extLst>
                 <a:ext uri="{91240B29-F687-4f45-9708-019B960494DF}">
-                  <a14:hiddenLine xmlns:a14="http://schemas.microsoft.com/office/drawing/2010/main" xmlns="" w="9525">
+                  <a14:hiddenLine xmlns="" xmlns:a14="http://schemas.microsoft.com/office/drawing/2010/main" w="9525">
                     <a:solidFill>
                       <a:srgbClr val="000000"/>
                     </a:solidFill>
@@ -12338,7 +12512,7 @@
               </a:ln>
               <a:extLst>
                 <a:ext uri="{91240B29-F687-4f45-9708-019B960494DF}">
-                  <a14:hiddenLine xmlns:a14="http://schemas.microsoft.com/office/drawing/2010/main" xmlns="" w="9525">
+                  <a14:hiddenLine xmlns="" xmlns:a14="http://schemas.microsoft.com/office/drawing/2010/main" w="9525">
                     <a:solidFill>
                       <a:srgbClr val="000000"/>
                     </a:solidFill>
@@ -12479,7 +12653,7 @@
             <a:fld id="{48A87A34-81AB-432B-8DAE-1953F412C126}" type="datetimeFigureOut">
               <a:rPr lang="en-US" dirty="0"/>
               <a:pPr/>
-              <a:t>7/4/19</a:t>
+              <a:t>7/5/2019</a:t>
             </a:fld>
             <a:endParaRPr lang="en-US" dirty="0"/>
           </a:p>
@@ -12999,7 +13173,7 @@
           <a:p>
             <a:r>
               <a:rPr kumimoji="1" lang="zh-CN" altLang="en-US" dirty="0" smtClean="0"/>
-              <a:t>第五章 倾斜摄影与三维建模</a:t>
+              <a:t>第四章 互联网地图服务</a:t>
             </a:r>
             <a:endParaRPr kumimoji="1" lang="zh-CN" altLang="en-US" dirty="0"/>
           </a:p>
@@ -13022,28 +13196,47 @@
           <a:p>
             <a:r>
               <a:rPr kumimoji="1" lang="zh-CN" altLang="en-US" dirty="0" smtClean="0"/>
-              <a:t>倾斜摄影概念</a:t>
+              <a:t>百度地图</a:t>
             </a:r>
             <a:endParaRPr kumimoji="1" lang="en-US" altLang="zh-CN" dirty="0" smtClean="0"/>
           </a:p>
           <a:p>
             <a:r>
               <a:rPr kumimoji="1" lang="zh-CN" altLang="en-US" dirty="0" smtClean="0"/>
-              <a:t>航拍注意事项</a:t>
+              <a:t>高德地图</a:t>
             </a:r>
             <a:endParaRPr kumimoji="1" lang="en-US" altLang="zh-CN" dirty="0" smtClean="0"/>
           </a:p>
           <a:p>
             <a:r>
               <a:rPr kumimoji="1" lang="zh-CN" altLang="en-US" dirty="0" smtClean="0"/>
-              <a:t>三维建模</a:t>
+              <a:t>谷歌地图</a:t>
             </a:r>
             <a:endParaRPr kumimoji="1" lang="en-US" altLang="zh-CN" dirty="0" smtClean="0"/>
           </a:p>
           <a:p>
             <a:r>
+              <a:rPr kumimoji="1" lang="en-US" altLang="zh-CN" dirty="0" err="1" smtClean="0"/>
+              <a:t>Echarts</a:t>
+            </a:r>
+            <a:r>
               <a:rPr kumimoji="1" lang="zh-CN" altLang="en-US" dirty="0" smtClean="0"/>
-              <a:t>模型修饰</a:t>
+              <a:t> 中</a:t>
+            </a:r>
+            <a:r>
+              <a:rPr kumimoji="1" lang="en-US" altLang="zh-CN" dirty="0" smtClean="0"/>
+              <a:t>Map</a:t>
+            </a:r>
+            <a:r>
+              <a:rPr kumimoji="1" lang="zh-CN" altLang="en-US" dirty="0" smtClean="0"/>
+              <a:t> 应用</a:t>
+            </a:r>
+            <a:endParaRPr kumimoji="1" lang="en-US" altLang="zh-CN" dirty="0" smtClean="0"/>
+          </a:p>
+          <a:p>
+            <a:r>
+              <a:rPr kumimoji="1" lang="zh-CN" altLang="en-US" dirty="0" smtClean="0"/>
+              <a:t>定位、导航、手绘地图</a:t>
             </a:r>
             <a:endParaRPr kumimoji="1" lang="zh-CN" altLang="en-US" dirty="0"/>
           </a:p>
@@ -13052,7 +13245,7 @@
     </p:spTree>
     <p:extLst>
       <p:ext uri="{BB962C8B-B14F-4D97-AF65-F5344CB8AC3E}">
-        <p14:creationId xmlns:p14="http://schemas.microsoft.com/office/powerpoint/2010/main" val="960775036"/>
+        <p14:creationId xmlns:p14="http://schemas.microsoft.com/office/powerpoint/2010/main" val="1835153863"/>
       </p:ext>
     </p:extLst>
   </p:cSld>
@@ -13096,15 +13289,7 @@
           <a:p>
             <a:r>
               <a:rPr kumimoji="1" lang="zh-CN" altLang="en-US" dirty="0" smtClean="0"/>
-              <a:t>第六章  </a:t>
-            </a:r>
-            <a:r>
-              <a:rPr kumimoji="1" lang="en-US" altLang="zh-CN" dirty="0" err="1" smtClean="0"/>
-              <a:t>CESium</a:t>
-            </a:r>
-            <a:r>
-              <a:rPr kumimoji="1" lang="zh-CN" altLang="en-US" dirty="0" smtClean="0"/>
-              <a:t> 三维地图开发</a:t>
+              <a:t>第五章 倾斜摄影与三维建模</a:t>
             </a:r>
             <a:endParaRPr kumimoji="1" lang="zh-CN" altLang="en-US" dirty="0"/>
           </a:p>
@@ -13127,6 +13312,111 @@
           <a:p>
             <a:r>
               <a:rPr kumimoji="1" lang="zh-CN" altLang="en-US" dirty="0" smtClean="0"/>
+              <a:t>倾斜摄影概念</a:t>
+            </a:r>
+            <a:endParaRPr kumimoji="1" lang="en-US" altLang="zh-CN" dirty="0" smtClean="0"/>
+          </a:p>
+          <a:p>
+            <a:r>
+              <a:rPr kumimoji="1" lang="zh-CN" altLang="en-US" dirty="0" smtClean="0"/>
+              <a:t>航拍注意事项</a:t>
+            </a:r>
+            <a:endParaRPr kumimoji="1" lang="en-US" altLang="zh-CN" dirty="0" smtClean="0"/>
+          </a:p>
+          <a:p>
+            <a:r>
+              <a:rPr kumimoji="1" lang="zh-CN" altLang="en-US" dirty="0" smtClean="0"/>
+              <a:t>三维建模</a:t>
+            </a:r>
+            <a:endParaRPr kumimoji="1" lang="en-US" altLang="zh-CN" dirty="0" smtClean="0"/>
+          </a:p>
+          <a:p>
+            <a:r>
+              <a:rPr kumimoji="1" lang="zh-CN" altLang="en-US" dirty="0" smtClean="0"/>
+              <a:t>模型修饰</a:t>
+            </a:r>
+            <a:endParaRPr kumimoji="1" lang="zh-CN" altLang="en-US" dirty="0"/>
+          </a:p>
+        </p:txBody>
+      </p:sp>
+    </p:spTree>
+    <p:extLst>
+      <p:ext uri="{BB962C8B-B14F-4D97-AF65-F5344CB8AC3E}">
+        <p14:creationId xmlns:p14="http://schemas.microsoft.com/office/powerpoint/2010/main" val="960775036"/>
+      </p:ext>
+    </p:extLst>
+  </p:cSld>
+  <p:clrMapOvr>
+    <a:masterClrMapping/>
+  </p:clrMapOvr>
+</p:sld>
+</file>
+
+<file path=ppt/slides/slide12.xml><?xml version="1.0" encoding="utf-8"?>
+<p:sld xmlns:a="http://schemas.openxmlformats.org/drawingml/2006/main" xmlns:r="http://schemas.openxmlformats.org/officeDocument/2006/relationships" xmlns:p="http://schemas.openxmlformats.org/presentationml/2006/main">
+  <p:cSld>
+    <p:spTree>
+      <p:nvGrpSpPr>
+        <p:cNvPr id="1" name=""/>
+        <p:cNvGrpSpPr/>
+        <p:nvPr/>
+      </p:nvGrpSpPr>
+      <p:grpSpPr>
+        <a:xfrm>
+          <a:off x="0" y="0"/>
+          <a:ext cx="0" cy="0"/>
+          <a:chOff x="0" y="0"/>
+          <a:chExt cx="0" cy="0"/>
+        </a:xfrm>
+      </p:grpSpPr>
+      <p:sp>
+        <p:nvSpPr>
+          <p:cNvPr id="2" name="标题 1"/>
+          <p:cNvSpPr>
+            <a:spLocks noGrp="1"/>
+          </p:cNvSpPr>
+          <p:nvPr>
+            <p:ph type="title"/>
+          </p:nvPr>
+        </p:nvSpPr>
+        <p:spPr/>
+        <p:txBody>
+          <a:bodyPr/>
+          <a:lstStyle/>
+          <a:p>
+            <a:r>
+              <a:rPr kumimoji="1" lang="zh-CN" altLang="en-US" dirty="0" smtClean="0"/>
+              <a:t>第六章  </a:t>
+            </a:r>
+            <a:r>
+              <a:rPr kumimoji="1" lang="en-US" altLang="zh-CN" dirty="0" err="1" smtClean="0"/>
+              <a:t>CESium</a:t>
+            </a:r>
+            <a:r>
+              <a:rPr kumimoji="1" lang="zh-CN" altLang="en-US" dirty="0" smtClean="0"/>
+              <a:t> 三维地图开发</a:t>
+            </a:r>
+            <a:endParaRPr kumimoji="1" lang="zh-CN" altLang="en-US" dirty="0"/>
+          </a:p>
+        </p:txBody>
+      </p:sp>
+      <p:sp>
+        <p:nvSpPr>
+          <p:cNvPr id="3" name="内容占位符 2"/>
+          <p:cNvSpPr>
+            <a:spLocks noGrp="1"/>
+          </p:cNvSpPr>
+          <p:nvPr>
+            <p:ph idx="1"/>
+          </p:nvPr>
+        </p:nvSpPr>
+        <p:spPr/>
+        <p:txBody>
+          <a:bodyPr/>
+          <a:lstStyle/>
+          <a:p>
+            <a:r>
+              <a:rPr kumimoji="1" lang="zh-CN" altLang="en-US" dirty="0" smtClean="0"/>
               <a:t>基本概念</a:t>
             </a:r>
             <a:endParaRPr kumimoji="1" lang="en-US" altLang="zh-CN" dirty="0" smtClean="0"/>
@@ -13170,7 +13460,7 @@
 </p:sld>
 </file>
 
-<file path=ppt/slides/slide12.xml><?xml version="1.0" encoding="utf-8"?>
+<file path=ppt/slides/slide13.xml><?xml version="1.0" encoding="utf-8"?>
 <p:sld xmlns:a="http://schemas.openxmlformats.org/drawingml/2006/main" xmlns:r="http://schemas.openxmlformats.org/officeDocument/2006/relationships" xmlns:p="http://schemas.openxmlformats.org/presentationml/2006/main">
   <p:cSld>
     <p:spTree>
@@ -13469,7 +13759,7 @@
         <p:spPr/>
         <p:txBody>
           <a:bodyPr>
-            <a:normAutofit fontScale="92500"/>
+            <a:normAutofit fontScale="92500" lnSpcReduction="10000"/>
           </a:bodyPr>
           <a:lstStyle/>
           <a:p>
@@ -14177,40 +14467,19 @@
             <p:ph type="title"/>
           </p:nvPr>
         </p:nvSpPr>
-        <p:spPr/>
+        <p:spPr>
+          <a:xfrm>
+            <a:off x="1141413" y="618518"/>
+            <a:ext cx="9905998" cy="422882"/>
+          </a:xfrm>
+        </p:spPr>
         <p:txBody>
-          <a:bodyPr/>
+          <a:bodyPr>
+            <a:normAutofit fontScale="90000"/>
+          </a:bodyPr>
           <a:lstStyle/>
           <a:p>
-            <a:r>
-              <a:rPr kumimoji="1" lang="zh-CN" altLang="en-US" dirty="0" smtClean="0"/>
-              <a:t>第二章 </a:t>
-            </a:r>
-            <a:r>
-              <a:rPr kumimoji="1" lang="en-US" altLang="zh-CN" dirty="0" smtClean="0"/>
-              <a:t>ArcGIS</a:t>
-            </a:r>
-            <a:r>
-              <a:rPr kumimoji="1" lang="zh-CN" altLang="en-US" dirty="0" smtClean="0"/>
-              <a:t> </a:t>
-            </a:r>
-            <a:r>
-              <a:rPr kumimoji="1" lang="en-US" altLang="zh-CN" dirty="0" err="1" smtClean="0"/>
-              <a:t>javascript</a:t>
-            </a:r>
-            <a:r>
-              <a:rPr kumimoji="1" lang="zh-CN" altLang="en-US" dirty="0" smtClean="0"/>
-              <a:t> </a:t>
-            </a:r>
-            <a:r>
-              <a:rPr kumimoji="1" lang="en-US" altLang="zh-CN" dirty="0" err="1" smtClean="0"/>
-              <a:t>api</a:t>
-            </a:r>
-            <a:r>
-              <a:rPr kumimoji="1" lang="zh-CN" altLang="en-US" dirty="0" smtClean="0"/>
-              <a:t> 开发</a:t>
-            </a:r>
-            <a:endParaRPr kumimoji="1" lang="zh-CN" altLang="en-US" dirty="0"/>
+            <a:endParaRPr lang="zh-CN" altLang="en-US"/>
           </a:p>
         </p:txBody>
       </p:sp>
@@ -14224,135 +14493,95 @@
             <p:ph idx="1"/>
           </p:nvPr>
         </p:nvSpPr>
-        <p:spPr/>
+        <p:spPr>
+          <a:xfrm>
+            <a:off x="1141412" y="1143000"/>
+            <a:ext cx="9905999" cy="4648201"/>
+          </a:xfrm>
+        </p:spPr>
         <p:txBody>
-          <a:bodyPr>
-            <a:normAutofit fontScale="92500" lnSpcReduction="10000"/>
-          </a:bodyPr>
+          <a:bodyPr/>
           <a:lstStyle/>
           <a:p>
             <a:r>
-              <a:rPr kumimoji="1" lang="en-US" altLang="zh-CN" dirty="0" smtClean="0"/>
-              <a:t>1</a:t>
-            </a:r>
-            <a:r>
-              <a:rPr kumimoji="1" lang="zh-CN" altLang="en-US" dirty="0" smtClean="0"/>
-              <a:t>、版本</a:t>
-            </a:r>
-            <a:endParaRPr kumimoji="1" lang="en-US" altLang="zh-CN" dirty="0" smtClean="0"/>
-          </a:p>
-          <a:p>
-            <a:r>
-              <a:rPr kumimoji="1" lang="en-US" altLang="zh-CN" dirty="0" smtClean="0"/>
-              <a:t>2</a:t>
-            </a:r>
-            <a:r>
-              <a:rPr kumimoji="1" lang="zh-CN" altLang="en-US" dirty="0" smtClean="0"/>
-              <a:t>、基本概念</a:t>
-            </a:r>
-            <a:endParaRPr kumimoji="1" lang="en-US" altLang="zh-CN" dirty="0" smtClean="0"/>
-          </a:p>
-          <a:p>
-            <a:r>
-              <a:rPr kumimoji="1" lang="en-US" altLang="zh-CN" dirty="0" smtClean="0"/>
-              <a:t>3</a:t>
-            </a:r>
-            <a:r>
-              <a:rPr kumimoji="1" lang="zh-CN" altLang="en-US" dirty="0" smtClean="0"/>
-              <a:t>、点线面</a:t>
-            </a:r>
-            <a:endParaRPr kumimoji="1" lang="en-US" altLang="zh-CN" dirty="0" smtClean="0"/>
-          </a:p>
-          <a:p>
-            <a:r>
-              <a:rPr kumimoji="1" lang="en-US" altLang="zh-CN" dirty="0" smtClean="0"/>
-              <a:t>4</a:t>
-            </a:r>
-            <a:r>
-              <a:rPr kumimoji="1" lang="zh-CN" altLang="en-US" dirty="0" smtClean="0"/>
-              <a:t>、</a:t>
-            </a:r>
-            <a:r>
-              <a:rPr kumimoji="1" lang="en-US" altLang="zh-CN" dirty="0" smtClean="0"/>
-              <a:t>GP</a:t>
-            </a:r>
-            <a:r>
-              <a:rPr kumimoji="1" lang="zh-CN" altLang="en-US" dirty="0" smtClean="0"/>
-              <a:t>服务发布与调用</a:t>
-            </a:r>
-            <a:endParaRPr kumimoji="1" lang="en-US" altLang="zh-CN" dirty="0" smtClean="0"/>
-          </a:p>
-          <a:p>
-            <a:r>
-              <a:rPr kumimoji="1" lang="en-US" altLang="zh-CN" dirty="0" smtClean="0"/>
-              <a:t>5</a:t>
-            </a:r>
-            <a:r>
-              <a:rPr kumimoji="1" lang="zh-CN" altLang="en-US" dirty="0" smtClean="0"/>
-              <a:t>、高级应用（空间查询）</a:t>
-            </a:r>
-            <a:endParaRPr kumimoji="1" lang="en-US" altLang="zh-CN" dirty="0" smtClean="0"/>
-          </a:p>
-          <a:p>
-            <a:r>
-              <a:rPr kumimoji="1" lang="en-US" altLang="zh-CN" dirty="0" smtClean="0"/>
-              <a:t>6</a:t>
-            </a:r>
-            <a:r>
-              <a:rPr kumimoji="1" lang="zh-CN" altLang="en-US" dirty="0" smtClean="0"/>
-              <a:t>、离线部署</a:t>
-            </a:r>
-            <a:endParaRPr kumimoji="1" lang="en-US" altLang="zh-CN" dirty="0" smtClean="0"/>
-          </a:p>
-          <a:p>
-            <a:r>
-              <a:rPr kumimoji="1" lang="en-US" altLang="zh-CN" dirty="0" smtClean="0"/>
-              <a:t>7</a:t>
-            </a:r>
-            <a:r>
-              <a:rPr kumimoji="1" lang="zh-CN" altLang="en-US" dirty="0" smtClean="0"/>
-              <a:t>、</a:t>
-            </a:r>
-            <a:r>
-              <a:rPr kumimoji="1" lang="en-US" altLang="zh-CN" dirty="0" smtClean="0"/>
-              <a:t>web</a:t>
-            </a:r>
-            <a:r>
-              <a:rPr kumimoji="1" lang="zh-CN" altLang="en-US" dirty="0" smtClean="0"/>
-              <a:t>开发基础（</a:t>
-            </a:r>
-            <a:r>
-              <a:rPr kumimoji="1" lang="en-US" altLang="zh-CN" dirty="0" smtClean="0"/>
-              <a:t>html</a:t>
-            </a:r>
-            <a:r>
-              <a:rPr kumimoji="1" lang="zh-CN" altLang="en-US" dirty="0" smtClean="0"/>
-              <a:t> </a:t>
-            </a:r>
-            <a:r>
-              <a:rPr kumimoji="1" lang="en-US" altLang="zh-CN" dirty="0" err="1" smtClean="0"/>
-              <a:t>css</a:t>
-            </a:r>
-            <a:r>
-              <a:rPr kumimoji="1" lang="zh-CN" altLang="en-US" dirty="0" smtClean="0"/>
-              <a:t> </a:t>
-            </a:r>
-            <a:r>
-              <a:rPr kumimoji="1" lang="en-US" altLang="zh-CN" dirty="0" err="1" smtClean="0"/>
-              <a:t>javascript</a:t>
-            </a:r>
-            <a:r>
-              <a:rPr kumimoji="1" lang="en-US" altLang="zh-CN" dirty="0" smtClean="0"/>
-              <a:t>)</a:t>
-            </a:r>
-            <a:endParaRPr kumimoji="1" lang="zh-CN" altLang="en-US" dirty="0"/>
+              <a:rPr lang="zh-CN" altLang="en-US" smtClean="0"/>
+              <a:t>大地坐标系</a:t>
+            </a:r>
+            <a:endParaRPr lang="en-US" altLang="zh-CN"/>
+          </a:p>
+          <a:p>
+            <a:r>
+              <a:rPr lang="zh-CN" altLang="en-US" smtClean="0"/>
+              <a:t>空间直角坐标系</a:t>
+            </a:r>
+            <a:endParaRPr lang="en-US" altLang="zh-CN"/>
+          </a:p>
+          <a:p>
+            <a:r>
+              <a:rPr lang="zh-CN" altLang="en-US" smtClean="0"/>
+              <a:t>平面直角坐标系</a:t>
+            </a:r>
+            <a:endParaRPr lang="en-US" altLang="zh-CN"/>
+          </a:p>
+          <a:p>
+            <a:r>
+              <a:rPr lang="zh-CN" altLang="en-US" smtClean="0"/>
+              <a:t>地方独立坐标系</a:t>
+            </a:r>
+            <a:endParaRPr lang="en-US" altLang="zh-CN" smtClean="0"/>
+          </a:p>
+          <a:p>
+            <a:r>
+              <a:rPr lang="zh-CN" altLang="en-US" smtClean="0"/>
+              <a:t>北京</a:t>
+            </a:r>
+            <a:r>
+              <a:rPr lang="en-US" altLang="zh-CN" smtClean="0"/>
+              <a:t>54</a:t>
+            </a:r>
+          </a:p>
+          <a:p>
+            <a:r>
+              <a:rPr lang="zh-CN" altLang="en-US" smtClean="0"/>
+              <a:t>西安</a:t>
+            </a:r>
+            <a:r>
+              <a:rPr lang="en-US" altLang="zh-CN" smtClean="0"/>
+              <a:t>80</a:t>
+            </a:r>
+          </a:p>
+          <a:p>
+            <a:r>
+              <a:rPr lang="en-US" altLang="zh-CN" smtClean="0"/>
+              <a:t>Wgs84</a:t>
+            </a:r>
+          </a:p>
+          <a:p>
+            <a:r>
+              <a:rPr lang="zh-CN" altLang="en-US" smtClean="0"/>
+              <a:t>大地</a:t>
+            </a:r>
+            <a:r>
+              <a:rPr lang="en-US" altLang="zh-CN" smtClean="0"/>
+              <a:t>2000</a:t>
+            </a:r>
+            <a:endParaRPr lang="en-US" altLang="zh-CN"/>
+          </a:p>
+          <a:p>
+            <a:endParaRPr lang="en-US" altLang="zh-CN"/>
+          </a:p>
+          <a:p>
+            <a:endParaRPr lang="en-US" altLang="zh-CN" smtClean="0"/>
+          </a:p>
+          <a:p>
+            <a:endParaRPr lang="zh-CN" altLang="en-US"/>
           </a:p>
         </p:txBody>
       </p:sp>
     </p:spTree>
     <p:extLst>
       <p:ext uri="{BB962C8B-B14F-4D97-AF65-F5344CB8AC3E}">
-        <p14:creationId xmlns:p14="http://schemas.microsoft.com/office/powerpoint/2010/main" val="827843304"/>
+        <p14:creationId xmlns:p14="http://schemas.microsoft.com/office/powerpoint/2010/main" val="2326243029"/>
       </p:ext>
     </p:extLst>
   </p:cSld>
@@ -14396,15 +14625,31 @@
           <a:p>
             <a:r>
               <a:rPr kumimoji="1" lang="zh-CN" altLang="en-US" dirty="0" smtClean="0"/>
-              <a:t>第三章 开源</a:t>
+              <a:t>第二章 </a:t>
+            </a:r>
+            <a:r>
+              <a:rPr kumimoji="1" lang="en-US" altLang="zh-CN" dirty="0" smtClean="0"/>
+              <a:t>ArcGIS</a:t>
+            </a:r>
+            <a:r>
+              <a:rPr kumimoji="1" lang="zh-CN" altLang="en-US" dirty="0" smtClean="0"/>
+              <a:t> </a:t>
             </a:r>
             <a:r>
               <a:rPr kumimoji="1" lang="en-US" altLang="zh-CN" dirty="0" err="1" smtClean="0"/>
-              <a:t>WebGIS</a:t>
+              <a:t>javascript</a:t>
             </a:r>
             <a:r>
               <a:rPr kumimoji="1" lang="zh-CN" altLang="en-US" dirty="0" smtClean="0"/>
-              <a:t>解决方案</a:t>
+              <a:t> </a:t>
+            </a:r>
+            <a:r>
+              <a:rPr kumimoji="1" lang="en-US" altLang="zh-CN" dirty="0" err="1" smtClean="0"/>
+              <a:t>api</a:t>
+            </a:r>
+            <a:r>
+              <a:rPr kumimoji="1" lang="zh-CN" altLang="en-US" dirty="0" smtClean="0"/>
+              <a:t> 开发</a:t>
             </a:r>
             <a:endParaRPr kumimoji="1" lang="zh-CN" altLang="en-US" dirty="0"/>
           </a:p>
@@ -14422,35 +14667,125 @@
         </p:nvSpPr>
         <p:spPr/>
         <p:txBody>
-          <a:bodyPr/>
+          <a:bodyPr>
+            <a:normAutofit fontScale="92500" lnSpcReduction="10000"/>
+          </a:bodyPr>
           <a:lstStyle/>
           <a:p>
             <a:r>
+              <a:rPr kumimoji="1" lang="en-US" altLang="zh-CN" dirty="0" smtClean="0"/>
+              <a:t>1</a:t>
+            </a:r>
+            <a:r>
+              <a:rPr kumimoji="1" lang="zh-CN" altLang="en-US" dirty="0" smtClean="0"/>
+              <a:t>、版本</a:t>
+            </a:r>
+            <a:endParaRPr kumimoji="1" lang="en-US" altLang="zh-CN" dirty="0" smtClean="0"/>
+          </a:p>
+          <a:p>
+            <a:r>
+              <a:rPr kumimoji="1" lang="en-US" altLang="zh-CN" dirty="0" smtClean="0"/>
+              <a:t>2</a:t>
+            </a:r>
+            <a:r>
+              <a:rPr kumimoji="1" lang="zh-CN" altLang="en-US" dirty="0" smtClean="0"/>
+              <a:t>、基本概念</a:t>
+            </a:r>
+            <a:endParaRPr kumimoji="1" lang="en-US" altLang="zh-CN" dirty="0" smtClean="0"/>
+          </a:p>
+          <a:p>
+            <a:r>
+              <a:rPr kumimoji="1" lang="en-US" altLang="zh-CN" dirty="0" smtClean="0"/>
+              <a:t>3</a:t>
+            </a:r>
+            <a:r>
+              <a:rPr kumimoji="1" lang="zh-CN" altLang="en-US" dirty="0" smtClean="0"/>
+              <a:t>、点线面</a:t>
+            </a:r>
+            <a:endParaRPr kumimoji="1" lang="en-US" altLang="zh-CN" dirty="0" smtClean="0"/>
+          </a:p>
+          <a:p>
+            <a:r>
+              <a:rPr kumimoji="1" lang="en-US" altLang="zh-CN" dirty="0" smtClean="0"/>
+              <a:t>4</a:t>
+            </a:r>
+            <a:r>
+              <a:rPr kumimoji="1" lang="zh-CN" altLang="en-US" dirty="0" smtClean="0"/>
+              <a:t>、</a:t>
+            </a:r>
+            <a:r>
+              <a:rPr kumimoji="1" lang="en-US" altLang="zh-CN" dirty="0" smtClean="0"/>
+              <a:t>GP</a:t>
+            </a:r>
+            <a:r>
+              <a:rPr kumimoji="1" lang="zh-CN" altLang="en-US" dirty="0" smtClean="0"/>
+              <a:t>服务发布与调用</a:t>
+            </a:r>
+            <a:endParaRPr kumimoji="1" lang="en-US" altLang="zh-CN" dirty="0" smtClean="0"/>
+          </a:p>
+          <a:p>
+            <a:r>
+              <a:rPr kumimoji="1" lang="en-US" altLang="zh-CN" dirty="0" smtClean="0"/>
+              <a:t>5</a:t>
+            </a:r>
+            <a:r>
+              <a:rPr kumimoji="1" lang="zh-CN" altLang="en-US" dirty="0" smtClean="0"/>
+              <a:t>、高级应用（空间查询）</a:t>
+            </a:r>
+            <a:endParaRPr kumimoji="1" lang="en-US" altLang="zh-CN" dirty="0" smtClean="0"/>
+          </a:p>
+          <a:p>
+            <a:r>
+              <a:rPr kumimoji="1" lang="en-US" altLang="zh-CN" dirty="0" smtClean="0"/>
+              <a:t>6</a:t>
+            </a:r>
+            <a:r>
+              <a:rPr kumimoji="1" lang="zh-CN" altLang="en-US" dirty="0" smtClean="0"/>
+              <a:t>、离线部署</a:t>
+            </a:r>
+            <a:endParaRPr kumimoji="1" lang="en-US" altLang="zh-CN" dirty="0" smtClean="0"/>
+          </a:p>
+          <a:p>
+            <a:r>
+              <a:rPr kumimoji="1" lang="en-US" altLang="zh-CN" dirty="0" smtClean="0"/>
+              <a:t>7</a:t>
+            </a:r>
+            <a:r>
+              <a:rPr kumimoji="1" lang="zh-CN" altLang="en-US" dirty="0" smtClean="0"/>
+              <a:t>、</a:t>
+            </a:r>
+            <a:r>
+              <a:rPr kumimoji="1" lang="en-US" altLang="zh-CN" dirty="0" smtClean="0"/>
+              <a:t>web</a:t>
+            </a:r>
+            <a:r>
+              <a:rPr kumimoji="1" lang="zh-CN" altLang="en-US" dirty="0" smtClean="0"/>
+              <a:t>开发基础（</a:t>
+            </a:r>
+            <a:r>
+              <a:rPr kumimoji="1" lang="en-US" altLang="zh-CN" dirty="0" smtClean="0"/>
+              <a:t>html</a:t>
+            </a:r>
+            <a:r>
+              <a:rPr kumimoji="1" lang="zh-CN" altLang="en-US" dirty="0" smtClean="0"/>
+              <a:t> </a:t>
+            </a:r>
+            <a:r>
               <a:rPr kumimoji="1" lang="en-US" altLang="zh-CN" dirty="0" err="1" smtClean="0"/>
-              <a:t>GeoServer</a:t>
-            </a:r>
-            <a:endParaRPr kumimoji="1" lang="en-US" altLang="zh-CN" dirty="0" smtClean="0"/>
-          </a:p>
-          <a:p>
+              <a:t>css</a:t>
+            </a:r>
+            <a:r>
+              <a:rPr kumimoji="1" lang="zh-CN" altLang="en-US" dirty="0" smtClean="0"/>
+              <a:t> </a:t>
+            </a:r>
+            <a:r>
+              <a:rPr kumimoji="1" lang="en-US" altLang="zh-CN" dirty="0" err="1" smtClean="0"/>
+              <a:t>javascript</a:t>
+            </a:r>
             <a:r>
               <a:rPr kumimoji="1" lang="en-US" altLang="zh-CN" dirty="0" smtClean="0"/>
-              <a:t>QGIS</a:t>
-            </a:r>
-          </a:p>
-          <a:p>
-            <a:r>
-              <a:rPr kumimoji="1" lang="en-US" altLang="zh-CN" dirty="0" smtClean="0"/>
-              <a:t>Leaflet</a:t>
-            </a:r>
-          </a:p>
-          <a:p>
-            <a:r>
-              <a:rPr kumimoji="1" lang="en-US" altLang="zh-CN" dirty="0" err="1" smtClean="0"/>
-              <a:t>Openlayers</a:t>
-            </a:r>
-            <a:endParaRPr kumimoji="1" lang="en-US" altLang="zh-CN" dirty="0" smtClean="0"/>
-          </a:p>
-          <a:p>
+              <a:t>)</a:t>
+            </a:r>
             <a:endParaRPr kumimoji="1" lang="zh-CN" altLang="en-US" dirty="0"/>
           </a:p>
         </p:txBody>
@@ -14458,7 +14793,7 @@
     </p:spTree>
     <p:extLst>
       <p:ext uri="{BB962C8B-B14F-4D97-AF65-F5344CB8AC3E}">
-        <p14:creationId xmlns:p14="http://schemas.microsoft.com/office/powerpoint/2010/main" val="1195979442"/>
+        <p14:creationId xmlns:p14="http://schemas.microsoft.com/office/powerpoint/2010/main" val="827843304"/>
       </p:ext>
     </p:extLst>
   </p:cSld>
@@ -14502,7 +14837,15 @@
           <a:p>
             <a:r>
               <a:rPr kumimoji="1" lang="zh-CN" altLang="en-US" dirty="0" smtClean="0"/>
-              <a:t>第四章 互联网地图服务</a:t>
+              <a:t>第三章 开源</a:t>
+            </a:r>
+            <a:r>
+              <a:rPr kumimoji="1" lang="en-US" altLang="zh-CN" dirty="0" err="1" smtClean="0"/>
+              <a:t>WebGIS</a:t>
+            </a:r>
+            <a:r>
+              <a:rPr kumimoji="1" lang="zh-CN" altLang="en-US" dirty="0" smtClean="0"/>
+              <a:t>解决方案</a:t>
             </a:r>
             <a:endParaRPr kumimoji="1" lang="zh-CN" altLang="en-US" dirty="0"/>
           </a:p>
@@ -14524,49 +14867,37 @@
           <a:lstStyle/>
           <a:p>
             <a:r>
-              <a:rPr kumimoji="1" lang="zh-CN" altLang="en-US" dirty="0" smtClean="0"/>
-              <a:t>百度地图</a:t>
+              <a:rPr kumimoji="1" lang="en-US" altLang="zh-CN" dirty="0" err="1" smtClean="0"/>
+              <a:t>GeoServer</a:t>
             </a:r>
             <a:endParaRPr kumimoji="1" lang="en-US" altLang="zh-CN" dirty="0" smtClean="0"/>
           </a:p>
           <a:p>
             <a:r>
-              <a:rPr kumimoji="1" lang="zh-CN" altLang="en-US" dirty="0" smtClean="0"/>
-              <a:t>高德地图</a:t>
+              <a:rPr kumimoji="1" lang="en-US" altLang="zh-CN" dirty="0" smtClean="0"/>
+              <a:t>QGIS</a:t>
+            </a:r>
+          </a:p>
+          <a:p>
+            <a:r>
+              <a:rPr kumimoji="1" lang="en-US" altLang="zh-CN" dirty="0" smtClean="0"/>
+              <a:t>Leaflet</a:t>
+            </a:r>
+          </a:p>
+          <a:p>
+            <a:r>
+              <a:rPr kumimoji="1" lang="en-US" altLang="zh-CN" smtClean="0"/>
+              <a:t>Openlayers</a:t>
+            </a:r>
+          </a:p>
+          <a:p>
+            <a:r>
+              <a:rPr kumimoji="1" lang="en-US" altLang="zh-CN" smtClean="0"/>
+              <a:t>Turf.js</a:t>
             </a:r>
             <a:endParaRPr kumimoji="1" lang="en-US" altLang="zh-CN" dirty="0" smtClean="0"/>
           </a:p>
           <a:p>
-            <a:r>
-              <a:rPr kumimoji="1" lang="zh-CN" altLang="en-US" dirty="0" smtClean="0"/>
-              <a:t>谷歌地图</a:t>
-            </a:r>
-            <a:endParaRPr kumimoji="1" lang="en-US" altLang="zh-CN" dirty="0" smtClean="0"/>
-          </a:p>
-          <a:p>
-            <a:r>
-              <a:rPr kumimoji="1" lang="en-US" altLang="zh-CN" dirty="0" err="1" smtClean="0"/>
-              <a:t>Echarts</a:t>
-            </a:r>
-            <a:r>
-              <a:rPr kumimoji="1" lang="zh-CN" altLang="en-US" dirty="0" smtClean="0"/>
-              <a:t> 中</a:t>
-            </a:r>
-            <a:r>
-              <a:rPr kumimoji="1" lang="en-US" altLang="zh-CN" dirty="0" smtClean="0"/>
-              <a:t>Map</a:t>
-            </a:r>
-            <a:r>
-              <a:rPr kumimoji="1" lang="zh-CN" altLang="en-US" dirty="0" smtClean="0"/>
-              <a:t> 应用</a:t>
-            </a:r>
-            <a:endParaRPr kumimoji="1" lang="en-US" altLang="zh-CN" dirty="0" smtClean="0"/>
-          </a:p>
-          <a:p>
-            <a:r>
-              <a:rPr kumimoji="1" lang="zh-CN" altLang="en-US" dirty="0" smtClean="0"/>
-              <a:t>定位、导航、手绘地图</a:t>
-            </a:r>
             <a:endParaRPr kumimoji="1" lang="zh-CN" altLang="en-US" dirty="0"/>
           </a:p>
         </p:txBody>
@@ -14574,7 +14905,7 @@
     </p:spTree>
     <p:extLst>
       <p:ext uri="{BB962C8B-B14F-4D97-AF65-F5344CB8AC3E}">
-        <p14:creationId xmlns:p14="http://schemas.microsoft.com/office/powerpoint/2010/main" val="1835153863"/>
+        <p14:creationId xmlns:p14="http://schemas.microsoft.com/office/powerpoint/2010/main" val="1195979442"/>
       </p:ext>
     </p:extLst>
   </p:cSld>

--- a/resource/WebGIS课程大纲.pptx
+++ b/resource/WebGIS课程大纲.pptx
@@ -5,7 +5,7 @@
     <p:sldMasterId id="2147483648" r:id="rId1"/>
   </p:sldMasterIdLst>
   <p:notesMasterIdLst>
-    <p:notesMasterId r:id="rId15"/>
+    <p:notesMasterId r:id="rId33"/>
   </p:notesMasterIdLst>
   <p:sldIdLst>
     <p:sldId id="256" r:id="rId2"/>
@@ -13,14 +13,32 @@
     <p:sldId id="259" r:id="rId4"/>
     <p:sldId id="257" r:id="rId5"/>
     <p:sldId id="260" r:id="rId6"/>
-    <p:sldId id="261" r:id="rId7"/>
-    <p:sldId id="268" r:id="rId8"/>
-    <p:sldId id="262" r:id="rId9"/>
-    <p:sldId id="263" r:id="rId10"/>
-    <p:sldId id="264" r:id="rId11"/>
-    <p:sldId id="265" r:id="rId12"/>
-    <p:sldId id="266" r:id="rId13"/>
-    <p:sldId id="267" r:id="rId14"/>
+    <p:sldId id="268" r:id="rId7"/>
+    <p:sldId id="269" r:id="rId8"/>
+    <p:sldId id="270" r:id="rId9"/>
+    <p:sldId id="271" r:id="rId10"/>
+    <p:sldId id="272" r:id="rId11"/>
+    <p:sldId id="273" r:id="rId12"/>
+    <p:sldId id="274" r:id="rId13"/>
+    <p:sldId id="275" r:id="rId14"/>
+    <p:sldId id="276" r:id="rId15"/>
+    <p:sldId id="284" r:id="rId16"/>
+    <p:sldId id="277" r:id="rId17"/>
+    <p:sldId id="278" r:id="rId18"/>
+    <p:sldId id="281" r:id="rId19"/>
+    <p:sldId id="282" r:id="rId20"/>
+    <p:sldId id="285" r:id="rId21"/>
+    <p:sldId id="279" r:id="rId22"/>
+    <p:sldId id="283" r:id="rId23"/>
+    <p:sldId id="280" r:id="rId24"/>
+    <p:sldId id="262" r:id="rId25"/>
+    <p:sldId id="286" r:id="rId26"/>
+    <p:sldId id="287" r:id="rId27"/>
+    <p:sldId id="263" r:id="rId28"/>
+    <p:sldId id="264" r:id="rId29"/>
+    <p:sldId id="265" r:id="rId30"/>
+    <p:sldId id="266" r:id="rId31"/>
+    <p:sldId id="267" r:id="rId32"/>
   </p:sldIdLst>
   <p:sldSz cx="12192000" cy="6858000"/>
   <p:notesSz cx="6858000" cy="9144000"/>
@@ -120,6 +138,68 @@
     </a:lvl9pPr>
   </p:defaultTextStyle>
   <p:extLst>
+    <p:ext uri="{521415D9-36F7-43E2-AB2F-B90AF26B5E84}">
+      <p14:sectionLst xmlns:p14="http://schemas.microsoft.com/office/powerpoint/2010/main">
+        <p14:section name="默认节" id="{1BDE200D-1401-432B-9F6F-4CE2A8AC81F7}">
+          <p14:sldIdLst>
+            <p14:sldId id="256"/>
+            <p14:sldId id="258"/>
+            <p14:sldId id="259"/>
+            <p14:sldId id="257"/>
+            <p14:sldId id="260"/>
+          </p14:sldIdLst>
+        </p14:section>
+        <p14:section name="1.1 坐标系统" id="{89AF537B-650F-4320-9601-C605945C544A}">
+          <p14:sldIdLst>
+            <p14:sldId id="268"/>
+            <p14:sldId id="269"/>
+            <p14:sldId id="270"/>
+            <p14:sldId id="271"/>
+            <p14:sldId id="272"/>
+            <p14:sldId id="273"/>
+            <p14:sldId id="274"/>
+          </p14:sldIdLst>
+        </p14:section>
+        <p14:section name="GIS数据" id="{1D39F8F0-0B36-4FB4-8A76-80C3C14322BA}">
+          <p14:sldIdLst>
+            <p14:sldId id="275"/>
+            <p14:sldId id="276"/>
+            <p14:sldId id="284"/>
+            <p14:sldId id="277"/>
+          </p14:sldIdLst>
+        </p14:section>
+        <p14:section name="空间分析" id="{75AEBCDD-10EA-4FD3-B7B0-B964512D70C8}">
+          <p14:sldIdLst>
+            <p14:sldId id="278"/>
+            <p14:sldId id="281"/>
+            <p14:sldId id="282"/>
+            <p14:sldId id="285"/>
+          </p14:sldIdLst>
+        </p14:section>
+        <p14:section name="地图制图与服务发布" id="{FBDC4954-DE42-4192-8656-2E06C2EF7D47}">
+          <p14:sldIdLst>
+            <p14:sldId id="279"/>
+            <p14:sldId id="283"/>
+            <p14:sldId id="280"/>
+          </p14:sldIdLst>
+        </p14:section>
+        <p14:section name="ArcGIS Javascript Api" id="{FCC6A585-6DB8-441F-9332-19B7936CE684}">
+          <p14:sldIdLst>
+            <p14:sldId id="262"/>
+            <p14:sldId id="286"/>
+            <p14:sldId id="287"/>
+            <p14:sldId id="263"/>
+            <p14:sldId id="264"/>
+            <p14:sldId id="265"/>
+            <p14:sldId id="266"/>
+            <p14:sldId id="267"/>
+          </p14:sldIdLst>
+        </p14:section>
+        <p14:section name="无标题节" id="{7B075844-7820-462C-A1B7-413A65FB96AA}">
+          <p14:sldIdLst/>
+        </p14:section>
+      </p14:sectionLst>
+    </p:ext>
     <p:ext uri="{EFAFB233-063F-42B5-8137-9DF3F51BA10A}">
       <p15:sldGuideLst xmlns:p15="http://schemas.microsoft.com/office/powerpoint/2012/main"/>
     </p:ext>
@@ -209,7 +289,7 @@
           <a:p>
             <a:fld id="{C64D4C18-48F1-A246-955C-224CC65F3CC8}" type="datetimeFigureOut">
               <a:rPr kumimoji="1" lang="zh-CN" altLang="en-US" smtClean="0"/>
-              <a:t>2019/7/5</a:t>
+              <a:t>2019/7/31</a:t>
             </a:fld>
             <a:endParaRPr kumimoji="1" lang="zh-CN" altLang="en-US"/>
           </a:p>
@@ -646,7 +726,7 @@
           <a:p>
             <a:fld id="{36E39361-D459-A247-8F6D-058C8D4D23B9}" type="slidenum">
               <a:rPr kumimoji="1" lang="zh-CN" altLang="en-US" smtClean="0"/>
-              <a:t>7</a:t>
+              <a:t>6</a:t>
             </a:fld>
             <a:endParaRPr kumimoji="1" lang="zh-CN" altLang="en-US"/>
           </a:p>
@@ -730,7 +810,7 @@
           <a:p>
             <a:fld id="{36E39361-D459-A247-8F6D-058C8D4D23B9}" type="slidenum">
               <a:rPr kumimoji="1" lang="zh-CN" altLang="en-US" smtClean="0"/>
-              <a:t>9</a:t>
+              <a:t>13</a:t>
             </a:fld>
             <a:endParaRPr kumimoji="1" lang="zh-CN" altLang="en-US"/>
           </a:p>
@@ -739,7 +819,7 @@
     </p:spTree>
     <p:extLst>
       <p:ext uri="{BB962C8B-B14F-4D97-AF65-F5344CB8AC3E}">
-        <p14:creationId xmlns:p14="http://schemas.microsoft.com/office/powerpoint/2010/main" val="1165709245"/>
+        <p14:creationId xmlns:p14="http://schemas.microsoft.com/office/powerpoint/2010/main" val="4017542699"/>
       </p:ext>
     </p:extLst>
   </p:cSld>
@@ -793,6 +873,329 @@
           <a:bodyPr/>
           <a:lstStyle/>
           <a:p>
+            <a:r>
+              <a:rPr lang="en-US" altLang="zh-CN" smtClean="0"/>
+              <a:t>4.X </a:t>
+            </a:r>
+            <a:r>
+              <a:rPr lang="zh-CN" altLang="en-US" smtClean="0"/>
+              <a:t>版本主要提供对三维地图功能的支持同时包括大部分</a:t>
+            </a:r>
+            <a:r>
+              <a:rPr lang="en-US" altLang="zh-CN" smtClean="0"/>
+              <a:t>3.X</a:t>
+            </a:r>
+            <a:r>
+              <a:rPr lang="zh-CN" altLang="en-US" smtClean="0"/>
+              <a:t>版本的功能，</a:t>
+            </a:r>
+            <a:r>
+              <a:rPr lang="en-US" altLang="zh-CN" smtClean="0"/>
+              <a:t>3.X</a:t>
+            </a:r>
+            <a:r>
+              <a:rPr lang="zh-CN" altLang="en-US" smtClean="0"/>
+              <a:t>版本不具备</a:t>
+            </a:r>
+            <a:r>
+              <a:rPr lang="en-US" altLang="zh-CN" smtClean="0"/>
+              <a:t>3D</a:t>
+            </a:r>
+            <a:r>
+              <a:rPr lang="zh-CN" altLang="en-US" smtClean="0"/>
+              <a:t>，随着</a:t>
+            </a:r>
+            <a:r>
+              <a:rPr lang="en-US" altLang="zh-CN" smtClean="0"/>
+              <a:t>4.X</a:t>
+            </a:r>
+            <a:r>
+              <a:rPr lang="zh-CN" altLang="en-US" smtClean="0"/>
+              <a:t>版本的迭代，将逐步包含所有</a:t>
+            </a:r>
+            <a:r>
+              <a:rPr lang="en-US" altLang="zh-CN" smtClean="0"/>
+              <a:t>3.X</a:t>
+            </a:r>
+            <a:r>
+              <a:rPr lang="zh-CN" altLang="en-US" smtClean="0"/>
+              <a:t>版本的功能；</a:t>
+            </a:r>
+            <a:endParaRPr lang="en-US" altLang="zh-CN" smtClean="0"/>
+          </a:p>
+          <a:p>
+            <a:r>
+              <a:rPr lang="zh-CN" altLang="en-US" smtClean="0"/>
+              <a:t>所以需要根据具体的项目要求来选择库版本，如果不需要</a:t>
+            </a:r>
+            <a:r>
+              <a:rPr lang="en-US" altLang="zh-CN" smtClean="0"/>
+              <a:t>3D</a:t>
+            </a:r>
+            <a:r>
+              <a:rPr lang="zh-CN" altLang="en-US" smtClean="0"/>
+              <a:t>功能，那么</a:t>
+            </a:r>
+            <a:r>
+              <a:rPr lang="en-US" altLang="zh-CN" smtClean="0"/>
+              <a:t>3.x</a:t>
+            </a:r>
+            <a:r>
+              <a:rPr lang="zh-CN" altLang="en-US" smtClean="0"/>
+              <a:t>版本就比较适合；</a:t>
+            </a:r>
+            <a:endParaRPr lang="zh-CN" altLang="en-US"/>
+          </a:p>
+        </p:txBody>
+      </p:sp>
+      <p:sp>
+        <p:nvSpPr>
+          <p:cNvPr id="4" name="灯片编号占位符 3"/>
+          <p:cNvSpPr>
+            <a:spLocks noGrp="1"/>
+          </p:cNvSpPr>
+          <p:nvPr>
+            <p:ph type="sldNum" sz="quarter" idx="10"/>
+          </p:nvPr>
+        </p:nvSpPr>
+        <p:spPr/>
+        <p:txBody>
+          <a:bodyPr/>
+          <a:lstStyle/>
+          <a:p>
+            <a:fld id="{36E39361-D459-A247-8F6D-058C8D4D23B9}" type="slidenum">
+              <a:rPr kumimoji="1" lang="zh-CN" altLang="en-US" smtClean="0"/>
+              <a:t>25</a:t>
+            </a:fld>
+            <a:endParaRPr kumimoji="1" lang="zh-CN" altLang="en-US"/>
+          </a:p>
+        </p:txBody>
+      </p:sp>
+    </p:spTree>
+    <p:extLst>
+      <p:ext uri="{BB962C8B-B14F-4D97-AF65-F5344CB8AC3E}">
+        <p14:creationId xmlns:p14="http://schemas.microsoft.com/office/powerpoint/2010/main" val="3755709294"/>
+      </p:ext>
+    </p:extLst>
+  </p:cSld>
+  <p:clrMapOvr>
+    <a:masterClrMapping/>
+  </p:clrMapOvr>
+</p:notes>
+</file>
+
+<file path=ppt/notesSlides/notesSlide5.xml><?xml version="1.0" encoding="utf-8"?>
+<p:notes xmlns:a="http://schemas.openxmlformats.org/drawingml/2006/main" xmlns:r="http://schemas.openxmlformats.org/officeDocument/2006/relationships" xmlns:p="http://schemas.openxmlformats.org/presentationml/2006/main">
+  <p:cSld>
+    <p:spTree>
+      <p:nvGrpSpPr>
+        <p:cNvPr id="1" name=""/>
+        <p:cNvGrpSpPr/>
+        <p:nvPr/>
+      </p:nvGrpSpPr>
+      <p:grpSpPr>
+        <a:xfrm>
+          <a:off x="0" y="0"/>
+          <a:ext cx="0" cy="0"/>
+          <a:chOff x="0" y="0"/>
+          <a:chExt cx="0" cy="0"/>
+        </a:xfrm>
+      </p:grpSpPr>
+      <p:sp>
+        <p:nvSpPr>
+          <p:cNvPr id="2" name="幻灯片图像占位符 1"/>
+          <p:cNvSpPr>
+            <a:spLocks noGrp="1" noRot="1" noChangeAspect="1"/>
+          </p:cNvSpPr>
+          <p:nvPr>
+            <p:ph type="sldImg"/>
+          </p:nvPr>
+        </p:nvSpPr>
+        <p:spPr/>
+      </p:sp>
+      <p:sp>
+        <p:nvSpPr>
+          <p:cNvPr id="3" name="备注占位符 2"/>
+          <p:cNvSpPr>
+            <a:spLocks noGrp="1"/>
+          </p:cNvSpPr>
+          <p:nvPr>
+            <p:ph type="body" idx="1"/>
+          </p:nvPr>
+        </p:nvSpPr>
+        <p:spPr/>
+        <p:txBody>
+          <a:bodyPr/>
+          <a:lstStyle/>
+          <a:p>
+            <a:endParaRPr lang="zh-CN" altLang="en-US"/>
+          </a:p>
+        </p:txBody>
+      </p:sp>
+      <p:sp>
+        <p:nvSpPr>
+          <p:cNvPr id="4" name="灯片编号占位符 3"/>
+          <p:cNvSpPr>
+            <a:spLocks noGrp="1"/>
+          </p:cNvSpPr>
+          <p:nvPr>
+            <p:ph type="sldNum" sz="quarter" idx="10"/>
+          </p:nvPr>
+        </p:nvSpPr>
+        <p:spPr/>
+        <p:txBody>
+          <a:bodyPr/>
+          <a:lstStyle/>
+          <a:p>
+            <a:fld id="{36E39361-D459-A247-8F6D-058C8D4D23B9}" type="slidenum">
+              <a:rPr kumimoji="1" lang="zh-CN" altLang="en-US" smtClean="0"/>
+              <a:t>26</a:t>
+            </a:fld>
+            <a:endParaRPr kumimoji="1" lang="zh-CN" altLang="en-US"/>
+          </a:p>
+        </p:txBody>
+      </p:sp>
+    </p:spTree>
+    <p:extLst>
+      <p:ext uri="{BB962C8B-B14F-4D97-AF65-F5344CB8AC3E}">
+        <p14:creationId xmlns:p14="http://schemas.microsoft.com/office/powerpoint/2010/main" val="1044801255"/>
+      </p:ext>
+    </p:extLst>
+  </p:cSld>
+  <p:clrMapOvr>
+    <a:masterClrMapping/>
+  </p:clrMapOvr>
+</p:notes>
+</file>
+
+<file path=ppt/notesSlides/notesSlide6.xml><?xml version="1.0" encoding="utf-8"?>
+<p:notes xmlns:a="http://schemas.openxmlformats.org/drawingml/2006/main" xmlns:r="http://schemas.openxmlformats.org/officeDocument/2006/relationships" xmlns:p="http://schemas.openxmlformats.org/presentationml/2006/main">
+  <p:cSld>
+    <p:spTree>
+      <p:nvGrpSpPr>
+        <p:cNvPr id="1" name=""/>
+        <p:cNvGrpSpPr/>
+        <p:nvPr/>
+      </p:nvGrpSpPr>
+      <p:grpSpPr>
+        <a:xfrm>
+          <a:off x="0" y="0"/>
+          <a:ext cx="0" cy="0"/>
+          <a:chOff x="0" y="0"/>
+          <a:chExt cx="0" cy="0"/>
+        </a:xfrm>
+      </p:grpSpPr>
+      <p:sp>
+        <p:nvSpPr>
+          <p:cNvPr id="2" name="幻灯片图像占位符 1"/>
+          <p:cNvSpPr>
+            <a:spLocks noGrp="1" noRot="1" noChangeAspect="1"/>
+          </p:cNvSpPr>
+          <p:nvPr>
+            <p:ph type="sldImg"/>
+          </p:nvPr>
+        </p:nvSpPr>
+        <p:spPr/>
+      </p:sp>
+      <p:sp>
+        <p:nvSpPr>
+          <p:cNvPr id="3" name="备注占位符 2"/>
+          <p:cNvSpPr>
+            <a:spLocks noGrp="1"/>
+          </p:cNvSpPr>
+          <p:nvPr>
+            <p:ph type="body" idx="1"/>
+          </p:nvPr>
+        </p:nvSpPr>
+        <p:spPr/>
+        <p:txBody>
+          <a:bodyPr/>
+          <a:lstStyle/>
+          <a:p>
+            <a:endParaRPr lang="zh-CN" altLang="en-US"/>
+          </a:p>
+        </p:txBody>
+      </p:sp>
+      <p:sp>
+        <p:nvSpPr>
+          <p:cNvPr id="4" name="灯片编号占位符 3"/>
+          <p:cNvSpPr>
+            <a:spLocks noGrp="1"/>
+          </p:cNvSpPr>
+          <p:nvPr>
+            <p:ph type="sldNum" sz="quarter" idx="10"/>
+          </p:nvPr>
+        </p:nvSpPr>
+        <p:spPr/>
+        <p:txBody>
+          <a:bodyPr/>
+          <a:lstStyle/>
+          <a:p>
+            <a:fld id="{36E39361-D459-A247-8F6D-058C8D4D23B9}" type="slidenum">
+              <a:rPr kumimoji="1" lang="zh-CN" altLang="en-US" smtClean="0"/>
+              <a:t>27</a:t>
+            </a:fld>
+            <a:endParaRPr kumimoji="1" lang="zh-CN" altLang="en-US"/>
+          </a:p>
+        </p:txBody>
+      </p:sp>
+    </p:spTree>
+    <p:extLst>
+      <p:ext uri="{BB962C8B-B14F-4D97-AF65-F5344CB8AC3E}">
+        <p14:creationId xmlns:p14="http://schemas.microsoft.com/office/powerpoint/2010/main" val="1165709245"/>
+      </p:ext>
+    </p:extLst>
+  </p:cSld>
+  <p:clrMapOvr>
+    <a:masterClrMapping/>
+  </p:clrMapOvr>
+</p:notes>
+</file>
+
+<file path=ppt/notesSlides/notesSlide7.xml><?xml version="1.0" encoding="utf-8"?>
+<p:notes xmlns:a="http://schemas.openxmlformats.org/drawingml/2006/main" xmlns:r="http://schemas.openxmlformats.org/officeDocument/2006/relationships" xmlns:p="http://schemas.openxmlformats.org/presentationml/2006/main">
+  <p:cSld>
+    <p:spTree>
+      <p:nvGrpSpPr>
+        <p:cNvPr id="1" name=""/>
+        <p:cNvGrpSpPr/>
+        <p:nvPr/>
+      </p:nvGrpSpPr>
+      <p:grpSpPr>
+        <a:xfrm>
+          <a:off x="0" y="0"/>
+          <a:ext cx="0" cy="0"/>
+          <a:chOff x="0" y="0"/>
+          <a:chExt cx="0" cy="0"/>
+        </a:xfrm>
+      </p:grpSpPr>
+      <p:sp>
+        <p:nvSpPr>
+          <p:cNvPr id="2" name="幻灯片图像占位符 1"/>
+          <p:cNvSpPr>
+            <a:spLocks noGrp="1" noRot="1" noChangeAspect="1"/>
+          </p:cNvSpPr>
+          <p:nvPr>
+            <p:ph type="sldImg"/>
+          </p:nvPr>
+        </p:nvSpPr>
+        <p:spPr/>
+      </p:sp>
+      <p:sp>
+        <p:nvSpPr>
+          <p:cNvPr id="3" name="备注占位符 2"/>
+          <p:cNvSpPr>
+            <a:spLocks noGrp="1"/>
+          </p:cNvSpPr>
+          <p:nvPr>
+            <p:ph type="body" idx="1"/>
+          </p:nvPr>
+        </p:nvSpPr>
+        <p:spPr/>
+        <p:txBody>
+          <a:bodyPr/>
+          <a:lstStyle/>
+          <a:p>
             <a:endParaRPr kumimoji="1" lang="zh-CN" altLang="en-US" dirty="0"/>
           </a:p>
         </p:txBody>
@@ -814,7 +1217,7 @@
           <a:p>
             <a:fld id="{36E39361-D459-A247-8F6D-058C8D4D23B9}" type="slidenum">
               <a:rPr kumimoji="1" lang="zh-CN" altLang="en-US" smtClean="0"/>
-              <a:t>10</a:t>
+              <a:t>28</a:t>
             </a:fld>
             <a:endParaRPr kumimoji="1" lang="zh-CN" altLang="en-US"/>
           </a:p>
@@ -5109,7 +5512,7 @@
           <a:p>
             <a:fld id="{48A87A34-81AB-432B-8DAE-1953F412C126}" type="datetimeFigureOut">
               <a:rPr lang="en-US" dirty="0"/>
-              <a:t>7/5/2019</a:t>
+              <a:t>7/31/2019</a:t>
             </a:fld>
             <a:endParaRPr lang="en-US" dirty="0"/>
           </a:p>
@@ -5371,7 +5774,7 @@
           <a:p>
             <a:fld id="{48A87A34-81AB-432B-8DAE-1953F412C126}" type="datetimeFigureOut">
               <a:rPr lang="en-US" dirty="0"/>
-              <a:t>7/5/2019</a:t>
+              <a:t>7/31/2019</a:t>
             </a:fld>
             <a:endParaRPr lang="en-US" dirty="0"/>
           </a:p>
@@ -5562,7 +5965,7 @@
           <a:p>
             <a:fld id="{48A87A34-81AB-432B-8DAE-1953F412C126}" type="datetimeFigureOut">
               <a:rPr lang="en-US" dirty="0"/>
-              <a:t>7/5/2019</a:t>
+              <a:t>7/31/2019</a:t>
             </a:fld>
             <a:endParaRPr lang="en-US" dirty="0"/>
           </a:p>
@@ -5820,7 +6223,7 @@
           <a:p>
             <a:fld id="{48A87A34-81AB-432B-8DAE-1953F412C126}" type="datetimeFigureOut">
               <a:rPr lang="en-US" dirty="0"/>
-              <a:t>7/5/2019</a:t>
+              <a:t>7/31/2019</a:t>
             </a:fld>
             <a:endParaRPr lang="en-US" dirty="0"/>
           </a:p>
@@ -6249,7 +6652,7 @@
           <a:p>
             <a:fld id="{48A87A34-81AB-432B-8DAE-1953F412C126}" type="datetimeFigureOut">
               <a:rPr lang="en-US" dirty="0"/>
-              <a:t>7/5/2019</a:t>
+              <a:t>7/31/2019</a:t>
             </a:fld>
             <a:endParaRPr lang="en-US" dirty="0"/>
           </a:p>
@@ -6790,7 +7193,7 @@
           <a:p>
             <a:fld id="{48A87A34-81AB-432B-8DAE-1953F412C126}" type="datetimeFigureOut">
               <a:rPr lang="en-US" dirty="0"/>
-              <a:t>7/5/2019</a:t>
+              <a:t>7/31/2019</a:t>
             </a:fld>
             <a:endParaRPr lang="en-US" dirty="0"/>
           </a:p>
@@ -7505,7 +7908,7 @@
           <a:p>
             <a:fld id="{48A87A34-81AB-432B-8DAE-1953F412C126}" type="datetimeFigureOut">
               <a:rPr lang="en-US" dirty="0"/>
-              <a:t>7/5/2019</a:t>
+              <a:t>7/31/2019</a:t>
             </a:fld>
             <a:endParaRPr lang="en-US" dirty="0"/>
           </a:p>
@@ -7670,7 +8073,7 @@
           <a:p>
             <a:fld id="{48A87A34-81AB-432B-8DAE-1953F412C126}" type="datetimeFigureOut">
               <a:rPr lang="en-US" dirty="0"/>
-              <a:t>7/5/2019</a:t>
+              <a:t>7/31/2019</a:t>
             </a:fld>
             <a:endParaRPr lang="en-US" dirty="0"/>
           </a:p>
@@ -7845,7 +8248,7 @@
           <a:p>
             <a:fld id="{48A87A34-81AB-432B-8DAE-1953F412C126}" type="datetimeFigureOut">
               <a:rPr lang="en-US" dirty="0"/>
-              <a:t>7/5/2019</a:t>
+              <a:t>7/31/2019</a:t>
             </a:fld>
             <a:endParaRPr lang="en-US" dirty="0"/>
           </a:p>
@@ -8010,7 +8413,7 @@
           <a:p>
             <a:fld id="{48A87A34-81AB-432B-8DAE-1953F412C126}" type="datetimeFigureOut">
               <a:rPr lang="en-US" dirty="0"/>
-              <a:t>7/5/2019</a:t>
+              <a:t>7/31/2019</a:t>
             </a:fld>
             <a:endParaRPr lang="en-US" dirty="0"/>
           </a:p>
@@ -8255,7 +8658,7 @@
           <a:p>
             <a:fld id="{48A87A34-81AB-432B-8DAE-1953F412C126}" type="datetimeFigureOut">
               <a:rPr lang="en-US" dirty="0"/>
-              <a:t>7/5/2019</a:t>
+              <a:t>7/31/2019</a:t>
             </a:fld>
             <a:endParaRPr lang="en-US" dirty="0"/>
           </a:p>
@@ -8482,7 +8885,7 @@
           <a:p>
             <a:fld id="{48A87A34-81AB-432B-8DAE-1953F412C126}" type="datetimeFigureOut">
               <a:rPr lang="en-US" dirty="0"/>
-              <a:t>7/5/2019</a:t>
+              <a:t>7/31/2019</a:t>
             </a:fld>
             <a:endParaRPr lang="en-US" dirty="0"/>
           </a:p>
@@ -8858,7 +9261,7 @@
           <a:p>
             <a:fld id="{48A87A34-81AB-432B-8DAE-1953F412C126}" type="datetimeFigureOut">
               <a:rPr lang="en-US" dirty="0"/>
-              <a:t>7/5/2019</a:t>
+              <a:t>7/31/2019</a:t>
             </a:fld>
             <a:endParaRPr lang="en-US" dirty="0"/>
           </a:p>
@@ -8971,7 +9374,7 @@
           <a:p>
             <a:fld id="{48A87A34-81AB-432B-8DAE-1953F412C126}" type="datetimeFigureOut">
               <a:rPr lang="en-US" dirty="0"/>
-              <a:t>7/5/2019</a:t>
+              <a:t>7/31/2019</a:t>
             </a:fld>
             <a:endParaRPr lang="en-US" dirty="0"/>
           </a:p>
@@ -9061,7 +9464,7 @@
           <a:p>
             <a:fld id="{48A87A34-81AB-432B-8DAE-1953F412C126}" type="datetimeFigureOut">
               <a:rPr lang="en-US" dirty="0"/>
-              <a:t>7/5/2019</a:t>
+              <a:t>7/31/2019</a:t>
             </a:fld>
             <a:endParaRPr lang="en-US" dirty="0"/>
           </a:p>
@@ -9305,7 +9708,7 @@
           <a:p>
             <a:fld id="{48A87A34-81AB-432B-8DAE-1953F412C126}" type="datetimeFigureOut">
               <a:rPr lang="en-US" dirty="0"/>
-              <a:t>7/5/2019</a:t>
+              <a:t>7/31/2019</a:t>
             </a:fld>
             <a:endParaRPr lang="en-US" dirty="0"/>
           </a:p>
@@ -9580,7 +9983,7 @@
           <a:p>
             <a:fld id="{48A87A34-81AB-432B-8DAE-1953F412C126}" type="datetimeFigureOut">
               <a:rPr lang="en-US" dirty="0"/>
-              <a:t>7/5/2019</a:t>
+              <a:t>7/31/2019</a:t>
             </a:fld>
             <a:endParaRPr lang="en-US" dirty="0"/>
           </a:p>
@@ -12653,7 +13056,7 @@
             <a:fld id="{48A87A34-81AB-432B-8DAE-1953F412C126}" type="datetimeFigureOut">
               <a:rPr lang="en-US" dirty="0"/>
               <a:pPr/>
-              <a:t>7/5/2019</a:t>
+              <a:t>7/31/2019</a:t>
             </a:fld>
             <a:endParaRPr lang="en-US" dirty="0"/>
           </a:p>
@@ -13114,14 +13517,40 @@
         </p:nvSpPr>
         <p:spPr>
           <a:xfrm>
-            <a:off x="1816266" y="2783891"/>
-            <a:ext cx="8791575" cy="1655762"/>
+            <a:off x="1816266" y="2383604"/>
+            <a:ext cx="8791575" cy="3411021"/>
           </a:xfrm>
         </p:spPr>
         <p:txBody>
           <a:bodyPr/>
           <a:lstStyle/>
           <a:p>
+            <a:endParaRPr kumimoji="1" lang="en-US" altLang="zh-CN" smtClean="0"/>
+          </a:p>
+          <a:p>
+            <a:r>
+              <a:rPr kumimoji="1" lang="en-US" altLang="zh-CN" smtClean="0"/>
+              <a:t>Web</a:t>
+            </a:r>
+          </a:p>
+          <a:p>
+            <a:r>
+              <a:rPr kumimoji="1" lang="en-US" altLang="zh-CN"/>
+              <a:t> </a:t>
+            </a:r>
+            <a:r>
+              <a:rPr kumimoji="1" lang="en-US" altLang="zh-CN" smtClean="0"/>
+              <a:t>   HTML   JAVASCRIPT  CSS</a:t>
+            </a:r>
+          </a:p>
+          <a:p>
+            <a:endParaRPr kumimoji="1" lang="en-US" altLang="zh-CN" smtClean="0"/>
+          </a:p>
+          <a:p>
+            <a:r>
+              <a:rPr kumimoji="1" lang="en-US" altLang="zh-CN" smtClean="0"/>
+              <a:t>GIS</a:t>
+            </a:r>
             <a:endParaRPr kumimoji="1" lang="zh-CN" altLang="en-US" dirty="0"/>
           </a:p>
         </p:txBody>
@@ -13136,6 +13565,13 @@
   <p:clrMapOvr>
     <a:masterClrMapping/>
   </p:clrMapOvr>
+  <p:timing>
+    <p:tnLst>
+      <p:par>
+        <p:cTn id="1" dur="indefinite" restart="never" nodeType="tmRoot"/>
+      </p:par>
+    </p:tnLst>
+  </p:timing>
 </p:sld>
 </file>
 
@@ -13158,29 +13594,6 @@
       </p:grpSpPr>
       <p:sp>
         <p:nvSpPr>
-          <p:cNvPr id="2" name="标题 1"/>
-          <p:cNvSpPr>
-            <a:spLocks noGrp="1"/>
-          </p:cNvSpPr>
-          <p:nvPr>
-            <p:ph type="title"/>
-          </p:nvPr>
-        </p:nvSpPr>
-        <p:spPr/>
-        <p:txBody>
-          <a:bodyPr/>
-          <a:lstStyle/>
-          <a:p>
-            <a:r>
-              <a:rPr kumimoji="1" lang="zh-CN" altLang="en-US" dirty="0" smtClean="0"/>
-              <a:t>第四章 互联网地图服务</a:t>
-            </a:r>
-            <a:endParaRPr kumimoji="1" lang="zh-CN" altLang="en-US" dirty="0"/>
-          </a:p>
-        </p:txBody>
-      </p:sp>
-      <p:sp>
-        <p:nvSpPr>
           <p:cNvPr id="3" name="内容占位符 2"/>
           <p:cNvSpPr>
             <a:spLocks noGrp="1"/>
@@ -13189,69 +13602,186 @@
             <p:ph idx="1"/>
           </p:nvPr>
         </p:nvSpPr>
-        <p:spPr/>
+        <p:spPr>
+          <a:xfrm>
+            <a:off x="1243012" y="1399619"/>
+            <a:ext cx="9905999" cy="3541714"/>
+          </a:xfrm>
+        </p:spPr>
         <p:txBody>
-          <a:bodyPr/>
+          <a:bodyPr>
+            <a:normAutofit fontScale="92500"/>
+          </a:bodyPr>
           <a:lstStyle/>
           <a:p>
             <a:r>
-              <a:rPr kumimoji="1" lang="zh-CN" altLang="en-US" dirty="0" smtClean="0"/>
-              <a:t>百度地图</a:t>
-            </a:r>
-            <a:endParaRPr kumimoji="1" lang="en-US" altLang="zh-CN" dirty="0" smtClean="0"/>
-          </a:p>
-          <a:p>
-            <a:r>
-              <a:rPr kumimoji="1" lang="zh-CN" altLang="en-US" dirty="0" smtClean="0"/>
-              <a:t>高德地图</a:t>
-            </a:r>
-            <a:endParaRPr kumimoji="1" lang="en-US" altLang="zh-CN" dirty="0" smtClean="0"/>
-          </a:p>
-          <a:p>
-            <a:r>
-              <a:rPr kumimoji="1" lang="zh-CN" altLang="en-US" dirty="0" smtClean="0"/>
-              <a:t>谷歌地图</a:t>
-            </a:r>
-            <a:endParaRPr kumimoji="1" lang="en-US" altLang="zh-CN" dirty="0" smtClean="0"/>
-          </a:p>
-          <a:p>
-            <a:r>
-              <a:rPr kumimoji="1" lang="en-US" altLang="zh-CN" dirty="0" err="1" smtClean="0"/>
-              <a:t>Echarts</a:t>
-            </a:r>
-            <a:r>
-              <a:rPr kumimoji="1" lang="zh-CN" altLang="en-US" dirty="0" smtClean="0"/>
-              <a:t> 中</a:t>
-            </a:r>
-            <a:r>
-              <a:rPr kumimoji="1" lang="en-US" altLang="zh-CN" dirty="0" smtClean="0"/>
-              <a:t>Map</a:t>
-            </a:r>
-            <a:r>
-              <a:rPr kumimoji="1" lang="zh-CN" altLang="en-US" dirty="0" smtClean="0"/>
-              <a:t> 应用</a:t>
-            </a:r>
-            <a:endParaRPr kumimoji="1" lang="en-US" altLang="zh-CN" dirty="0" smtClean="0"/>
-          </a:p>
-          <a:p>
-            <a:r>
-              <a:rPr kumimoji="1" lang="zh-CN" altLang="en-US" dirty="0" smtClean="0"/>
-              <a:t>定位、导航、手绘地图</a:t>
-            </a:r>
-            <a:endParaRPr kumimoji="1" lang="zh-CN" altLang="en-US" dirty="0"/>
+              <a:rPr lang="zh-CN" altLang="en-US"/>
+              <a:t>将一个空间直角坐标系仿射到另一个坐标系的转换，需要进行平移、旋转、缩放三步，可以无序进行。</a:t>
+            </a:r>
+          </a:p>
+          <a:p>
+            <a:r>
+              <a:rPr lang="zh-CN" altLang="en-US"/>
+              <a:t>而平移、旋转又有三个方向上的量，即平移向量</a:t>
+            </a:r>
+            <a:r>
+              <a:rPr lang="en-US" altLang="zh-CN"/>
+              <a:t>=</a:t>
+            </a:r>
+            <a:r>
+              <a:rPr lang="zh-CN" altLang="en-US"/>
+              <a:t>（</a:t>
+            </a:r>
+            <a:r>
+              <a:rPr lang="en-US" altLang="zh-CN"/>
+              <a:t>dx,dy,dz</a:t>
+            </a:r>
+            <a:r>
+              <a:rPr lang="zh-CN" altLang="en-US"/>
+              <a:t>）和旋转角度（</a:t>
+            </a:r>
+            <a:r>
+              <a:rPr lang="en-US" altLang="zh-CN"/>
+              <a:t>A,B,C</a:t>
+            </a:r>
+            <a:r>
+              <a:rPr lang="zh-CN" altLang="en-US"/>
+              <a:t>），加上缩放比例</a:t>
+            </a:r>
+            <a:r>
+              <a:rPr lang="en-US" altLang="zh-CN"/>
+              <a:t>s</a:t>
+            </a:r>
+            <a:r>
+              <a:rPr lang="zh-CN" altLang="en-US"/>
+              <a:t>，完成一个不同的坐标系转换，就需要</a:t>
+            </a:r>
+            <a:r>
+              <a:rPr lang="en-US" altLang="zh-CN"/>
+              <a:t>7</a:t>
+            </a:r>
+            <a:r>
+              <a:rPr lang="zh-CN" altLang="en-US"/>
+              <a:t>参数。</a:t>
+            </a:r>
+          </a:p>
+          <a:p>
+            <a:r>
+              <a:rPr lang="zh-CN" altLang="en-US"/>
+              <a:t>我们知道，地心坐标系是唯一的，即原点唯一，就说明平移向量是</a:t>
+            </a:r>
+            <a:r>
+              <a:rPr lang="en-US" altLang="zh-CN"/>
+              <a:t>0</a:t>
+            </a:r>
+            <a:r>
+              <a:rPr lang="zh-CN" altLang="en-US"/>
+              <a:t>向量，如果缩放比例是</a:t>
+            </a:r>
+            <a:r>
+              <a:rPr lang="en-US" altLang="zh-CN"/>
+              <a:t>1</a:t>
+            </a:r>
+            <a:r>
+              <a:rPr lang="zh-CN" altLang="en-US"/>
+              <a:t>，那么旋转角度（</a:t>
+            </a:r>
+            <a:r>
+              <a:rPr lang="en-US" altLang="zh-CN"/>
+              <a:t>A,B,C</a:t>
+            </a:r>
+            <a:r>
+              <a:rPr lang="zh-CN" altLang="en-US"/>
+              <a:t>）就是唯一的仿射参数，即</a:t>
+            </a:r>
+            <a:r>
+              <a:rPr lang="en-US" altLang="zh-CN"/>
+              <a:t>3</a:t>
+            </a:r>
+            <a:r>
+              <a:rPr lang="zh-CN" altLang="en-US"/>
+              <a:t>参数。</a:t>
+            </a:r>
+          </a:p>
+          <a:p>
+            <a:endParaRPr lang="zh-CN" altLang="en-US"/>
           </a:p>
         </p:txBody>
       </p:sp>
+      <p:sp>
+        <p:nvSpPr>
+          <p:cNvPr id="4" name="文本框 3"/>
+          <p:cNvSpPr txBox="1"/>
+          <p:nvPr/>
+        </p:nvSpPr>
+        <p:spPr>
+          <a:xfrm>
+            <a:off x="1395412" y="579735"/>
+            <a:ext cx="8102600" cy="461665"/>
+          </a:xfrm>
+          <a:prstGeom prst="rect">
+            <a:avLst/>
+          </a:prstGeom>
+          <a:noFill/>
+        </p:spPr>
+        <p:txBody>
+          <a:bodyPr wrap="square" rtlCol="0">
+            <a:spAutoFit/>
+          </a:bodyPr>
+          <a:lstStyle/>
+          <a:p>
+            <a:r>
+              <a:rPr lang="en-US" altLang="zh-CN" sz="2400" b="1" smtClean="0"/>
+              <a:t>GCS to GCS </a:t>
+            </a:r>
+            <a:r>
+              <a:rPr lang="zh-CN" altLang="en-US" sz="2400" b="1" smtClean="0"/>
+              <a:t>坐标转换</a:t>
+            </a:r>
+            <a:endParaRPr lang="zh-CN" altLang="en-US" sz="2400" b="1"/>
+          </a:p>
+        </p:txBody>
+      </p:sp>
+      <p:pic>
+        <p:nvPicPr>
+          <p:cNvPr id="5" name="图片 4"/>
+          <p:cNvPicPr>
+            <a:picLocks noChangeAspect="1"/>
+          </p:cNvPicPr>
+          <p:nvPr/>
+        </p:nvPicPr>
+        <p:blipFill rotWithShape="1">
+          <a:blip r:embed="rId2"/>
+          <a:srcRect l="5867" t="11212" r="3298" b="7740"/>
+          <a:stretch/>
+        </p:blipFill>
+        <p:spPr>
+          <a:xfrm>
+            <a:off x="3879168" y="4354286"/>
+            <a:ext cx="4940301" cy="2260600"/>
+          </a:xfrm>
+          <a:prstGeom prst="rect">
+            <a:avLst/>
+          </a:prstGeom>
+        </p:spPr>
+      </p:pic>
     </p:spTree>
     <p:extLst>
       <p:ext uri="{BB962C8B-B14F-4D97-AF65-F5344CB8AC3E}">
-        <p14:creationId xmlns:p14="http://schemas.microsoft.com/office/powerpoint/2010/main" val="1835153863"/>
+        <p14:creationId xmlns:p14="http://schemas.microsoft.com/office/powerpoint/2010/main" val="2781259538"/>
       </p:ext>
     </p:extLst>
   </p:cSld>
   <p:clrMapOvr>
     <a:masterClrMapping/>
   </p:clrMapOvr>
+  <p:timing>
+    <p:tnLst>
+      <p:par>
+        <p:cTn id="1" dur="indefinite" restart="never" nodeType="tmRoot"/>
+      </p:par>
+    </p:tnLst>
+  </p:timing>
 </p:sld>
 </file>
 
@@ -13288,10 +13818,10 @@
           <a:lstStyle/>
           <a:p>
             <a:r>
-              <a:rPr kumimoji="1" lang="zh-CN" altLang="en-US" dirty="0" smtClean="0"/>
-              <a:t>第五章 倾斜摄影与三维建模</a:t>
-            </a:r>
-            <a:endParaRPr kumimoji="1" lang="zh-CN" altLang="en-US" dirty="0"/>
+              <a:rPr lang="zh-CN" altLang="en-US" smtClean="0"/>
+              <a:t>空间校准</a:t>
+            </a:r>
+            <a:endParaRPr lang="zh-CN" altLang="en-US"/>
           </a:p>
         </p:txBody>
       </p:sp>
@@ -13305,50 +13835,89 @@
             <p:ph idx="1"/>
           </p:nvPr>
         </p:nvSpPr>
-        <p:spPr/>
+        <p:spPr>
+          <a:xfrm>
+            <a:off x="1141412" y="1625600"/>
+            <a:ext cx="9905999" cy="4165601"/>
+          </a:xfrm>
+        </p:spPr>
         <p:txBody>
           <a:bodyPr/>
           <a:lstStyle/>
           <a:p>
             <a:r>
-              <a:rPr kumimoji="1" lang="zh-CN" altLang="en-US" dirty="0" smtClean="0"/>
-              <a:t>倾斜摄影概念</a:t>
-            </a:r>
-            <a:endParaRPr kumimoji="1" lang="en-US" altLang="zh-CN" dirty="0" smtClean="0"/>
-          </a:p>
-          <a:p>
-            <a:r>
-              <a:rPr kumimoji="1" lang="zh-CN" altLang="en-US" dirty="0" smtClean="0"/>
-              <a:t>航拍注意事项</a:t>
-            </a:r>
-            <a:endParaRPr kumimoji="1" lang="en-US" altLang="zh-CN" dirty="0" smtClean="0"/>
-          </a:p>
-          <a:p>
-            <a:r>
-              <a:rPr kumimoji="1" lang="zh-CN" altLang="en-US" dirty="0" smtClean="0"/>
-              <a:t>三维建模</a:t>
-            </a:r>
-            <a:endParaRPr kumimoji="1" lang="en-US" altLang="zh-CN" dirty="0" smtClean="0"/>
-          </a:p>
-          <a:p>
-            <a:r>
-              <a:rPr kumimoji="1" lang="zh-CN" altLang="en-US" dirty="0" smtClean="0"/>
-              <a:t>模型修饰</a:t>
-            </a:r>
-            <a:endParaRPr kumimoji="1" lang="zh-CN" altLang="en-US" dirty="0"/>
+              <a:rPr lang="zh-CN" altLang="en-US"/>
+              <a:t>有时，我们拿到的数据是没有坐标信息的，为了将这些数据定位到一定的坐标下，需要对它们进行配准或者校正操作。对栅格数据进行配准和对矢量数据进行校正的原理是一样的。下面笔者利用</a:t>
+            </a:r>
+            <a:r>
+              <a:rPr lang="en-US" altLang="zh-CN"/>
+              <a:t>ArcGIS</a:t>
+            </a:r>
+            <a:r>
+              <a:rPr lang="zh-CN" altLang="en-US"/>
+              <a:t>对一幅</a:t>
+            </a:r>
+            <a:r>
+              <a:rPr lang="en-US" altLang="zh-CN"/>
+              <a:t>shape</a:t>
+            </a:r>
+            <a:r>
+              <a:rPr lang="zh-CN" altLang="en-US"/>
+              <a:t>格式的数据进行空间校正为例，将没有坐标信息的海图数据，校正到地理经纬度坐标下</a:t>
+            </a:r>
+            <a:r>
+              <a:rPr lang="zh-CN" altLang="en-US" smtClean="0"/>
+              <a:t>。</a:t>
+            </a:r>
+            <a:endParaRPr lang="en-US" altLang="zh-CN" smtClean="0"/>
+          </a:p>
+          <a:p>
+            <a:r>
+              <a:rPr lang="en-US" altLang="zh-CN"/>
+              <a:t> </a:t>
+            </a:r>
+            <a:r>
+              <a:rPr lang="zh-CN" altLang="en-US" smtClean="0"/>
+              <a:t>边缘捕捉</a:t>
+            </a:r>
+            <a:endParaRPr lang="en-US" altLang="zh-CN" smtClean="0"/>
+          </a:p>
+          <a:p>
+            <a:r>
+              <a:rPr lang="zh-CN" altLang="en-US"/>
+              <a:t>橡皮</a:t>
+            </a:r>
+            <a:r>
+              <a:rPr lang="zh-CN" altLang="en-US" smtClean="0"/>
+              <a:t>拉伸</a:t>
+            </a:r>
+            <a:endParaRPr lang="en-US" altLang="zh-CN" smtClean="0"/>
+          </a:p>
+          <a:p>
+            <a:r>
+              <a:rPr lang="zh-CN" altLang="en-US"/>
+              <a:t>转换</a:t>
+            </a:r>
           </a:p>
         </p:txBody>
       </p:sp>
     </p:spTree>
     <p:extLst>
       <p:ext uri="{BB962C8B-B14F-4D97-AF65-F5344CB8AC3E}">
-        <p14:creationId xmlns:p14="http://schemas.microsoft.com/office/powerpoint/2010/main" val="960775036"/>
+        <p14:creationId xmlns:p14="http://schemas.microsoft.com/office/powerpoint/2010/main" val="134418959"/>
       </p:ext>
     </p:extLst>
   </p:cSld>
   <p:clrMapOvr>
     <a:masterClrMapping/>
   </p:clrMapOvr>
+  <p:timing>
+    <p:tnLst>
+      <p:par>
+        <p:cTn id="1" dur="indefinite" restart="never" nodeType="tmRoot"/>
+      </p:par>
+    </p:tnLst>
+  </p:timing>
 </p:sld>
 </file>
 
@@ -13385,18 +13954,10 @@
           <a:lstStyle/>
           <a:p>
             <a:r>
-              <a:rPr kumimoji="1" lang="zh-CN" altLang="en-US" dirty="0" smtClean="0"/>
-              <a:t>第六章  </a:t>
-            </a:r>
-            <a:r>
-              <a:rPr kumimoji="1" lang="en-US" altLang="zh-CN" dirty="0" err="1" smtClean="0"/>
-              <a:t>CESium</a:t>
-            </a:r>
-            <a:r>
-              <a:rPr kumimoji="1" lang="zh-CN" altLang="en-US" dirty="0" smtClean="0"/>
-              <a:t> 三维地图开发</a:t>
-            </a:r>
-            <a:endParaRPr kumimoji="1" lang="zh-CN" altLang="en-US" dirty="0"/>
+              <a:rPr lang="zh-CN" altLang="en-US" smtClean="0"/>
+              <a:t>火星坐标系统</a:t>
+            </a:r>
+            <a:endParaRPr lang="zh-CN" altLang="en-US"/>
           </a:p>
         </p:txBody>
       </p:sp>
@@ -13416,47 +13977,96 @@
           <a:lstStyle/>
           <a:p>
             <a:r>
-              <a:rPr kumimoji="1" lang="zh-CN" altLang="en-US" dirty="0" smtClean="0"/>
-              <a:t>基本概念</a:t>
-            </a:r>
-            <a:endParaRPr kumimoji="1" lang="en-US" altLang="zh-CN" dirty="0" smtClean="0"/>
-          </a:p>
-          <a:p>
-            <a:r>
-              <a:rPr kumimoji="1" lang="zh-CN" altLang="en-US" dirty="0" smtClean="0"/>
-              <a:t>三维模型加载</a:t>
-            </a:r>
-            <a:endParaRPr kumimoji="1" lang="en-US" altLang="zh-CN" dirty="0" smtClean="0"/>
-          </a:p>
-          <a:p>
-            <a:r>
-              <a:rPr kumimoji="1" lang="zh-CN" altLang="en-US" dirty="0" smtClean="0"/>
-              <a:t>高程加载（在线、离线）</a:t>
-            </a:r>
-            <a:endParaRPr kumimoji="1" lang="en-US" altLang="zh-CN" dirty="0" smtClean="0"/>
-          </a:p>
-          <a:p>
-            <a:r>
-              <a:rPr kumimoji="1" lang="zh-CN" altLang="en-US" dirty="0" smtClean="0"/>
-              <a:t>三维模型处理（单体化）</a:t>
-            </a:r>
-            <a:endParaRPr kumimoji="1" lang="en-US" altLang="zh-CN" dirty="0" smtClean="0"/>
-          </a:p>
-          <a:p>
-            <a:endParaRPr kumimoji="1" lang="zh-CN" altLang="en-US" dirty="0"/>
+              <a:rPr lang="zh-CN" altLang="en-US"/>
+              <a:t>出于保密等政治因素，地图的</a:t>
+            </a:r>
+            <a:r>
+              <a:rPr lang="en-US" altLang="zh-CN"/>
+              <a:t>GCS</a:t>
+            </a:r>
+            <a:r>
+              <a:rPr lang="zh-CN" altLang="en-US"/>
+              <a:t>坐标值，会被一种特殊的数学函数加密一次，会偏离真实坐标数百米的距离，但是反馈到用户端的却是正确的位置信息（也就是说你拿到</a:t>
+            </a:r>
+            <a:r>
+              <a:rPr lang="en-US" altLang="zh-CN"/>
+              <a:t>GCS</a:t>
+            </a:r>
+            <a:r>
+              <a:rPr lang="zh-CN" altLang="en-US"/>
+              <a:t>坐标也没用，拿</a:t>
+            </a:r>
+            <a:r>
+              <a:rPr lang="en-US" altLang="zh-CN"/>
+              <a:t>GPS</a:t>
+            </a:r>
+            <a:r>
+              <a:rPr lang="zh-CN" altLang="en-US"/>
+              <a:t>到实地跑跟拿着地图定位，可能会偏出几十米甚至一百米的距离）。</a:t>
+            </a:r>
+          </a:p>
+          <a:p>
+            <a:r>
+              <a:rPr lang="zh-CN" altLang="en-US"/>
+              <a:t>火星坐标系原名国测局坐标系（</a:t>
+            </a:r>
+            <a:r>
+              <a:rPr lang="en-US" altLang="zh-CN"/>
+              <a:t>GCJ-02</a:t>
+            </a:r>
+            <a:r>
+              <a:rPr lang="zh-CN" altLang="en-US"/>
+              <a:t>），有篇文章比我写的透彻多了，甚至给出了还原代码，我放到参考资料了，有兴趣的可以</a:t>
+            </a:r>
+            <a:r>
+              <a:rPr lang="zh-CN" altLang="en-US" smtClean="0"/>
+              <a:t>看看</a:t>
+            </a:r>
+            <a:endParaRPr lang="en-US" altLang="zh-CN" smtClean="0"/>
+          </a:p>
+          <a:p>
+            <a:r>
+              <a:rPr lang="zh-CN" altLang="en-US" smtClean="0">
+                <a:hlinkClick r:id="rId2"/>
+              </a:rPr>
+              <a:t>火星坐标转换：</a:t>
+            </a:r>
+            <a:r>
+              <a:rPr lang="en-US" altLang="zh-CN" smtClean="0">
+                <a:hlinkClick r:id="rId2"/>
+              </a:rPr>
+              <a:t>https</a:t>
+            </a:r>
+            <a:r>
+              <a:rPr lang="en-US" altLang="zh-CN">
+                <a:hlinkClick r:id="rId2"/>
+              </a:rPr>
+              <a:t>://github.com/wandergis/coordtransform</a:t>
+            </a:r>
+            <a:endParaRPr lang="zh-CN" altLang="en-US"/>
+          </a:p>
+          <a:p>
+            <a:endParaRPr lang="zh-CN" altLang="en-US"/>
           </a:p>
         </p:txBody>
       </p:sp>
     </p:spTree>
     <p:extLst>
       <p:ext uri="{BB962C8B-B14F-4D97-AF65-F5344CB8AC3E}">
-        <p14:creationId xmlns:p14="http://schemas.microsoft.com/office/powerpoint/2010/main" val="1270639568"/>
+        <p14:creationId xmlns:p14="http://schemas.microsoft.com/office/powerpoint/2010/main" val="657083255"/>
       </p:ext>
     </p:extLst>
   </p:cSld>
   <p:clrMapOvr>
     <a:masterClrMapping/>
   </p:clrMapOvr>
+  <p:timing>
+    <p:tnLst>
+      <p:par>
+        <p:cTn id="1" dur="indefinite" restart="never" nodeType="tmRoot"/>
+      </p:par>
+    </p:tnLst>
+  </p:timing>
 </p:sld>
 </file>
 
@@ -13493,10 +14103,14 @@
           <a:lstStyle/>
           <a:p>
             <a:r>
-              <a:rPr kumimoji="1" lang="zh-CN" altLang="en-US" dirty="0" smtClean="0"/>
-              <a:t>第七章、综合实战</a:t>
-            </a:r>
-            <a:endParaRPr kumimoji="1" lang="zh-CN" altLang="en-US" dirty="0"/>
+              <a:rPr lang="en-US" altLang="zh-CN" smtClean="0"/>
+              <a:t>GIS</a:t>
+            </a:r>
+            <a:r>
+              <a:rPr lang="zh-CN" altLang="en-US" smtClean="0"/>
+              <a:t>数据</a:t>
+            </a:r>
+            <a:endParaRPr lang="zh-CN" altLang="en-US"/>
           </a:p>
         </p:txBody>
       </p:sp>
@@ -13510,31 +14124,1102 @@
             <p:ph idx="1"/>
           </p:nvPr>
         </p:nvSpPr>
-        <p:spPr/>
+        <p:spPr>
+          <a:xfrm>
+            <a:off x="1141412" y="1816100"/>
+            <a:ext cx="9905999" cy="4076700"/>
+          </a:xfrm>
+        </p:spPr>
         <p:txBody>
-          <a:bodyPr/>
+          <a:bodyPr>
+            <a:normAutofit fontScale="70000" lnSpcReduction="20000"/>
+          </a:bodyPr>
           <a:lstStyle/>
           <a:p>
             <a:r>
-              <a:rPr kumimoji="1" lang="zh-CN" altLang="en-US" dirty="0" smtClean="0"/>
-              <a:t>前端框架融合（</a:t>
-            </a:r>
-            <a:r>
-              <a:rPr kumimoji="1" lang="en-US" altLang="zh-CN" dirty="0" err="1" smtClean="0"/>
-              <a:t>vue</a:t>
-            </a:r>
-            <a:r>
-              <a:rPr kumimoji="1" lang="en-US" altLang="zh-CN" dirty="0" smtClean="0"/>
-              <a:t>\react\angular)</a:t>
-            </a:r>
-            <a:endParaRPr kumimoji="1" lang="zh-CN" altLang="en-US" dirty="0"/>
+              <a:rPr lang="zh-CN" altLang="en-US" smtClean="0"/>
+              <a:t>矢量数据</a:t>
+            </a:r>
+            <a:endParaRPr lang="en-US" altLang="zh-CN" smtClean="0"/>
+          </a:p>
+          <a:p>
+            <a:r>
+              <a:rPr lang="en-US" altLang="zh-CN"/>
+              <a:t> </a:t>
+            </a:r>
+            <a:r>
+              <a:rPr lang="zh-CN" altLang="en-US" smtClean="0"/>
+              <a:t>点（</a:t>
+            </a:r>
+            <a:r>
+              <a:rPr lang="en-US" altLang="zh-CN" smtClean="0"/>
+              <a:t>x</a:t>
+            </a:r>
+            <a:r>
+              <a:rPr lang="zh-CN" altLang="en-US"/>
+              <a:t>，</a:t>
+            </a:r>
+            <a:r>
+              <a:rPr lang="en-US" altLang="zh-CN" smtClean="0"/>
+              <a:t>y,z</a:t>
+            </a:r>
+            <a:r>
+              <a:rPr lang="zh-CN" altLang="en-US" smtClean="0"/>
+              <a:t>）</a:t>
+            </a:r>
+            <a:endParaRPr lang="en-US" altLang="zh-CN" smtClean="0"/>
+          </a:p>
+          <a:p>
+            <a:r>
+              <a:rPr lang="en-US" altLang="zh-CN"/>
+              <a:t> </a:t>
+            </a:r>
+            <a:r>
+              <a:rPr lang="zh-CN" altLang="en-US" smtClean="0"/>
+              <a:t>线</a:t>
+            </a:r>
+            <a:r>
+              <a:rPr lang="en-US" altLang="zh-CN" smtClean="0"/>
+              <a:t>{</a:t>
+            </a:r>
+            <a:r>
+              <a:rPr lang="zh-CN" altLang="en-US" smtClean="0"/>
+              <a:t>（</a:t>
+            </a:r>
+            <a:r>
+              <a:rPr lang="en-US" altLang="zh-CN" smtClean="0"/>
+              <a:t>x1,y1,z1</a:t>
+            </a:r>
+            <a:r>
+              <a:rPr lang="zh-CN" altLang="en-US" smtClean="0"/>
+              <a:t>）</a:t>
+            </a:r>
+            <a:r>
+              <a:rPr lang="en-US" altLang="zh-CN" smtClean="0"/>
+              <a:t>,</a:t>
+            </a:r>
+            <a:r>
+              <a:rPr lang="zh-CN" altLang="en-US"/>
+              <a:t> （</a:t>
+            </a:r>
+            <a:r>
+              <a:rPr lang="en-US" altLang="zh-CN" smtClean="0"/>
+              <a:t>x2,y2,z2</a:t>
+            </a:r>
+            <a:r>
+              <a:rPr lang="zh-CN" altLang="en-US" smtClean="0"/>
+              <a:t>）</a:t>
+            </a:r>
+            <a:r>
+              <a:rPr lang="en-US" altLang="zh-CN" smtClean="0"/>
+              <a:t>…..</a:t>
+            </a:r>
+            <a:r>
+              <a:rPr lang="zh-CN" altLang="en-US"/>
+              <a:t> （</a:t>
+            </a:r>
+            <a:r>
+              <a:rPr lang="en-US" altLang="zh-CN" smtClean="0"/>
+              <a:t>xn,yn,zn</a:t>
+            </a:r>
+            <a:r>
+              <a:rPr lang="zh-CN" altLang="en-US" smtClean="0"/>
+              <a:t>）</a:t>
+            </a:r>
+            <a:r>
+              <a:rPr lang="en-US" altLang="zh-CN" smtClean="0"/>
+              <a:t>}</a:t>
+            </a:r>
+          </a:p>
+          <a:p>
+            <a:r>
+              <a:rPr lang="zh-CN" altLang="en-US" smtClean="0"/>
+              <a:t>栅格数据</a:t>
+            </a:r>
+            <a:endParaRPr lang="en-US" altLang="zh-CN" smtClean="0"/>
+          </a:p>
+          <a:p>
+            <a:r>
+              <a:rPr lang="zh-CN" altLang="en-US" smtClean="0"/>
+              <a:t>栅格数据</a:t>
+            </a:r>
+            <a:r>
+              <a:rPr lang="zh-CN" altLang="en-US"/>
+              <a:t>就是将空间分割成有规律的网格，每一个网格称为一个单元，并在各单元上赋予相应的属性值来表示实体的一种数据形式。每一个单元（像素）的位置由它的行列号定义，所表示的实体位置隐含在栅格行列位置中，</a:t>
+            </a:r>
+            <a:r>
+              <a:rPr lang="zh-CN" altLang="en-US">
+                <a:hlinkClick r:id="rId3"/>
+              </a:rPr>
+              <a:t>数据组织</a:t>
+            </a:r>
+            <a:r>
+              <a:rPr lang="zh-CN" altLang="en-US"/>
+              <a:t>中的每个数据表示地物或现象的非几何属性或指向其属性的指针。一个优秀的压缩数据编码方案是：在最大限度减少计算机运算时间的基点上进行最大幅度的压缩</a:t>
+            </a:r>
+            <a:r>
+              <a:rPr lang="zh-CN" altLang="en-US" smtClean="0"/>
+              <a:t>。</a:t>
+            </a:r>
+            <a:endParaRPr lang="en-US" altLang="zh-CN" smtClean="0"/>
+          </a:p>
+          <a:p>
+            <a:r>
+              <a:rPr lang="zh-CN" altLang="en-US" b="1" smtClean="0"/>
+              <a:t>直接</a:t>
+            </a:r>
+            <a:r>
+              <a:rPr lang="zh-CN" altLang="en-US" b="1"/>
+              <a:t>栅格</a:t>
+            </a:r>
+            <a:r>
+              <a:rPr lang="zh-CN" altLang="en-US" b="1" smtClean="0"/>
+              <a:t>编码    链式编码    游程编码   块</a:t>
+            </a:r>
+            <a:r>
+              <a:rPr lang="zh-CN" altLang="en-US" b="1"/>
+              <a:t>式</a:t>
+            </a:r>
+            <a:r>
+              <a:rPr lang="zh-CN" altLang="en-US" b="1" smtClean="0"/>
+              <a:t>编码   四</a:t>
+            </a:r>
+            <a:r>
+              <a:rPr lang="zh-CN" altLang="en-US" b="1"/>
+              <a:t>叉树</a:t>
+            </a:r>
+            <a:r>
+              <a:rPr lang="zh-CN" altLang="en-US" b="1" smtClean="0"/>
+              <a:t>数据结构   八</a:t>
+            </a:r>
+            <a:r>
+              <a:rPr lang="zh-CN" altLang="en-US" b="1"/>
+              <a:t>叉树与十六叉树结构</a:t>
+            </a:r>
+            <a:endParaRPr lang="en-US" altLang="zh-CN" smtClean="0"/>
+          </a:p>
+          <a:p>
+            <a:r>
+              <a:rPr lang="en-US" altLang="zh-CN"/>
+              <a:t> </a:t>
+            </a:r>
+            <a:endParaRPr lang="zh-CN" altLang="en-US"/>
           </a:p>
         </p:txBody>
       </p:sp>
     </p:spTree>
     <p:extLst>
       <p:ext uri="{BB962C8B-B14F-4D97-AF65-F5344CB8AC3E}">
-        <p14:creationId xmlns:p14="http://schemas.microsoft.com/office/powerpoint/2010/main" val="1240966462"/>
+        <p14:creationId xmlns:p14="http://schemas.microsoft.com/office/powerpoint/2010/main" val="140756041"/>
+      </p:ext>
+    </p:extLst>
+  </p:cSld>
+  <p:clrMapOvr>
+    <a:masterClrMapping/>
+  </p:clrMapOvr>
+  <p:timing>
+    <p:tnLst>
+      <p:par>
+        <p:cTn id="1" dur="indefinite" restart="never" nodeType="tmRoot"/>
+      </p:par>
+    </p:tnLst>
+  </p:timing>
+</p:sld>
+</file>
+
+<file path=ppt/slides/slide14.xml><?xml version="1.0" encoding="utf-8"?>
+<p:sld xmlns:a="http://schemas.openxmlformats.org/drawingml/2006/main" xmlns:r="http://schemas.openxmlformats.org/officeDocument/2006/relationships" xmlns:p="http://schemas.openxmlformats.org/presentationml/2006/main">
+  <p:cSld>
+    <p:spTree>
+      <p:nvGrpSpPr>
+        <p:cNvPr id="1" name=""/>
+        <p:cNvGrpSpPr/>
+        <p:nvPr/>
+      </p:nvGrpSpPr>
+      <p:grpSpPr>
+        <a:xfrm>
+          <a:off x="0" y="0"/>
+          <a:ext cx="0" cy="0"/>
+          <a:chOff x="0" y="0"/>
+          <a:chExt cx="0" cy="0"/>
+        </a:xfrm>
+      </p:grpSpPr>
+      <p:sp>
+        <p:nvSpPr>
+          <p:cNvPr id="2" name="标题 1"/>
+          <p:cNvSpPr>
+            <a:spLocks noGrp="1"/>
+          </p:cNvSpPr>
+          <p:nvPr>
+            <p:ph type="title"/>
+          </p:nvPr>
+        </p:nvSpPr>
+        <p:spPr>
+          <a:xfrm>
+            <a:off x="1141413" y="618518"/>
+            <a:ext cx="9905998" cy="816582"/>
+          </a:xfrm>
+        </p:spPr>
+        <p:txBody>
+          <a:bodyPr/>
+          <a:lstStyle/>
+          <a:p>
+            <a:r>
+              <a:rPr lang="zh-CN" altLang="en-US" smtClean="0"/>
+              <a:t>遥感</a:t>
+            </a:r>
+            <a:r>
+              <a:rPr lang="en-US" altLang="zh-CN" smtClean="0"/>
+              <a:t>(remote sensor  RS)</a:t>
+            </a:r>
+            <a:endParaRPr lang="zh-CN" altLang="en-US"/>
+          </a:p>
+        </p:txBody>
+      </p:sp>
+      <p:sp>
+        <p:nvSpPr>
+          <p:cNvPr id="3" name="内容占位符 2"/>
+          <p:cNvSpPr>
+            <a:spLocks noGrp="1"/>
+          </p:cNvSpPr>
+          <p:nvPr>
+            <p:ph idx="1"/>
+          </p:nvPr>
+        </p:nvSpPr>
+        <p:spPr>
+          <a:xfrm>
+            <a:off x="1141412" y="1435100"/>
+            <a:ext cx="9905999" cy="4356101"/>
+          </a:xfrm>
+        </p:spPr>
+        <p:txBody>
+          <a:bodyPr/>
+          <a:lstStyle/>
+          <a:p>
+            <a:r>
+              <a:rPr lang="en-US" altLang="zh-CN" smtClean="0"/>
+              <a:t> </a:t>
+            </a:r>
+            <a:r>
+              <a:rPr lang="zh-CN" altLang="en-US" smtClean="0"/>
+              <a:t>空间分辨率、时间分辨率、光谱分辨率</a:t>
+            </a:r>
+            <a:endParaRPr lang="en-US" altLang="zh-CN" smtClean="0"/>
+          </a:p>
+          <a:p>
+            <a:endParaRPr lang="zh-CN" altLang="en-US"/>
+          </a:p>
+        </p:txBody>
+      </p:sp>
+      <p:pic>
+        <p:nvPicPr>
+          <p:cNvPr id="4" name="图片 3"/>
+          <p:cNvPicPr>
+            <a:picLocks noChangeAspect="1"/>
+          </p:cNvPicPr>
+          <p:nvPr/>
+        </p:nvPicPr>
+        <p:blipFill>
+          <a:blip r:embed="rId2"/>
+          <a:stretch>
+            <a:fillRect/>
+          </a:stretch>
+        </p:blipFill>
+        <p:spPr>
+          <a:xfrm>
+            <a:off x="1919287" y="2251682"/>
+            <a:ext cx="7743825" cy="3952875"/>
+          </a:xfrm>
+          <a:prstGeom prst="rect">
+            <a:avLst/>
+          </a:prstGeom>
+        </p:spPr>
+      </p:pic>
+    </p:spTree>
+    <p:extLst>
+      <p:ext uri="{BB962C8B-B14F-4D97-AF65-F5344CB8AC3E}">
+        <p14:creationId xmlns:p14="http://schemas.microsoft.com/office/powerpoint/2010/main" val="4217930292"/>
+      </p:ext>
+    </p:extLst>
+  </p:cSld>
+  <p:clrMapOvr>
+    <a:masterClrMapping/>
+  </p:clrMapOvr>
+  <p:timing>
+    <p:tnLst>
+      <p:par>
+        <p:cTn id="1" dur="indefinite" restart="never" nodeType="tmRoot"/>
+      </p:par>
+    </p:tnLst>
+  </p:timing>
+</p:sld>
+</file>
+
+<file path=ppt/slides/slide15.xml><?xml version="1.0" encoding="utf-8"?>
+<p:sld xmlns:a="http://schemas.openxmlformats.org/drawingml/2006/main" xmlns:r="http://schemas.openxmlformats.org/officeDocument/2006/relationships" xmlns:p="http://schemas.openxmlformats.org/presentationml/2006/main">
+  <p:cSld>
+    <p:spTree>
+      <p:nvGrpSpPr>
+        <p:cNvPr id="1" name=""/>
+        <p:cNvGrpSpPr/>
+        <p:nvPr/>
+      </p:nvGrpSpPr>
+      <p:grpSpPr>
+        <a:xfrm>
+          <a:off x="0" y="0"/>
+          <a:ext cx="0" cy="0"/>
+          <a:chOff x="0" y="0"/>
+          <a:chExt cx="0" cy="0"/>
+        </a:xfrm>
+      </p:grpSpPr>
+      <p:sp>
+        <p:nvSpPr>
+          <p:cNvPr id="2" name="标题 1"/>
+          <p:cNvSpPr>
+            <a:spLocks noGrp="1"/>
+          </p:cNvSpPr>
+          <p:nvPr>
+            <p:ph type="title"/>
+          </p:nvPr>
+        </p:nvSpPr>
+        <p:spPr>
+          <a:xfrm>
+            <a:off x="1141413" y="618518"/>
+            <a:ext cx="9760267" cy="549882"/>
+          </a:xfrm>
+        </p:spPr>
+        <p:txBody>
+          <a:bodyPr>
+            <a:normAutofit fontScale="90000"/>
+          </a:bodyPr>
+          <a:lstStyle/>
+          <a:p>
+            <a:r>
+              <a:rPr lang="zh-CN" altLang="en-US" smtClean="0"/>
+              <a:t>免费遥感数据获取</a:t>
+            </a:r>
+            <a:endParaRPr lang="zh-CN" altLang="en-US"/>
+          </a:p>
+        </p:txBody>
+      </p:sp>
+      <p:pic>
+        <p:nvPicPr>
+          <p:cNvPr id="4" name="图片 3"/>
+          <p:cNvPicPr>
+            <a:picLocks noChangeAspect="1"/>
+          </p:cNvPicPr>
+          <p:nvPr/>
+        </p:nvPicPr>
+        <p:blipFill>
+          <a:blip r:embed="rId2"/>
+          <a:stretch>
+            <a:fillRect/>
+          </a:stretch>
+        </p:blipFill>
+        <p:spPr>
+          <a:xfrm>
+            <a:off x="1778977" y="1370358"/>
+            <a:ext cx="7482486" cy="4542762"/>
+          </a:xfrm>
+          <a:prstGeom prst="rect">
+            <a:avLst/>
+          </a:prstGeom>
+        </p:spPr>
+      </p:pic>
+    </p:spTree>
+    <p:extLst>
+      <p:ext uri="{BB962C8B-B14F-4D97-AF65-F5344CB8AC3E}">
+        <p14:creationId xmlns:p14="http://schemas.microsoft.com/office/powerpoint/2010/main" val="1858326869"/>
+      </p:ext>
+    </p:extLst>
+  </p:cSld>
+  <p:clrMapOvr>
+    <a:masterClrMapping/>
+  </p:clrMapOvr>
+</p:sld>
+</file>
+
+<file path=ppt/slides/slide16.xml><?xml version="1.0" encoding="utf-8"?>
+<p:sld xmlns:a="http://schemas.openxmlformats.org/drawingml/2006/main" xmlns:r="http://schemas.openxmlformats.org/officeDocument/2006/relationships" xmlns:p="http://schemas.openxmlformats.org/presentationml/2006/main">
+  <p:cSld>
+    <p:spTree>
+      <p:nvGrpSpPr>
+        <p:cNvPr id="1" name=""/>
+        <p:cNvGrpSpPr/>
+        <p:nvPr/>
+      </p:nvGrpSpPr>
+      <p:grpSpPr>
+        <a:xfrm>
+          <a:off x="0" y="0"/>
+          <a:ext cx="0" cy="0"/>
+          <a:chOff x="0" y="0"/>
+          <a:chExt cx="0" cy="0"/>
+        </a:xfrm>
+      </p:grpSpPr>
+      <p:sp>
+        <p:nvSpPr>
+          <p:cNvPr id="2" name="标题 1"/>
+          <p:cNvSpPr>
+            <a:spLocks noGrp="1"/>
+          </p:cNvSpPr>
+          <p:nvPr>
+            <p:ph type="title"/>
+          </p:nvPr>
+        </p:nvSpPr>
+        <p:spPr>
+          <a:xfrm>
+            <a:off x="1141413" y="618518"/>
+            <a:ext cx="9905998" cy="1108682"/>
+          </a:xfrm>
+        </p:spPr>
+        <p:txBody>
+          <a:bodyPr/>
+          <a:lstStyle/>
+          <a:p>
+            <a:r>
+              <a:rPr lang="en-US" altLang="zh-CN" smtClean="0"/>
+              <a:t>GNSS(</a:t>
+            </a:r>
+            <a:r>
+              <a:rPr lang="zh-CN" altLang="en-US" smtClean="0"/>
+              <a:t>全球卫星导航系统</a:t>
+            </a:r>
+            <a:r>
+              <a:rPr lang="en-US" altLang="zh-CN" smtClean="0"/>
+              <a:t>)</a:t>
+            </a:r>
+            <a:endParaRPr lang="zh-CN" altLang="en-US"/>
+          </a:p>
+        </p:txBody>
+      </p:sp>
+      <p:sp>
+        <p:nvSpPr>
+          <p:cNvPr id="3" name="内容占位符 2"/>
+          <p:cNvSpPr>
+            <a:spLocks noGrp="1"/>
+          </p:cNvSpPr>
+          <p:nvPr>
+            <p:ph idx="1"/>
+          </p:nvPr>
+        </p:nvSpPr>
+        <p:spPr>
+          <a:xfrm>
+            <a:off x="1141412" y="1625600"/>
+            <a:ext cx="9905999" cy="4165601"/>
+          </a:xfrm>
+        </p:spPr>
+        <p:txBody>
+          <a:bodyPr>
+            <a:normAutofit/>
+          </a:bodyPr>
+          <a:lstStyle/>
+          <a:p>
+            <a:r>
+              <a:rPr lang="zh-CN" altLang="en-US" sz="1800"/>
+              <a:t>全球导航卫星系统是能在</a:t>
+            </a:r>
+            <a:r>
+              <a:rPr lang="zh-CN" altLang="en-US" sz="1800" smtClean="0"/>
+              <a:t>地球表面为</a:t>
+            </a:r>
+            <a:r>
+              <a:rPr lang="zh-CN" altLang="en-US" sz="1800"/>
+              <a:t>用户提供全天候的</a:t>
+            </a:r>
+            <a:r>
+              <a:rPr lang="en-US" altLang="zh-CN" sz="1800"/>
+              <a:t>3</a:t>
+            </a:r>
+            <a:r>
+              <a:rPr lang="zh-CN" altLang="en-US" sz="1800"/>
+              <a:t>维</a:t>
+            </a:r>
+            <a:r>
+              <a:rPr lang="zh-CN" altLang="en-US" sz="1800" smtClean="0"/>
+              <a:t>坐标、速度、时间信息的无线电导航定位系统</a:t>
+            </a:r>
+            <a:endParaRPr lang="en-US" altLang="zh-CN" sz="1800" smtClean="0"/>
+          </a:p>
+          <a:p>
+            <a:r>
+              <a:rPr lang="zh-CN" altLang="en-US" sz="1800"/>
+              <a:t>卫星星座、地面监控站、用户设备</a:t>
+            </a:r>
+            <a:endParaRPr lang="en-US" altLang="zh-CN" sz="1800" smtClean="0"/>
+          </a:p>
+          <a:p>
+            <a:r>
+              <a:rPr lang="zh-CN" altLang="en-US" sz="1800" smtClean="0"/>
+              <a:t>美国 </a:t>
+            </a:r>
+            <a:r>
+              <a:rPr lang="en-US" altLang="zh-CN" sz="1800" smtClean="0"/>
+              <a:t>GPS</a:t>
+            </a:r>
+          </a:p>
+          <a:p>
+            <a:r>
+              <a:rPr lang="zh-CN" altLang="en-US" sz="1800" smtClean="0"/>
+              <a:t>俄罗斯 </a:t>
+            </a:r>
+            <a:r>
+              <a:rPr lang="en-US" altLang="zh-CN" sz="1800" smtClean="0"/>
+              <a:t>GLONASS</a:t>
+            </a:r>
+          </a:p>
+          <a:p>
+            <a:r>
+              <a:rPr lang="zh-CN" altLang="en-US" sz="1800" smtClean="0"/>
+              <a:t>欧盟 </a:t>
+            </a:r>
+            <a:r>
+              <a:rPr lang="en-US" altLang="zh-CN" sz="1800" smtClean="0"/>
+              <a:t>GALILEO</a:t>
+            </a:r>
+            <a:endParaRPr lang="en-US" altLang="zh-CN" sz="1800"/>
+          </a:p>
+          <a:p>
+            <a:r>
+              <a:rPr lang="zh-CN" altLang="en-US" sz="1800" smtClean="0"/>
+              <a:t>中国</a:t>
+            </a:r>
+            <a:r>
+              <a:rPr lang="zh-CN" altLang="en-US" sz="1800"/>
+              <a:t>北斗</a:t>
+            </a:r>
+            <a:r>
+              <a:rPr lang="zh-CN" altLang="en-US" sz="1800" smtClean="0"/>
+              <a:t>卫星导航系统</a:t>
+            </a:r>
+            <a:r>
+              <a:rPr lang="en-US" altLang="zh-CN" sz="1800" smtClean="0"/>
+              <a:t>(COMPASS)</a:t>
+            </a:r>
+            <a:endParaRPr lang="zh-CN" altLang="en-US" sz="1800"/>
+          </a:p>
+        </p:txBody>
+      </p:sp>
+    </p:spTree>
+    <p:extLst>
+      <p:ext uri="{BB962C8B-B14F-4D97-AF65-F5344CB8AC3E}">
+        <p14:creationId xmlns:p14="http://schemas.microsoft.com/office/powerpoint/2010/main" val="58009986"/>
+      </p:ext>
+    </p:extLst>
+  </p:cSld>
+  <p:clrMapOvr>
+    <a:masterClrMapping/>
+  </p:clrMapOvr>
+  <p:timing>
+    <p:tnLst>
+      <p:par>
+        <p:cTn id="1" dur="indefinite" restart="never" nodeType="tmRoot"/>
+      </p:par>
+    </p:tnLst>
+  </p:timing>
+</p:sld>
+</file>
+
+<file path=ppt/slides/slide17.xml><?xml version="1.0" encoding="utf-8"?>
+<p:sld xmlns:a="http://schemas.openxmlformats.org/drawingml/2006/main" xmlns:r="http://schemas.openxmlformats.org/officeDocument/2006/relationships" xmlns:p="http://schemas.openxmlformats.org/presentationml/2006/main">
+  <p:cSld>
+    <p:spTree>
+      <p:nvGrpSpPr>
+        <p:cNvPr id="1" name=""/>
+        <p:cNvGrpSpPr/>
+        <p:nvPr/>
+      </p:nvGrpSpPr>
+      <p:grpSpPr>
+        <a:xfrm>
+          <a:off x="0" y="0"/>
+          <a:ext cx="0" cy="0"/>
+          <a:chOff x="0" y="0"/>
+          <a:chExt cx="0" cy="0"/>
+        </a:xfrm>
+      </p:grpSpPr>
+      <p:sp>
+        <p:nvSpPr>
+          <p:cNvPr id="2" name="标题 1"/>
+          <p:cNvSpPr>
+            <a:spLocks noGrp="1"/>
+          </p:cNvSpPr>
+          <p:nvPr>
+            <p:ph type="title" idx="4294967295"/>
+          </p:nvPr>
+        </p:nvSpPr>
+        <p:spPr>
+          <a:xfrm>
+            <a:off x="1036320" y="619125"/>
+            <a:ext cx="9906000" cy="762000"/>
+          </a:xfrm>
+        </p:spPr>
+        <p:txBody>
+          <a:bodyPr/>
+          <a:lstStyle/>
+          <a:p>
+            <a:r>
+              <a:rPr lang="en-US" altLang="zh-CN" smtClean="0"/>
+              <a:t>            Gis</a:t>
+            </a:r>
+            <a:r>
+              <a:rPr lang="zh-CN" altLang="en-US" smtClean="0"/>
+              <a:t>空间分析</a:t>
+            </a:r>
+            <a:endParaRPr lang="zh-CN" altLang="en-US"/>
+          </a:p>
+        </p:txBody>
+      </p:sp>
+      <p:sp>
+        <p:nvSpPr>
+          <p:cNvPr id="3" name="内容占位符 2"/>
+          <p:cNvSpPr>
+            <a:spLocks noGrp="1"/>
+          </p:cNvSpPr>
+          <p:nvPr>
+            <p:ph idx="4294967295"/>
+          </p:nvPr>
+        </p:nvSpPr>
+        <p:spPr>
+          <a:xfrm>
+            <a:off x="1391920" y="1655763"/>
+            <a:ext cx="9906000" cy="4135437"/>
+          </a:xfrm>
+        </p:spPr>
+        <p:txBody>
+          <a:bodyPr/>
+          <a:lstStyle/>
+          <a:p>
+            <a:r>
+              <a:rPr lang="zh-CN" altLang="en-US" smtClean="0"/>
+              <a:t>缓冲区分析</a:t>
+            </a:r>
+            <a:endParaRPr lang="en-US" altLang="zh-CN" smtClean="0"/>
+          </a:p>
+          <a:p>
+            <a:r>
+              <a:rPr lang="zh-CN" altLang="en-US" smtClean="0"/>
+              <a:t>叠加分析</a:t>
+            </a:r>
+            <a:r>
+              <a:rPr lang="en-US" altLang="zh-CN" smtClean="0"/>
+              <a:t>{overlay  intersect  clip  }</a:t>
+            </a:r>
+          </a:p>
+          <a:p>
+            <a:r>
+              <a:rPr lang="zh-CN" altLang="en-US" smtClean="0"/>
+              <a:t>网络分析</a:t>
+            </a:r>
+            <a:endParaRPr lang="en-US" altLang="zh-CN" smtClean="0"/>
+          </a:p>
+          <a:p>
+            <a:r>
+              <a:rPr lang="zh-CN" altLang="en-US" smtClean="0"/>
+              <a:t>水文分析</a:t>
+            </a:r>
+            <a:endParaRPr lang="zh-CN" altLang="en-US"/>
+          </a:p>
+        </p:txBody>
+      </p:sp>
+      <p:pic>
+        <p:nvPicPr>
+          <p:cNvPr id="4" name="图片 3"/>
+          <p:cNvPicPr>
+            <a:picLocks noChangeAspect="1"/>
+          </p:cNvPicPr>
+          <p:nvPr/>
+        </p:nvPicPr>
+        <p:blipFill>
+          <a:blip r:embed="rId2"/>
+          <a:stretch>
+            <a:fillRect/>
+          </a:stretch>
+        </p:blipFill>
+        <p:spPr>
+          <a:xfrm>
+            <a:off x="1170622" y="4143375"/>
+            <a:ext cx="4486275" cy="1647825"/>
+          </a:xfrm>
+          <a:prstGeom prst="rect">
+            <a:avLst/>
+          </a:prstGeom>
+        </p:spPr>
+      </p:pic>
+      <p:pic>
+        <p:nvPicPr>
+          <p:cNvPr id="5" name="图片 4"/>
+          <p:cNvPicPr>
+            <a:picLocks noChangeAspect="1"/>
+          </p:cNvPicPr>
+          <p:nvPr/>
+        </p:nvPicPr>
+        <p:blipFill>
+          <a:blip r:embed="rId3"/>
+          <a:stretch>
+            <a:fillRect/>
+          </a:stretch>
+        </p:blipFill>
+        <p:spPr>
+          <a:xfrm>
+            <a:off x="7146607" y="762000"/>
+            <a:ext cx="4238625" cy="2000250"/>
+          </a:xfrm>
+          <a:prstGeom prst="rect">
+            <a:avLst/>
+          </a:prstGeom>
+        </p:spPr>
+      </p:pic>
+      <p:pic>
+        <p:nvPicPr>
+          <p:cNvPr id="6" name="图片 5"/>
+          <p:cNvPicPr>
+            <a:picLocks noChangeAspect="1"/>
+          </p:cNvPicPr>
+          <p:nvPr/>
+        </p:nvPicPr>
+        <p:blipFill>
+          <a:blip r:embed="rId4"/>
+          <a:stretch>
+            <a:fillRect/>
+          </a:stretch>
+        </p:blipFill>
+        <p:spPr>
+          <a:xfrm>
+            <a:off x="6971982" y="3056573"/>
+            <a:ext cx="4181475" cy="2133600"/>
+          </a:xfrm>
+          <a:prstGeom prst="rect">
+            <a:avLst/>
+          </a:prstGeom>
+        </p:spPr>
+      </p:pic>
+      <p:pic>
+        <p:nvPicPr>
+          <p:cNvPr id="7" name="图片 6"/>
+          <p:cNvPicPr>
+            <a:picLocks noChangeAspect="1"/>
+          </p:cNvPicPr>
+          <p:nvPr/>
+        </p:nvPicPr>
+        <p:blipFill>
+          <a:blip r:embed="rId5"/>
+          <a:stretch>
+            <a:fillRect/>
+          </a:stretch>
+        </p:blipFill>
+        <p:spPr>
+          <a:xfrm>
+            <a:off x="6861016" y="5253514"/>
+            <a:ext cx="4105275" cy="1676400"/>
+          </a:xfrm>
+          <a:prstGeom prst="rect">
+            <a:avLst/>
+          </a:prstGeom>
+        </p:spPr>
+      </p:pic>
+      <p:pic>
+        <p:nvPicPr>
+          <p:cNvPr id="8" name="图片 7"/>
+          <p:cNvPicPr>
+            <a:picLocks noChangeAspect="1"/>
+          </p:cNvPicPr>
+          <p:nvPr/>
+        </p:nvPicPr>
+        <p:blipFill>
+          <a:blip r:embed="rId6"/>
+          <a:stretch>
+            <a:fillRect/>
+          </a:stretch>
+        </p:blipFill>
+        <p:spPr>
+          <a:xfrm>
+            <a:off x="2809557" y="4802505"/>
+            <a:ext cx="4162425" cy="1857375"/>
+          </a:xfrm>
+          <a:prstGeom prst="rect">
+            <a:avLst/>
+          </a:prstGeom>
+        </p:spPr>
+      </p:pic>
+      <p:pic>
+        <p:nvPicPr>
+          <p:cNvPr id="9" name="图片 8"/>
+          <p:cNvPicPr>
+            <a:picLocks noChangeAspect="1"/>
+          </p:cNvPicPr>
+          <p:nvPr/>
+        </p:nvPicPr>
+        <p:blipFill>
+          <a:blip r:embed="rId7"/>
+          <a:stretch>
+            <a:fillRect/>
+          </a:stretch>
+        </p:blipFill>
+        <p:spPr>
+          <a:xfrm>
+            <a:off x="6598126" y="925830"/>
+            <a:ext cx="4743450" cy="2524125"/>
+          </a:xfrm>
+          <a:prstGeom prst="rect">
+            <a:avLst/>
+          </a:prstGeom>
+        </p:spPr>
+      </p:pic>
+    </p:spTree>
+    <p:extLst>
+      <p:ext uri="{BB962C8B-B14F-4D97-AF65-F5344CB8AC3E}">
+        <p14:creationId xmlns:p14="http://schemas.microsoft.com/office/powerpoint/2010/main" val="3711145945"/>
+      </p:ext>
+    </p:extLst>
+  </p:cSld>
+  <p:clrMapOvr>
+    <a:masterClrMapping/>
+  </p:clrMapOvr>
+</p:sld>
+</file>
+
+<file path=ppt/slides/slide18.xml><?xml version="1.0" encoding="utf-8"?>
+<p:sld xmlns:a="http://schemas.openxmlformats.org/drawingml/2006/main" xmlns:r="http://schemas.openxmlformats.org/officeDocument/2006/relationships" xmlns:p="http://schemas.openxmlformats.org/presentationml/2006/main">
+  <p:cSld>
+    <p:spTree>
+      <p:nvGrpSpPr>
+        <p:cNvPr id="1" name=""/>
+        <p:cNvGrpSpPr/>
+        <p:nvPr/>
+      </p:nvGrpSpPr>
+      <p:grpSpPr>
+        <a:xfrm>
+          <a:off x="0" y="0"/>
+          <a:ext cx="0" cy="0"/>
+          <a:chOff x="0" y="0"/>
+          <a:chExt cx="0" cy="0"/>
+        </a:xfrm>
+      </p:grpSpPr>
+      <p:pic>
+        <p:nvPicPr>
+          <p:cNvPr id="2" name="图片 1"/>
+          <p:cNvPicPr>
+            <a:picLocks noChangeAspect="1"/>
+          </p:cNvPicPr>
+          <p:nvPr/>
+        </p:nvPicPr>
+        <p:blipFill>
+          <a:blip r:embed="rId2"/>
+          <a:stretch>
+            <a:fillRect/>
+          </a:stretch>
+        </p:blipFill>
+        <p:spPr>
+          <a:xfrm>
+            <a:off x="824865" y="254952"/>
+            <a:ext cx="6153150" cy="3686175"/>
+          </a:xfrm>
+          <a:prstGeom prst="rect">
+            <a:avLst/>
+          </a:prstGeom>
+        </p:spPr>
+      </p:pic>
+      <p:pic>
+        <p:nvPicPr>
+          <p:cNvPr id="3" name="图片 2"/>
+          <p:cNvPicPr>
+            <a:picLocks noChangeAspect="1"/>
+          </p:cNvPicPr>
+          <p:nvPr/>
+        </p:nvPicPr>
+        <p:blipFill>
+          <a:blip r:embed="rId3"/>
+          <a:stretch>
+            <a:fillRect/>
+          </a:stretch>
+        </p:blipFill>
+        <p:spPr>
+          <a:xfrm>
+            <a:off x="6306820" y="1140776"/>
+            <a:ext cx="4800600" cy="1914525"/>
+          </a:xfrm>
+          <a:prstGeom prst="rect">
+            <a:avLst/>
+          </a:prstGeom>
+        </p:spPr>
+      </p:pic>
+      <p:pic>
+        <p:nvPicPr>
+          <p:cNvPr id="4" name="图片 3"/>
+          <p:cNvPicPr>
+            <a:picLocks noChangeAspect="1"/>
+          </p:cNvPicPr>
+          <p:nvPr/>
+        </p:nvPicPr>
+        <p:blipFill>
+          <a:blip r:embed="rId4"/>
+          <a:stretch>
+            <a:fillRect/>
+          </a:stretch>
+        </p:blipFill>
+        <p:spPr>
+          <a:xfrm>
+            <a:off x="1115695" y="2870200"/>
+            <a:ext cx="7591425" cy="3657600"/>
+          </a:xfrm>
+          <a:prstGeom prst="rect">
+            <a:avLst/>
+          </a:prstGeom>
+        </p:spPr>
+      </p:pic>
+    </p:spTree>
+    <p:extLst>
+      <p:ext uri="{BB962C8B-B14F-4D97-AF65-F5344CB8AC3E}">
+        <p14:creationId xmlns:p14="http://schemas.microsoft.com/office/powerpoint/2010/main" val="1836783668"/>
+      </p:ext>
+    </p:extLst>
+  </p:cSld>
+  <p:clrMapOvr>
+    <a:masterClrMapping/>
+  </p:clrMapOvr>
+</p:sld>
+</file>
+
+<file path=ppt/slides/slide19.xml><?xml version="1.0" encoding="utf-8"?>
+<p:sld xmlns:a="http://schemas.openxmlformats.org/drawingml/2006/main" xmlns:r="http://schemas.openxmlformats.org/officeDocument/2006/relationships" xmlns:p="http://schemas.openxmlformats.org/presentationml/2006/main">
+  <p:cSld>
+    <p:spTree>
+      <p:nvGrpSpPr>
+        <p:cNvPr id="1" name=""/>
+        <p:cNvGrpSpPr/>
+        <p:nvPr/>
+      </p:nvGrpSpPr>
+      <p:grpSpPr>
+        <a:xfrm>
+          <a:off x="0" y="0"/>
+          <a:ext cx="0" cy="0"/>
+          <a:chOff x="0" y="0"/>
+          <a:chExt cx="0" cy="0"/>
+        </a:xfrm>
+      </p:grpSpPr>
+      <p:pic>
+        <p:nvPicPr>
+          <p:cNvPr id="2" name="图片 1"/>
+          <p:cNvPicPr>
+            <a:picLocks noChangeAspect="1"/>
+          </p:cNvPicPr>
+          <p:nvPr/>
+        </p:nvPicPr>
+        <p:blipFill>
+          <a:blip r:embed="rId2"/>
+          <a:stretch>
+            <a:fillRect/>
+          </a:stretch>
+        </p:blipFill>
+        <p:spPr>
+          <a:xfrm>
+            <a:off x="2299335" y="744220"/>
+            <a:ext cx="4972050" cy="2057400"/>
+          </a:xfrm>
+          <a:prstGeom prst="rect">
+            <a:avLst/>
+          </a:prstGeom>
+        </p:spPr>
+      </p:pic>
+      <p:pic>
+        <p:nvPicPr>
+          <p:cNvPr id="3" name="图片 2"/>
+          <p:cNvPicPr>
+            <a:picLocks noChangeAspect="1"/>
+          </p:cNvPicPr>
+          <p:nvPr/>
+        </p:nvPicPr>
+        <p:blipFill>
+          <a:blip r:embed="rId3"/>
+          <a:stretch>
+            <a:fillRect/>
+          </a:stretch>
+        </p:blipFill>
+        <p:spPr>
+          <a:xfrm>
+            <a:off x="6164897" y="1851660"/>
+            <a:ext cx="5267325" cy="4191000"/>
+          </a:xfrm>
+          <a:prstGeom prst="rect">
+            <a:avLst/>
+          </a:prstGeom>
+        </p:spPr>
+      </p:pic>
+      <p:pic>
+        <p:nvPicPr>
+          <p:cNvPr id="4" name="图片 3"/>
+          <p:cNvPicPr>
+            <a:picLocks noChangeAspect="1"/>
+          </p:cNvPicPr>
+          <p:nvPr/>
+        </p:nvPicPr>
+        <p:blipFill>
+          <a:blip r:embed="rId4"/>
+          <a:stretch>
+            <a:fillRect/>
+          </a:stretch>
+        </p:blipFill>
+        <p:spPr>
+          <a:xfrm>
+            <a:off x="678815" y="3378517"/>
+            <a:ext cx="4819650" cy="2828925"/>
+          </a:xfrm>
+          <a:prstGeom prst="rect">
+            <a:avLst/>
+          </a:prstGeom>
+        </p:spPr>
+      </p:pic>
+      <p:pic>
+        <p:nvPicPr>
+          <p:cNvPr id="5" name="图片 4"/>
+          <p:cNvPicPr>
+            <a:picLocks noChangeAspect="1"/>
+          </p:cNvPicPr>
+          <p:nvPr/>
+        </p:nvPicPr>
+        <p:blipFill>
+          <a:blip r:embed="rId5"/>
+          <a:stretch>
+            <a:fillRect/>
+          </a:stretch>
+        </p:blipFill>
+        <p:spPr>
+          <a:xfrm>
+            <a:off x="4408256" y="146685"/>
+            <a:ext cx="7134225" cy="3409950"/>
+          </a:xfrm>
+          <a:prstGeom prst="rect">
+            <a:avLst/>
+          </a:prstGeom>
+        </p:spPr>
+      </p:pic>
+      <p:pic>
+        <p:nvPicPr>
+          <p:cNvPr id="6" name="图片 5"/>
+          <p:cNvPicPr>
+            <a:picLocks noChangeAspect="1"/>
+          </p:cNvPicPr>
+          <p:nvPr/>
+        </p:nvPicPr>
+        <p:blipFill>
+          <a:blip r:embed="rId6"/>
+          <a:stretch>
+            <a:fillRect/>
+          </a:stretch>
+        </p:blipFill>
+        <p:spPr>
+          <a:xfrm>
+            <a:off x="1018222" y="0"/>
+            <a:ext cx="2562225" cy="4391025"/>
+          </a:xfrm>
+          <a:prstGeom prst="rect">
+            <a:avLst/>
+          </a:prstGeom>
+        </p:spPr>
+      </p:pic>
+    </p:spTree>
+    <p:extLst>
+      <p:ext uri="{BB962C8B-B14F-4D97-AF65-F5344CB8AC3E}">
+        <p14:creationId xmlns:p14="http://schemas.microsoft.com/office/powerpoint/2010/main" val="61914812"/>
       </p:ext>
     </p:extLst>
   </p:cSld>
@@ -13703,6 +15388,1331 @@
   <p:clrMapOvr>
     <a:masterClrMapping/>
   </p:clrMapOvr>
+  <p:timing>
+    <p:tnLst>
+      <p:par>
+        <p:cTn id="1" dur="indefinite" restart="never" nodeType="tmRoot"/>
+      </p:par>
+    </p:tnLst>
+  </p:timing>
+</p:sld>
+</file>
+
+<file path=ppt/slides/slide20.xml><?xml version="1.0" encoding="utf-8"?>
+<p:sld xmlns:a="http://schemas.openxmlformats.org/drawingml/2006/main" xmlns:r="http://schemas.openxmlformats.org/officeDocument/2006/relationships" xmlns:p="http://schemas.openxmlformats.org/presentationml/2006/main">
+  <p:cSld>
+    <p:spTree>
+      <p:nvGrpSpPr>
+        <p:cNvPr id="1" name=""/>
+        <p:cNvGrpSpPr/>
+        <p:nvPr/>
+      </p:nvGrpSpPr>
+      <p:grpSpPr>
+        <a:xfrm>
+          <a:off x="0" y="0"/>
+          <a:ext cx="0" cy="0"/>
+          <a:chOff x="0" y="0"/>
+          <a:chExt cx="0" cy="0"/>
+        </a:xfrm>
+      </p:grpSpPr>
+      <p:pic>
+        <p:nvPicPr>
+          <p:cNvPr id="2" name="图片 1"/>
+          <p:cNvPicPr>
+            <a:picLocks noChangeAspect="1"/>
+          </p:cNvPicPr>
+          <p:nvPr/>
+        </p:nvPicPr>
+        <p:blipFill>
+          <a:blip r:embed="rId2"/>
+          <a:stretch>
+            <a:fillRect/>
+          </a:stretch>
+        </p:blipFill>
+        <p:spPr>
+          <a:xfrm>
+            <a:off x="696912" y="533082"/>
+            <a:ext cx="4295775" cy="2581275"/>
+          </a:xfrm>
+          <a:prstGeom prst="rect">
+            <a:avLst/>
+          </a:prstGeom>
+        </p:spPr>
+      </p:pic>
+      <p:pic>
+        <p:nvPicPr>
+          <p:cNvPr id="3" name="图片 2"/>
+          <p:cNvPicPr>
+            <a:picLocks noChangeAspect="1"/>
+          </p:cNvPicPr>
+          <p:nvPr/>
+        </p:nvPicPr>
+        <p:blipFill>
+          <a:blip r:embed="rId3"/>
+          <a:stretch>
+            <a:fillRect/>
+          </a:stretch>
+        </p:blipFill>
+        <p:spPr>
+          <a:xfrm>
+            <a:off x="5589587" y="555941"/>
+            <a:ext cx="4648200" cy="2505075"/>
+          </a:xfrm>
+          <a:prstGeom prst="rect">
+            <a:avLst/>
+          </a:prstGeom>
+        </p:spPr>
+      </p:pic>
+      <p:pic>
+        <p:nvPicPr>
+          <p:cNvPr id="4" name="图片 3"/>
+          <p:cNvPicPr>
+            <a:picLocks noChangeAspect="1"/>
+          </p:cNvPicPr>
+          <p:nvPr/>
+        </p:nvPicPr>
+        <p:blipFill>
+          <a:blip r:embed="rId4"/>
+          <a:stretch>
+            <a:fillRect/>
+          </a:stretch>
+        </p:blipFill>
+        <p:spPr>
+          <a:xfrm>
+            <a:off x="608012" y="3114357"/>
+            <a:ext cx="4981575" cy="3505200"/>
+          </a:xfrm>
+          <a:prstGeom prst="rect">
+            <a:avLst/>
+          </a:prstGeom>
+        </p:spPr>
+      </p:pic>
+      <p:pic>
+        <p:nvPicPr>
+          <p:cNvPr id="5" name="图片 4"/>
+          <p:cNvPicPr>
+            <a:picLocks noChangeAspect="1"/>
+          </p:cNvPicPr>
+          <p:nvPr/>
+        </p:nvPicPr>
+        <p:blipFill>
+          <a:blip r:embed="rId5"/>
+          <a:stretch>
+            <a:fillRect/>
+          </a:stretch>
+        </p:blipFill>
+        <p:spPr>
+          <a:xfrm>
+            <a:off x="4400867" y="1928812"/>
+            <a:ext cx="6296025" cy="4524375"/>
+          </a:xfrm>
+          <a:prstGeom prst="rect">
+            <a:avLst/>
+          </a:prstGeom>
+        </p:spPr>
+      </p:pic>
+    </p:spTree>
+    <p:extLst>
+      <p:ext uri="{BB962C8B-B14F-4D97-AF65-F5344CB8AC3E}">
+        <p14:creationId xmlns:p14="http://schemas.microsoft.com/office/powerpoint/2010/main" val="119939947"/>
+      </p:ext>
+    </p:extLst>
+  </p:cSld>
+  <p:clrMapOvr>
+    <a:masterClrMapping/>
+  </p:clrMapOvr>
+</p:sld>
+</file>
+
+<file path=ppt/slides/slide21.xml><?xml version="1.0" encoding="utf-8"?>
+<p:sld xmlns:a="http://schemas.openxmlformats.org/drawingml/2006/main" xmlns:r="http://schemas.openxmlformats.org/officeDocument/2006/relationships" xmlns:p="http://schemas.openxmlformats.org/presentationml/2006/main">
+  <p:cSld>
+    <p:spTree>
+      <p:nvGrpSpPr>
+        <p:cNvPr id="1" name=""/>
+        <p:cNvGrpSpPr/>
+        <p:nvPr/>
+      </p:nvGrpSpPr>
+      <p:grpSpPr>
+        <a:xfrm>
+          <a:off x="0" y="0"/>
+          <a:ext cx="0" cy="0"/>
+          <a:chOff x="0" y="0"/>
+          <a:chExt cx="0" cy="0"/>
+        </a:xfrm>
+      </p:grpSpPr>
+      <p:sp>
+        <p:nvSpPr>
+          <p:cNvPr id="2" name="标题 1"/>
+          <p:cNvSpPr>
+            <a:spLocks noGrp="1"/>
+          </p:cNvSpPr>
+          <p:nvPr>
+            <p:ph type="title"/>
+          </p:nvPr>
+        </p:nvSpPr>
+        <p:spPr>
+          <a:xfrm>
+            <a:off x="1141413" y="618518"/>
+            <a:ext cx="9905998" cy="864842"/>
+          </a:xfrm>
+        </p:spPr>
+        <p:txBody>
+          <a:bodyPr/>
+          <a:lstStyle/>
+          <a:p>
+            <a:r>
+              <a:rPr lang="zh-CN" altLang="en-US" smtClean="0"/>
+              <a:t>地图制图与服务发布</a:t>
+            </a:r>
+            <a:endParaRPr lang="zh-CN" altLang="en-US"/>
+          </a:p>
+        </p:txBody>
+      </p:sp>
+      <p:sp>
+        <p:nvSpPr>
+          <p:cNvPr id="3" name="内容占位符 2"/>
+          <p:cNvSpPr>
+            <a:spLocks noGrp="1"/>
+          </p:cNvSpPr>
+          <p:nvPr>
+            <p:ph idx="1"/>
+          </p:nvPr>
+        </p:nvSpPr>
+        <p:spPr>
+          <a:xfrm>
+            <a:off x="1141412" y="1645920"/>
+            <a:ext cx="9905999" cy="4145281"/>
+          </a:xfrm>
+        </p:spPr>
+        <p:txBody>
+          <a:bodyPr/>
+          <a:lstStyle/>
+          <a:p>
+            <a:r>
+              <a:rPr lang="zh-CN" altLang="en-US" smtClean="0"/>
+              <a:t>地图整饰</a:t>
+            </a:r>
+            <a:endParaRPr lang="en-US" altLang="zh-CN" smtClean="0"/>
+          </a:p>
+          <a:p>
+            <a:r>
+              <a:rPr lang="zh-CN" altLang="en-US" smtClean="0"/>
+              <a:t>地图发布</a:t>
+            </a:r>
+            <a:endParaRPr lang="en-US" altLang="zh-CN" smtClean="0"/>
+          </a:p>
+          <a:p>
+            <a:r>
+              <a:rPr lang="zh-CN" altLang="en-US" smtClean="0"/>
+              <a:t>缓存切片</a:t>
+            </a:r>
+            <a:endParaRPr lang="en-US" altLang="zh-CN" smtClean="0"/>
+          </a:p>
+          <a:p>
+            <a:endParaRPr lang="zh-CN" altLang="en-US"/>
+          </a:p>
+        </p:txBody>
+      </p:sp>
+    </p:spTree>
+    <p:extLst>
+      <p:ext uri="{BB962C8B-B14F-4D97-AF65-F5344CB8AC3E}">
+        <p14:creationId xmlns:p14="http://schemas.microsoft.com/office/powerpoint/2010/main" val="931379873"/>
+      </p:ext>
+    </p:extLst>
+  </p:cSld>
+  <p:clrMapOvr>
+    <a:masterClrMapping/>
+  </p:clrMapOvr>
+</p:sld>
+</file>
+
+<file path=ppt/slides/slide22.xml><?xml version="1.0" encoding="utf-8"?>
+<p:sld xmlns:a="http://schemas.openxmlformats.org/drawingml/2006/main" xmlns:r="http://schemas.openxmlformats.org/officeDocument/2006/relationships" xmlns:p="http://schemas.openxmlformats.org/presentationml/2006/main">
+  <p:cSld>
+    <p:spTree>
+      <p:nvGrpSpPr>
+        <p:cNvPr id="1" name=""/>
+        <p:cNvGrpSpPr/>
+        <p:nvPr/>
+      </p:nvGrpSpPr>
+      <p:grpSpPr>
+        <a:xfrm>
+          <a:off x="0" y="0"/>
+          <a:ext cx="0" cy="0"/>
+          <a:chOff x="0" y="0"/>
+          <a:chExt cx="0" cy="0"/>
+        </a:xfrm>
+      </p:grpSpPr>
+      <p:sp>
+        <p:nvSpPr>
+          <p:cNvPr id="2" name="标题 1"/>
+          <p:cNvSpPr>
+            <a:spLocks noGrp="1"/>
+          </p:cNvSpPr>
+          <p:nvPr>
+            <p:ph type="title"/>
+          </p:nvPr>
+        </p:nvSpPr>
+        <p:spPr>
+          <a:xfrm>
+            <a:off x="1141413" y="618518"/>
+            <a:ext cx="9905998" cy="681962"/>
+          </a:xfrm>
+        </p:spPr>
+        <p:txBody>
+          <a:bodyPr/>
+          <a:lstStyle/>
+          <a:p>
+            <a:endParaRPr lang="zh-CN" altLang="en-US"/>
+          </a:p>
+        </p:txBody>
+      </p:sp>
+    </p:spTree>
+    <p:extLst>
+      <p:ext uri="{BB962C8B-B14F-4D97-AF65-F5344CB8AC3E}">
+        <p14:creationId xmlns:p14="http://schemas.microsoft.com/office/powerpoint/2010/main" val="2025935770"/>
+      </p:ext>
+    </p:extLst>
+  </p:cSld>
+  <p:clrMapOvr>
+    <a:masterClrMapping/>
+  </p:clrMapOvr>
+</p:sld>
+</file>
+
+<file path=ppt/slides/slide23.xml><?xml version="1.0" encoding="utf-8"?>
+<p:sld xmlns:a="http://schemas.openxmlformats.org/drawingml/2006/main" xmlns:r="http://schemas.openxmlformats.org/officeDocument/2006/relationships" xmlns:p="http://schemas.openxmlformats.org/presentationml/2006/main">
+  <p:cSld>
+    <p:spTree>
+      <p:nvGrpSpPr>
+        <p:cNvPr id="1" name=""/>
+        <p:cNvGrpSpPr/>
+        <p:nvPr/>
+      </p:nvGrpSpPr>
+      <p:grpSpPr>
+        <a:xfrm>
+          <a:off x="0" y="0"/>
+          <a:ext cx="0" cy="0"/>
+          <a:chOff x="0" y="0"/>
+          <a:chExt cx="0" cy="0"/>
+        </a:xfrm>
+      </p:grpSpPr>
+      <p:sp>
+        <p:nvSpPr>
+          <p:cNvPr id="2" name="标题 1"/>
+          <p:cNvSpPr>
+            <a:spLocks noGrp="1"/>
+          </p:cNvSpPr>
+          <p:nvPr>
+            <p:ph type="title"/>
+          </p:nvPr>
+        </p:nvSpPr>
+        <p:spPr>
+          <a:xfrm>
+            <a:off x="1141413" y="618518"/>
+            <a:ext cx="9905998" cy="814042"/>
+          </a:xfrm>
+        </p:spPr>
+        <p:txBody>
+          <a:bodyPr/>
+          <a:lstStyle/>
+          <a:p>
+            <a:r>
+              <a:rPr lang="zh-CN" altLang="en-US" smtClean="0"/>
+              <a:t>缓存技术</a:t>
+            </a:r>
+            <a:endParaRPr lang="zh-CN" altLang="en-US"/>
+          </a:p>
+        </p:txBody>
+      </p:sp>
+      <p:sp>
+        <p:nvSpPr>
+          <p:cNvPr id="3" name="内容占位符 2"/>
+          <p:cNvSpPr>
+            <a:spLocks noGrp="1"/>
+          </p:cNvSpPr>
+          <p:nvPr>
+            <p:ph idx="1"/>
+          </p:nvPr>
+        </p:nvSpPr>
+        <p:spPr>
+          <a:xfrm>
+            <a:off x="1029652" y="1432560"/>
+            <a:ext cx="9905999" cy="3541714"/>
+          </a:xfrm>
+        </p:spPr>
+        <p:txBody>
+          <a:bodyPr>
+            <a:normAutofit/>
+          </a:bodyPr>
+          <a:lstStyle/>
+          <a:p>
+            <a:r>
+              <a:rPr lang="zh-CN" altLang="en-US" smtClean="0"/>
+              <a:t>矢量</a:t>
+            </a:r>
+            <a:r>
+              <a:rPr lang="zh-CN" altLang="en-US"/>
+              <a:t>切片是一种利用协议缓冲（</a:t>
+            </a:r>
+            <a:r>
+              <a:rPr lang="en-US" altLang="zh-CN"/>
+              <a:t>Protocol Buffers</a:t>
+            </a:r>
+            <a:r>
+              <a:rPr lang="zh-CN" altLang="en-US"/>
+              <a:t>）技术的紧凑的二进制格式用来传递信息。当渲染地图时矢量切片使用一系列储存的内部数据进行制图。被组织到矢量切片的图层（比如道路、水、区域），每一层都有包含几何图形和可变属性的独立要素（例如姓名、类型等等）。通俗的说，就是将矢量数据以建立金字塔的方式，像栅格切片那样分割成一个一个描述性文件，以</a:t>
+            </a:r>
+            <a:r>
+              <a:rPr lang="en-US" altLang="zh-CN"/>
+              <a:t>GeoJson</a:t>
+            </a:r>
+            <a:r>
+              <a:rPr lang="zh-CN" altLang="en-US"/>
+              <a:t>格式或者以</a:t>
+            </a:r>
+            <a:r>
+              <a:rPr lang="en-US" altLang="zh-CN"/>
+              <a:t>pbf</a:t>
+            </a:r>
+            <a:r>
+              <a:rPr lang="zh-CN" altLang="en-US"/>
+              <a:t>等自定义格式组织，然后在前端根据显示需要按需请求不同的矢量瓦片数据进行</a:t>
+            </a:r>
+            <a:r>
+              <a:rPr lang="en-US" altLang="zh-CN"/>
+              <a:t>Web</a:t>
+            </a:r>
+            <a:r>
+              <a:rPr lang="zh-CN" altLang="en-US"/>
+              <a:t>绘图。</a:t>
+            </a:r>
+          </a:p>
+        </p:txBody>
+      </p:sp>
+      <p:pic>
+        <p:nvPicPr>
+          <p:cNvPr id="1026" name="Picture 2" descr="http://images.esrichina.com.cn/20160418-3.png"/>
+          <p:cNvPicPr>
+            <a:picLocks noChangeAspect="1" noChangeArrowheads="1"/>
+          </p:cNvPicPr>
+          <p:nvPr/>
+        </p:nvPicPr>
+        <p:blipFill>
+          <a:blip r:embed="rId2">
+            <a:extLst>
+              <a:ext uri="{28A0092B-C50C-407E-A947-70E740481C1C}">
+                <a14:useLocalDpi xmlns:a14="http://schemas.microsoft.com/office/drawing/2010/main" val="0"/>
+              </a:ext>
+            </a:extLst>
+          </a:blip>
+          <a:srcRect/>
+          <a:stretch>
+            <a:fillRect/>
+          </a:stretch>
+        </p:blipFill>
+        <p:spPr bwMode="auto">
+          <a:xfrm>
+            <a:off x="4648198" y="4677221"/>
+            <a:ext cx="3461385" cy="1958029"/>
+          </a:xfrm>
+          <a:prstGeom prst="rect">
+            <a:avLst/>
+          </a:prstGeom>
+          <a:noFill/>
+          <a:extLst>
+            <a:ext uri="{909E8E84-426E-40DD-AFC4-6F175D3DCCD1}">
+              <a14:hiddenFill xmlns:a14="http://schemas.microsoft.com/office/drawing/2010/main">
+                <a:solidFill>
+                  <a:srgbClr val="FFFFFF"/>
+                </a:solidFill>
+              </a14:hiddenFill>
+            </a:ext>
+          </a:extLst>
+        </p:spPr>
+      </p:pic>
+    </p:spTree>
+    <p:extLst>
+      <p:ext uri="{BB962C8B-B14F-4D97-AF65-F5344CB8AC3E}">
+        <p14:creationId xmlns:p14="http://schemas.microsoft.com/office/powerpoint/2010/main" val="3973933832"/>
+      </p:ext>
+    </p:extLst>
+  </p:cSld>
+  <p:clrMapOvr>
+    <a:masterClrMapping/>
+  </p:clrMapOvr>
+</p:sld>
+</file>
+
+<file path=ppt/slides/slide24.xml><?xml version="1.0" encoding="utf-8"?>
+<p:sld xmlns:a="http://schemas.openxmlformats.org/drawingml/2006/main" xmlns:r="http://schemas.openxmlformats.org/officeDocument/2006/relationships" xmlns:p="http://schemas.openxmlformats.org/presentationml/2006/main">
+  <p:cSld>
+    <p:spTree>
+      <p:nvGrpSpPr>
+        <p:cNvPr id="1" name=""/>
+        <p:cNvGrpSpPr/>
+        <p:nvPr/>
+      </p:nvGrpSpPr>
+      <p:grpSpPr>
+        <a:xfrm>
+          <a:off x="0" y="0"/>
+          <a:ext cx="0" cy="0"/>
+          <a:chOff x="0" y="0"/>
+          <a:chExt cx="0" cy="0"/>
+        </a:xfrm>
+      </p:grpSpPr>
+      <p:sp>
+        <p:nvSpPr>
+          <p:cNvPr id="2" name="标题 1"/>
+          <p:cNvSpPr>
+            <a:spLocks noGrp="1"/>
+          </p:cNvSpPr>
+          <p:nvPr>
+            <p:ph type="title"/>
+          </p:nvPr>
+        </p:nvSpPr>
+        <p:spPr/>
+        <p:txBody>
+          <a:bodyPr/>
+          <a:lstStyle/>
+          <a:p>
+            <a:r>
+              <a:rPr kumimoji="1" lang="zh-CN" altLang="en-US" dirty="0" smtClean="0"/>
+              <a:t>第二章 </a:t>
+            </a:r>
+            <a:r>
+              <a:rPr kumimoji="1" lang="en-US" altLang="zh-CN" dirty="0" smtClean="0"/>
+              <a:t>ArcGIS</a:t>
+            </a:r>
+            <a:r>
+              <a:rPr kumimoji="1" lang="zh-CN" altLang="en-US" dirty="0" smtClean="0"/>
+              <a:t> </a:t>
+            </a:r>
+            <a:r>
+              <a:rPr kumimoji="1" lang="en-US" altLang="zh-CN" dirty="0" err="1" smtClean="0"/>
+              <a:t>javascript</a:t>
+            </a:r>
+            <a:r>
+              <a:rPr kumimoji="1" lang="zh-CN" altLang="en-US" dirty="0" smtClean="0"/>
+              <a:t> </a:t>
+            </a:r>
+            <a:r>
+              <a:rPr kumimoji="1" lang="en-US" altLang="zh-CN" dirty="0" err="1" smtClean="0"/>
+              <a:t>api</a:t>
+            </a:r>
+            <a:r>
+              <a:rPr kumimoji="1" lang="zh-CN" altLang="en-US" dirty="0" smtClean="0"/>
+              <a:t> 开发</a:t>
+            </a:r>
+            <a:endParaRPr kumimoji="1" lang="zh-CN" altLang="en-US" dirty="0"/>
+          </a:p>
+        </p:txBody>
+      </p:sp>
+      <p:sp>
+        <p:nvSpPr>
+          <p:cNvPr id="3" name="内容占位符 2"/>
+          <p:cNvSpPr>
+            <a:spLocks noGrp="1"/>
+          </p:cNvSpPr>
+          <p:nvPr>
+            <p:ph idx="1"/>
+          </p:nvPr>
+        </p:nvSpPr>
+        <p:spPr/>
+        <p:txBody>
+          <a:bodyPr>
+            <a:normAutofit fontScale="92500" lnSpcReduction="10000"/>
+          </a:bodyPr>
+          <a:lstStyle/>
+          <a:p>
+            <a:r>
+              <a:rPr kumimoji="1" lang="en-US" altLang="zh-CN" dirty="0" smtClean="0"/>
+              <a:t>1</a:t>
+            </a:r>
+            <a:r>
+              <a:rPr kumimoji="1" lang="zh-CN" altLang="en-US" dirty="0" smtClean="0"/>
+              <a:t>、版本</a:t>
+            </a:r>
+            <a:endParaRPr kumimoji="1" lang="en-US" altLang="zh-CN" dirty="0" smtClean="0"/>
+          </a:p>
+          <a:p>
+            <a:r>
+              <a:rPr kumimoji="1" lang="en-US" altLang="zh-CN" dirty="0" smtClean="0"/>
+              <a:t>2</a:t>
+            </a:r>
+            <a:r>
+              <a:rPr kumimoji="1" lang="zh-CN" altLang="en-US" dirty="0" smtClean="0"/>
+              <a:t>、基本概念</a:t>
+            </a:r>
+            <a:endParaRPr kumimoji="1" lang="en-US" altLang="zh-CN" dirty="0" smtClean="0"/>
+          </a:p>
+          <a:p>
+            <a:r>
+              <a:rPr kumimoji="1" lang="en-US" altLang="zh-CN" dirty="0" smtClean="0"/>
+              <a:t>3</a:t>
+            </a:r>
+            <a:r>
+              <a:rPr kumimoji="1" lang="zh-CN" altLang="en-US" dirty="0" smtClean="0"/>
+              <a:t>、点线面</a:t>
+            </a:r>
+            <a:endParaRPr kumimoji="1" lang="en-US" altLang="zh-CN" dirty="0" smtClean="0"/>
+          </a:p>
+          <a:p>
+            <a:r>
+              <a:rPr kumimoji="1" lang="en-US" altLang="zh-CN" dirty="0" smtClean="0"/>
+              <a:t>4</a:t>
+            </a:r>
+            <a:r>
+              <a:rPr kumimoji="1" lang="zh-CN" altLang="en-US" dirty="0" smtClean="0"/>
+              <a:t>、</a:t>
+            </a:r>
+            <a:r>
+              <a:rPr kumimoji="1" lang="en-US" altLang="zh-CN" dirty="0" smtClean="0"/>
+              <a:t>GP</a:t>
+            </a:r>
+            <a:r>
+              <a:rPr kumimoji="1" lang="zh-CN" altLang="en-US" dirty="0" smtClean="0"/>
+              <a:t>服务发布与调用</a:t>
+            </a:r>
+            <a:endParaRPr kumimoji="1" lang="en-US" altLang="zh-CN" dirty="0" smtClean="0"/>
+          </a:p>
+          <a:p>
+            <a:r>
+              <a:rPr kumimoji="1" lang="en-US" altLang="zh-CN" dirty="0" smtClean="0"/>
+              <a:t>5</a:t>
+            </a:r>
+            <a:r>
+              <a:rPr kumimoji="1" lang="zh-CN" altLang="en-US" dirty="0" smtClean="0"/>
+              <a:t>、高级应用（空间查询）</a:t>
+            </a:r>
+            <a:endParaRPr kumimoji="1" lang="en-US" altLang="zh-CN" dirty="0" smtClean="0"/>
+          </a:p>
+          <a:p>
+            <a:r>
+              <a:rPr kumimoji="1" lang="en-US" altLang="zh-CN" dirty="0" smtClean="0"/>
+              <a:t>6</a:t>
+            </a:r>
+            <a:r>
+              <a:rPr kumimoji="1" lang="zh-CN" altLang="en-US" dirty="0" smtClean="0"/>
+              <a:t>、离线部署</a:t>
+            </a:r>
+            <a:endParaRPr kumimoji="1" lang="en-US" altLang="zh-CN" dirty="0" smtClean="0"/>
+          </a:p>
+          <a:p>
+            <a:r>
+              <a:rPr kumimoji="1" lang="en-US" altLang="zh-CN" dirty="0" smtClean="0"/>
+              <a:t>7</a:t>
+            </a:r>
+            <a:r>
+              <a:rPr kumimoji="1" lang="zh-CN" altLang="en-US" dirty="0" smtClean="0"/>
+              <a:t>、</a:t>
+            </a:r>
+            <a:r>
+              <a:rPr kumimoji="1" lang="en-US" altLang="zh-CN" dirty="0" smtClean="0"/>
+              <a:t>web</a:t>
+            </a:r>
+            <a:r>
+              <a:rPr kumimoji="1" lang="zh-CN" altLang="en-US" dirty="0" smtClean="0"/>
+              <a:t>开发基础</a:t>
+            </a:r>
+            <a:r>
+              <a:rPr kumimoji="1" lang="zh-CN" altLang="en-US" smtClean="0"/>
+              <a:t>（</a:t>
+            </a:r>
+            <a:r>
+              <a:rPr kumimoji="1" lang="en-US" altLang="zh-CN" smtClean="0"/>
+              <a:t>html\css\javascript</a:t>
+            </a:r>
+            <a:r>
+              <a:rPr kumimoji="1" lang="en-US" altLang="zh-CN" dirty="0" smtClean="0"/>
+              <a:t>)</a:t>
+            </a:r>
+            <a:endParaRPr kumimoji="1" lang="zh-CN" altLang="en-US" dirty="0"/>
+          </a:p>
+        </p:txBody>
+      </p:sp>
+    </p:spTree>
+    <p:extLst>
+      <p:ext uri="{BB962C8B-B14F-4D97-AF65-F5344CB8AC3E}">
+        <p14:creationId xmlns:p14="http://schemas.microsoft.com/office/powerpoint/2010/main" val="827843304"/>
+      </p:ext>
+    </p:extLst>
+  </p:cSld>
+  <p:clrMapOvr>
+    <a:masterClrMapping/>
+  </p:clrMapOvr>
+  <p:timing>
+    <p:tnLst>
+      <p:par>
+        <p:cTn id="1" dur="indefinite" restart="never" nodeType="tmRoot"/>
+      </p:par>
+    </p:tnLst>
+  </p:timing>
+</p:sld>
+</file>
+
+<file path=ppt/slides/slide25.xml><?xml version="1.0" encoding="utf-8"?>
+<p:sld xmlns:a="http://schemas.openxmlformats.org/drawingml/2006/main" xmlns:r="http://schemas.openxmlformats.org/officeDocument/2006/relationships" xmlns:p="http://schemas.openxmlformats.org/presentationml/2006/main">
+  <p:cSld>
+    <p:spTree>
+      <p:nvGrpSpPr>
+        <p:cNvPr id="1" name=""/>
+        <p:cNvGrpSpPr/>
+        <p:nvPr/>
+      </p:nvGrpSpPr>
+      <p:grpSpPr>
+        <a:xfrm>
+          <a:off x="0" y="0"/>
+          <a:ext cx="0" cy="0"/>
+          <a:chOff x="0" y="0"/>
+          <a:chExt cx="0" cy="0"/>
+        </a:xfrm>
+      </p:grpSpPr>
+      <p:sp>
+        <p:nvSpPr>
+          <p:cNvPr id="2" name="标题 1"/>
+          <p:cNvSpPr>
+            <a:spLocks noGrp="1"/>
+          </p:cNvSpPr>
+          <p:nvPr>
+            <p:ph type="title"/>
+          </p:nvPr>
+        </p:nvSpPr>
+        <p:spPr>
+          <a:xfrm>
+            <a:off x="1454626" y="445798"/>
+            <a:ext cx="626427" cy="5304762"/>
+          </a:xfrm>
+        </p:spPr>
+        <p:txBody>
+          <a:bodyPr>
+            <a:normAutofit/>
+          </a:bodyPr>
+          <a:lstStyle/>
+          <a:p>
+            <a:r>
+              <a:rPr lang="zh-CN" altLang="en-US" smtClean="0"/>
+              <a:t>主要版本功能差异</a:t>
+            </a:r>
+            <a:endParaRPr lang="zh-CN" altLang="en-US"/>
+          </a:p>
+        </p:txBody>
+      </p:sp>
+      <p:pic>
+        <p:nvPicPr>
+          <p:cNvPr id="4" name="图片 3"/>
+          <p:cNvPicPr>
+            <a:picLocks noChangeAspect="1"/>
+          </p:cNvPicPr>
+          <p:nvPr/>
+        </p:nvPicPr>
+        <p:blipFill>
+          <a:blip r:embed="rId3"/>
+          <a:stretch>
+            <a:fillRect/>
+          </a:stretch>
+        </p:blipFill>
+        <p:spPr>
+          <a:xfrm>
+            <a:off x="3362479" y="82222"/>
+            <a:ext cx="7234566" cy="6360160"/>
+          </a:xfrm>
+          <a:prstGeom prst="rect">
+            <a:avLst/>
+          </a:prstGeom>
+        </p:spPr>
+      </p:pic>
+      <p:sp>
+        <p:nvSpPr>
+          <p:cNvPr id="5" name="文本框 4"/>
+          <p:cNvSpPr txBox="1"/>
+          <p:nvPr/>
+        </p:nvSpPr>
+        <p:spPr>
+          <a:xfrm>
+            <a:off x="1113693" y="6358374"/>
+            <a:ext cx="10796954" cy="369332"/>
+          </a:xfrm>
+          <a:prstGeom prst="rect">
+            <a:avLst/>
+          </a:prstGeom>
+          <a:noFill/>
+        </p:spPr>
+        <p:txBody>
+          <a:bodyPr wrap="square" rtlCol="0">
+            <a:spAutoFit/>
+          </a:bodyPr>
+          <a:lstStyle/>
+          <a:p>
+            <a:r>
+              <a:rPr lang="en-US" altLang="zh-CN">
+                <a:solidFill>
+                  <a:srgbClr val="FF0000"/>
+                </a:solidFill>
+                <a:hlinkClick r:id="rId4"/>
+              </a:rPr>
+              <a:t>https://developers.arcgis.com/javascript/latest/guide/functionality-matrix/index.html</a:t>
+            </a:r>
+            <a:endParaRPr lang="zh-CN" altLang="en-US">
+              <a:solidFill>
+                <a:srgbClr val="FF0000"/>
+              </a:solidFill>
+            </a:endParaRPr>
+          </a:p>
+        </p:txBody>
+      </p:sp>
+    </p:spTree>
+    <p:extLst>
+      <p:ext uri="{BB962C8B-B14F-4D97-AF65-F5344CB8AC3E}">
+        <p14:creationId xmlns:p14="http://schemas.microsoft.com/office/powerpoint/2010/main" val="625067238"/>
+      </p:ext>
+    </p:extLst>
+  </p:cSld>
+  <p:clrMapOvr>
+    <a:masterClrMapping/>
+  </p:clrMapOvr>
+</p:sld>
+</file>
+
+<file path=ppt/slides/slide26.xml><?xml version="1.0" encoding="utf-8"?>
+<p:sld xmlns:a="http://schemas.openxmlformats.org/drawingml/2006/main" xmlns:r="http://schemas.openxmlformats.org/officeDocument/2006/relationships" xmlns:p="http://schemas.openxmlformats.org/presentationml/2006/main">
+  <p:cSld>
+    <p:spTree>
+      <p:nvGrpSpPr>
+        <p:cNvPr id="1" name=""/>
+        <p:cNvGrpSpPr/>
+        <p:nvPr/>
+      </p:nvGrpSpPr>
+      <p:grpSpPr>
+        <a:xfrm>
+          <a:off x="0" y="0"/>
+          <a:ext cx="0" cy="0"/>
+          <a:chOff x="0" y="0"/>
+          <a:chExt cx="0" cy="0"/>
+        </a:xfrm>
+      </p:grpSpPr>
+      <p:sp>
+        <p:nvSpPr>
+          <p:cNvPr id="2" name="标题 1"/>
+          <p:cNvSpPr>
+            <a:spLocks noGrp="1"/>
+          </p:cNvSpPr>
+          <p:nvPr>
+            <p:ph type="title"/>
+          </p:nvPr>
+        </p:nvSpPr>
+        <p:spPr>
+          <a:xfrm>
+            <a:off x="1141413" y="618518"/>
+            <a:ext cx="9905998" cy="759178"/>
+          </a:xfrm>
+        </p:spPr>
+        <p:txBody>
+          <a:bodyPr/>
+          <a:lstStyle/>
+          <a:p>
+            <a:r>
+              <a:rPr lang="en-US" altLang="zh-CN" smtClean="0"/>
+              <a:t>Arcgis Js API </a:t>
+            </a:r>
+            <a:r>
+              <a:rPr lang="zh-CN" altLang="en-US" smtClean="0"/>
+              <a:t>本地部署</a:t>
+            </a:r>
+            <a:endParaRPr lang="zh-CN" altLang="en-US"/>
+          </a:p>
+        </p:txBody>
+      </p:sp>
+      <p:sp>
+        <p:nvSpPr>
+          <p:cNvPr id="3" name="内容占位符 2"/>
+          <p:cNvSpPr>
+            <a:spLocks noGrp="1"/>
+          </p:cNvSpPr>
+          <p:nvPr>
+            <p:ph idx="1"/>
+          </p:nvPr>
+        </p:nvSpPr>
+        <p:spPr>
+          <a:xfrm>
+            <a:off x="410456" y="2151950"/>
+            <a:ext cx="6624327" cy="3541714"/>
+          </a:xfrm>
+        </p:spPr>
+        <p:txBody>
+          <a:bodyPr>
+            <a:normAutofit/>
+          </a:bodyPr>
+          <a:lstStyle/>
+          <a:p>
+            <a:r>
+              <a:rPr lang="en-US" altLang="zh-CN">
+                <a:hlinkClick r:id="rId3"/>
+              </a:rPr>
+              <a:t>https://</a:t>
+            </a:r>
+            <a:r>
+              <a:rPr lang="en-US" altLang="zh-CN" smtClean="0">
+                <a:hlinkClick r:id="rId3"/>
+              </a:rPr>
+              <a:t>developers.arcgis.com/downloads/apis-and-sdks?product=javascript</a:t>
+            </a:r>
+            <a:r>
+              <a:rPr lang="en-US" altLang="zh-CN" smtClean="0"/>
+              <a:t>             ---</a:t>
+            </a:r>
+            <a:r>
+              <a:rPr lang="zh-CN" altLang="en-US" smtClean="0"/>
+              <a:t>本地包下载地址</a:t>
+            </a:r>
+            <a:endParaRPr lang="en-US" altLang="zh-CN">
+              <a:hlinkClick r:id="rId4"/>
+            </a:endParaRPr>
+          </a:p>
+          <a:p>
+            <a:r>
+              <a:rPr lang="en-US" altLang="zh-CN" smtClean="0">
+                <a:hlinkClick r:id="rId4"/>
+              </a:rPr>
+              <a:t>http</a:t>
+            </a:r>
+            <a:r>
+              <a:rPr lang="en-US" altLang="zh-CN">
+                <a:hlinkClick r:id="rId4"/>
+              </a:rPr>
+              <a:t>://</a:t>
+            </a:r>
+            <a:r>
+              <a:rPr lang="en-US" altLang="zh-CN" smtClean="0">
+                <a:hlinkClick r:id="rId4"/>
+              </a:rPr>
+              <a:t>47.107.229.70:8328/init.js</a:t>
+            </a:r>
+            <a:r>
+              <a:rPr lang="en-US" altLang="zh-CN" smtClean="0"/>
+              <a:t>    ---3.28</a:t>
+            </a:r>
+            <a:r>
+              <a:rPr lang="zh-CN" altLang="en-US" smtClean="0"/>
+              <a:t>版本</a:t>
+            </a:r>
+            <a:endParaRPr lang="en-US" altLang="zh-CN" smtClean="0"/>
+          </a:p>
+          <a:p>
+            <a:r>
+              <a:rPr lang="en-US" altLang="zh-CN">
+                <a:hlinkClick r:id="rId5"/>
+              </a:rPr>
+              <a:t>http://</a:t>
+            </a:r>
+            <a:r>
+              <a:rPr lang="en-US" altLang="zh-CN" smtClean="0">
+                <a:hlinkClick r:id="rId5"/>
+              </a:rPr>
+              <a:t>47.107.229.70:8411/init.js</a:t>
+            </a:r>
+            <a:r>
+              <a:rPr lang="en-US" altLang="zh-CN" smtClean="0"/>
+              <a:t>    ---4.11</a:t>
+            </a:r>
+            <a:r>
+              <a:rPr lang="zh-CN" altLang="en-US"/>
+              <a:t>版本</a:t>
+            </a:r>
+          </a:p>
+        </p:txBody>
+      </p:sp>
+      <p:pic>
+        <p:nvPicPr>
+          <p:cNvPr id="4" name="图片 3"/>
+          <p:cNvPicPr>
+            <a:picLocks noChangeAspect="1"/>
+          </p:cNvPicPr>
+          <p:nvPr/>
+        </p:nvPicPr>
+        <p:blipFill>
+          <a:blip r:embed="rId6"/>
+          <a:stretch>
+            <a:fillRect/>
+          </a:stretch>
+        </p:blipFill>
+        <p:spPr>
+          <a:xfrm>
+            <a:off x="6901237" y="520982"/>
+            <a:ext cx="5107883" cy="5782282"/>
+          </a:xfrm>
+          <a:prstGeom prst="rect">
+            <a:avLst/>
+          </a:prstGeom>
+        </p:spPr>
+      </p:pic>
+      <p:pic>
+        <p:nvPicPr>
+          <p:cNvPr id="5" name="图片 4"/>
+          <p:cNvPicPr>
+            <a:picLocks noChangeAspect="1"/>
+          </p:cNvPicPr>
+          <p:nvPr/>
+        </p:nvPicPr>
+        <p:blipFill>
+          <a:blip r:embed="rId7"/>
+          <a:stretch>
+            <a:fillRect/>
+          </a:stretch>
+        </p:blipFill>
+        <p:spPr>
+          <a:xfrm>
+            <a:off x="1564355" y="618518"/>
+            <a:ext cx="8344079" cy="5201289"/>
+          </a:xfrm>
+          <a:prstGeom prst="rect">
+            <a:avLst/>
+          </a:prstGeom>
+        </p:spPr>
+      </p:pic>
+    </p:spTree>
+    <p:extLst>
+      <p:ext uri="{BB962C8B-B14F-4D97-AF65-F5344CB8AC3E}">
+        <p14:creationId xmlns:p14="http://schemas.microsoft.com/office/powerpoint/2010/main" val="3729789646"/>
+      </p:ext>
+    </p:extLst>
+  </p:cSld>
+  <p:clrMapOvr>
+    <a:masterClrMapping/>
+  </p:clrMapOvr>
+</p:sld>
+</file>
+
+<file path=ppt/slides/slide27.xml><?xml version="1.0" encoding="utf-8"?>
+<p:sld xmlns:a="http://schemas.openxmlformats.org/drawingml/2006/main" xmlns:r="http://schemas.openxmlformats.org/officeDocument/2006/relationships" xmlns:p="http://schemas.openxmlformats.org/presentationml/2006/main">
+  <p:cSld>
+    <p:spTree>
+      <p:nvGrpSpPr>
+        <p:cNvPr id="1" name=""/>
+        <p:cNvGrpSpPr/>
+        <p:nvPr/>
+      </p:nvGrpSpPr>
+      <p:grpSpPr>
+        <a:xfrm>
+          <a:off x="0" y="0"/>
+          <a:ext cx="0" cy="0"/>
+          <a:chOff x="0" y="0"/>
+          <a:chExt cx="0" cy="0"/>
+        </a:xfrm>
+      </p:grpSpPr>
+      <p:sp>
+        <p:nvSpPr>
+          <p:cNvPr id="2" name="标题 1"/>
+          <p:cNvSpPr>
+            <a:spLocks noGrp="1"/>
+          </p:cNvSpPr>
+          <p:nvPr>
+            <p:ph type="title"/>
+          </p:nvPr>
+        </p:nvSpPr>
+        <p:spPr/>
+        <p:txBody>
+          <a:bodyPr/>
+          <a:lstStyle/>
+          <a:p>
+            <a:r>
+              <a:rPr kumimoji="1" lang="zh-CN" altLang="en-US" dirty="0" smtClean="0"/>
+              <a:t>第三章 开源</a:t>
+            </a:r>
+            <a:r>
+              <a:rPr kumimoji="1" lang="en-US" altLang="zh-CN" dirty="0" err="1" smtClean="0"/>
+              <a:t>WebGIS</a:t>
+            </a:r>
+            <a:r>
+              <a:rPr kumimoji="1" lang="zh-CN" altLang="en-US" dirty="0" smtClean="0"/>
+              <a:t>解决方案</a:t>
+            </a:r>
+            <a:endParaRPr kumimoji="1" lang="zh-CN" altLang="en-US" dirty="0"/>
+          </a:p>
+        </p:txBody>
+      </p:sp>
+      <p:sp>
+        <p:nvSpPr>
+          <p:cNvPr id="3" name="内容占位符 2"/>
+          <p:cNvSpPr>
+            <a:spLocks noGrp="1"/>
+          </p:cNvSpPr>
+          <p:nvPr>
+            <p:ph idx="1"/>
+          </p:nvPr>
+        </p:nvSpPr>
+        <p:spPr/>
+        <p:txBody>
+          <a:bodyPr/>
+          <a:lstStyle/>
+          <a:p>
+            <a:r>
+              <a:rPr kumimoji="1" lang="en-US" altLang="zh-CN" dirty="0" err="1" smtClean="0"/>
+              <a:t>GeoServer</a:t>
+            </a:r>
+            <a:endParaRPr kumimoji="1" lang="en-US" altLang="zh-CN" dirty="0" smtClean="0"/>
+          </a:p>
+          <a:p>
+            <a:r>
+              <a:rPr kumimoji="1" lang="en-US" altLang="zh-CN" dirty="0" smtClean="0"/>
+              <a:t>QGIS</a:t>
+            </a:r>
+          </a:p>
+          <a:p>
+            <a:r>
+              <a:rPr kumimoji="1" lang="en-US" altLang="zh-CN" dirty="0" smtClean="0"/>
+              <a:t>Leaflet</a:t>
+            </a:r>
+          </a:p>
+          <a:p>
+            <a:r>
+              <a:rPr kumimoji="1" lang="en-US" altLang="zh-CN" smtClean="0"/>
+              <a:t>Openlayers</a:t>
+            </a:r>
+          </a:p>
+          <a:p>
+            <a:r>
+              <a:rPr kumimoji="1" lang="en-US" altLang="zh-CN" smtClean="0"/>
+              <a:t>Turf.js</a:t>
+            </a:r>
+            <a:endParaRPr kumimoji="1" lang="en-US" altLang="zh-CN" dirty="0" smtClean="0"/>
+          </a:p>
+          <a:p>
+            <a:endParaRPr kumimoji="1" lang="zh-CN" altLang="en-US" dirty="0"/>
+          </a:p>
+        </p:txBody>
+      </p:sp>
+    </p:spTree>
+    <p:extLst>
+      <p:ext uri="{BB962C8B-B14F-4D97-AF65-F5344CB8AC3E}">
+        <p14:creationId xmlns:p14="http://schemas.microsoft.com/office/powerpoint/2010/main" val="1195979442"/>
+      </p:ext>
+    </p:extLst>
+  </p:cSld>
+  <p:clrMapOvr>
+    <a:masterClrMapping/>
+  </p:clrMapOvr>
+  <p:timing>
+    <p:tnLst>
+      <p:par>
+        <p:cTn id="1" dur="indefinite" restart="never" nodeType="tmRoot"/>
+      </p:par>
+    </p:tnLst>
+  </p:timing>
+</p:sld>
+</file>
+
+<file path=ppt/slides/slide28.xml><?xml version="1.0" encoding="utf-8"?>
+<p:sld xmlns:a="http://schemas.openxmlformats.org/drawingml/2006/main" xmlns:r="http://schemas.openxmlformats.org/officeDocument/2006/relationships" xmlns:p="http://schemas.openxmlformats.org/presentationml/2006/main">
+  <p:cSld>
+    <p:spTree>
+      <p:nvGrpSpPr>
+        <p:cNvPr id="1" name=""/>
+        <p:cNvGrpSpPr/>
+        <p:nvPr/>
+      </p:nvGrpSpPr>
+      <p:grpSpPr>
+        <a:xfrm>
+          <a:off x="0" y="0"/>
+          <a:ext cx="0" cy="0"/>
+          <a:chOff x="0" y="0"/>
+          <a:chExt cx="0" cy="0"/>
+        </a:xfrm>
+      </p:grpSpPr>
+      <p:sp>
+        <p:nvSpPr>
+          <p:cNvPr id="2" name="标题 1"/>
+          <p:cNvSpPr>
+            <a:spLocks noGrp="1"/>
+          </p:cNvSpPr>
+          <p:nvPr>
+            <p:ph type="title"/>
+          </p:nvPr>
+        </p:nvSpPr>
+        <p:spPr/>
+        <p:txBody>
+          <a:bodyPr/>
+          <a:lstStyle/>
+          <a:p>
+            <a:r>
+              <a:rPr kumimoji="1" lang="zh-CN" altLang="en-US" dirty="0" smtClean="0"/>
+              <a:t>第四章 互联网地图服务</a:t>
+            </a:r>
+            <a:endParaRPr kumimoji="1" lang="zh-CN" altLang="en-US" dirty="0"/>
+          </a:p>
+        </p:txBody>
+      </p:sp>
+      <p:sp>
+        <p:nvSpPr>
+          <p:cNvPr id="3" name="内容占位符 2"/>
+          <p:cNvSpPr>
+            <a:spLocks noGrp="1"/>
+          </p:cNvSpPr>
+          <p:nvPr>
+            <p:ph idx="1"/>
+          </p:nvPr>
+        </p:nvSpPr>
+        <p:spPr/>
+        <p:txBody>
+          <a:bodyPr/>
+          <a:lstStyle/>
+          <a:p>
+            <a:r>
+              <a:rPr kumimoji="1" lang="zh-CN" altLang="en-US" dirty="0" smtClean="0"/>
+              <a:t>百度地图</a:t>
+            </a:r>
+            <a:endParaRPr kumimoji="1" lang="en-US" altLang="zh-CN" dirty="0" smtClean="0"/>
+          </a:p>
+          <a:p>
+            <a:r>
+              <a:rPr kumimoji="1" lang="zh-CN" altLang="en-US" dirty="0" smtClean="0"/>
+              <a:t>高德地图</a:t>
+            </a:r>
+            <a:endParaRPr kumimoji="1" lang="en-US" altLang="zh-CN" dirty="0" smtClean="0"/>
+          </a:p>
+          <a:p>
+            <a:r>
+              <a:rPr kumimoji="1" lang="zh-CN" altLang="en-US" dirty="0" smtClean="0"/>
+              <a:t>谷歌地图</a:t>
+            </a:r>
+            <a:endParaRPr kumimoji="1" lang="en-US" altLang="zh-CN" dirty="0" smtClean="0"/>
+          </a:p>
+          <a:p>
+            <a:r>
+              <a:rPr kumimoji="1" lang="en-US" altLang="zh-CN" dirty="0" err="1" smtClean="0"/>
+              <a:t>Echarts</a:t>
+            </a:r>
+            <a:r>
+              <a:rPr kumimoji="1" lang="zh-CN" altLang="en-US" dirty="0" smtClean="0"/>
+              <a:t> 中</a:t>
+            </a:r>
+            <a:r>
+              <a:rPr kumimoji="1" lang="en-US" altLang="zh-CN" dirty="0" smtClean="0"/>
+              <a:t>Map</a:t>
+            </a:r>
+            <a:r>
+              <a:rPr kumimoji="1" lang="zh-CN" altLang="en-US" dirty="0" smtClean="0"/>
+              <a:t> 应用</a:t>
+            </a:r>
+            <a:endParaRPr kumimoji="1" lang="en-US" altLang="zh-CN" dirty="0" smtClean="0"/>
+          </a:p>
+          <a:p>
+            <a:r>
+              <a:rPr kumimoji="1" lang="zh-CN" altLang="en-US" dirty="0" smtClean="0"/>
+              <a:t>定位、导航、手绘地图</a:t>
+            </a:r>
+            <a:endParaRPr kumimoji="1" lang="zh-CN" altLang="en-US" dirty="0"/>
+          </a:p>
+        </p:txBody>
+      </p:sp>
+    </p:spTree>
+    <p:extLst>
+      <p:ext uri="{BB962C8B-B14F-4D97-AF65-F5344CB8AC3E}">
+        <p14:creationId xmlns:p14="http://schemas.microsoft.com/office/powerpoint/2010/main" val="1835153863"/>
+      </p:ext>
+    </p:extLst>
+  </p:cSld>
+  <p:clrMapOvr>
+    <a:masterClrMapping/>
+  </p:clrMapOvr>
+</p:sld>
+</file>
+
+<file path=ppt/slides/slide29.xml><?xml version="1.0" encoding="utf-8"?>
+<p:sld xmlns:a="http://schemas.openxmlformats.org/drawingml/2006/main" xmlns:r="http://schemas.openxmlformats.org/officeDocument/2006/relationships" xmlns:p="http://schemas.openxmlformats.org/presentationml/2006/main">
+  <p:cSld>
+    <p:spTree>
+      <p:nvGrpSpPr>
+        <p:cNvPr id="1" name=""/>
+        <p:cNvGrpSpPr/>
+        <p:nvPr/>
+      </p:nvGrpSpPr>
+      <p:grpSpPr>
+        <a:xfrm>
+          <a:off x="0" y="0"/>
+          <a:ext cx="0" cy="0"/>
+          <a:chOff x="0" y="0"/>
+          <a:chExt cx="0" cy="0"/>
+        </a:xfrm>
+      </p:grpSpPr>
+      <p:sp>
+        <p:nvSpPr>
+          <p:cNvPr id="2" name="标题 1"/>
+          <p:cNvSpPr>
+            <a:spLocks noGrp="1"/>
+          </p:cNvSpPr>
+          <p:nvPr>
+            <p:ph type="title"/>
+          </p:nvPr>
+        </p:nvSpPr>
+        <p:spPr/>
+        <p:txBody>
+          <a:bodyPr/>
+          <a:lstStyle/>
+          <a:p>
+            <a:r>
+              <a:rPr kumimoji="1" lang="zh-CN" altLang="en-US" dirty="0" smtClean="0"/>
+              <a:t>第五章 倾斜摄影与三维建模</a:t>
+            </a:r>
+            <a:endParaRPr kumimoji="1" lang="zh-CN" altLang="en-US" dirty="0"/>
+          </a:p>
+        </p:txBody>
+      </p:sp>
+      <p:sp>
+        <p:nvSpPr>
+          <p:cNvPr id="3" name="内容占位符 2"/>
+          <p:cNvSpPr>
+            <a:spLocks noGrp="1"/>
+          </p:cNvSpPr>
+          <p:nvPr>
+            <p:ph idx="1"/>
+          </p:nvPr>
+        </p:nvSpPr>
+        <p:spPr/>
+        <p:txBody>
+          <a:bodyPr/>
+          <a:lstStyle/>
+          <a:p>
+            <a:r>
+              <a:rPr kumimoji="1" lang="zh-CN" altLang="en-US" dirty="0" smtClean="0"/>
+              <a:t>倾斜摄影概念</a:t>
+            </a:r>
+            <a:endParaRPr kumimoji="1" lang="en-US" altLang="zh-CN" dirty="0" smtClean="0"/>
+          </a:p>
+          <a:p>
+            <a:r>
+              <a:rPr kumimoji="1" lang="zh-CN" altLang="en-US" dirty="0" smtClean="0"/>
+              <a:t>航拍注意事项</a:t>
+            </a:r>
+            <a:endParaRPr kumimoji="1" lang="en-US" altLang="zh-CN" dirty="0" smtClean="0"/>
+          </a:p>
+          <a:p>
+            <a:r>
+              <a:rPr kumimoji="1" lang="zh-CN" altLang="en-US" dirty="0" smtClean="0"/>
+              <a:t>三维建模</a:t>
+            </a:r>
+            <a:endParaRPr kumimoji="1" lang="en-US" altLang="zh-CN" dirty="0" smtClean="0"/>
+          </a:p>
+          <a:p>
+            <a:r>
+              <a:rPr kumimoji="1" lang="zh-CN" altLang="en-US" dirty="0" smtClean="0"/>
+              <a:t>模型修饰</a:t>
+            </a:r>
+            <a:endParaRPr kumimoji="1" lang="zh-CN" altLang="en-US" dirty="0"/>
+          </a:p>
+        </p:txBody>
+      </p:sp>
+    </p:spTree>
+    <p:extLst>
+      <p:ext uri="{BB962C8B-B14F-4D97-AF65-F5344CB8AC3E}">
+        <p14:creationId xmlns:p14="http://schemas.microsoft.com/office/powerpoint/2010/main" val="960775036"/>
+      </p:ext>
+    </p:extLst>
+  </p:cSld>
+  <p:clrMapOvr>
+    <a:masterClrMapping/>
+  </p:clrMapOvr>
 </p:sld>
 </file>
 
@@ -13756,10 +16766,15 @@
             <p:ph idx="1"/>
           </p:nvPr>
         </p:nvSpPr>
-        <p:spPr/>
+        <p:spPr>
+          <a:xfrm>
+            <a:off x="1141412" y="1817914"/>
+            <a:ext cx="9905999" cy="3973287"/>
+          </a:xfrm>
+        </p:spPr>
         <p:txBody>
           <a:bodyPr>
-            <a:normAutofit fontScale="92500" lnSpcReduction="10000"/>
+            <a:normAutofit lnSpcReduction="10000"/>
           </a:bodyPr>
           <a:lstStyle/>
           <a:p>
@@ -13784,15 +16799,75 @@
             </a:r>
             <a:r>
               <a:rPr kumimoji="1" lang="zh-CN" altLang="en-US" dirty="0"/>
-              <a:t>开发的技术总结，课程内容包括地图数据生产、发布，二、三维</a:t>
-            </a:r>
-            <a:r>
-              <a:rPr kumimoji="1" lang="en-US" altLang="zh-CN" dirty="0"/>
+              <a:t>开发的技术总结</a:t>
+            </a:r>
+            <a:r>
+              <a:rPr kumimoji="1" lang="zh-CN" altLang="en-US"/>
+              <a:t>，</a:t>
+            </a:r>
+            <a:r>
+              <a:rPr kumimoji="1" lang="zh-CN" altLang="en-US" smtClean="0"/>
+              <a:t>课程包括</a:t>
+            </a:r>
+            <a:r>
+              <a:rPr kumimoji="1" lang="zh-CN" altLang="en-US"/>
+              <a:t>二、三维</a:t>
+            </a:r>
+            <a:r>
+              <a:rPr kumimoji="1" lang="en-US" altLang="zh-CN" smtClean="0"/>
               <a:t>Web</a:t>
             </a:r>
             <a:r>
+              <a:rPr kumimoji="1" lang="zh-CN" altLang="en-US" smtClean="0"/>
+              <a:t>地图的数据</a:t>
+            </a:r>
+            <a:r>
               <a:rPr kumimoji="1" lang="zh-CN" altLang="en-US" dirty="0"/>
-              <a:t>地图开发整个流程；另外根据实际项目场景介绍不同的实现方式；</a:t>
+              <a:t>生产</a:t>
+            </a:r>
+            <a:r>
+              <a:rPr kumimoji="1" lang="zh-CN" altLang="en-US"/>
+              <a:t>、</a:t>
+            </a:r>
+            <a:r>
+              <a:rPr kumimoji="1" lang="zh-CN" altLang="en-US" smtClean="0"/>
+              <a:t>发布、调用、开发</a:t>
+            </a:r>
+            <a:r>
+              <a:rPr kumimoji="1" lang="zh-CN" altLang="en-US" dirty="0"/>
+              <a:t>整个流程</a:t>
+            </a:r>
+            <a:r>
+              <a:rPr kumimoji="1" lang="zh-CN" altLang="en-US"/>
+              <a:t>；</a:t>
+            </a:r>
+            <a:r>
+              <a:rPr kumimoji="1" lang="zh-CN" altLang="en-US" smtClean="0"/>
+              <a:t>另外还将根据</a:t>
+            </a:r>
+            <a:r>
+              <a:rPr kumimoji="1" lang="zh-CN" altLang="en-US" dirty="0"/>
+              <a:t>实际项目</a:t>
+            </a:r>
+            <a:r>
+              <a:rPr kumimoji="1" lang="zh-CN" altLang="en-US"/>
+              <a:t>场景</a:t>
+            </a:r>
+            <a:r>
+              <a:rPr kumimoji="1" lang="zh-CN" altLang="en-US" smtClean="0"/>
+              <a:t>介绍</a:t>
+            </a:r>
+            <a:r>
+              <a:rPr kumimoji="1" lang="en-US" altLang="zh-CN" smtClean="0"/>
+              <a:t>WebGIS</a:t>
+            </a:r>
+            <a:r>
+              <a:rPr kumimoji="1" lang="zh-CN" altLang="en-US" smtClean="0"/>
+              <a:t>不同</a:t>
+            </a:r>
+            <a:r>
+              <a:rPr kumimoji="1" lang="zh-CN" altLang="en-US" dirty="0"/>
+              <a:t>的实现方式；</a:t>
             </a:r>
             <a:endParaRPr kumimoji="1" lang="en-US" altLang="zh-CN" dirty="0"/>
           </a:p>
@@ -13875,6 +16950,205 @@
     <p:extLst>
       <p:ext uri="{BB962C8B-B14F-4D97-AF65-F5344CB8AC3E}">
         <p14:creationId xmlns:p14="http://schemas.microsoft.com/office/powerpoint/2010/main" val="1579434730"/>
+      </p:ext>
+    </p:extLst>
+  </p:cSld>
+  <p:clrMapOvr>
+    <a:masterClrMapping/>
+  </p:clrMapOvr>
+  <p:timing>
+    <p:tnLst>
+      <p:par>
+        <p:cTn id="1" dur="indefinite" restart="never" nodeType="tmRoot"/>
+      </p:par>
+    </p:tnLst>
+  </p:timing>
+</p:sld>
+</file>
+
+<file path=ppt/slides/slide30.xml><?xml version="1.0" encoding="utf-8"?>
+<p:sld xmlns:a="http://schemas.openxmlformats.org/drawingml/2006/main" xmlns:r="http://schemas.openxmlformats.org/officeDocument/2006/relationships" xmlns:p="http://schemas.openxmlformats.org/presentationml/2006/main">
+  <p:cSld>
+    <p:spTree>
+      <p:nvGrpSpPr>
+        <p:cNvPr id="1" name=""/>
+        <p:cNvGrpSpPr/>
+        <p:nvPr/>
+      </p:nvGrpSpPr>
+      <p:grpSpPr>
+        <a:xfrm>
+          <a:off x="0" y="0"/>
+          <a:ext cx="0" cy="0"/>
+          <a:chOff x="0" y="0"/>
+          <a:chExt cx="0" cy="0"/>
+        </a:xfrm>
+      </p:grpSpPr>
+      <p:sp>
+        <p:nvSpPr>
+          <p:cNvPr id="2" name="标题 1"/>
+          <p:cNvSpPr>
+            <a:spLocks noGrp="1"/>
+          </p:cNvSpPr>
+          <p:nvPr>
+            <p:ph type="title"/>
+          </p:nvPr>
+        </p:nvSpPr>
+        <p:spPr/>
+        <p:txBody>
+          <a:bodyPr/>
+          <a:lstStyle/>
+          <a:p>
+            <a:r>
+              <a:rPr kumimoji="1" lang="zh-CN" altLang="en-US" dirty="0" smtClean="0"/>
+              <a:t>第六章  </a:t>
+            </a:r>
+            <a:r>
+              <a:rPr kumimoji="1" lang="en-US" altLang="zh-CN" dirty="0" err="1" smtClean="0"/>
+              <a:t>CESium</a:t>
+            </a:r>
+            <a:r>
+              <a:rPr kumimoji="1" lang="zh-CN" altLang="en-US" dirty="0" smtClean="0"/>
+              <a:t> 三维地图开发</a:t>
+            </a:r>
+            <a:endParaRPr kumimoji="1" lang="zh-CN" altLang="en-US" dirty="0"/>
+          </a:p>
+        </p:txBody>
+      </p:sp>
+      <p:sp>
+        <p:nvSpPr>
+          <p:cNvPr id="3" name="内容占位符 2"/>
+          <p:cNvSpPr>
+            <a:spLocks noGrp="1"/>
+          </p:cNvSpPr>
+          <p:nvPr>
+            <p:ph idx="1"/>
+          </p:nvPr>
+        </p:nvSpPr>
+        <p:spPr/>
+        <p:txBody>
+          <a:bodyPr/>
+          <a:lstStyle/>
+          <a:p>
+            <a:r>
+              <a:rPr kumimoji="1" lang="zh-CN" altLang="en-US" dirty="0" smtClean="0"/>
+              <a:t>基本概念</a:t>
+            </a:r>
+            <a:endParaRPr kumimoji="1" lang="en-US" altLang="zh-CN" dirty="0" smtClean="0"/>
+          </a:p>
+          <a:p>
+            <a:r>
+              <a:rPr kumimoji="1" lang="zh-CN" altLang="en-US" dirty="0" smtClean="0"/>
+              <a:t>三维模型加载</a:t>
+            </a:r>
+            <a:endParaRPr kumimoji="1" lang="en-US" altLang="zh-CN" dirty="0" smtClean="0"/>
+          </a:p>
+          <a:p>
+            <a:r>
+              <a:rPr kumimoji="1" lang="zh-CN" altLang="en-US" dirty="0" smtClean="0"/>
+              <a:t>高程加载（在线、离线）</a:t>
+            </a:r>
+            <a:endParaRPr kumimoji="1" lang="en-US" altLang="zh-CN" dirty="0" smtClean="0"/>
+          </a:p>
+          <a:p>
+            <a:r>
+              <a:rPr kumimoji="1" lang="zh-CN" altLang="en-US" dirty="0" smtClean="0"/>
+              <a:t>三维模型处理（单体化）</a:t>
+            </a:r>
+            <a:endParaRPr kumimoji="1" lang="en-US" altLang="zh-CN" dirty="0" smtClean="0"/>
+          </a:p>
+          <a:p>
+            <a:endParaRPr kumimoji="1" lang="zh-CN" altLang="en-US" dirty="0"/>
+          </a:p>
+        </p:txBody>
+      </p:sp>
+    </p:spTree>
+    <p:extLst>
+      <p:ext uri="{BB962C8B-B14F-4D97-AF65-F5344CB8AC3E}">
+        <p14:creationId xmlns:p14="http://schemas.microsoft.com/office/powerpoint/2010/main" val="1270639568"/>
+      </p:ext>
+    </p:extLst>
+  </p:cSld>
+  <p:clrMapOvr>
+    <a:masterClrMapping/>
+  </p:clrMapOvr>
+</p:sld>
+</file>
+
+<file path=ppt/slides/slide31.xml><?xml version="1.0" encoding="utf-8"?>
+<p:sld xmlns:a="http://schemas.openxmlformats.org/drawingml/2006/main" xmlns:r="http://schemas.openxmlformats.org/officeDocument/2006/relationships" xmlns:p="http://schemas.openxmlformats.org/presentationml/2006/main">
+  <p:cSld>
+    <p:spTree>
+      <p:nvGrpSpPr>
+        <p:cNvPr id="1" name=""/>
+        <p:cNvGrpSpPr/>
+        <p:nvPr/>
+      </p:nvGrpSpPr>
+      <p:grpSpPr>
+        <a:xfrm>
+          <a:off x="0" y="0"/>
+          <a:ext cx="0" cy="0"/>
+          <a:chOff x="0" y="0"/>
+          <a:chExt cx="0" cy="0"/>
+        </a:xfrm>
+      </p:grpSpPr>
+      <p:sp>
+        <p:nvSpPr>
+          <p:cNvPr id="2" name="标题 1"/>
+          <p:cNvSpPr>
+            <a:spLocks noGrp="1"/>
+          </p:cNvSpPr>
+          <p:nvPr>
+            <p:ph type="title"/>
+          </p:nvPr>
+        </p:nvSpPr>
+        <p:spPr/>
+        <p:txBody>
+          <a:bodyPr/>
+          <a:lstStyle/>
+          <a:p>
+            <a:r>
+              <a:rPr kumimoji="1" lang="zh-CN" altLang="en-US" dirty="0" smtClean="0"/>
+              <a:t>第七章、综合实战</a:t>
+            </a:r>
+            <a:endParaRPr kumimoji="1" lang="zh-CN" altLang="en-US" dirty="0"/>
+          </a:p>
+        </p:txBody>
+      </p:sp>
+      <p:sp>
+        <p:nvSpPr>
+          <p:cNvPr id="3" name="内容占位符 2"/>
+          <p:cNvSpPr>
+            <a:spLocks noGrp="1"/>
+          </p:cNvSpPr>
+          <p:nvPr>
+            <p:ph idx="1"/>
+          </p:nvPr>
+        </p:nvSpPr>
+        <p:spPr/>
+        <p:txBody>
+          <a:bodyPr/>
+          <a:lstStyle/>
+          <a:p>
+            <a:r>
+              <a:rPr kumimoji="1" lang="zh-CN" altLang="en-US" dirty="0" smtClean="0"/>
+              <a:t>前端框架融合（</a:t>
+            </a:r>
+            <a:r>
+              <a:rPr kumimoji="1" lang="en-US" altLang="zh-CN" dirty="0" err="1" smtClean="0"/>
+              <a:t>vue</a:t>
+            </a:r>
+            <a:r>
+              <a:rPr kumimoji="1" lang="en-US" altLang="zh-CN" dirty="0" smtClean="0"/>
+              <a:t>\react\angular)</a:t>
+            </a:r>
+            <a:endParaRPr kumimoji="1" lang="zh-CN" altLang="en-US" dirty="0"/>
+          </a:p>
+        </p:txBody>
+      </p:sp>
+    </p:spTree>
+    <p:extLst>
+      <p:ext uri="{BB962C8B-B14F-4D97-AF65-F5344CB8AC3E}">
+        <p14:creationId xmlns:p14="http://schemas.microsoft.com/office/powerpoint/2010/main" val="1240966462"/>
       </p:ext>
     </p:extLst>
   </p:cSld>
@@ -14168,6 +17442,13 @@
   <p:clrMapOvr>
     <a:masterClrMapping/>
   </p:clrMapOvr>
+  <p:timing>
+    <p:tnLst>
+      <p:par>
+        <p:cTn id="1" dur="indefinite" restart="never" nodeType="tmRoot"/>
+      </p:par>
+    </p:tnLst>
+  </p:timing>
 </p:sld>
 </file>
 
@@ -14229,86 +17510,130 @@
             <p:ph idx="1"/>
           </p:nvPr>
         </p:nvSpPr>
-        <p:spPr/>
+        <p:spPr>
+          <a:xfrm>
+            <a:off x="1141413" y="2097088"/>
+            <a:ext cx="9666288" cy="3694113"/>
+          </a:xfrm>
+        </p:spPr>
         <p:txBody>
           <a:bodyPr>
-            <a:normAutofit fontScale="92500" lnSpcReduction="10000"/>
+            <a:normAutofit fontScale="92500" lnSpcReduction="20000"/>
           </a:bodyPr>
           <a:lstStyle/>
           <a:p>
             <a:r>
-              <a:rPr kumimoji="1" lang="en-US" altLang="zh-CN" dirty="0" smtClean="0"/>
-              <a:t>1.1</a:t>
+              <a:rPr kumimoji="1" lang="en-US" altLang="zh-CN" smtClean="0"/>
+              <a:t>1.1 </a:t>
+            </a:r>
+            <a:r>
+              <a:rPr kumimoji="1" lang="zh-CN" altLang="en-US" smtClean="0"/>
+              <a:t>坐标系统</a:t>
+            </a:r>
+            <a:endParaRPr kumimoji="1" lang="en-US" altLang="zh-CN" smtClean="0"/>
+          </a:p>
+          <a:p>
+            <a:r>
+              <a:rPr kumimoji="1" lang="en-US" altLang="zh-CN" smtClean="0"/>
+              <a:t>1.2</a:t>
+            </a:r>
+            <a:r>
+              <a:rPr kumimoji="1" lang="zh-CN" altLang="en-US" smtClean="0"/>
+              <a:t> </a:t>
             </a:r>
             <a:r>
               <a:rPr kumimoji="1" lang="zh-CN" altLang="en-US" dirty="0" smtClean="0"/>
-              <a:t> 地理数据介绍</a:t>
+              <a:t>地理数据介绍</a:t>
             </a:r>
             <a:endParaRPr kumimoji="1" lang="en-US" altLang="zh-CN" dirty="0" smtClean="0"/>
           </a:p>
           <a:p>
             <a:r>
-              <a:rPr kumimoji="1" lang="en-US" altLang="zh-CN" dirty="0" smtClean="0"/>
-              <a:t>1.2</a:t>
+              <a:rPr kumimoji="1" lang="en-US" altLang="zh-CN" smtClean="0"/>
+              <a:t>1.3</a:t>
+            </a:r>
+            <a:r>
+              <a:rPr kumimoji="1" lang="zh-CN" altLang="en-US" smtClean="0"/>
+              <a:t> </a:t>
             </a:r>
             <a:r>
               <a:rPr kumimoji="1" lang="zh-CN" altLang="en-US" dirty="0" smtClean="0"/>
-              <a:t> 地图制图（地图工具）</a:t>
+              <a:t>地图制图（地图工具）</a:t>
             </a:r>
             <a:endParaRPr kumimoji="1" lang="en-US" altLang="zh-CN" dirty="0" smtClean="0"/>
           </a:p>
           <a:p>
             <a:r>
-              <a:rPr kumimoji="1" lang="en-US" altLang="zh-CN" dirty="0" smtClean="0"/>
-              <a:t>1.3</a:t>
+              <a:rPr kumimoji="1" lang="en-US" altLang="zh-CN" smtClean="0"/>
+              <a:t>1.4</a:t>
+            </a:r>
+            <a:r>
+              <a:rPr kumimoji="1" lang="zh-CN" altLang="en-US" smtClean="0"/>
+              <a:t> </a:t>
             </a:r>
             <a:r>
               <a:rPr kumimoji="1" lang="zh-CN" altLang="en-US" dirty="0" smtClean="0"/>
-              <a:t> 空间分析</a:t>
+              <a:t>空间分析</a:t>
             </a:r>
             <a:endParaRPr kumimoji="1" lang="en-US" altLang="zh-CN" dirty="0" smtClean="0"/>
           </a:p>
           <a:p>
             <a:r>
-              <a:rPr kumimoji="1" lang="en-US" altLang="zh-CN" dirty="0" smtClean="0"/>
-              <a:t>1.4</a:t>
+              <a:rPr kumimoji="1" lang="en-US" altLang="zh-CN" smtClean="0"/>
+              <a:t>1.5</a:t>
+            </a:r>
+            <a:r>
+              <a:rPr kumimoji="1" lang="zh-CN" altLang="en-US" smtClean="0"/>
+              <a:t> </a:t>
             </a:r>
             <a:r>
               <a:rPr kumimoji="1" lang="zh-CN" altLang="en-US" dirty="0" smtClean="0"/>
-              <a:t> 地图配色与整饰</a:t>
+              <a:t>地图配色与整饰</a:t>
             </a:r>
             <a:endParaRPr kumimoji="1" lang="en-US" altLang="zh-CN" dirty="0" smtClean="0"/>
           </a:p>
           <a:p>
             <a:r>
-              <a:rPr kumimoji="1" lang="en-US" altLang="zh-CN" dirty="0" smtClean="0"/>
-              <a:t>1.5</a:t>
+              <a:rPr kumimoji="1" lang="en-US" altLang="zh-CN" smtClean="0"/>
+              <a:t>1.6</a:t>
+            </a:r>
+            <a:r>
+              <a:rPr kumimoji="1" lang="zh-CN" altLang="en-US" smtClean="0"/>
+              <a:t> </a:t>
             </a:r>
             <a:r>
               <a:rPr kumimoji="1" lang="zh-CN" altLang="en-US" dirty="0" smtClean="0"/>
-              <a:t> 地图发布与浏览</a:t>
+              <a:t>地图发布与浏览</a:t>
             </a:r>
             <a:endParaRPr kumimoji="1" lang="en-US" altLang="zh-CN" dirty="0" smtClean="0"/>
           </a:p>
           <a:p>
             <a:r>
-              <a:rPr kumimoji="1" lang="en-US" altLang="zh-CN" dirty="0" smtClean="0"/>
-              <a:t>1.6</a:t>
+              <a:rPr kumimoji="1" lang="en-US" altLang="zh-CN" smtClean="0"/>
+              <a:t>1.7</a:t>
+            </a:r>
+            <a:r>
+              <a:rPr kumimoji="1" lang="zh-CN" altLang="en-US" smtClean="0"/>
+              <a:t> </a:t>
             </a:r>
             <a:r>
               <a:rPr kumimoji="1" lang="zh-CN" altLang="en-US" dirty="0" smtClean="0"/>
-              <a:t> 矢量切片</a:t>
+              <a:t>矢量切片</a:t>
             </a:r>
             <a:endParaRPr kumimoji="1" lang="en-US" altLang="zh-CN" dirty="0" smtClean="0"/>
           </a:p>
           <a:p>
             <a:r>
-              <a:rPr kumimoji="1" lang="en-US" altLang="zh-CN" dirty="0" smtClean="0"/>
-              <a:t>1.7</a:t>
+              <a:rPr kumimoji="1" lang="en-US" altLang="zh-CN" smtClean="0"/>
+              <a:t>1.8</a:t>
+            </a:r>
+            <a:r>
+              <a:rPr kumimoji="1" lang="zh-CN" altLang="en-US" smtClean="0"/>
+              <a:t> </a:t>
             </a:r>
             <a:r>
               <a:rPr kumimoji="1" lang="zh-CN" altLang="en-US" dirty="0" smtClean="0"/>
-              <a:t> 雷达点云数据处理</a:t>
+              <a:t>雷达点云数据处理</a:t>
             </a:r>
             <a:endParaRPr kumimoji="1" lang="zh-CN" altLang="en-US" dirty="0"/>
           </a:p>
@@ -14324,123 +17649,17 @@
   <p:clrMapOvr>
     <a:masterClrMapping/>
   </p:clrMapOvr>
+  <p:timing>
+    <p:tnLst>
+      <p:par>
+        <p:cTn id="1" dur="indefinite" restart="never" nodeType="tmRoot"/>
+      </p:par>
+    </p:tnLst>
+  </p:timing>
 </p:sld>
 </file>
 
 <file path=ppt/slides/slide6.xml><?xml version="1.0" encoding="utf-8"?>
-<p:sld xmlns:a="http://schemas.openxmlformats.org/drawingml/2006/main" xmlns:r="http://schemas.openxmlformats.org/officeDocument/2006/relationships" xmlns:p="http://schemas.openxmlformats.org/presentationml/2006/main">
-  <p:cSld>
-    <p:spTree>
-      <p:nvGrpSpPr>
-        <p:cNvPr id="1" name=""/>
-        <p:cNvGrpSpPr/>
-        <p:nvPr/>
-      </p:nvGrpSpPr>
-      <p:grpSpPr>
-        <a:xfrm>
-          <a:off x="0" y="0"/>
-          <a:ext cx="0" cy="0"/>
-          <a:chOff x="0" y="0"/>
-          <a:chExt cx="0" cy="0"/>
-        </a:xfrm>
-      </p:grpSpPr>
-      <p:sp>
-        <p:nvSpPr>
-          <p:cNvPr id="2" name="标题 1"/>
-          <p:cNvSpPr>
-            <a:spLocks noGrp="1"/>
-          </p:cNvSpPr>
-          <p:nvPr>
-            <p:ph type="title"/>
-          </p:nvPr>
-        </p:nvSpPr>
-        <p:spPr/>
-        <p:txBody>
-          <a:bodyPr/>
-          <a:lstStyle/>
-          <a:p>
-            <a:r>
-              <a:rPr kumimoji="1" lang="en-US" altLang="zh-CN" dirty="0" smtClean="0"/>
-              <a:t>1.1</a:t>
-            </a:r>
-            <a:r>
-              <a:rPr kumimoji="1" lang="zh-CN" altLang="en-US" dirty="0" smtClean="0"/>
-              <a:t> 地理数据介绍</a:t>
-            </a:r>
-            <a:endParaRPr kumimoji="1" lang="zh-CN" altLang="en-US" dirty="0"/>
-          </a:p>
-        </p:txBody>
-      </p:sp>
-      <p:sp>
-        <p:nvSpPr>
-          <p:cNvPr id="3" name="内容占位符 2"/>
-          <p:cNvSpPr>
-            <a:spLocks noGrp="1"/>
-          </p:cNvSpPr>
-          <p:nvPr>
-            <p:ph idx="1"/>
-          </p:nvPr>
-        </p:nvSpPr>
-        <p:spPr/>
-        <p:txBody>
-          <a:bodyPr>
-            <a:normAutofit/>
-          </a:bodyPr>
-          <a:lstStyle/>
-          <a:p>
-            <a:r>
-              <a:rPr kumimoji="1" lang="zh-CN" altLang="en-US" dirty="0" smtClean="0"/>
-              <a:t>坐标系</a:t>
-            </a:r>
-            <a:endParaRPr kumimoji="1" lang="en-US" altLang="zh-CN" dirty="0" smtClean="0"/>
-          </a:p>
-          <a:p>
-            <a:r>
-              <a:rPr kumimoji="1" lang="zh-CN" altLang="en-US" dirty="0" smtClean="0"/>
-              <a:t>测绘</a:t>
-            </a:r>
-            <a:endParaRPr kumimoji="1" lang="en-US" altLang="zh-CN" dirty="0" smtClean="0"/>
-          </a:p>
-          <a:p>
-            <a:r>
-              <a:rPr kumimoji="1" lang="zh-CN" altLang="en-US" dirty="0" smtClean="0"/>
-              <a:t>遥感</a:t>
-            </a:r>
-            <a:endParaRPr kumimoji="1" lang="en-US" altLang="zh-CN" dirty="0" smtClean="0"/>
-          </a:p>
-          <a:p>
-            <a:r>
-              <a:rPr kumimoji="1" lang="zh-CN" altLang="en-US" dirty="0" smtClean="0"/>
-              <a:t>卫星定位系统</a:t>
-            </a:r>
-            <a:endParaRPr kumimoji="1" lang="en-US" altLang="zh-CN" dirty="0" smtClean="0"/>
-          </a:p>
-          <a:p>
-            <a:r>
-              <a:rPr kumimoji="1" lang="zh-CN" altLang="en-US" dirty="0" smtClean="0"/>
-              <a:t>数据格式</a:t>
-            </a:r>
-            <a:endParaRPr kumimoji="1" lang="en-US" altLang="zh-CN" dirty="0" smtClean="0"/>
-          </a:p>
-          <a:p>
-            <a:endParaRPr kumimoji="1" lang="zh-CN" altLang="en-US" dirty="0"/>
-          </a:p>
-        </p:txBody>
-      </p:sp>
-    </p:spTree>
-    <p:extLst>
-      <p:ext uri="{BB962C8B-B14F-4D97-AF65-F5344CB8AC3E}">
-        <p14:creationId xmlns:p14="http://schemas.microsoft.com/office/powerpoint/2010/main" val="1026639716"/>
-      </p:ext>
-    </p:extLst>
-  </p:cSld>
-  <p:clrMapOvr>
-    <a:masterClrMapping/>
-  </p:clrMapOvr>
-</p:sld>
-</file>
-
-<file path=ppt/slides/slide7.xml><?xml version="1.0" encoding="utf-8"?>
 <p:sld xmlns:a="http://schemas.openxmlformats.org/drawingml/2006/main" xmlns:r="http://schemas.openxmlformats.org/officeDocument/2006/relationships" xmlns:p="http://schemas.openxmlformats.org/presentationml/2006/main">
   <p:cSld>
     <p:spTree>
@@ -14479,7 +17698,18 @@
           </a:bodyPr>
           <a:lstStyle/>
           <a:p>
-            <a:endParaRPr lang="zh-CN" altLang="en-US"/>
+            <a:r>
+              <a:rPr lang="en-US" altLang="zh-CN" smtClean="0"/>
+              <a:t>                    GIS</a:t>
+            </a:r>
+            <a:r>
+              <a:rPr lang="zh-CN" altLang="en-US" smtClean="0"/>
+              <a:t>坐标系统</a:t>
+            </a:r>
+            <a:r>
+              <a:rPr lang="zh-CN" altLang="en-US"/>
+              <a:t>概述</a:t>
+            </a:r>
           </a:p>
         </p:txBody>
       </p:sp>
@@ -14500,72 +17730,46 @@
           </a:xfrm>
         </p:spPr>
         <p:txBody>
-          <a:bodyPr/>
+          <a:bodyPr>
+            <a:normAutofit/>
+          </a:bodyPr>
           <a:lstStyle/>
           <a:p>
+            <a:endParaRPr lang="en-US" altLang="zh-CN" smtClean="0"/>
+          </a:p>
+          <a:p>
             <a:r>
               <a:rPr lang="zh-CN" altLang="en-US" smtClean="0"/>
-              <a:t>大地坐标系</a:t>
-            </a:r>
+              <a:t>地理坐标系统</a:t>
+            </a:r>
+            <a:endParaRPr lang="en-US" altLang="zh-CN" smtClean="0"/>
+          </a:p>
+          <a:p>
+            <a:r>
+              <a:rPr lang="zh-CN" altLang="en-US" smtClean="0"/>
+              <a:t>投影坐标系统</a:t>
+            </a:r>
+            <a:endParaRPr lang="en-US" altLang="zh-CN" smtClean="0"/>
+          </a:p>
+          <a:p>
+            <a:r>
+              <a:rPr lang="zh-CN" altLang="en-US" smtClean="0"/>
+              <a:t>坐标系统转换</a:t>
+            </a:r>
+            <a:endParaRPr lang="en-US" altLang="zh-CN" smtClean="0"/>
+          </a:p>
+          <a:p>
+            <a:r>
+              <a:rPr lang="zh-CN" altLang="en-US" smtClean="0"/>
+              <a:t>火星坐标系</a:t>
+            </a:r>
+            <a:endParaRPr lang="en-US" altLang="zh-CN" smtClean="0"/>
+          </a:p>
+          <a:p>
             <a:endParaRPr lang="en-US" altLang="zh-CN"/>
           </a:p>
           <a:p>
-            <a:r>
-              <a:rPr lang="zh-CN" altLang="en-US" smtClean="0"/>
-              <a:t>空间直角坐标系</a:t>
-            </a:r>
-            <a:endParaRPr lang="en-US" altLang="zh-CN"/>
-          </a:p>
-          <a:p>
-            <a:r>
-              <a:rPr lang="zh-CN" altLang="en-US" smtClean="0"/>
-              <a:t>平面直角坐标系</a:t>
-            </a:r>
-            <a:endParaRPr lang="en-US" altLang="zh-CN"/>
-          </a:p>
-          <a:p>
-            <a:r>
-              <a:rPr lang="zh-CN" altLang="en-US" smtClean="0"/>
-              <a:t>地方独立坐标系</a:t>
-            </a:r>
             <a:endParaRPr lang="en-US" altLang="zh-CN" smtClean="0"/>
-          </a:p>
-          <a:p>
-            <a:r>
-              <a:rPr lang="zh-CN" altLang="en-US" smtClean="0"/>
-              <a:t>北京</a:t>
-            </a:r>
-            <a:r>
-              <a:rPr lang="en-US" altLang="zh-CN" smtClean="0"/>
-              <a:t>54</a:t>
-            </a:r>
-          </a:p>
-          <a:p>
-            <a:r>
-              <a:rPr lang="zh-CN" altLang="en-US" smtClean="0"/>
-              <a:t>西安</a:t>
-            </a:r>
-            <a:r>
-              <a:rPr lang="en-US" altLang="zh-CN" smtClean="0"/>
-              <a:t>80</a:t>
-            </a:r>
-          </a:p>
-          <a:p>
-            <a:r>
-              <a:rPr lang="en-US" altLang="zh-CN" smtClean="0"/>
-              <a:t>Wgs84</a:t>
-            </a:r>
-          </a:p>
-          <a:p>
-            <a:r>
-              <a:rPr lang="zh-CN" altLang="en-US" smtClean="0"/>
-              <a:t>大地</a:t>
-            </a:r>
-            <a:r>
-              <a:rPr lang="en-US" altLang="zh-CN" smtClean="0"/>
-              <a:t>2000</a:t>
-            </a:r>
-            <a:endParaRPr lang="en-US" altLang="zh-CN"/>
           </a:p>
           <a:p>
             <a:endParaRPr lang="en-US" altLang="zh-CN"/>
@@ -14588,6 +17792,228 @@
   <p:clrMapOvr>
     <a:masterClrMapping/>
   </p:clrMapOvr>
+  <p:timing>
+    <p:tnLst>
+      <p:par>
+        <p:cTn id="1" dur="indefinite" restart="never" nodeType="tmRoot"/>
+      </p:par>
+    </p:tnLst>
+  </p:timing>
+</p:sld>
+</file>
+
+<file path=ppt/slides/slide7.xml><?xml version="1.0" encoding="utf-8"?>
+<p:sld xmlns:a="http://schemas.openxmlformats.org/drawingml/2006/main" xmlns:r="http://schemas.openxmlformats.org/officeDocument/2006/relationships" xmlns:p="http://schemas.openxmlformats.org/presentationml/2006/main">
+  <p:cSld>
+    <p:spTree>
+      <p:nvGrpSpPr>
+        <p:cNvPr id="1" name=""/>
+        <p:cNvGrpSpPr/>
+        <p:nvPr/>
+      </p:nvGrpSpPr>
+      <p:grpSpPr>
+        <a:xfrm>
+          <a:off x="0" y="0"/>
+          <a:ext cx="0" cy="0"/>
+          <a:chOff x="0" y="0"/>
+          <a:chExt cx="0" cy="0"/>
+        </a:xfrm>
+      </p:grpSpPr>
+      <p:sp>
+        <p:nvSpPr>
+          <p:cNvPr id="2" name="标题 1"/>
+          <p:cNvSpPr>
+            <a:spLocks noGrp="1"/>
+          </p:cNvSpPr>
+          <p:nvPr>
+            <p:ph type="title"/>
+          </p:nvPr>
+        </p:nvSpPr>
+        <p:spPr>
+          <a:xfrm>
+            <a:off x="1141413" y="618518"/>
+            <a:ext cx="9905998" cy="841982"/>
+          </a:xfrm>
+        </p:spPr>
+        <p:txBody>
+          <a:bodyPr>
+            <a:normAutofit fontScale="90000"/>
+          </a:bodyPr>
+          <a:lstStyle/>
+          <a:p>
+            <a:r>
+              <a:rPr lang="zh-CN" altLang="en-US"/>
+              <a:t>地理坐标</a:t>
+            </a:r>
+            <a:r>
+              <a:rPr lang="zh-CN" altLang="en-US" smtClean="0"/>
+              <a:t>系统（</a:t>
+            </a:r>
+            <a:r>
+              <a:rPr lang="en-US" altLang="zh-CN" smtClean="0"/>
+              <a:t>GCS </a:t>
+            </a:r>
+            <a:r>
+              <a:rPr lang="zh-CN" altLang="en-US" smtClean="0"/>
+              <a:t>）</a:t>
+            </a:r>
+            <a:r>
+              <a:rPr lang="en-US" altLang="zh-CN" smtClean="0"/>
+              <a:t/>
+            </a:r>
+            <a:br>
+              <a:rPr lang="en-US" altLang="zh-CN" smtClean="0"/>
+            </a:br>
+            <a:endParaRPr lang="zh-CN" altLang="en-US"/>
+          </a:p>
+        </p:txBody>
+      </p:sp>
+      <p:sp>
+        <p:nvSpPr>
+          <p:cNvPr id="3" name="内容占位符 2"/>
+          <p:cNvSpPr>
+            <a:spLocks noGrp="1"/>
+          </p:cNvSpPr>
+          <p:nvPr>
+            <p:ph idx="1"/>
+          </p:nvPr>
+        </p:nvSpPr>
+        <p:spPr>
+          <a:xfrm>
+            <a:off x="976312" y="1460500"/>
+            <a:ext cx="9905999" cy="5245100"/>
+          </a:xfrm>
+        </p:spPr>
+        <p:txBody>
+          <a:bodyPr>
+            <a:normAutofit/>
+          </a:bodyPr>
+          <a:lstStyle/>
+          <a:p>
+            <a:r>
+              <a:rPr lang="en-US" altLang="zh-CN" smtClean="0"/>
+              <a:t> </a:t>
+            </a:r>
+            <a:r>
+              <a:rPr lang="zh-CN" altLang="en-US" smtClean="0"/>
+              <a:t>地心坐标系</a:t>
+            </a:r>
+            <a:endParaRPr lang="en-US" altLang="zh-CN" smtClean="0"/>
+          </a:p>
+          <a:p>
+            <a:r>
+              <a:rPr lang="en-US" altLang="zh-CN" smtClean="0"/>
+              <a:t>     </a:t>
+            </a:r>
+            <a:r>
+              <a:rPr lang="en-US" altLang="zh-CN"/>
+              <a:t>CGCS2000</a:t>
+            </a:r>
+            <a:r>
+              <a:rPr lang="zh-CN" altLang="en-US"/>
+              <a:t>系，</a:t>
+            </a:r>
+            <a:r>
+              <a:rPr lang="en-US" altLang="zh-CN"/>
+              <a:t>WGS84</a:t>
+            </a:r>
+            <a:r>
+              <a:rPr lang="en-US" altLang="zh-CN" smtClean="0"/>
+              <a:t>    </a:t>
+            </a:r>
+          </a:p>
+          <a:p>
+            <a:r>
+              <a:rPr lang="zh-CN" altLang="en-US" smtClean="0"/>
+              <a:t>参心坐标系</a:t>
+            </a:r>
+            <a:endParaRPr lang="en-US" altLang="zh-CN" smtClean="0"/>
+          </a:p>
+          <a:p>
+            <a:r>
+              <a:rPr lang="en-US" altLang="zh-CN"/>
+              <a:t> </a:t>
+            </a:r>
+            <a:r>
+              <a:rPr lang="en-US" altLang="zh-CN" smtClean="0"/>
+              <a:t>   </a:t>
+            </a:r>
+            <a:r>
+              <a:rPr lang="zh-CN" altLang="en-US" smtClean="0"/>
+              <a:t>参考椭球体</a:t>
+            </a:r>
+            <a:r>
+              <a:rPr lang="en-US" altLang="zh-CN" smtClean="0"/>
+              <a:t>(</a:t>
+            </a:r>
+            <a:r>
+              <a:rPr lang="zh-CN" altLang="en-US" smtClean="0"/>
+              <a:t>中心与地球质心不重合</a:t>
+            </a:r>
+            <a:r>
+              <a:rPr lang="en-US" altLang="zh-CN" smtClean="0"/>
+              <a:t>)</a:t>
+            </a:r>
+            <a:r>
+              <a:rPr lang="zh-CN" altLang="en-US"/>
+              <a:t>北京</a:t>
+            </a:r>
+            <a:r>
+              <a:rPr lang="en-US" altLang="zh-CN"/>
+              <a:t>54</a:t>
+            </a:r>
+            <a:r>
+              <a:rPr lang="zh-CN" altLang="en-US"/>
+              <a:t>、西安</a:t>
+            </a:r>
+            <a:r>
+              <a:rPr lang="en-US" altLang="zh-CN"/>
+              <a:t>80 </a:t>
+            </a:r>
+          </a:p>
+        </p:txBody>
+      </p:sp>
+      <p:pic>
+        <p:nvPicPr>
+          <p:cNvPr id="4" name="图片 3"/>
+          <p:cNvPicPr>
+            <a:picLocks noChangeAspect="1"/>
+          </p:cNvPicPr>
+          <p:nvPr/>
+        </p:nvPicPr>
+        <p:blipFill>
+          <a:blip r:embed="rId2"/>
+          <a:stretch>
+            <a:fillRect/>
+          </a:stretch>
+        </p:blipFill>
+        <p:spPr>
+          <a:xfrm>
+            <a:off x="1901279" y="3726497"/>
+            <a:ext cx="6931025" cy="2875638"/>
+          </a:xfrm>
+          <a:prstGeom prst="rect">
+            <a:avLst/>
+          </a:prstGeom>
+        </p:spPr>
+      </p:pic>
+    </p:spTree>
+    <p:extLst>
+      <p:ext uri="{BB962C8B-B14F-4D97-AF65-F5344CB8AC3E}">
+        <p14:creationId xmlns:p14="http://schemas.microsoft.com/office/powerpoint/2010/main" val="1774050339"/>
+      </p:ext>
+    </p:extLst>
+  </p:cSld>
+  <p:clrMapOvr>
+    <a:masterClrMapping/>
+  </p:clrMapOvr>
+  <p:timing>
+    <p:tnLst>
+      <p:par>
+        <p:cTn id="1" dur="indefinite" restart="never" nodeType="tmRoot"/>
+      </p:par>
+    </p:tnLst>
+  </p:timing>
 </p:sld>
 </file>
 
@@ -14618,40 +18044,29 @@
             <p:ph type="title"/>
           </p:nvPr>
         </p:nvSpPr>
-        <p:spPr/>
+        <p:spPr>
+          <a:xfrm>
+            <a:off x="1141413" y="618518"/>
+            <a:ext cx="9905998" cy="778482"/>
+          </a:xfrm>
+        </p:spPr>
         <p:txBody>
           <a:bodyPr/>
           <a:lstStyle/>
           <a:p>
             <a:r>
-              <a:rPr kumimoji="1" lang="zh-CN" altLang="en-US" dirty="0" smtClean="0"/>
-              <a:t>第二章 </a:t>
-            </a:r>
-            <a:r>
-              <a:rPr kumimoji="1" lang="en-US" altLang="zh-CN" dirty="0" smtClean="0"/>
-              <a:t>ArcGIS</a:t>
-            </a:r>
-            <a:r>
-              <a:rPr kumimoji="1" lang="zh-CN" altLang="en-US" dirty="0" smtClean="0"/>
-              <a:t> </a:t>
-            </a:r>
-            <a:r>
-              <a:rPr kumimoji="1" lang="en-US" altLang="zh-CN" dirty="0" err="1" smtClean="0"/>
-              <a:t>javascript</a:t>
-            </a:r>
-            <a:r>
-              <a:rPr kumimoji="1" lang="zh-CN" altLang="en-US" dirty="0" smtClean="0"/>
-              <a:t> </a:t>
-            </a:r>
-            <a:r>
-              <a:rPr kumimoji="1" lang="en-US" altLang="zh-CN" dirty="0" err="1" smtClean="0"/>
-              <a:t>api</a:t>
-            </a:r>
-            <a:r>
-              <a:rPr kumimoji="1" lang="zh-CN" altLang="en-US" dirty="0" smtClean="0"/>
-              <a:t> 开发</a:t>
-            </a:r>
-            <a:endParaRPr kumimoji="1" lang="zh-CN" altLang="en-US" dirty="0"/>
+              <a:rPr lang="zh-CN" altLang="en-US" smtClean="0"/>
+              <a:t>平面坐标系（</a:t>
+            </a:r>
+            <a:r>
+              <a:rPr lang="en-US" altLang="zh-CN" smtClean="0"/>
+              <a:t>PCS</a:t>
+            </a:r>
+            <a:r>
+              <a:rPr lang="zh-CN" altLang="en-US" smtClean="0"/>
+              <a:t>）</a:t>
+            </a:r>
+            <a:endParaRPr lang="zh-CN" altLang="en-US"/>
           </a:p>
         </p:txBody>
       </p:sp>
@@ -14665,141 +18080,257 @@
             <p:ph idx="1"/>
           </p:nvPr>
         </p:nvSpPr>
-        <p:spPr/>
+        <p:spPr>
+          <a:xfrm>
+            <a:off x="1141412" y="1231900"/>
+            <a:ext cx="9905999" cy="4559301"/>
+          </a:xfrm>
+        </p:spPr>
         <p:txBody>
           <a:bodyPr>
-            <a:normAutofit fontScale="92500" lnSpcReduction="10000"/>
+            <a:normAutofit/>
           </a:bodyPr>
           <a:lstStyle/>
           <a:p>
             <a:r>
-              <a:rPr kumimoji="1" lang="en-US" altLang="zh-CN" dirty="0" smtClean="0"/>
+              <a:rPr lang="zh-CN" altLang="en-US" b="1"/>
+              <a:t>如何用经纬度表达一块地的面积</a:t>
+            </a:r>
+            <a:r>
+              <a:rPr lang="zh-CN" altLang="en-US" b="1" smtClean="0"/>
+              <a:t>？</a:t>
+            </a:r>
+            <a:endParaRPr lang="en-US" altLang="zh-CN" b="1"/>
+          </a:p>
+          <a:p>
+            <a:pPr marL="0" indent="0">
+              <a:buNone/>
+            </a:pPr>
+            <a:r>
+              <a:rPr lang="en-US" altLang="zh-CN" sz="1600" smtClean="0"/>
               <a:t>1</a:t>
             </a:r>
             <a:r>
-              <a:rPr kumimoji="1" lang="zh-CN" altLang="en-US" dirty="0" smtClean="0"/>
-              <a:t>、版本</a:t>
-            </a:r>
-            <a:endParaRPr kumimoji="1" lang="en-US" altLang="zh-CN" dirty="0" smtClean="0"/>
-          </a:p>
-          <a:p>
-            <a:r>
-              <a:rPr kumimoji="1" lang="en-US" altLang="zh-CN" dirty="0" smtClean="0"/>
+              <a:rPr lang="zh-CN" altLang="en-US" sz="1600" smtClean="0"/>
+              <a:t>、高斯</a:t>
+            </a:r>
+            <a:r>
+              <a:rPr lang="zh-CN" altLang="en-US" sz="1600"/>
+              <a:t>克吕格（</a:t>
+            </a:r>
+            <a:r>
+              <a:rPr lang="en-US" altLang="zh-CN" sz="1600"/>
+              <a:t>Gauss Kruger</a:t>
+            </a:r>
+            <a:r>
+              <a:rPr lang="zh-CN" altLang="en-US" sz="1600"/>
+              <a:t>）投影</a:t>
+            </a:r>
+            <a:r>
+              <a:rPr lang="en-US" altLang="zh-CN" sz="1600"/>
+              <a:t>=</a:t>
+            </a:r>
+            <a:r>
+              <a:rPr lang="zh-CN" altLang="en-US" sz="1600"/>
+              <a:t>横轴墨卡托（</a:t>
+            </a:r>
+            <a:r>
+              <a:rPr lang="en-US" altLang="zh-CN" sz="1600"/>
+              <a:t>Transverse Mercator</a:t>
+            </a:r>
+            <a:r>
+              <a:rPr lang="zh-CN" altLang="en-US" sz="1600"/>
+              <a:t>）</a:t>
+            </a:r>
+            <a:r>
+              <a:rPr lang="zh-CN" altLang="en-US" sz="1600" smtClean="0"/>
+              <a:t>投影  </a:t>
+            </a:r>
+            <a:r>
+              <a:rPr lang="en-US" altLang="zh-CN" sz="1600" smtClean="0"/>
+              <a:t>(</a:t>
+            </a:r>
+            <a:r>
+              <a:rPr lang="en-US" altLang="zh-CN" sz="1600"/>
+              <a:t>6</a:t>
+            </a:r>
+            <a:r>
+              <a:rPr lang="zh-CN" altLang="en-US" sz="1600"/>
+              <a:t>度带、</a:t>
+            </a:r>
+            <a:r>
+              <a:rPr lang="en-US" altLang="zh-CN" sz="1600"/>
+              <a:t>3</a:t>
+            </a:r>
+            <a:r>
+              <a:rPr lang="zh-CN" altLang="en-US" sz="1600"/>
+              <a:t>度带</a:t>
+            </a:r>
+            <a:r>
+              <a:rPr lang="en-US" altLang="zh-CN" sz="1600"/>
+              <a:t>)</a:t>
+            </a:r>
+            <a:endParaRPr lang="en-US" altLang="zh-CN" sz="1600" smtClean="0"/>
+          </a:p>
+          <a:p>
+            <a:pPr marL="0" indent="0">
+              <a:buNone/>
+            </a:pPr>
+            <a:r>
+              <a:rPr lang="en-US" altLang="zh-CN" sz="1600" smtClean="0"/>
               <a:t>2</a:t>
             </a:r>
             <a:r>
-              <a:rPr kumimoji="1" lang="zh-CN" altLang="en-US" dirty="0" smtClean="0"/>
-              <a:t>、基本概念</a:t>
-            </a:r>
-            <a:endParaRPr kumimoji="1" lang="en-US" altLang="zh-CN" dirty="0" smtClean="0"/>
-          </a:p>
-          <a:p>
-            <a:r>
-              <a:rPr kumimoji="1" lang="en-US" altLang="zh-CN" dirty="0" smtClean="0"/>
+              <a:rPr lang="zh-CN" altLang="en-US" sz="1600" smtClean="0"/>
+              <a:t>、墨</a:t>
+            </a:r>
+            <a:r>
+              <a:rPr lang="zh-CN" altLang="en-US" sz="1600"/>
+              <a:t>卡托（</a:t>
+            </a:r>
+            <a:r>
+              <a:rPr lang="en-US" altLang="zh-CN" sz="1600"/>
+              <a:t>Mercator</a:t>
+            </a:r>
+            <a:r>
+              <a:rPr lang="zh-CN" altLang="en-US" sz="1600"/>
+              <a:t>）</a:t>
+            </a:r>
+            <a:r>
+              <a:rPr lang="zh-CN" altLang="en-US" sz="1600" smtClean="0"/>
+              <a:t>投影   （切投影）</a:t>
+            </a:r>
+            <a:endParaRPr lang="en-US" altLang="zh-CN" sz="1600" smtClean="0"/>
+          </a:p>
+          <a:p>
+            <a:pPr marL="0" indent="0">
+              <a:buNone/>
+            </a:pPr>
+            <a:r>
+              <a:rPr lang="en-US" altLang="zh-CN" sz="1600" smtClean="0"/>
               <a:t>3</a:t>
             </a:r>
             <a:r>
-              <a:rPr kumimoji="1" lang="zh-CN" altLang="en-US" dirty="0" smtClean="0"/>
-              <a:t>、点线面</a:t>
-            </a:r>
-            <a:endParaRPr kumimoji="1" lang="en-US" altLang="zh-CN" dirty="0" smtClean="0"/>
-          </a:p>
-          <a:p>
-            <a:r>
-              <a:rPr kumimoji="1" lang="en-US" altLang="zh-CN" dirty="0" smtClean="0"/>
-              <a:t>4</a:t>
-            </a:r>
-            <a:r>
-              <a:rPr kumimoji="1" lang="zh-CN" altLang="en-US" dirty="0" smtClean="0"/>
+              <a:rPr lang="zh-CN" altLang="en-US" sz="1600" smtClean="0"/>
+              <a:t>、通用</a:t>
+            </a:r>
+            <a:r>
+              <a:rPr lang="zh-CN" altLang="en-US" sz="1600"/>
+              <a:t>横轴墨卡托（</a:t>
+            </a:r>
+            <a:r>
+              <a:rPr lang="en-US" altLang="zh-CN" sz="1600"/>
+              <a:t>UTM</a:t>
+            </a:r>
+            <a:r>
+              <a:rPr lang="zh-CN" altLang="en-US" sz="1600"/>
+              <a:t>）</a:t>
+            </a:r>
+            <a:r>
+              <a:rPr lang="zh-CN" altLang="en-US" sz="1600" smtClean="0"/>
+              <a:t>投影 （割投影）</a:t>
+            </a:r>
+            <a:endParaRPr lang="en-US" altLang="zh-CN" sz="1600" smtClean="0"/>
+          </a:p>
+          <a:p>
+            <a:pPr marL="0" indent="0">
+              <a:buNone/>
+            </a:pPr>
+            <a:r>
+              <a:rPr lang="en-US" altLang="zh-CN" sz="1600" smtClean="0"/>
+              <a:t>4 </a:t>
+            </a:r>
+            <a:r>
+              <a:rPr lang="zh-CN" altLang="en-US" sz="1600" smtClean="0"/>
               <a:t>、</a:t>
             </a:r>
             <a:r>
-              <a:rPr kumimoji="1" lang="en-US" altLang="zh-CN" dirty="0" smtClean="0"/>
-              <a:t>GP</a:t>
-            </a:r>
-            <a:r>
-              <a:rPr kumimoji="1" lang="zh-CN" altLang="en-US" dirty="0" smtClean="0"/>
-              <a:t>服务发布与调用</a:t>
-            </a:r>
-            <a:endParaRPr kumimoji="1" lang="en-US" altLang="zh-CN" dirty="0" smtClean="0"/>
-          </a:p>
-          <a:p>
-            <a:r>
-              <a:rPr kumimoji="1" lang="en-US" altLang="zh-CN" dirty="0" smtClean="0"/>
-              <a:t>5</a:t>
-            </a:r>
-            <a:r>
-              <a:rPr kumimoji="1" lang="zh-CN" altLang="en-US" dirty="0" smtClean="0"/>
-              <a:t>、高级应用（空间查询）</a:t>
-            </a:r>
-            <a:endParaRPr kumimoji="1" lang="en-US" altLang="zh-CN" dirty="0" smtClean="0"/>
-          </a:p>
-          <a:p>
-            <a:r>
-              <a:rPr kumimoji="1" lang="en-US" altLang="zh-CN" dirty="0" smtClean="0"/>
-              <a:t>6</a:t>
-            </a:r>
-            <a:r>
-              <a:rPr kumimoji="1" lang="zh-CN" altLang="en-US" dirty="0" smtClean="0"/>
-              <a:t>、离线部署</a:t>
-            </a:r>
-            <a:endParaRPr kumimoji="1" lang="en-US" altLang="zh-CN" dirty="0" smtClean="0"/>
-          </a:p>
-          <a:p>
-            <a:r>
-              <a:rPr kumimoji="1" lang="en-US" altLang="zh-CN" dirty="0" smtClean="0"/>
-              <a:t>7</a:t>
-            </a:r>
-            <a:r>
-              <a:rPr kumimoji="1" lang="zh-CN" altLang="en-US" dirty="0" smtClean="0"/>
+              <a:rPr lang="en-US" altLang="zh-CN" sz="1600" smtClean="0"/>
+              <a:t>Lambert</a:t>
+            </a:r>
+            <a:r>
+              <a:rPr lang="zh-CN" altLang="en-US" sz="1600" smtClean="0"/>
+              <a:t>投影   等角圆锥投影</a:t>
+            </a:r>
+            <a:endParaRPr lang="en-US" altLang="zh-CN" sz="1600" smtClean="0"/>
+          </a:p>
+          <a:p>
+            <a:pPr marL="0" indent="0">
+              <a:buNone/>
+            </a:pPr>
+            <a:r>
+              <a:rPr lang="en-US" altLang="zh-CN" sz="1600" smtClean="0"/>
+              <a:t>5 </a:t>
+            </a:r>
+            <a:r>
+              <a:rPr lang="zh-CN" altLang="en-US" sz="1600" smtClean="0"/>
               <a:t>、</a:t>
             </a:r>
             <a:r>
-              <a:rPr kumimoji="1" lang="en-US" altLang="zh-CN" dirty="0" smtClean="0"/>
-              <a:t>web</a:t>
-            </a:r>
-            <a:r>
-              <a:rPr kumimoji="1" lang="zh-CN" altLang="en-US" dirty="0" smtClean="0"/>
-              <a:t>开发基础（</a:t>
-            </a:r>
-            <a:r>
-              <a:rPr kumimoji="1" lang="en-US" altLang="zh-CN" dirty="0" smtClean="0"/>
-              <a:t>html</a:t>
-            </a:r>
-            <a:r>
-              <a:rPr kumimoji="1" lang="zh-CN" altLang="en-US" dirty="0" smtClean="0"/>
-              <a:t> </a:t>
-            </a:r>
-            <a:r>
-              <a:rPr kumimoji="1" lang="en-US" altLang="zh-CN" dirty="0" err="1" smtClean="0"/>
-              <a:t>css</a:t>
-            </a:r>
-            <a:r>
-              <a:rPr kumimoji="1" lang="zh-CN" altLang="en-US" dirty="0" smtClean="0"/>
-              <a:t> </a:t>
-            </a:r>
-            <a:r>
-              <a:rPr kumimoji="1" lang="en-US" altLang="zh-CN" dirty="0" err="1" smtClean="0"/>
-              <a:t>javascript</a:t>
-            </a:r>
-            <a:r>
-              <a:rPr kumimoji="1" lang="en-US" altLang="zh-CN" dirty="0" smtClean="0"/>
-              <a:t>)</a:t>
-            </a:r>
-            <a:endParaRPr kumimoji="1" lang="zh-CN" altLang="en-US" dirty="0"/>
+              <a:rPr lang="en-US" altLang="zh-CN" sz="1600" smtClean="0"/>
+              <a:t>Albers</a:t>
+            </a:r>
+            <a:r>
+              <a:rPr lang="zh-CN" altLang="en-US" sz="1600" smtClean="0"/>
+              <a:t>投影   （</a:t>
+            </a:r>
+            <a:r>
+              <a:rPr lang="zh-CN" altLang="en-US" sz="1600"/>
+              <a:t>正轴等积割圆锥投影</a:t>
+            </a:r>
+            <a:r>
+              <a:rPr lang="zh-CN" altLang="en-US" sz="1600" smtClean="0"/>
+              <a:t>）</a:t>
+            </a:r>
+            <a:endParaRPr lang="en-US" altLang="zh-CN" sz="1600" smtClean="0"/>
+          </a:p>
+          <a:p>
+            <a:pPr marL="0" indent="0">
+              <a:buNone/>
+            </a:pPr>
+            <a:r>
+              <a:rPr lang="en-US" altLang="zh-CN" sz="1600" smtClean="0"/>
+              <a:t>6 </a:t>
+            </a:r>
+            <a:r>
+              <a:rPr lang="zh-CN" altLang="en-US" sz="1600" smtClean="0"/>
+              <a:t>、</a:t>
+            </a:r>
+            <a:r>
+              <a:rPr lang="en-US" altLang="zh-CN" sz="1600" smtClean="0"/>
+              <a:t>Web </a:t>
+            </a:r>
+            <a:r>
+              <a:rPr lang="en-US" altLang="zh-CN" sz="1600"/>
+              <a:t>Mercator</a:t>
+            </a:r>
+            <a:r>
+              <a:rPr lang="zh-CN" altLang="en-US" sz="1600"/>
+              <a:t>（网络墨卡托）投影</a:t>
+            </a:r>
+          </a:p>
+          <a:p>
+            <a:endParaRPr lang="zh-CN" altLang="en-US"/>
           </a:p>
         </p:txBody>
       </p:sp>
     </p:spTree>
     <p:extLst>
       <p:ext uri="{BB962C8B-B14F-4D97-AF65-F5344CB8AC3E}">
-        <p14:creationId xmlns:p14="http://schemas.microsoft.com/office/powerpoint/2010/main" val="827843304"/>
+        <p14:creationId xmlns:p14="http://schemas.microsoft.com/office/powerpoint/2010/main" val="1583612331"/>
       </p:ext>
     </p:extLst>
   </p:cSld>
   <p:clrMapOvr>
     <a:masterClrMapping/>
   </p:clrMapOvr>
+  <p:timing>
+    <p:tnLst>
+      <p:par>
+        <p:cTn id="1" dur="indefinite" restart="never" nodeType="tmRoot"/>
+      </p:par>
+    </p:tnLst>
+  </p:timing>
 </p:sld>
 </file>
 
@@ -14820,98 +18351,339 @@
           <a:chExt cx="0" cy="0"/>
         </a:xfrm>
       </p:grpSpPr>
+      <p:pic>
+        <p:nvPicPr>
+          <p:cNvPr id="1026" name="Picture 2" descr="https://images2017.cnblogs.com/blog/1097074/201708/1097074-20170830222605140-841366474.png"/>
+          <p:cNvPicPr>
+            <a:picLocks noChangeAspect="1" noChangeArrowheads="1"/>
+          </p:cNvPicPr>
+          <p:nvPr/>
+        </p:nvPicPr>
+        <p:blipFill>
+          <a:blip r:embed="rId2">
+            <a:extLst>
+              <a:ext uri="{28A0092B-C50C-407E-A947-70E740481C1C}">
+                <a14:useLocalDpi xmlns:a14="http://schemas.microsoft.com/office/drawing/2010/main" val="0"/>
+              </a:ext>
+            </a:extLst>
+          </a:blip>
+          <a:srcRect/>
+          <a:stretch>
+            <a:fillRect/>
+          </a:stretch>
+        </p:blipFill>
+        <p:spPr bwMode="auto">
+          <a:xfrm>
+            <a:off x="1205831" y="3163501"/>
+            <a:ext cx="3811989" cy="2574925"/>
+          </a:xfrm>
+          <a:prstGeom prst="rect">
+            <a:avLst/>
+          </a:prstGeom>
+          <a:noFill/>
+          <a:extLst>
+            <a:ext uri="{909E8E84-426E-40DD-AFC4-6F175D3DCCD1}">
+              <a14:hiddenFill xmlns:a14="http://schemas.microsoft.com/office/drawing/2010/main">
+                <a:solidFill>
+                  <a:srgbClr val="FFFFFF"/>
+                </a:solidFill>
+              </a14:hiddenFill>
+            </a:ext>
+          </a:extLst>
+        </p:spPr>
+      </p:pic>
+      <p:pic>
+        <p:nvPicPr>
+          <p:cNvPr id="1028" name="Picture 4" descr="https://img-my.csdn.net/uploads/201209/26/1348649631_3607.jpg"/>
+          <p:cNvPicPr>
+            <a:picLocks noChangeAspect="1" noChangeArrowheads="1"/>
+          </p:cNvPicPr>
+          <p:nvPr/>
+        </p:nvPicPr>
+        <p:blipFill>
+          <a:blip r:embed="rId3">
+            <a:extLst>
+              <a:ext uri="{28A0092B-C50C-407E-A947-70E740481C1C}">
+                <a14:useLocalDpi xmlns:a14="http://schemas.microsoft.com/office/drawing/2010/main" val="0"/>
+              </a:ext>
+            </a:extLst>
+          </a:blip>
+          <a:srcRect/>
+          <a:stretch>
+            <a:fillRect/>
+          </a:stretch>
+        </p:blipFill>
+        <p:spPr bwMode="auto">
+          <a:xfrm>
+            <a:off x="6490135" y="2602845"/>
+            <a:ext cx="3095625" cy="3868132"/>
+          </a:xfrm>
+          <a:prstGeom prst="rect">
+            <a:avLst/>
+          </a:prstGeom>
+          <a:noFill/>
+          <a:extLst>
+            <a:ext uri="{909E8E84-426E-40DD-AFC4-6F175D3DCCD1}">
+              <a14:hiddenFill xmlns:a14="http://schemas.microsoft.com/office/drawing/2010/main">
+                <a:solidFill>
+                  <a:srgbClr val="FFFFFF"/>
+                </a:solidFill>
+              </a14:hiddenFill>
+            </a:ext>
+          </a:extLst>
+        </p:spPr>
+      </p:pic>
+      <p:pic>
+        <p:nvPicPr>
+          <p:cNvPr id="1030" name="Picture 6" descr="https://gss3.bdstatic.com/-Po3dSag_xI4khGkpoWK1HF6hhy/baike/s%3D250/sign=2c6a4323ad345982c18ae2973cf5310b/bd315c6034a85edf3606297449540923dc5475db.jpg"/>
+          <p:cNvPicPr>
+            <a:picLocks noChangeAspect="1" noChangeArrowheads="1"/>
+          </p:cNvPicPr>
+          <p:nvPr/>
+        </p:nvPicPr>
+        <p:blipFill>
+          <a:blip r:embed="rId4">
+            <a:extLst>
+              <a:ext uri="{28A0092B-C50C-407E-A947-70E740481C1C}">
+                <a14:useLocalDpi xmlns:a14="http://schemas.microsoft.com/office/drawing/2010/main" val="0"/>
+              </a:ext>
+            </a:extLst>
+          </a:blip>
+          <a:srcRect/>
+          <a:stretch>
+            <a:fillRect/>
+          </a:stretch>
+        </p:blipFill>
+        <p:spPr bwMode="auto">
+          <a:xfrm>
+            <a:off x="1129139" y="803305"/>
+            <a:ext cx="3878474" cy="1458308"/>
+          </a:xfrm>
+          <a:prstGeom prst="rect">
+            <a:avLst/>
+          </a:prstGeom>
+          <a:noFill/>
+          <a:extLst>
+            <a:ext uri="{909E8E84-426E-40DD-AFC4-6F175D3DCCD1}">
+              <a14:hiddenFill xmlns:a14="http://schemas.microsoft.com/office/drawing/2010/main">
+                <a:solidFill>
+                  <a:srgbClr val="FFFFFF"/>
+                </a:solidFill>
+              </a14:hiddenFill>
+            </a:ext>
+          </a:extLst>
+        </p:spPr>
+      </p:pic>
+      <p:pic>
+        <p:nvPicPr>
+          <p:cNvPr id="1032" name="Picture 8" descr="https://gss2.bdstatic.com/9fo3dSag_xI4khGkpoWK1HF6hhy/baike/s%3D250/sign=e1fc1995b2119313c343f8b555390c10/f2deb48f8c5494ee42a0d84e2df5e0fe98257ee3.jpg"/>
+          <p:cNvPicPr>
+            <a:picLocks noChangeAspect="1" noChangeArrowheads="1"/>
+          </p:cNvPicPr>
+          <p:nvPr/>
+        </p:nvPicPr>
+        <p:blipFill>
+          <a:blip r:embed="rId5">
+            <a:extLst>
+              <a:ext uri="{28A0092B-C50C-407E-A947-70E740481C1C}">
+                <a14:useLocalDpi xmlns:a14="http://schemas.microsoft.com/office/drawing/2010/main" val="0"/>
+              </a:ext>
+            </a:extLst>
+          </a:blip>
+          <a:srcRect/>
+          <a:stretch>
+            <a:fillRect/>
+          </a:stretch>
+        </p:blipFill>
+        <p:spPr bwMode="auto">
+          <a:xfrm>
+            <a:off x="5634037" y="268403"/>
+            <a:ext cx="4257675" cy="1651978"/>
+          </a:xfrm>
+          <a:prstGeom prst="rect">
+            <a:avLst/>
+          </a:prstGeom>
+          <a:noFill/>
+          <a:extLst>
+            <a:ext uri="{909E8E84-426E-40DD-AFC4-6F175D3DCCD1}">
+              <a14:hiddenFill xmlns:a14="http://schemas.microsoft.com/office/drawing/2010/main">
+                <a:solidFill>
+                  <a:srgbClr val="FFFFFF"/>
+                </a:solidFill>
+              </a14:hiddenFill>
+            </a:ext>
+          </a:extLst>
+        </p:spPr>
+      </p:pic>
       <p:sp>
         <p:nvSpPr>
-          <p:cNvPr id="2" name="标题 1"/>
-          <p:cNvSpPr>
-            <a:spLocks noGrp="1"/>
-          </p:cNvSpPr>
-          <p:nvPr>
-            <p:ph type="title"/>
-          </p:nvPr>
+          <p:cNvPr id="2" name="文本框 1"/>
+          <p:cNvSpPr txBox="1"/>
+          <p:nvPr/>
         </p:nvSpPr>
-        <p:spPr/>
+        <p:spPr>
+          <a:xfrm>
+            <a:off x="1129139" y="2328435"/>
+            <a:ext cx="3965375" cy="369332"/>
+          </a:xfrm>
+          <a:prstGeom prst="rect">
+            <a:avLst/>
+          </a:prstGeom>
+          <a:noFill/>
+        </p:spPr>
         <p:txBody>
-          <a:bodyPr/>
+          <a:bodyPr wrap="square" rtlCol="0">
+            <a:spAutoFit/>
+          </a:bodyPr>
           <a:lstStyle/>
           <a:p>
             <a:r>
-              <a:rPr kumimoji="1" lang="zh-CN" altLang="en-US" dirty="0" smtClean="0"/>
-              <a:t>第三章 开源</a:t>
-            </a:r>
-            <a:r>
-              <a:rPr kumimoji="1" lang="en-US" altLang="zh-CN" dirty="0" err="1" smtClean="0"/>
-              <a:t>WebGIS</a:t>
-            </a:r>
-            <a:r>
-              <a:rPr kumimoji="1" lang="zh-CN" altLang="en-US" dirty="0" smtClean="0"/>
-              <a:t>解决方案</a:t>
-            </a:r>
-            <a:endParaRPr kumimoji="1" lang="zh-CN" altLang="en-US" dirty="0"/>
+              <a:rPr lang="zh-CN" altLang="en-US"/>
+              <a:t>高斯克</a:t>
+            </a:r>
+            <a:r>
+              <a:rPr lang="zh-CN" altLang="en-US" smtClean="0"/>
+              <a:t>吕格投影</a:t>
+            </a:r>
+            <a:r>
+              <a:rPr lang="en-US" altLang="zh-CN" smtClean="0"/>
+              <a:t>---</a:t>
+            </a:r>
+            <a:r>
+              <a:rPr lang="zh-CN" altLang="en-US" smtClean="0"/>
+              <a:t>横轴墨卡托投影</a:t>
+            </a:r>
+            <a:endParaRPr lang="zh-CN" altLang="en-US"/>
           </a:p>
         </p:txBody>
       </p:sp>
       <p:sp>
         <p:nvSpPr>
-          <p:cNvPr id="3" name="内容占位符 2"/>
-          <p:cNvSpPr>
-            <a:spLocks noGrp="1"/>
-          </p:cNvSpPr>
-          <p:nvPr>
-            <p:ph idx="1"/>
-          </p:nvPr>
+          <p:cNvPr id="3" name="文本框 2"/>
+          <p:cNvSpPr txBox="1"/>
+          <p:nvPr/>
         </p:nvSpPr>
-        <p:spPr/>
+        <p:spPr>
+          <a:xfrm>
+            <a:off x="6079252" y="2076947"/>
+            <a:ext cx="2840842" cy="369332"/>
+          </a:xfrm>
+          <a:prstGeom prst="rect">
+            <a:avLst/>
+          </a:prstGeom>
+          <a:noFill/>
+        </p:spPr>
         <p:txBody>
-          <a:bodyPr/>
+          <a:bodyPr wrap="none" rtlCol="0">
+            <a:spAutoFit/>
+          </a:bodyPr>
           <a:lstStyle/>
           <a:p>
             <a:r>
-              <a:rPr kumimoji="1" lang="en-US" altLang="zh-CN" dirty="0" err="1" smtClean="0"/>
-              <a:t>GeoServer</a:t>
-            </a:r>
-            <a:endParaRPr kumimoji="1" lang="en-US" altLang="zh-CN" dirty="0" smtClean="0"/>
-          </a:p>
-          <a:p>
-            <a:r>
-              <a:rPr kumimoji="1" lang="en-US" altLang="zh-CN" dirty="0" smtClean="0"/>
-              <a:t>QGIS</a:t>
-            </a:r>
-          </a:p>
-          <a:p>
-            <a:r>
-              <a:rPr kumimoji="1" lang="en-US" altLang="zh-CN" dirty="0" smtClean="0"/>
-              <a:t>Leaflet</a:t>
-            </a:r>
-          </a:p>
-          <a:p>
-            <a:r>
-              <a:rPr kumimoji="1" lang="en-US" altLang="zh-CN" smtClean="0"/>
-              <a:t>Openlayers</a:t>
-            </a:r>
-          </a:p>
-          <a:p>
-            <a:r>
-              <a:rPr kumimoji="1" lang="en-US" altLang="zh-CN" smtClean="0"/>
-              <a:t>Turf.js</a:t>
-            </a:r>
-            <a:endParaRPr kumimoji="1" lang="en-US" altLang="zh-CN" dirty="0" smtClean="0"/>
-          </a:p>
-          <a:p>
-            <a:endParaRPr kumimoji="1" lang="zh-CN" altLang="en-US" dirty="0"/>
+              <a:rPr lang="en-US" altLang="zh-CN" smtClean="0"/>
+              <a:t>UTM </a:t>
+            </a:r>
+            <a:r>
+              <a:rPr lang="zh-CN" altLang="en-US" smtClean="0"/>
+              <a:t>通用横轴墨卡托投影</a:t>
+            </a:r>
+            <a:endParaRPr lang="zh-CN" altLang="en-US"/>
+          </a:p>
+        </p:txBody>
+      </p:sp>
+      <p:sp>
+        <p:nvSpPr>
+          <p:cNvPr id="8" name="文本框 7"/>
+          <p:cNvSpPr txBox="1"/>
+          <p:nvPr/>
+        </p:nvSpPr>
+        <p:spPr>
+          <a:xfrm>
+            <a:off x="1584849" y="5842094"/>
+            <a:ext cx="3965375" cy="369332"/>
+          </a:xfrm>
+          <a:prstGeom prst="rect">
+            <a:avLst/>
+          </a:prstGeom>
+          <a:noFill/>
+        </p:spPr>
+        <p:txBody>
+          <a:bodyPr wrap="square" rtlCol="0">
+            <a:spAutoFit/>
+          </a:bodyPr>
+          <a:lstStyle/>
+          <a:p>
+            <a:r>
+              <a:rPr lang="en-US" altLang="zh-CN"/>
+              <a:t>lanbert</a:t>
+            </a:r>
+            <a:r>
+              <a:rPr lang="zh-CN" altLang="en-US" smtClean="0"/>
+              <a:t>投影  </a:t>
+            </a:r>
+            <a:r>
+              <a:rPr lang="en-US" altLang="zh-CN" smtClean="0"/>
+              <a:t>Alberts</a:t>
+            </a:r>
+            <a:r>
+              <a:rPr lang="zh-CN" altLang="en-US" smtClean="0"/>
+              <a:t>投影</a:t>
+            </a:r>
+            <a:endParaRPr lang="zh-CN" altLang="en-US"/>
+          </a:p>
+        </p:txBody>
+      </p:sp>
+      <p:sp>
+        <p:nvSpPr>
+          <p:cNvPr id="4" name="文本框 3"/>
+          <p:cNvSpPr txBox="1"/>
+          <p:nvPr/>
+        </p:nvSpPr>
+        <p:spPr>
+          <a:xfrm>
+            <a:off x="9737823" y="3364829"/>
+            <a:ext cx="461665" cy="2624583"/>
+          </a:xfrm>
+          <a:prstGeom prst="rect">
+            <a:avLst/>
+          </a:prstGeom>
+          <a:noFill/>
+        </p:spPr>
+        <p:txBody>
+          <a:bodyPr vert="eaVert" wrap="square" rtlCol="0">
+            <a:spAutoFit/>
+          </a:bodyPr>
+          <a:lstStyle/>
+          <a:p>
+            <a:r>
+              <a:rPr lang="en-US" altLang="zh-CN" smtClean="0"/>
+              <a:t>Web</a:t>
+            </a:r>
+            <a:r>
+              <a:rPr lang="zh-CN" altLang="en-US" smtClean="0"/>
+              <a:t>墨卡托投影</a:t>
+            </a:r>
+            <a:endParaRPr lang="zh-CN" altLang="en-US"/>
           </a:p>
         </p:txBody>
       </p:sp>
     </p:spTree>
     <p:extLst>
       <p:ext uri="{BB962C8B-B14F-4D97-AF65-F5344CB8AC3E}">
-        <p14:creationId xmlns:p14="http://schemas.microsoft.com/office/powerpoint/2010/main" val="1195979442"/>
+        <p14:creationId xmlns:p14="http://schemas.microsoft.com/office/powerpoint/2010/main" val="3566343445"/>
       </p:ext>
     </p:extLst>
   </p:cSld>
   <p:clrMapOvr>
     <a:masterClrMapping/>
   </p:clrMapOvr>
+  <p:timing>
+    <p:tnLst>
+      <p:par>
+        <p:cTn id="1" dur="indefinite" restart="never" nodeType="tmRoot"/>
+      </p:par>
+    </p:tnLst>
+  </p:timing>
 </p:sld>
 </file>
 

--- a/resource/WebGIS课程大纲.pptx
+++ b/resource/WebGIS课程大纲.pptx
@@ -289,7 +289,7 @@
           <a:p>
             <a:fld id="{C64D4C18-48F1-A246-955C-224CC65F3CC8}" type="datetimeFigureOut">
               <a:rPr kumimoji="1" lang="zh-CN" altLang="en-US" smtClean="0"/>
-              <a:t>2019/7/31</a:t>
+              <a:t>2019/8/8</a:t>
             </a:fld>
             <a:endParaRPr kumimoji="1" lang="zh-CN" altLang="en-US"/>
           </a:p>
@@ -873,77 +873,6 @@
           <a:bodyPr/>
           <a:lstStyle/>
           <a:p>
-            <a:r>
-              <a:rPr lang="en-US" altLang="zh-CN" smtClean="0"/>
-              <a:t>4.X </a:t>
-            </a:r>
-            <a:r>
-              <a:rPr lang="zh-CN" altLang="en-US" smtClean="0"/>
-              <a:t>版本主要提供对三维地图功能的支持同时包括大部分</a:t>
-            </a:r>
-            <a:r>
-              <a:rPr lang="en-US" altLang="zh-CN" smtClean="0"/>
-              <a:t>3.X</a:t>
-            </a:r>
-            <a:r>
-              <a:rPr lang="zh-CN" altLang="en-US" smtClean="0"/>
-              <a:t>版本的功能，</a:t>
-            </a:r>
-            <a:r>
-              <a:rPr lang="en-US" altLang="zh-CN" smtClean="0"/>
-              <a:t>3.X</a:t>
-            </a:r>
-            <a:r>
-              <a:rPr lang="zh-CN" altLang="en-US" smtClean="0"/>
-              <a:t>版本不具备</a:t>
-            </a:r>
-            <a:r>
-              <a:rPr lang="en-US" altLang="zh-CN" smtClean="0"/>
-              <a:t>3D</a:t>
-            </a:r>
-            <a:r>
-              <a:rPr lang="zh-CN" altLang="en-US" smtClean="0"/>
-              <a:t>，随着</a:t>
-            </a:r>
-            <a:r>
-              <a:rPr lang="en-US" altLang="zh-CN" smtClean="0"/>
-              <a:t>4.X</a:t>
-            </a:r>
-            <a:r>
-              <a:rPr lang="zh-CN" altLang="en-US" smtClean="0"/>
-              <a:t>版本的迭代，将逐步包含所有</a:t>
-            </a:r>
-            <a:r>
-              <a:rPr lang="en-US" altLang="zh-CN" smtClean="0"/>
-              <a:t>3.X</a:t>
-            </a:r>
-            <a:r>
-              <a:rPr lang="zh-CN" altLang="en-US" smtClean="0"/>
-              <a:t>版本的功能；</a:t>
-            </a:r>
-            <a:endParaRPr lang="en-US" altLang="zh-CN" smtClean="0"/>
-          </a:p>
-          <a:p>
-            <a:r>
-              <a:rPr lang="zh-CN" altLang="en-US" smtClean="0"/>
-              <a:t>所以需要根据具体的项目要求来选择库版本，如果不需要</a:t>
-            </a:r>
-            <a:r>
-              <a:rPr lang="en-US" altLang="zh-CN" smtClean="0"/>
-              <a:t>3D</a:t>
-            </a:r>
-            <a:r>
-              <a:rPr lang="zh-CN" altLang="en-US" smtClean="0"/>
-              <a:t>功能，那么</a:t>
-            </a:r>
-            <a:r>
-              <a:rPr lang="en-US" altLang="zh-CN" smtClean="0"/>
-              <a:t>3.x</a:t>
-            </a:r>
-            <a:r>
-              <a:rPr lang="zh-CN" altLang="en-US" smtClean="0"/>
-              <a:t>版本就比较适合；</a:t>
-            </a:r>
             <a:endParaRPr lang="zh-CN" altLang="en-US"/>
           </a:p>
         </p:txBody>
@@ -965,7 +894,7 @@
           <a:p>
             <a:fld id="{36E39361-D459-A247-8F6D-058C8D4D23B9}" type="slidenum">
               <a:rPr kumimoji="1" lang="zh-CN" altLang="en-US" smtClean="0"/>
-              <a:t>25</a:t>
+              <a:t>22</a:t>
             </a:fld>
             <a:endParaRPr kumimoji="1" lang="zh-CN" altLang="en-US"/>
           </a:p>
@@ -974,7 +903,7 @@
     </p:spTree>
     <p:extLst>
       <p:ext uri="{BB962C8B-B14F-4D97-AF65-F5344CB8AC3E}">
-        <p14:creationId xmlns:p14="http://schemas.microsoft.com/office/powerpoint/2010/main" val="3755709294"/>
+        <p14:creationId xmlns:p14="http://schemas.microsoft.com/office/powerpoint/2010/main" val="2661936312"/>
       </p:ext>
     </p:extLst>
   </p:cSld>
@@ -1028,6 +957,77 @@
           <a:bodyPr/>
           <a:lstStyle/>
           <a:p>
+            <a:r>
+              <a:rPr lang="en-US" altLang="zh-CN" smtClean="0"/>
+              <a:t>4.X </a:t>
+            </a:r>
+            <a:r>
+              <a:rPr lang="zh-CN" altLang="en-US" smtClean="0"/>
+              <a:t>版本主要提供对三维地图功能的支持同时包括大部分</a:t>
+            </a:r>
+            <a:r>
+              <a:rPr lang="en-US" altLang="zh-CN" smtClean="0"/>
+              <a:t>3.X</a:t>
+            </a:r>
+            <a:r>
+              <a:rPr lang="zh-CN" altLang="en-US" smtClean="0"/>
+              <a:t>版本的功能，</a:t>
+            </a:r>
+            <a:r>
+              <a:rPr lang="en-US" altLang="zh-CN" smtClean="0"/>
+              <a:t>3.X</a:t>
+            </a:r>
+            <a:r>
+              <a:rPr lang="zh-CN" altLang="en-US" smtClean="0"/>
+              <a:t>版本不具备</a:t>
+            </a:r>
+            <a:r>
+              <a:rPr lang="en-US" altLang="zh-CN" smtClean="0"/>
+              <a:t>3D</a:t>
+            </a:r>
+            <a:r>
+              <a:rPr lang="zh-CN" altLang="en-US" smtClean="0"/>
+              <a:t>，随着</a:t>
+            </a:r>
+            <a:r>
+              <a:rPr lang="en-US" altLang="zh-CN" smtClean="0"/>
+              <a:t>4.X</a:t>
+            </a:r>
+            <a:r>
+              <a:rPr lang="zh-CN" altLang="en-US" smtClean="0"/>
+              <a:t>版本的迭代，将逐步包含所有</a:t>
+            </a:r>
+            <a:r>
+              <a:rPr lang="en-US" altLang="zh-CN" smtClean="0"/>
+              <a:t>3.X</a:t>
+            </a:r>
+            <a:r>
+              <a:rPr lang="zh-CN" altLang="en-US" smtClean="0"/>
+              <a:t>版本的功能；</a:t>
+            </a:r>
+            <a:endParaRPr lang="en-US" altLang="zh-CN" smtClean="0"/>
+          </a:p>
+          <a:p>
+            <a:r>
+              <a:rPr lang="zh-CN" altLang="en-US" smtClean="0"/>
+              <a:t>所以需要根据具体的项目要求来选择库版本，如果不需要</a:t>
+            </a:r>
+            <a:r>
+              <a:rPr lang="en-US" altLang="zh-CN" smtClean="0"/>
+              <a:t>3D</a:t>
+            </a:r>
+            <a:r>
+              <a:rPr lang="zh-CN" altLang="en-US" smtClean="0"/>
+              <a:t>功能，那么</a:t>
+            </a:r>
+            <a:r>
+              <a:rPr lang="en-US" altLang="zh-CN" smtClean="0"/>
+              <a:t>3.x</a:t>
+            </a:r>
+            <a:r>
+              <a:rPr lang="zh-CN" altLang="en-US" smtClean="0"/>
+              <a:t>版本就比较适合；</a:t>
+            </a:r>
             <a:endParaRPr lang="zh-CN" altLang="en-US"/>
           </a:p>
         </p:txBody>
@@ -1049,7 +1049,7 @@
           <a:p>
             <a:fld id="{36E39361-D459-A247-8F6D-058C8D4D23B9}" type="slidenum">
               <a:rPr kumimoji="1" lang="zh-CN" altLang="en-US" smtClean="0"/>
-              <a:t>26</a:t>
+              <a:t>25</a:t>
             </a:fld>
             <a:endParaRPr kumimoji="1" lang="zh-CN" altLang="en-US"/>
           </a:p>
@@ -1058,7 +1058,7 @@
     </p:spTree>
     <p:extLst>
       <p:ext uri="{BB962C8B-B14F-4D97-AF65-F5344CB8AC3E}">
-        <p14:creationId xmlns:p14="http://schemas.microsoft.com/office/powerpoint/2010/main" val="1044801255"/>
+        <p14:creationId xmlns:p14="http://schemas.microsoft.com/office/powerpoint/2010/main" val="3755709294"/>
       </p:ext>
     </p:extLst>
   </p:cSld>
@@ -1133,6 +1133,90 @@
           <a:p>
             <a:fld id="{36E39361-D459-A247-8F6D-058C8D4D23B9}" type="slidenum">
               <a:rPr kumimoji="1" lang="zh-CN" altLang="en-US" smtClean="0"/>
+              <a:t>26</a:t>
+            </a:fld>
+            <a:endParaRPr kumimoji="1" lang="zh-CN" altLang="en-US"/>
+          </a:p>
+        </p:txBody>
+      </p:sp>
+    </p:spTree>
+    <p:extLst>
+      <p:ext uri="{BB962C8B-B14F-4D97-AF65-F5344CB8AC3E}">
+        <p14:creationId xmlns:p14="http://schemas.microsoft.com/office/powerpoint/2010/main" val="1044801255"/>
+      </p:ext>
+    </p:extLst>
+  </p:cSld>
+  <p:clrMapOvr>
+    <a:masterClrMapping/>
+  </p:clrMapOvr>
+</p:notes>
+</file>
+
+<file path=ppt/notesSlides/notesSlide7.xml><?xml version="1.0" encoding="utf-8"?>
+<p:notes xmlns:a="http://schemas.openxmlformats.org/drawingml/2006/main" xmlns:r="http://schemas.openxmlformats.org/officeDocument/2006/relationships" xmlns:p="http://schemas.openxmlformats.org/presentationml/2006/main">
+  <p:cSld>
+    <p:spTree>
+      <p:nvGrpSpPr>
+        <p:cNvPr id="1" name=""/>
+        <p:cNvGrpSpPr/>
+        <p:nvPr/>
+      </p:nvGrpSpPr>
+      <p:grpSpPr>
+        <a:xfrm>
+          <a:off x="0" y="0"/>
+          <a:ext cx="0" cy="0"/>
+          <a:chOff x="0" y="0"/>
+          <a:chExt cx="0" cy="0"/>
+        </a:xfrm>
+      </p:grpSpPr>
+      <p:sp>
+        <p:nvSpPr>
+          <p:cNvPr id="2" name="幻灯片图像占位符 1"/>
+          <p:cNvSpPr>
+            <a:spLocks noGrp="1" noRot="1" noChangeAspect="1"/>
+          </p:cNvSpPr>
+          <p:nvPr>
+            <p:ph type="sldImg"/>
+          </p:nvPr>
+        </p:nvSpPr>
+        <p:spPr/>
+      </p:sp>
+      <p:sp>
+        <p:nvSpPr>
+          <p:cNvPr id="3" name="备注占位符 2"/>
+          <p:cNvSpPr>
+            <a:spLocks noGrp="1"/>
+          </p:cNvSpPr>
+          <p:nvPr>
+            <p:ph type="body" idx="1"/>
+          </p:nvPr>
+        </p:nvSpPr>
+        <p:spPr/>
+        <p:txBody>
+          <a:bodyPr/>
+          <a:lstStyle/>
+          <a:p>
+            <a:endParaRPr lang="zh-CN" altLang="en-US"/>
+          </a:p>
+        </p:txBody>
+      </p:sp>
+      <p:sp>
+        <p:nvSpPr>
+          <p:cNvPr id="4" name="灯片编号占位符 3"/>
+          <p:cNvSpPr>
+            <a:spLocks noGrp="1"/>
+          </p:cNvSpPr>
+          <p:nvPr>
+            <p:ph type="sldNum" sz="quarter" idx="10"/>
+          </p:nvPr>
+        </p:nvSpPr>
+        <p:spPr/>
+        <p:txBody>
+          <a:bodyPr/>
+          <a:lstStyle/>
+          <a:p>
+            <a:fld id="{36E39361-D459-A247-8F6D-058C8D4D23B9}" type="slidenum">
+              <a:rPr kumimoji="1" lang="zh-CN" altLang="en-US" smtClean="0"/>
               <a:t>27</a:t>
             </a:fld>
             <a:endParaRPr kumimoji="1" lang="zh-CN" altLang="en-US"/>
@@ -1152,7 +1236,7 @@
 </p:notes>
 </file>
 
-<file path=ppt/notesSlides/notesSlide7.xml><?xml version="1.0" encoding="utf-8"?>
+<file path=ppt/notesSlides/notesSlide8.xml><?xml version="1.0" encoding="utf-8"?>
 <p:notes xmlns:a="http://schemas.openxmlformats.org/drawingml/2006/main" xmlns:r="http://schemas.openxmlformats.org/officeDocument/2006/relationships" xmlns:p="http://schemas.openxmlformats.org/presentationml/2006/main">
   <p:cSld>
     <p:spTree>
@@ -1286,7 +1370,7 @@
           <a:noFill/>
           <a:extLst>
             <a:ext uri="{909E8E84-426E-40dd-AFC4-6F175D3DCCD1}">
-              <a14:hiddenFill xmlns="" xmlns:a14="http://schemas.microsoft.com/office/drawing/2010/main">
+              <a14:hiddenFill xmlns:a14="http://schemas.microsoft.com/office/drawing/2010/main" xmlns="">
                 <a:solidFill>
                   <a:srgbClr val="FFFFFF"/>
                 </a:solidFill>
@@ -1346,7 +1430,7 @@
             </a:ln>
             <a:extLst>
               <a:ext uri="{91240B29-F687-4f45-9708-019B960494DF}">
-                <a14:hiddenLine xmlns="" xmlns:a14="http://schemas.microsoft.com/office/drawing/2010/main" w="9525">
+                <a14:hiddenLine xmlns:a14="http://schemas.microsoft.com/office/drawing/2010/main" xmlns="" w="9525">
                   <a:solidFill>
                     <a:srgbClr val="000000"/>
                   </a:solidFill>
@@ -1436,7 +1520,7 @@
             </a:ln>
             <a:extLst>
               <a:ext uri="{91240B29-F687-4f45-9708-019B960494DF}">
-                <a14:hiddenLine xmlns="" xmlns:a14="http://schemas.microsoft.com/office/drawing/2010/main" w="9525">
+                <a14:hiddenLine xmlns:a14="http://schemas.microsoft.com/office/drawing/2010/main" xmlns="" w="9525">
                   <a:solidFill>
                     <a:srgbClr val="000000"/>
                   </a:solidFill>
@@ -1526,7 +1610,7 @@
             </a:ln>
             <a:extLst>
               <a:ext uri="{91240B29-F687-4f45-9708-019B960494DF}">
-                <a14:hiddenLine xmlns="" xmlns:a14="http://schemas.microsoft.com/office/drawing/2010/main" w="9525">
+                <a14:hiddenLine xmlns:a14="http://schemas.microsoft.com/office/drawing/2010/main" xmlns="" w="9525">
                   <a:solidFill>
                     <a:srgbClr val="000000"/>
                   </a:solidFill>
@@ -1560,7 +1644,7 @@
             </a:ln>
             <a:extLst>
               <a:ext uri="{91240B29-F687-4f45-9708-019B960494DF}">
-                <a14:hiddenLine xmlns="" xmlns:a14="http://schemas.microsoft.com/office/drawing/2010/main" w="9525">
+                <a14:hiddenLine xmlns:a14="http://schemas.microsoft.com/office/drawing/2010/main" xmlns="" w="9525">
                   <a:solidFill>
                     <a:srgbClr val="000000"/>
                   </a:solidFill>
@@ -1650,7 +1734,7 @@
             </a:ln>
             <a:extLst>
               <a:ext uri="{91240B29-F687-4f45-9708-019B960494DF}">
-                <a14:hiddenLine xmlns="" xmlns:a14="http://schemas.microsoft.com/office/drawing/2010/main" w="9525">
+                <a14:hiddenLine xmlns:a14="http://schemas.microsoft.com/office/drawing/2010/main" xmlns="" w="9525">
                   <a:solidFill>
                     <a:srgbClr val="000000"/>
                   </a:solidFill>
@@ -1712,7 +1796,7 @@
             </a:ln>
             <a:extLst>
               <a:ext uri="{91240B29-F687-4f45-9708-019B960494DF}">
-                <a14:hiddenLine xmlns="" xmlns:a14="http://schemas.microsoft.com/office/drawing/2010/main" w="9525">
+                <a14:hiddenLine xmlns:a14="http://schemas.microsoft.com/office/drawing/2010/main" xmlns="" w="9525">
                   <a:solidFill>
                     <a:srgbClr val="000000"/>
                   </a:solidFill>
@@ -1774,7 +1858,7 @@
             </a:ln>
             <a:extLst>
               <a:ext uri="{91240B29-F687-4f45-9708-019B960494DF}">
-                <a14:hiddenLine xmlns="" xmlns:a14="http://schemas.microsoft.com/office/drawing/2010/main" w="9525">
+                <a14:hiddenLine xmlns:a14="http://schemas.microsoft.com/office/drawing/2010/main" xmlns="" w="9525">
                   <a:solidFill>
                     <a:srgbClr val="000000"/>
                   </a:solidFill>
@@ -1864,7 +1948,7 @@
             </a:ln>
             <a:extLst>
               <a:ext uri="{91240B29-F687-4f45-9708-019B960494DF}">
-                <a14:hiddenLine xmlns="" xmlns:a14="http://schemas.microsoft.com/office/drawing/2010/main" w="9525">
+                <a14:hiddenLine xmlns:a14="http://schemas.microsoft.com/office/drawing/2010/main" xmlns="" w="9525">
                   <a:solidFill>
                     <a:srgbClr val="000000"/>
                   </a:solidFill>
@@ -1926,7 +2010,7 @@
             </a:ln>
             <a:extLst>
               <a:ext uri="{91240B29-F687-4f45-9708-019B960494DF}">
-                <a14:hiddenLine xmlns="" xmlns:a14="http://schemas.microsoft.com/office/drawing/2010/main" w="9525">
+                <a14:hiddenLine xmlns:a14="http://schemas.microsoft.com/office/drawing/2010/main" xmlns="" w="9525">
                   <a:solidFill>
                     <a:srgbClr val="000000"/>
                   </a:solidFill>
@@ -1988,7 +2072,7 @@
             </a:ln>
             <a:extLst>
               <a:ext uri="{91240B29-F687-4f45-9708-019B960494DF}">
-                <a14:hiddenLine xmlns="" xmlns:a14="http://schemas.microsoft.com/office/drawing/2010/main" w="9525">
+                <a14:hiddenLine xmlns:a14="http://schemas.microsoft.com/office/drawing/2010/main" xmlns="" w="9525">
                   <a:solidFill>
                     <a:srgbClr val="000000"/>
                   </a:solidFill>
@@ -2078,7 +2162,7 @@
             </a:ln>
             <a:extLst>
               <a:ext uri="{91240B29-F687-4f45-9708-019B960494DF}">
-                <a14:hiddenLine xmlns="" xmlns:a14="http://schemas.microsoft.com/office/drawing/2010/main" w="9525">
+                <a14:hiddenLine xmlns:a14="http://schemas.microsoft.com/office/drawing/2010/main" xmlns="" w="9525">
                   <a:solidFill>
                     <a:srgbClr val="000000"/>
                   </a:solidFill>
@@ -2168,7 +2252,7 @@
             </a:ln>
             <a:extLst>
               <a:ext uri="{91240B29-F687-4f45-9708-019B960494DF}">
-                <a14:hiddenLine xmlns="" xmlns:a14="http://schemas.microsoft.com/office/drawing/2010/main" w="9525">
+                <a14:hiddenLine xmlns:a14="http://schemas.microsoft.com/office/drawing/2010/main" xmlns="" w="9525">
                   <a:solidFill>
                     <a:srgbClr val="000000"/>
                   </a:solidFill>
@@ -2230,7 +2314,7 @@
             </a:ln>
             <a:extLst>
               <a:ext uri="{91240B29-F687-4f45-9708-019B960494DF}">
-                <a14:hiddenLine xmlns="" xmlns:a14="http://schemas.microsoft.com/office/drawing/2010/main" w="9525">
+                <a14:hiddenLine xmlns:a14="http://schemas.microsoft.com/office/drawing/2010/main" xmlns="" w="9525">
                   <a:solidFill>
                     <a:srgbClr val="000000"/>
                   </a:solidFill>
@@ -2340,7 +2424,7 @@
             </a:ln>
             <a:extLst>
               <a:ext uri="{91240B29-F687-4f45-9708-019B960494DF}">
-                <a14:hiddenLine xmlns="" xmlns:a14="http://schemas.microsoft.com/office/drawing/2010/main" w="9525">
+                <a14:hiddenLine xmlns:a14="http://schemas.microsoft.com/office/drawing/2010/main" xmlns="" w="9525">
                   <a:solidFill>
                     <a:srgbClr val="000000"/>
                   </a:solidFill>
@@ -2402,7 +2486,7 @@
             </a:ln>
             <a:extLst>
               <a:ext uri="{91240B29-F687-4f45-9708-019B960494DF}">
-                <a14:hiddenLine xmlns="" xmlns:a14="http://schemas.microsoft.com/office/drawing/2010/main" w="9525">
+                <a14:hiddenLine xmlns:a14="http://schemas.microsoft.com/office/drawing/2010/main" xmlns="" w="9525">
                   <a:solidFill>
                     <a:srgbClr val="000000"/>
                   </a:solidFill>
@@ -2492,7 +2576,7 @@
             </a:ln>
             <a:extLst>
               <a:ext uri="{91240B29-F687-4f45-9708-019B960494DF}">
-                <a14:hiddenLine xmlns="" xmlns:a14="http://schemas.microsoft.com/office/drawing/2010/main" w="9525">
+                <a14:hiddenLine xmlns:a14="http://schemas.microsoft.com/office/drawing/2010/main" xmlns="" w="9525">
                   <a:solidFill>
                     <a:srgbClr val="000000"/>
                   </a:solidFill>
@@ -2582,7 +2666,7 @@
             </a:ln>
             <a:extLst>
               <a:ext uri="{91240B29-F687-4f45-9708-019B960494DF}">
-                <a14:hiddenLine xmlns="" xmlns:a14="http://schemas.microsoft.com/office/drawing/2010/main" w="9525">
+                <a14:hiddenLine xmlns:a14="http://schemas.microsoft.com/office/drawing/2010/main" xmlns="" w="9525">
                   <a:solidFill>
                     <a:srgbClr val="000000"/>
                   </a:solidFill>
@@ -2644,7 +2728,7 @@
             </a:ln>
             <a:extLst>
               <a:ext uri="{91240B29-F687-4f45-9708-019B960494DF}">
-                <a14:hiddenLine xmlns="" xmlns:a14="http://schemas.microsoft.com/office/drawing/2010/main" w="9525">
+                <a14:hiddenLine xmlns:a14="http://schemas.microsoft.com/office/drawing/2010/main" xmlns="" w="9525">
                   <a:solidFill>
                     <a:srgbClr val="000000"/>
                   </a:solidFill>
@@ -2734,7 +2818,7 @@
             </a:ln>
             <a:extLst>
               <a:ext uri="{91240B29-F687-4f45-9708-019B960494DF}">
-                <a14:hiddenLine xmlns="" xmlns:a14="http://schemas.microsoft.com/office/drawing/2010/main" w="9525">
+                <a14:hiddenLine xmlns:a14="http://schemas.microsoft.com/office/drawing/2010/main" xmlns="" w="9525">
                   <a:solidFill>
                     <a:srgbClr val="000000"/>
                   </a:solidFill>
@@ -2824,7 +2908,7 @@
             </a:ln>
             <a:extLst>
               <a:ext uri="{91240B29-F687-4f45-9708-019B960494DF}">
-                <a14:hiddenLine xmlns="" xmlns:a14="http://schemas.microsoft.com/office/drawing/2010/main" w="9525">
+                <a14:hiddenLine xmlns:a14="http://schemas.microsoft.com/office/drawing/2010/main" xmlns="" w="9525">
                   <a:solidFill>
                     <a:srgbClr val="000000"/>
                   </a:solidFill>
@@ -2880,7 +2964,7 @@
             </a:ln>
             <a:extLst>
               <a:ext uri="{91240B29-F687-4f45-9708-019B960494DF}">
-                <a14:hiddenLine xmlns="" xmlns:a14="http://schemas.microsoft.com/office/drawing/2010/main" w="9525">
+                <a14:hiddenLine xmlns:a14="http://schemas.microsoft.com/office/drawing/2010/main" xmlns="" w="9525">
                   <a:solidFill>
                     <a:srgbClr val="000000"/>
                   </a:solidFill>
@@ -2970,7 +3054,7 @@
             </a:ln>
             <a:extLst>
               <a:ext uri="{91240B29-F687-4f45-9708-019B960494DF}">
-                <a14:hiddenLine xmlns="" xmlns:a14="http://schemas.microsoft.com/office/drawing/2010/main" w="9525">
+                <a14:hiddenLine xmlns:a14="http://schemas.microsoft.com/office/drawing/2010/main" xmlns="" w="9525">
                   <a:solidFill>
                     <a:srgbClr val="000000"/>
                   </a:solidFill>
@@ -3026,7 +3110,7 @@
             </a:ln>
             <a:extLst>
               <a:ext uri="{91240B29-F687-4f45-9708-019B960494DF}">
-                <a14:hiddenLine xmlns="" xmlns:a14="http://schemas.microsoft.com/office/drawing/2010/main" w="9525">
+                <a14:hiddenLine xmlns:a14="http://schemas.microsoft.com/office/drawing/2010/main" xmlns="" w="9525">
                   <a:solidFill>
                     <a:srgbClr val="000000"/>
                   </a:solidFill>
@@ -3116,7 +3200,7 @@
             </a:ln>
             <a:extLst>
               <a:ext uri="{91240B29-F687-4f45-9708-019B960494DF}">
-                <a14:hiddenLine xmlns="" xmlns:a14="http://schemas.microsoft.com/office/drawing/2010/main" w="9525">
+                <a14:hiddenLine xmlns:a14="http://schemas.microsoft.com/office/drawing/2010/main" xmlns="" w="9525">
                   <a:solidFill>
                     <a:srgbClr val="000000"/>
                   </a:solidFill>
@@ -3184,7 +3268,7 @@
             </a:ln>
             <a:extLst>
               <a:ext uri="{91240B29-F687-4f45-9708-019B960494DF}">
-                <a14:hiddenLine xmlns="" xmlns:a14="http://schemas.microsoft.com/office/drawing/2010/main" w="9525">
+                <a14:hiddenLine xmlns:a14="http://schemas.microsoft.com/office/drawing/2010/main" xmlns="" w="9525">
                   <a:solidFill>
                     <a:srgbClr val="000000"/>
                   </a:solidFill>
@@ -3274,7 +3358,7 @@
             </a:ln>
             <a:extLst>
               <a:ext uri="{91240B29-F687-4f45-9708-019B960494DF}">
-                <a14:hiddenLine xmlns="" xmlns:a14="http://schemas.microsoft.com/office/drawing/2010/main" w="9525">
+                <a14:hiddenLine xmlns:a14="http://schemas.microsoft.com/office/drawing/2010/main" xmlns="" w="9525">
                   <a:solidFill>
                     <a:srgbClr val="000000"/>
                   </a:solidFill>
@@ -3342,7 +3426,7 @@
             </a:ln>
             <a:extLst>
               <a:ext uri="{91240B29-F687-4f45-9708-019B960494DF}">
-                <a14:hiddenLine xmlns="" xmlns:a14="http://schemas.microsoft.com/office/drawing/2010/main" w="9525">
+                <a14:hiddenLine xmlns:a14="http://schemas.microsoft.com/office/drawing/2010/main" xmlns="" w="9525">
                   <a:solidFill>
                     <a:srgbClr val="000000"/>
                   </a:solidFill>
@@ -3432,7 +3516,7 @@
             </a:ln>
             <a:extLst>
               <a:ext uri="{91240B29-F687-4f45-9708-019B960494DF}">
-                <a14:hiddenLine xmlns="" xmlns:a14="http://schemas.microsoft.com/office/drawing/2010/main" w="9525">
+                <a14:hiddenLine xmlns:a14="http://schemas.microsoft.com/office/drawing/2010/main" xmlns="" w="9525">
                   <a:solidFill>
                     <a:srgbClr val="000000"/>
                   </a:solidFill>
@@ -3466,7 +3550,7 @@
             </a:ln>
             <a:extLst>
               <a:ext uri="{91240B29-F687-4f45-9708-019B960494DF}">
-                <a14:hiddenLine xmlns="" xmlns:a14="http://schemas.microsoft.com/office/drawing/2010/main" w="9525">
+                <a14:hiddenLine xmlns:a14="http://schemas.microsoft.com/office/drawing/2010/main" xmlns="" w="9525">
                   <a:solidFill>
                     <a:srgbClr val="000000"/>
                   </a:solidFill>
@@ -3556,7 +3640,7 @@
             </a:ln>
             <a:extLst>
               <a:ext uri="{91240B29-F687-4f45-9708-019B960494DF}">
-                <a14:hiddenLine xmlns="" xmlns:a14="http://schemas.microsoft.com/office/drawing/2010/main" w="9525">
+                <a14:hiddenLine xmlns:a14="http://schemas.microsoft.com/office/drawing/2010/main" xmlns="" w="9525">
                   <a:solidFill>
                     <a:srgbClr val="000000"/>
                   </a:solidFill>
@@ -3618,7 +3702,7 @@
             </a:ln>
             <a:extLst>
               <a:ext uri="{91240B29-F687-4f45-9708-019B960494DF}">
-                <a14:hiddenLine xmlns="" xmlns:a14="http://schemas.microsoft.com/office/drawing/2010/main" w="9525">
+                <a14:hiddenLine xmlns:a14="http://schemas.microsoft.com/office/drawing/2010/main" xmlns="" w="9525">
                   <a:solidFill>
                     <a:srgbClr val="000000"/>
                   </a:solidFill>
@@ -3680,7 +3764,7 @@
             </a:ln>
             <a:extLst>
               <a:ext uri="{91240B29-F687-4f45-9708-019B960494DF}">
-                <a14:hiddenLine xmlns="" xmlns:a14="http://schemas.microsoft.com/office/drawing/2010/main" w="9525">
+                <a14:hiddenLine xmlns:a14="http://schemas.microsoft.com/office/drawing/2010/main" xmlns="" w="9525">
                   <a:solidFill>
                     <a:srgbClr val="000000"/>
                   </a:solidFill>
@@ -3770,7 +3854,7 @@
             </a:ln>
             <a:extLst>
               <a:ext uri="{91240B29-F687-4f45-9708-019B960494DF}">
-                <a14:hiddenLine xmlns="" xmlns:a14="http://schemas.microsoft.com/office/drawing/2010/main" w="9525">
+                <a14:hiddenLine xmlns:a14="http://schemas.microsoft.com/office/drawing/2010/main" xmlns="" w="9525">
                   <a:solidFill>
                     <a:srgbClr val="000000"/>
                   </a:solidFill>
@@ -3838,7 +3922,7 @@
             </a:ln>
             <a:extLst>
               <a:ext uri="{91240B29-F687-4f45-9708-019B960494DF}">
-                <a14:hiddenLine xmlns="" xmlns:a14="http://schemas.microsoft.com/office/drawing/2010/main" w="9525">
+                <a14:hiddenLine xmlns:a14="http://schemas.microsoft.com/office/drawing/2010/main" xmlns="" w="9525">
                   <a:solidFill>
                     <a:srgbClr val="000000"/>
                   </a:solidFill>
@@ -3900,7 +3984,7 @@
             </a:ln>
             <a:extLst>
               <a:ext uri="{91240B29-F687-4f45-9708-019B960494DF}">
-                <a14:hiddenLine xmlns="" xmlns:a14="http://schemas.microsoft.com/office/drawing/2010/main" w="9525">
+                <a14:hiddenLine xmlns:a14="http://schemas.microsoft.com/office/drawing/2010/main" xmlns="" w="9525">
                   <a:solidFill>
                     <a:srgbClr val="000000"/>
                   </a:solidFill>
@@ -3990,7 +4074,7 @@
             </a:ln>
             <a:extLst>
               <a:ext uri="{91240B29-F687-4f45-9708-019B960494DF}">
-                <a14:hiddenLine xmlns="" xmlns:a14="http://schemas.microsoft.com/office/drawing/2010/main" w="9525">
+                <a14:hiddenLine xmlns:a14="http://schemas.microsoft.com/office/drawing/2010/main" xmlns="" w="9525">
                   <a:solidFill>
                     <a:srgbClr val="000000"/>
                   </a:solidFill>
@@ -4052,7 +4136,7 @@
             </a:ln>
             <a:extLst>
               <a:ext uri="{91240B29-F687-4f45-9708-019B960494DF}">
-                <a14:hiddenLine xmlns="" xmlns:a14="http://schemas.microsoft.com/office/drawing/2010/main" w="9525">
+                <a14:hiddenLine xmlns:a14="http://schemas.microsoft.com/office/drawing/2010/main" xmlns="" w="9525">
                   <a:solidFill>
                     <a:srgbClr val="000000"/>
                   </a:solidFill>
@@ -4142,7 +4226,7 @@
             </a:ln>
             <a:extLst>
               <a:ext uri="{91240B29-F687-4f45-9708-019B960494DF}">
-                <a14:hiddenLine xmlns="" xmlns:a14="http://schemas.microsoft.com/office/drawing/2010/main" w="9525">
+                <a14:hiddenLine xmlns:a14="http://schemas.microsoft.com/office/drawing/2010/main" xmlns="" w="9525">
                   <a:solidFill>
                     <a:srgbClr val="000000"/>
                   </a:solidFill>
@@ -4204,7 +4288,7 @@
             </a:ln>
             <a:extLst>
               <a:ext uri="{91240B29-F687-4f45-9708-019B960494DF}">
-                <a14:hiddenLine xmlns="" xmlns:a14="http://schemas.microsoft.com/office/drawing/2010/main" w="9525">
+                <a14:hiddenLine xmlns:a14="http://schemas.microsoft.com/office/drawing/2010/main" xmlns="" w="9525">
                   <a:solidFill>
                     <a:srgbClr val="000000"/>
                   </a:solidFill>
@@ -4294,7 +4378,7 @@
             </a:ln>
             <a:extLst>
               <a:ext uri="{91240B29-F687-4f45-9708-019B960494DF}">
-                <a14:hiddenLine xmlns="" xmlns:a14="http://schemas.microsoft.com/office/drawing/2010/main" w="9525">
+                <a14:hiddenLine xmlns:a14="http://schemas.microsoft.com/office/drawing/2010/main" xmlns="" w="9525">
                   <a:solidFill>
                     <a:srgbClr val="000000"/>
                   </a:solidFill>
@@ -4328,7 +4412,7 @@
             </a:ln>
             <a:extLst>
               <a:ext uri="{91240B29-F687-4f45-9708-019B960494DF}">
-                <a14:hiddenLine xmlns="" xmlns:a14="http://schemas.microsoft.com/office/drawing/2010/main" w="9525">
+                <a14:hiddenLine xmlns:a14="http://schemas.microsoft.com/office/drawing/2010/main" xmlns="" w="9525">
                   <a:solidFill>
                     <a:srgbClr val="000000"/>
                   </a:solidFill>
@@ -4393,7 +4477,7 @@
             </a:ln>
             <a:extLst>
               <a:ext uri="{91240B29-F687-4f45-9708-019B960494DF}">
-                <a14:hiddenLine xmlns="" xmlns:a14="http://schemas.microsoft.com/office/drawing/2010/main" w="9525">
+                <a14:hiddenLine xmlns:a14="http://schemas.microsoft.com/office/drawing/2010/main" xmlns="" w="9525">
                   <a:solidFill>
                     <a:srgbClr val="000000"/>
                   </a:solidFill>
@@ -4483,7 +4567,7 @@
             </a:ln>
             <a:extLst>
               <a:ext uri="{91240B29-F687-4f45-9708-019B960494DF}">
-                <a14:hiddenLine xmlns="" xmlns:a14="http://schemas.microsoft.com/office/drawing/2010/main" w="9525">
+                <a14:hiddenLine xmlns:a14="http://schemas.microsoft.com/office/drawing/2010/main" xmlns="" w="9525">
                   <a:solidFill>
                     <a:srgbClr val="000000"/>
                   </a:solidFill>
@@ -4545,7 +4629,7 @@
             </a:ln>
             <a:extLst>
               <a:ext uri="{91240B29-F687-4f45-9708-019B960494DF}">
-                <a14:hiddenLine xmlns="" xmlns:a14="http://schemas.microsoft.com/office/drawing/2010/main" w="9525">
+                <a14:hiddenLine xmlns:a14="http://schemas.microsoft.com/office/drawing/2010/main" xmlns="" w="9525">
                   <a:solidFill>
                     <a:srgbClr val="000000"/>
                   </a:solidFill>
@@ -4635,7 +4719,7 @@
             </a:ln>
             <a:extLst>
               <a:ext uri="{91240B29-F687-4f45-9708-019B960494DF}">
-                <a14:hiddenLine xmlns="" xmlns:a14="http://schemas.microsoft.com/office/drawing/2010/main" w="9525">
+                <a14:hiddenLine xmlns:a14="http://schemas.microsoft.com/office/drawing/2010/main" xmlns="" w="9525">
                   <a:solidFill>
                     <a:srgbClr val="000000"/>
                   </a:solidFill>
@@ -4725,7 +4809,7 @@
             </a:ln>
             <a:extLst>
               <a:ext uri="{91240B29-F687-4f45-9708-019B960494DF}">
-                <a14:hiddenLine xmlns="" xmlns:a14="http://schemas.microsoft.com/office/drawing/2010/main" w="9525">
+                <a14:hiddenLine xmlns:a14="http://schemas.microsoft.com/office/drawing/2010/main" xmlns="" w="9525">
                   <a:solidFill>
                     <a:srgbClr val="000000"/>
                   </a:solidFill>
@@ -4790,7 +4874,7 @@
             </a:ln>
             <a:extLst>
               <a:ext uri="{91240B29-F687-4f45-9708-019B960494DF}">
-                <a14:hiddenLine xmlns="" xmlns:a14="http://schemas.microsoft.com/office/drawing/2010/main" w="9525">
+                <a14:hiddenLine xmlns:a14="http://schemas.microsoft.com/office/drawing/2010/main" xmlns="" w="9525">
                   <a:solidFill>
                     <a:srgbClr val="000000"/>
                   </a:solidFill>
@@ -4852,7 +4936,7 @@
             </a:ln>
             <a:extLst>
               <a:ext uri="{91240B29-F687-4f45-9708-019B960494DF}">
-                <a14:hiddenLine xmlns="" xmlns:a14="http://schemas.microsoft.com/office/drawing/2010/main" w="9525">
+                <a14:hiddenLine xmlns:a14="http://schemas.microsoft.com/office/drawing/2010/main" xmlns="" w="9525">
                   <a:solidFill>
                     <a:srgbClr val="000000"/>
                   </a:solidFill>
@@ -4942,7 +5026,7 @@
             </a:ln>
             <a:extLst>
               <a:ext uri="{91240B29-F687-4f45-9708-019B960494DF}">
-                <a14:hiddenLine xmlns="" xmlns:a14="http://schemas.microsoft.com/office/drawing/2010/main" w="9525">
+                <a14:hiddenLine xmlns:a14="http://schemas.microsoft.com/office/drawing/2010/main" xmlns="" w="9525">
                   <a:solidFill>
                     <a:srgbClr val="000000"/>
                   </a:solidFill>
@@ -5032,7 +5116,7 @@
             </a:ln>
             <a:extLst>
               <a:ext uri="{91240B29-F687-4f45-9708-019B960494DF}">
-                <a14:hiddenLine xmlns="" xmlns:a14="http://schemas.microsoft.com/office/drawing/2010/main" w="9525">
+                <a14:hiddenLine xmlns:a14="http://schemas.microsoft.com/office/drawing/2010/main" xmlns="" w="9525">
                   <a:solidFill>
                     <a:srgbClr val="000000"/>
                   </a:solidFill>
@@ -5094,7 +5178,7 @@
             </a:ln>
             <a:extLst>
               <a:ext uri="{91240B29-F687-4f45-9708-019B960494DF}">
-                <a14:hiddenLine xmlns="" xmlns:a14="http://schemas.microsoft.com/office/drawing/2010/main" w="9525">
+                <a14:hiddenLine xmlns:a14="http://schemas.microsoft.com/office/drawing/2010/main" xmlns="" w="9525">
                   <a:solidFill>
                     <a:srgbClr val="000000"/>
                   </a:solidFill>
@@ -5214,7 +5298,7 @@
             </a:ln>
             <a:extLst>
               <a:ext uri="{91240B29-F687-4f45-9708-019B960494DF}">
-                <a14:hiddenLine xmlns="" xmlns:a14="http://schemas.microsoft.com/office/drawing/2010/main" w="9525">
+                <a14:hiddenLine xmlns:a14="http://schemas.microsoft.com/office/drawing/2010/main" xmlns="" w="9525">
                   <a:solidFill>
                     <a:srgbClr val="000000"/>
                   </a:solidFill>
@@ -5282,7 +5366,7 @@
             </a:ln>
             <a:extLst>
               <a:ext uri="{91240B29-F687-4f45-9708-019B960494DF}">
-                <a14:hiddenLine xmlns="" xmlns:a14="http://schemas.microsoft.com/office/drawing/2010/main" w="9525">
+                <a14:hiddenLine xmlns:a14="http://schemas.microsoft.com/office/drawing/2010/main" xmlns="" w="9525">
                   <a:solidFill>
                     <a:srgbClr val="000000"/>
                   </a:solidFill>
@@ -5372,7 +5456,7 @@
             </a:ln>
             <a:extLst>
               <a:ext uri="{91240B29-F687-4f45-9708-019B960494DF}">
-                <a14:hiddenLine xmlns="" xmlns:a14="http://schemas.microsoft.com/office/drawing/2010/main" w="9525">
+                <a14:hiddenLine xmlns:a14="http://schemas.microsoft.com/office/drawing/2010/main" xmlns="" w="9525">
                   <a:solidFill>
                     <a:srgbClr val="000000"/>
                   </a:solidFill>
@@ -5512,7 +5596,7 @@
           <a:p>
             <a:fld id="{48A87A34-81AB-432B-8DAE-1953F412C126}" type="datetimeFigureOut">
               <a:rPr lang="en-US" dirty="0"/>
-              <a:t>7/31/2019</a:t>
+              <a:t>8/8/2019</a:t>
             </a:fld>
             <a:endParaRPr lang="en-US" dirty="0"/>
           </a:p>
@@ -5774,7 +5858,7 @@
           <a:p>
             <a:fld id="{48A87A34-81AB-432B-8DAE-1953F412C126}" type="datetimeFigureOut">
               <a:rPr lang="en-US" dirty="0"/>
-              <a:t>7/31/2019</a:t>
+              <a:t>8/8/2019</a:t>
             </a:fld>
             <a:endParaRPr lang="en-US" dirty="0"/>
           </a:p>
@@ -5965,7 +6049,7 @@
           <a:p>
             <a:fld id="{48A87A34-81AB-432B-8DAE-1953F412C126}" type="datetimeFigureOut">
               <a:rPr lang="en-US" dirty="0"/>
-              <a:t>7/31/2019</a:t>
+              <a:t>8/8/2019</a:t>
             </a:fld>
             <a:endParaRPr lang="en-US" dirty="0"/>
           </a:p>
@@ -6223,7 +6307,7 @@
           <a:p>
             <a:fld id="{48A87A34-81AB-432B-8DAE-1953F412C126}" type="datetimeFigureOut">
               <a:rPr lang="en-US" dirty="0"/>
-              <a:t>7/31/2019</a:t>
+              <a:t>8/8/2019</a:t>
             </a:fld>
             <a:endParaRPr lang="en-US" dirty="0"/>
           </a:p>
@@ -6652,7 +6736,7 @@
           <a:p>
             <a:fld id="{48A87A34-81AB-432B-8DAE-1953F412C126}" type="datetimeFigureOut">
               <a:rPr lang="en-US" dirty="0"/>
-              <a:t>7/31/2019</a:t>
+              <a:t>8/8/2019</a:t>
             </a:fld>
             <a:endParaRPr lang="en-US" dirty="0"/>
           </a:p>
@@ -7193,7 +7277,7 @@
           <a:p>
             <a:fld id="{48A87A34-81AB-432B-8DAE-1953F412C126}" type="datetimeFigureOut">
               <a:rPr lang="en-US" dirty="0"/>
-              <a:t>7/31/2019</a:t>
+              <a:t>8/8/2019</a:t>
             </a:fld>
             <a:endParaRPr lang="en-US" dirty="0"/>
           </a:p>
@@ -7908,7 +7992,7 @@
           <a:p>
             <a:fld id="{48A87A34-81AB-432B-8DAE-1953F412C126}" type="datetimeFigureOut">
               <a:rPr lang="en-US" dirty="0"/>
-              <a:t>7/31/2019</a:t>
+              <a:t>8/8/2019</a:t>
             </a:fld>
             <a:endParaRPr lang="en-US" dirty="0"/>
           </a:p>
@@ -8073,7 +8157,7 @@
           <a:p>
             <a:fld id="{48A87A34-81AB-432B-8DAE-1953F412C126}" type="datetimeFigureOut">
               <a:rPr lang="en-US" dirty="0"/>
-              <a:t>7/31/2019</a:t>
+              <a:t>8/8/2019</a:t>
             </a:fld>
             <a:endParaRPr lang="en-US" dirty="0"/>
           </a:p>
@@ -8248,7 +8332,7 @@
           <a:p>
             <a:fld id="{48A87A34-81AB-432B-8DAE-1953F412C126}" type="datetimeFigureOut">
               <a:rPr lang="en-US" dirty="0"/>
-              <a:t>7/31/2019</a:t>
+              <a:t>8/8/2019</a:t>
             </a:fld>
             <a:endParaRPr lang="en-US" dirty="0"/>
           </a:p>
@@ -8413,7 +8497,7 @@
           <a:p>
             <a:fld id="{48A87A34-81AB-432B-8DAE-1953F412C126}" type="datetimeFigureOut">
               <a:rPr lang="en-US" dirty="0"/>
-              <a:t>7/31/2019</a:t>
+              <a:t>8/8/2019</a:t>
             </a:fld>
             <a:endParaRPr lang="en-US" dirty="0"/>
           </a:p>
@@ -8658,7 +8742,7 @@
           <a:p>
             <a:fld id="{48A87A34-81AB-432B-8DAE-1953F412C126}" type="datetimeFigureOut">
               <a:rPr lang="en-US" dirty="0"/>
-              <a:t>7/31/2019</a:t>
+              <a:t>8/8/2019</a:t>
             </a:fld>
             <a:endParaRPr lang="en-US" dirty="0"/>
           </a:p>
@@ -8885,7 +8969,7 @@
           <a:p>
             <a:fld id="{48A87A34-81AB-432B-8DAE-1953F412C126}" type="datetimeFigureOut">
               <a:rPr lang="en-US" dirty="0"/>
-              <a:t>7/31/2019</a:t>
+              <a:t>8/8/2019</a:t>
             </a:fld>
             <a:endParaRPr lang="en-US" dirty="0"/>
           </a:p>
@@ -9261,7 +9345,7 @@
           <a:p>
             <a:fld id="{48A87A34-81AB-432B-8DAE-1953F412C126}" type="datetimeFigureOut">
               <a:rPr lang="en-US" dirty="0"/>
-              <a:t>7/31/2019</a:t>
+              <a:t>8/8/2019</a:t>
             </a:fld>
             <a:endParaRPr lang="en-US" dirty="0"/>
           </a:p>
@@ -9374,7 +9458,7 @@
           <a:p>
             <a:fld id="{48A87A34-81AB-432B-8DAE-1953F412C126}" type="datetimeFigureOut">
               <a:rPr lang="en-US" dirty="0"/>
-              <a:t>7/31/2019</a:t>
+              <a:t>8/8/2019</a:t>
             </a:fld>
             <a:endParaRPr lang="en-US" dirty="0"/>
           </a:p>
@@ -9464,7 +9548,7 @@
           <a:p>
             <a:fld id="{48A87A34-81AB-432B-8DAE-1953F412C126}" type="datetimeFigureOut">
               <a:rPr lang="en-US" dirty="0"/>
-              <a:t>7/31/2019</a:t>
+              <a:t>8/8/2019</a:t>
             </a:fld>
             <a:endParaRPr lang="en-US" dirty="0"/>
           </a:p>
@@ -9708,7 +9792,7 @@
           <a:p>
             <a:fld id="{48A87A34-81AB-432B-8DAE-1953F412C126}" type="datetimeFigureOut">
               <a:rPr lang="en-US" dirty="0"/>
-              <a:t>7/31/2019</a:t>
+              <a:t>8/8/2019</a:t>
             </a:fld>
             <a:endParaRPr lang="en-US" dirty="0"/>
           </a:p>
@@ -9983,7 +10067,7 @@
           <a:p>
             <a:fld id="{48A87A34-81AB-432B-8DAE-1953F412C126}" type="datetimeFigureOut">
               <a:rPr lang="en-US" dirty="0"/>
-              <a:t>7/31/2019</a:t>
+              <a:t>8/8/2019</a:t>
             </a:fld>
             <a:endParaRPr lang="en-US" dirty="0"/>
           </a:p>
@@ -10094,7 +10178,7 @@
           <a:noFill/>
           <a:extLst>
             <a:ext uri="{909E8E84-426E-40dd-AFC4-6F175D3DCCD1}">
-              <a14:hiddenFill xmlns="" xmlns:a14="http://schemas.microsoft.com/office/drawing/2010/main">
+              <a14:hiddenFill xmlns:a14="http://schemas.microsoft.com/office/drawing/2010/main" xmlns="">
                 <a:solidFill>
                   <a:srgbClr val="FFFFFF"/>
                 </a:solidFill>
@@ -10168,7 +10252,7 @@
               </a:ln>
               <a:extLst>
                 <a:ext uri="{91240B29-F687-4f45-9708-019B960494DF}">
-                  <a14:hiddenLine xmlns="" xmlns:a14="http://schemas.microsoft.com/office/drawing/2010/main" w="9525">
+                  <a14:hiddenLine xmlns:a14="http://schemas.microsoft.com/office/drawing/2010/main" xmlns="" w="9525">
                     <a:solidFill>
                       <a:srgbClr val="000000"/>
                     </a:solidFill>
@@ -10258,7 +10342,7 @@
               </a:ln>
               <a:extLst>
                 <a:ext uri="{91240B29-F687-4f45-9708-019B960494DF}">
-                  <a14:hiddenLine xmlns="" xmlns:a14="http://schemas.microsoft.com/office/drawing/2010/main" w="9525">
+                  <a14:hiddenLine xmlns:a14="http://schemas.microsoft.com/office/drawing/2010/main" xmlns="" w="9525">
                     <a:solidFill>
                       <a:srgbClr val="000000"/>
                     </a:solidFill>
@@ -10348,7 +10432,7 @@
               </a:ln>
               <a:extLst>
                 <a:ext uri="{91240B29-F687-4f45-9708-019B960494DF}">
-                  <a14:hiddenLine xmlns="" xmlns:a14="http://schemas.microsoft.com/office/drawing/2010/main" w="9525">
+                  <a14:hiddenLine xmlns:a14="http://schemas.microsoft.com/office/drawing/2010/main" xmlns="" w="9525">
                     <a:solidFill>
                       <a:srgbClr val="000000"/>
                     </a:solidFill>
@@ -10410,7 +10494,7 @@
               </a:ln>
               <a:extLst>
                 <a:ext uri="{91240B29-F687-4f45-9708-019B960494DF}">
-                  <a14:hiddenLine xmlns="" xmlns:a14="http://schemas.microsoft.com/office/drawing/2010/main" w="9525">
+                  <a14:hiddenLine xmlns:a14="http://schemas.microsoft.com/office/drawing/2010/main" xmlns="" w="9525">
                     <a:solidFill>
                       <a:srgbClr val="000000"/>
                     </a:solidFill>
@@ -10500,7 +10584,7 @@
               </a:ln>
               <a:extLst>
                 <a:ext uri="{91240B29-F687-4f45-9708-019B960494DF}">
-                  <a14:hiddenLine xmlns="" xmlns:a14="http://schemas.microsoft.com/office/drawing/2010/main" w="9525">
+                  <a14:hiddenLine xmlns:a14="http://schemas.microsoft.com/office/drawing/2010/main" xmlns="" w="9525">
                     <a:solidFill>
                       <a:srgbClr val="000000"/>
                     </a:solidFill>
@@ -10562,7 +10646,7 @@
               </a:ln>
               <a:extLst>
                 <a:ext uri="{91240B29-F687-4f45-9708-019B960494DF}">
-                  <a14:hiddenLine xmlns="" xmlns:a14="http://schemas.microsoft.com/office/drawing/2010/main" w="9525">
+                  <a14:hiddenLine xmlns:a14="http://schemas.microsoft.com/office/drawing/2010/main" xmlns="" w="9525">
                     <a:solidFill>
                       <a:srgbClr val="000000"/>
                     </a:solidFill>
@@ -10624,7 +10708,7 @@
               </a:ln>
               <a:extLst>
                 <a:ext uri="{91240B29-F687-4f45-9708-019B960494DF}">
-                  <a14:hiddenLine xmlns="" xmlns:a14="http://schemas.microsoft.com/office/drawing/2010/main" w="9525">
+                  <a14:hiddenLine xmlns:a14="http://schemas.microsoft.com/office/drawing/2010/main" xmlns="" w="9525">
                     <a:solidFill>
                       <a:srgbClr val="000000"/>
                     </a:solidFill>
@@ -10714,7 +10798,7 @@
               </a:ln>
               <a:extLst>
                 <a:ext uri="{91240B29-F687-4f45-9708-019B960494DF}">
-                  <a14:hiddenLine xmlns="" xmlns:a14="http://schemas.microsoft.com/office/drawing/2010/main" w="9525">
+                  <a14:hiddenLine xmlns:a14="http://schemas.microsoft.com/office/drawing/2010/main" xmlns="" w="9525">
                     <a:solidFill>
                       <a:srgbClr val="000000"/>
                     </a:solidFill>
@@ -10804,7 +10888,7 @@
               </a:ln>
               <a:extLst>
                 <a:ext uri="{91240B29-F687-4f45-9708-019B960494DF}">
-                  <a14:hiddenLine xmlns="" xmlns:a14="http://schemas.microsoft.com/office/drawing/2010/main" w="9525">
+                  <a14:hiddenLine xmlns:a14="http://schemas.microsoft.com/office/drawing/2010/main" xmlns="" w="9525">
                     <a:solidFill>
                       <a:srgbClr val="000000"/>
                     </a:solidFill>
@@ -10866,7 +10950,7 @@
               </a:ln>
               <a:extLst>
                 <a:ext uri="{91240B29-F687-4f45-9708-019B960494DF}">
-                  <a14:hiddenLine xmlns="" xmlns:a14="http://schemas.microsoft.com/office/drawing/2010/main" w="9525">
+                  <a14:hiddenLine xmlns:a14="http://schemas.microsoft.com/office/drawing/2010/main" xmlns="" w="9525">
                     <a:solidFill>
                       <a:srgbClr val="000000"/>
                     </a:solidFill>
@@ -10976,7 +11060,7 @@
               </a:ln>
               <a:extLst>
                 <a:ext uri="{91240B29-F687-4f45-9708-019B960494DF}">
-                  <a14:hiddenLine xmlns="" xmlns:a14="http://schemas.microsoft.com/office/drawing/2010/main" w="9525">
+                  <a14:hiddenLine xmlns:a14="http://schemas.microsoft.com/office/drawing/2010/main" xmlns="" w="9525">
                     <a:solidFill>
                       <a:srgbClr val="000000"/>
                     </a:solidFill>
@@ -11060,7 +11144,7 @@
               </a:ln>
               <a:extLst>
                 <a:ext uri="{91240B29-F687-4f45-9708-019B960494DF}">
-                  <a14:hiddenLine xmlns="" xmlns:a14="http://schemas.microsoft.com/office/drawing/2010/main" w="9525">
+                  <a14:hiddenLine xmlns:a14="http://schemas.microsoft.com/office/drawing/2010/main" xmlns="" w="9525">
                     <a:solidFill>
                       <a:srgbClr val="000000"/>
                     </a:solidFill>
@@ -11122,7 +11206,7 @@
               </a:ln>
               <a:extLst>
                 <a:ext uri="{91240B29-F687-4f45-9708-019B960494DF}">
-                  <a14:hiddenLine xmlns="" xmlns:a14="http://schemas.microsoft.com/office/drawing/2010/main" w="9525">
+                  <a14:hiddenLine xmlns:a14="http://schemas.microsoft.com/office/drawing/2010/main" xmlns="" w="9525">
                     <a:solidFill>
                       <a:srgbClr val="000000"/>
                     </a:solidFill>
@@ -11184,7 +11268,7 @@
               </a:ln>
               <a:extLst>
                 <a:ext uri="{91240B29-F687-4f45-9708-019B960494DF}">
-                  <a14:hiddenLine xmlns="" xmlns:a14="http://schemas.microsoft.com/office/drawing/2010/main" w="9525">
+                  <a14:hiddenLine xmlns:a14="http://schemas.microsoft.com/office/drawing/2010/main" xmlns="" w="9525">
                     <a:solidFill>
                       <a:srgbClr val="000000"/>
                     </a:solidFill>
@@ -11274,7 +11358,7 @@
               </a:ln>
               <a:extLst>
                 <a:ext uri="{91240B29-F687-4f45-9708-019B960494DF}">
-                  <a14:hiddenLine xmlns="" xmlns:a14="http://schemas.microsoft.com/office/drawing/2010/main" w="9525">
+                  <a14:hiddenLine xmlns:a14="http://schemas.microsoft.com/office/drawing/2010/main" xmlns="" w="9525">
                     <a:solidFill>
                       <a:srgbClr val="000000"/>
                     </a:solidFill>
@@ -11308,7 +11392,7 @@
               </a:ln>
               <a:extLst>
                 <a:ext uri="{91240B29-F687-4f45-9708-019B960494DF}">
-                  <a14:hiddenLine xmlns="" xmlns:a14="http://schemas.microsoft.com/office/drawing/2010/main" w="9525">
+                  <a14:hiddenLine xmlns:a14="http://schemas.microsoft.com/office/drawing/2010/main" xmlns="" w="9525">
                     <a:solidFill>
                       <a:srgbClr val="000000"/>
                     </a:solidFill>
@@ -11373,7 +11457,7 @@
               </a:ln>
               <a:extLst>
                 <a:ext uri="{91240B29-F687-4f45-9708-019B960494DF}">
-                  <a14:hiddenLine xmlns="" xmlns:a14="http://schemas.microsoft.com/office/drawing/2010/main" w="9525">
+                  <a14:hiddenLine xmlns:a14="http://schemas.microsoft.com/office/drawing/2010/main" xmlns="" w="9525">
                     <a:solidFill>
                       <a:srgbClr val="000000"/>
                     </a:solidFill>
@@ -11463,7 +11547,7 @@
               </a:ln>
               <a:extLst>
                 <a:ext uri="{91240B29-F687-4f45-9708-019B960494DF}">
-                  <a14:hiddenLine xmlns="" xmlns:a14="http://schemas.microsoft.com/office/drawing/2010/main" w="9525">
+                  <a14:hiddenLine xmlns:a14="http://schemas.microsoft.com/office/drawing/2010/main" xmlns="" w="9525">
                     <a:solidFill>
                       <a:srgbClr val="000000"/>
                     </a:solidFill>
@@ -11525,7 +11609,7 @@
               </a:ln>
               <a:extLst>
                 <a:ext uri="{91240B29-F687-4f45-9708-019B960494DF}">
-                  <a14:hiddenLine xmlns="" xmlns:a14="http://schemas.microsoft.com/office/drawing/2010/main" w="9525">
+                  <a14:hiddenLine xmlns:a14="http://schemas.microsoft.com/office/drawing/2010/main" xmlns="" w="9525">
                     <a:solidFill>
                       <a:srgbClr val="000000"/>
                     </a:solidFill>
@@ -11615,7 +11699,7 @@
               </a:ln>
               <a:extLst>
                 <a:ext uri="{91240B29-F687-4f45-9708-019B960494DF}">
-                  <a14:hiddenLine xmlns="" xmlns:a14="http://schemas.microsoft.com/office/drawing/2010/main" w="9525">
+                  <a14:hiddenLine xmlns:a14="http://schemas.microsoft.com/office/drawing/2010/main" xmlns="" w="9525">
                     <a:solidFill>
                       <a:srgbClr val="000000"/>
                     </a:solidFill>
@@ -11680,7 +11764,7 @@
               </a:ln>
               <a:extLst>
                 <a:ext uri="{91240B29-F687-4f45-9708-019B960494DF}">
-                  <a14:hiddenLine xmlns="" xmlns:a14="http://schemas.microsoft.com/office/drawing/2010/main" w="9525">
+                  <a14:hiddenLine xmlns:a14="http://schemas.microsoft.com/office/drawing/2010/main" xmlns="" w="9525">
                     <a:solidFill>
                       <a:srgbClr val="000000"/>
                     </a:solidFill>
@@ -11742,7 +11826,7 @@
               </a:ln>
               <a:extLst>
                 <a:ext uri="{91240B29-F687-4f45-9708-019B960494DF}">
-                  <a14:hiddenLine xmlns="" xmlns:a14="http://schemas.microsoft.com/office/drawing/2010/main" w="9525">
+                  <a14:hiddenLine xmlns:a14="http://schemas.microsoft.com/office/drawing/2010/main" xmlns="" w="9525">
                     <a:solidFill>
                       <a:srgbClr val="000000"/>
                     </a:solidFill>
@@ -11832,7 +11916,7 @@
               </a:ln>
               <a:extLst>
                 <a:ext uri="{91240B29-F687-4f45-9708-019B960494DF}">
-                  <a14:hiddenLine xmlns="" xmlns:a14="http://schemas.microsoft.com/office/drawing/2010/main" w="9525">
+                  <a14:hiddenLine xmlns:a14="http://schemas.microsoft.com/office/drawing/2010/main" xmlns="" w="9525">
                     <a:solidFill>
                       <a:srgbClr val="000000"/>
                     </a:solidFill>
@@ -11922,7 +12006,7 @@
               </a:ln>
               <a:extLst>
                 <a:ext uri="{91240B29-F687-4f45-9708-019B960494DF}">
-                  <a14:hiddenLine xmlns="" xmlns:a14="http://schemas.microsoft.com/office/drawing/2010/main" w="9525">
+                  <a14:hiddenLine xmlns:a14="http://schemas.microsoft.com/office/drawing/2010/main" xmlns="" w="9525">
                     <a:solidFill>
                       <a:srgbClr val="000000"/>
                     </a:solidFill>
@@ -11987,7 +12071,7 @@
               </a:ln>
               <a:extLst>
                 <a:ext uri="{91240B29-F687-4f45-9708-019B960494DF}">
-                  <a14:hiddenLine xmlns="" xmlns:a14="http://schemas.microsoft.com/office/drawing/2010/main" w="9525">
+                  <a14:hiddenLine xmlns:a14="http://schemas.microsoft.com/office/drawing/2010/main" xmlns="" w="9525">
                     <a:solidFill>
                       <a:srgbClr val="000000"/>
                     </a:solidFill>
@@ -12107,7 +12191,7 @@
               </a:ln>
               <a:extLst>
                 <a:ext uri="{91240B29-F687-4f45-9708-019B960494DF}">
-                  <a14:hiddenLine xmlns="" xmlns:a14="http://schemas.microsoft.com/office/drawing/2010/main" w="9525">
+                  <a14:hiddenLine xmlns:a14="http://schemas.microsoft.com/office/drawing/2010/main" xmlns="" w="9525">
                     <a:solidFill>
                       <a:srgbClr val="000000"/>
                     </a:solidFill>
@@ -12205,7 +12289,7 @@
               </a:ln>
               <a:extLst>
                 <a:ext uri="{91240B29-F687-4f45-9708-019B960494DF}">
-                  <a14:hiddenLine xmlns="" xmlns:a14="http://schemas.microsoft.com/office/drawing/2010/main" w="9525">
+                  <a14:hiddenLine xmlns:a14="http://schemas.microsoft.com/office/drawing/2010/main" xmlns="" w="9525">
                     <a:solidFill>
                       <a:srgbClr val="000000"/>
                     </a:solidFill>
@@ -12320,7 +12404,7 @@
               </a:ln>
               <a:extLst>
                 <a:ext uri="{91240B29-F687-4f45-9708-019B960494DF}">
-                  <a14:hiddenLine xmlns="" xmlns:a14="http://schemas.microsoft.com/office/drawing/2010/main" w="9525">
+                  <a14:hiddenLine xmlns:a14="http://schemas.microsoft.com/office/drawing/2010/main" xmlns="" w="9525">
                     <a:solidFill>
                       <a:srgbClr val="000000"/>
                     </a:solidFill>
@@ -12410,7 +12494,7 @@
               </a:ln>
               <a:extLst>
                 <a:ext uri="{91240B29-F687-4f45-9708-019B960494DF}">
-                  <a14:hiddenLine xmlns="" xmlns:a14="http://schemas.microsoft.com/office/drawing/2010/main" w="9525">
+                  <a14:hiddenLine xmlns:a14="http://schemas.microsoft.com/office/drawing/2010/main" xmlns="" w="9525">
                     <a:solidFill>
                       <a:srgbClr val="000000"/>
                     </a:solidFill>
@@ -12475,7 +12559,7 @@
               </a:ln>
               <a:extLst>
                 <a:ext uri="{91240B29-F687-4f45-9708-019B960494DF}">
-                  <a14:hiddenLine xmlns="" xmlns:a14="http://schemas.microsoft.com/office/drawing/2010/main" w="9525">
+                  <a14:hiddenLine xmlns:a14="http://schemas.microsoft.com/office/drawing/2010/main" xmlns="" w="9525">
                     <a:solidFill>
                       <a:srgbClr val="000000"/>
                     </a:solidFill>
@@ -12565,7 +12649,7 @@
               </a:ln>
               <a:extLst>
                 <a:ext uri="{91240B29-F687-4f45-9708-019B960494DF}">
-                  <a14:hiddenLine xmlns="" xmlns:a14="http://schemas.microsoft.com/office/drawing/2010/main" w="9525">
+                  <a14:hiddenLine xmlns:a14="http://schemas.microsoft.com/office/drawing/2010/main" xmlns="" w="9525">
                     <a:solidFill>
                       <a:srgbClr val="000000"/>
                     </a:solidFill>
@@ -12633,7 +12717,7 @@
               </a:ln>
               <a:extLst>
                 <a:ext uri="{91240B29-F687-4f45-9708-019B960494DF}">
-                  <a14:hiddenLine xmlns="" xmlns:a14="http://schemas.microsoft.com/office/drawing/2010/main" w="9525">
+                  <a14:hiddenLine xmlns:a14="http://schemas.microsoft.com/office/drawing/2010/main" xmlns="" w="9525">
                     <a:solidFill>
                       <a:srgbClr val="000000"/>
                     </a:solidFill>
@@ -12723,7 +12807,7 @@
               </a:ln>
               <a:extLst>
                 <a:ext uri="{91240B29-F687-4f45-9708-019B960494DF}">
-                  <a14:hiddenLine xmlns="" xmlns:a14="http://schemas.microsoft.com/office/drawing/2010/main" w="9525">
+                  <a14:hiddenLine xmlns:a14="http://schemas.microsoft.com/office/drawing/2010/main" xmlns="" w="9525">
                     <a:solidFill>
                       <a:srgbClr val="000000"/>
                     </a:solidFill>
@@ -12791,7 +12875,7 @@
               </a:ln>
               <a:extLst>
                 <a:ext uri="{91240B29-F687-4f45-9708-019B960494DF}">
-                  <a14:hiddenLine xmlns="" xmlns:a14="http://schemas.microsoft.com/office/drawing/2010/main" w="9525">
+                  <a14:hiddenLine xmlns:a14="http://schemas.microsoft.com/office/drawing/2010/main" xmlns="" w="9525">
                     <a:solidFill>
                       <a:srgbClr val="000000"/>
                     </a:solidFill>
@@ -12881,7 +12965,7 @@
               </a:ln>
               <a:extLst>
                 <a:ext uri="{91240B29-F687-4f45-9708-019B960494DF}">
-                  <a14:hiddenLine xmlns="" xmlns:a14="http://schemas.microsoft.com/office/drawing/2010/main" w="9525">
+                  <a14:hiddenLine xmlns:a14="http://schemas.microsoft.com/office/drawing/2010/main" xmlns="" w="9525">
                     <a:solidFill>
                       <a:srgbClr val="000000"/>
                     </a:solidFill>
@@ -12915,7 +12999,7 @@
               </a:ln>
               <a:extLst>
                 <a:ext uri="{91240B29-F687-4f45-9708-019B960494DF}">
-                  <a14:hiddenLine xmlns="" xmlns:a14="http://schemas.microsoft.com/office/drawing/2010/main" w="9525">
+                  <a14:hiddenLine xmlns:a14="http://schemas.microsoft.com/office/drawing/2010/main" xmlns="" w="9525">
                     <a:solidFill>
                       <a:srgbClr val="000000"/>
                     </a:solidFill>
@@ -13056,7 +13140,7 @@
             <a:fld id="{48A87A34-81AB-432B-8DAE-1953F412C126}" type="datetimeFigureOut">
               <a:rPr lang="en-US" dirty="0"/>
               <a:pPr/>
-              <a:t>7/31/2019</a:t>
+              <a:t>8/8/2019</a:t>
             </a:fld>
             <a:endParaRPr lang="en-US" dirty="0"/>
           </a:p>
@@ -15664,10 +15748,276 @@
           <a:bodyPr/>
           <a:lstStyle/>
           <a:p>
+            <a:r>
+              <a:rPr lang="en-US" altLang="zh-CN" smtClean="0"/>
+              <a:t>OGC</a:t>
+            </a:r>
+            <a:r>
+              <a:rPr lang="zh-CN" altLang="en-US" smtClean="0"/>
+              <a:t>标准</a:t>
+            </a:r>
+            <a:r>
+              <a:rPr lang="en-US" altLang="zh-CN" smtClean="0"/>
+              <a:t>-----</a:t>
+            </a:r>
+            <a:r>
+              <a:rPr lang="zh-CN" altLang="en-US" smtClean="0"/>
+              <a:t>开放地理空间信息联盟</a:t>
+            </a:r>
             <a:endParaRPr lang="zh-CN" altLang="en-US"/>
           </a:p>
         </p:txBody>
       </p:sp>
+      <p:sp>
+        <p:nvSpPr>
+          <p:cNvPr id="3" name="文本框 2"/>
+          <p:cNvSpPr txBox="1"/>
+          <p:nvPr/>
+        </p:nvSpPr>
+        <p:spPr>
+          <a:xfrm>
+            <a:off x="840024" y="1909002"/>
+            <a:ext cx="9791582" cy="2862322"/>
+          </a:xfrm>
+          <a:prstGeom prst="rect">
+            <a:avLst/>
+          </a:prstGeom>
+          <a:noFill/>
+        </p:spPr>
+        <p:txBody>
+          <a:bodyPr wrap="square" rtlCol="0">
+            <a:spAutoFit/>
+          </a:bodyPr>
+          <a:lstStyle/>
+          <a:p>
+            <a:r>
+              <a:rPr lang="en-US" altLang="zh-CN" smtClean="0"/>
+              <a:t>WMS   web</a:t>
+            </a:r>
+            <a:r>
+              <a:rPr lang="zh-CN" altLang="en-US" smtClean="0"/>
+              <a:t>地图服务</a:t>
+            </a:r>
+            <a:r>
+              <a:rPr lang="en-US" altLang="zh-CN" smtClean="0"/>
+              <a:t>  </a:t>
+            </a:r>
+            <a:r>
+              <a:rPr lang="en-US" altLang="zh-CN" b="1" smtClean="0"/>
+              <a:t>GetCapabilities   GetMap   GetFeatureInfo</a:t>
+            </a:r>
+            <a:endParaRPr lang="en-US" altLang="zh-CN" smtClean="0"/>
+          </a:p>
+          <a:p>
+            <a:r>
+              <a:rPr lang="en-US" altLang="zh-CN" smtClean="0"/>
+              <a:t>WFS    web</a:t>
+            </a:r>
+            <a:r>
+              <a:rPr lang="zh-CN" altLang="en-US" smtClean="0"/>
+              <a:t>要素服务</a:t>
+            </a:r>
+            <a:r>
+              <a:rPr lang="en-US" altLang="zh-CN" smtClean="0"/>
+              <a:t>  GetFeature   DescribeFeatureType  GetCapabilities</a:t>
+            </a:r>
+          </a:p>
+          <a:p>
+            <a:r>
+              <a:rPr lang="en-US" altLang="zh-CN" smtClean="0"/>
+              <a:t>WCS    web</a:t>
+            </a:r>
+            <a:r>
+              <a:rPr lang="zh-CN" altLang="en-US" smtClean="0"/>
+              <a:t>栅格服务 </a:t>
+            </a:r>
+            <a:r>
+              <a:rPr lang="en-US" altLang="zh-CN" b="1"/>
+              <a:t>GetCapabilities </a:t>
+            </a:r>
+            <a:r>
+              <a:rPr lang="en-US" altLang="zh-CN" b="1" smtClean="0"/>
+              <a:t>DescribeCoverage </a:t>
+            </a:r>
+            <a:r>
+              <a:rPr lang="en-US" altLang="zh-CN" b="1"/>
+              <a:t>GetCoverage</a:t>
+            </a:r>
+            <a:endParaRPr lang="en-US" altLang="zh-CN" smtClean="0"/>
+          </a:p>
+          <a:p>
+            <a:r>
+              <a:rPr lang="en-US" altLang="zh-CN" smtClean="0"/>
+              <a:t>WMTS  web</a:t>
+            </a:r>
+            <a:r>
+              <a:rPr lang="zh-CN" altLang="en-US" smtClean="0"/>
+              <a:t>地图切片服务 </a:t>
+            </a:r>
+            <a:r>
+              <a:rPr lang="en-US" altLang="zh-CN" b="1" smtClean="0"/>
+              <a:t>GetCapabilities GetTile </a:t>
+            </a:r>
+            <a:r>
+              <a:rPr lang="en-US" altLang="zh-CN" b="1"/>
+              <a:t>GetFeatureInfo</a:t>
+            </a:r>
+            <a:endParaRPr lang="en-US" altLang="zh-CN" smtClean="0"/>
+          </a:p>
+          <a:p>
+            <a:endParaRPr lang="en-US" altLang="zh-CN"/>
+          </a:p>
+          <a:p>
+            <a:endParaRPr lang="en-US" altLang="zh-CN" smtClean="0"/>
+          </a:p>
+          <a:p>
+            <a:r>
+              <a:rPr lang="en-US" altLang="zh-CN" smtClean="0"/>
+              <a:t>MML</a:t>
+            </a:r>
+          </a:p>
+          <a:p>
+            <a:r>
+              <a:rPr lang="en-US" altLang="zh-CN" smtClean="0"/>
+              <a:t>SFS</a:t>
+            </a:r>
+          </a:p>
+          <a:p>
+            <a:r>
+              <a:rPr lang="en-US" altLang="zh-CN" smtClean="0"/>
+              <a:t>GML</a:t>
+            </a:r>
+          </a:p>
+          <a:p>
+            <a:r>
+              <a:rPr lang="en-US" altLang="zh-CN" smtClean="0"/>
+              <a:t>SLD</a:t>
+            </a:r>
+            <a:endParaRPr lang="zh-CN" altLang="en-US"/>
+          </a:p>
+        </p:txBody>
+      </p:sp>
+      <p:pic>
+        <p:nvPicPr>
+          <p:cNvPr id="4" name="图片 3"/>
+          <p:cNvPicPr>
+            <a:picLocks noChangeAspect="1"/>
+          </p:cNvPicPr>
+          <p:nvPr/>
+        </p:nvPicPr>
+        <p:blipFill>
+          <a:blip r:embed="rId3"/>
+          <a:stretch>
+            <a:fillRect/>
+          </a:stretch>
+        </p:blipFill>
+        <p:spPr>
+          <a:xfrm>
+            <a:off x="1326582" y="-1657957"/>
+            <a:ext cx="5643467" cy="6858000"/>
+          </a:xfrm>
+          <a:prstGeom prst="rect">
+            <a:avLst/>
+          </a:prstGeom>
+        </p:spPr>
+      </p:pic>
+      <p:pic>
+        <p:nvPicPr>
+          <p:cNvPr id="5" name="图片 4"/>
+          <p:cNvPicPr>
+            <a:picLocks noChangeAspect="1"/>
+          </p:cNvPicPr>
+          <p:nvPr/>
+        </p:nvPicPr>
+        <p:blipFill>
+          <a:blip r:embed="rId4"/>
+          <a:stretch>
+            <a:fillRect/>
+          </a:stretch>
+        </p:blipFill>
+        <p:spPr>
+          <a:xfrm>
+            <a:off x="5413576" y="618518"/>
+            <a:ext cx="5876925" cy="4581525"/>
+          </a:xfrm>
+          <a:prstGeom prst="rect">
+            <a:avLst/>
+          </a:prstGeom>
+        </p:spPr>
+      </p:pic>
+      <p:sp>
+        <p:nvSpPr>
+          <p:cNvPr id="6" name="矩形 5"/>
+          <p:cNvSpPr/>
+          <p:nvPr/>
+        </p:nvSpPr>
+        <p:spPr>
+          <a:xfrm>
+            <a:off x="1406486" y="5808565"/>
+            <a:ext cx="8850218" cy="369332"/>
+          </a:xfrm>
+          <a:prstGeom prst="rect">
+            <a:avLst/>
+          </a:prstGeom>
+        </p:spPr>
+        <p:txBody>
+          <a:bodyPr wrap="square">
+            <a:spAutoFit/>
+          </a:bodyPr>
+          <a:lstStyle/>
+          <a:p>
+            <a:r>
+              <a:rPr lang="en-US" altLang="zh-CN" smtClean="0">
+                <a:hlinkClick r:id="rId5"/>
+              </a:rPr>
+              <a:t>OGC</a:t>
+            </a:r>
+            <a:r>
+              <a:rPr lang="zh-CN" altLang="en-US" smtClean="0">
+                <a:hlinkClick r:id="rId5"/>
+              </a:rPr>
+              <a:t>标准： </a:t>
+            </a:r>
+            <a:r>
+              <a:rPr lang="en-US" altLang="zh-CN" smtClean="0">
+                <a:hlinkClick r:id="rId5"/>
+              </a:rPr>
+              <a:t>http</a:t>
+            </a:r>
+            <a:r>
+              <a:rPr lang="en-US" altLang="zh-CN">
+                <a:hlinkClick r:id="rId5"/>
+              </a:rPr>
+              <a:t>://www.opengeospatial.org/standards/3DTiles#downloads</a:t>
+            </a:r>
+            <a:endParaRPr lang="zh-CN" altLang="en-US"/>
+          </a:p>
+        </p:txBody>
+      </p:sp>
+      <p:pic>
+        <p:nvPicPr>
+          <p:cNvPr id="7" name="图片 6"/>
+          <p:cNvPicPr>
+            <a:picLocks noChangeAspect="1"/>
+          </p:cNvPicPr>
+          <p:nvPr/>
+        </p:nvPicPr>
+        <p:blipFill>
+          <a:blip r:embed="rId6"/>
+          <a:stretch>
+            <a:fillRect/>
+          </a:stretch>
+        </p:blipFill>
+        <p:spPr>
+          <a:xfrm>
+            <a:off x="2358033" y="-1353696"/>
+            <a:ext cx="8458742" cy="6858000"/>
+          </a:xfrm>
+          <a:prstGeom prst="rect">
+            <a:avLst/>
+          </a:prstGeom>
+        </p:spPr>
+      </p:pic>
     </p:spTree>
     <p:extLst>
       <p:ext uri="{BB962C8B-B14F-4D97-AF65-F5344CB8AC3E}">
